--- a/CROP LINK.pptx
+++ b/CROP LINK.pptx
@@ -5,10 +5,10 @@
     <p:sldMasterId id="2147483650" r:id="rId4"/>
   </p:sldMasterIdLst>
   <p:notesMasterIdLst>
-    <p:notesMasterId r:id="rId20"/>
+    <p:notesMasterId r:id="rId23"/>
   </p:notesMasterIdLst>
   <p:handoutMasterIdLst>
-    <p:handoutMasterId r:id="rId21"/>
+    <p:handoutMasterId r:id="rId24"/>
   </p:handoutMasterIdLst>
   <p:sldIdLst>
     <p:sldId id="312" r:id="rId5"/>
@@ -18,14 +18,17 @@
     <p:sldId id="281" r:id="rId9"/>
     <p:sldId id="282" r:id="rId10"/>
     <p:sldId id="307" r:id="rId11"/>
-    <p:sldId id="297" r:id="rId12"/>
-    <p:sldId id="314" r:id="rId13"/>
-    <p:sldId id="315" r:id="rId14"/>
-    <p:sldId id="317" r:id="rId15"/>
-    <p:sldId id="318" r:id="rId16"/>
-    <p:sldId id="319" r:id="rId17"/>
-    <p:sldId id="321" r:id="rId18"/>
-    <p:sldId id="322" r:id="rId19"/>
+    <p:sldId id="332" r:id="rId12"/>
+    <p:sldId id="325" r:id="rId13"/>
+    <p:sldId id="326" r:id="rId14"/>
+    <p:sldId id="327" r:id="rId15"/>
+    <p:sldId id="328" r:id="rId16"/>
+    <p:sldId id="330" r:id="rId17"/>
+    <p:sldId id="329" r:id="rId18"/>
+    <p:sldId id="333" r:id="rId19"/>
+    <p:sldId id="314" r:id="rId20"/>
+    <p:sldId id="321" r:id="rId21"/>
+    <p:sldId id="297" r:id="rId22"/>
   </p:sldIdLst>
   <p:sldSz cx="12192000" cy="6858000"/>
   <p:notesSz cx="13716000" cy="24384000"/>
@@ -631,338 +634,6 @@
 </p:notes>
 </file>
 
-<file path=ppt/notesSlides/notesSlide10.xml><?xml version="1.0" encoding="utf-8"?>
-<p:notes xmlns:a="http://schemas.openxmlformats.org/drawingml/2006/main" xmlns:r="http://schemas.openxmlformats.org/officeDocument/2006/relationships" xmlns:p="http://schemas.openxmlformats.org/presentationml/2006/main">
-  <p:cSld>
-    <p:spTree>
-      <p:nvGrpSpPr>
-        <p:cNvPr id="1" name=""/>
-        <p:cNvGrpSpPr/>
-        <p:nvPr/>
-      </p:nvGrpSpPr>
-      <p:grpSpPr>
-        <a:xfrm>
-          <a:off x="0" y="0"/>
-          <a:ext cx="0" cy="0"/>
-          <a:chOff x="0" y="0"/>
-          <a:chExt cx="0" cy="0"/>
-        </a:xfrm>
-      </p:grpSpPr>
-      <p:sp>
-        <p:nvSpPr>
-          <p:cNvPr id="2" name="Slide Image Placeholder 1"/>
-          <p:cNvSpPr>
-            <a:spLocks noGrp="1" noRot="1" noChangeAspect="1"/>
-          </p:cNvSpPr>
-          <p:nvPr>
-            <p:ph type="sldImg"/>
-          </p:nvPr>
-        </p:nvSpPr>
-        <p:spPr>
-          <a:xfrm>
-            <a:off x="-457200" y="3048000"/>
-            <a:ext cx="14630400" cy="8229600"/>
-          </a:xfrm>
-          <a:prstGeom prst="rect">
-            <a:avLst/>
-          </a:prstGeom>
-          <a:noFill/>
-          <a:ln w="12700">
-            <a:solidFill>
-              <a:prstClr val="black"/>
-            </a:solidFill>
-          </a:ln>
-        </p:spPr>
-      </p:sp>
-      <p:sp>
-        <p:nvSpPr>
-          <p:cNvPr id="3" name="Notes Placeholder 2"/>
-          <p:cNvSpPr>
-            <a:spLocks noGrp="1"/>
-          </p:cNvSpPr>
-          <p:nvPr>
-            <p:ph type="body" idx="1"/>
-          </p:nvPr>
-        </p:nvSpPr>
-        <p:spPr>
-          <a:xfrm>
-            <a:off x="1371600" y="11734800"/>
-            <a:ext cx="10972800" cy="9601200"/>
-          </a:xfrm>
-          <a:prstGeom prst="rect">
-            <a:avLst/>
-          </a:prstGeom>
-        </p:spPr>
-        <p:txBody>
-          <a:bodyPr/>
-          <a:lstStyle/>
-          <a:p>
-            <a:endParaRPr lang="en-US" dirty="0"/>
-          </a:p>
-        </p:txBody>
-      </p:sp>
-    </p:spTree>
-    <p:extLst>
-      <p:ext uri="{BB962C8B-B14F-4D97-AF65-F5344CB8AC3E}">
-        <p14:creationId xmlns:p14="http://schemas.microsoft.com/office/powerpoint/2010/main" val="984541709"/>
-      </p:ext>
-    </p:extLst>
-  </p:cSld>
-  <p:clrMapOvr>
-    <a:masterClrMapping/>
-  </p:clrMapOvr>
-</p:notes>
-</file>
-
-<file path=ppt/notesSlides/notesSlide11.xml><?xml version="1.0" encoding="utf-8"?>
-<p:notes xmlns:a="http://schemas.openxmlformats.org/drawingml/2006/main" xmlns:r="http://schemas.openxmlformats.org/officeDocument/2006/relationships" xmlns:p="http://schemas.openxmlformats.org/presentationml/2006/main">
-  <p:cSld>
-    <p:spTree>
-      <p:nvGrpSpPr>
-        <p:cNvPr id="1" name=""/>
-        <p:cNvGrpSpPr/>
-        <p:nvPr/>
-      </p:nvGrpSpPr>
-      <p:grpSpPr>
-        <a:xfrm>
-          <a:off x="0" y="0"/>
-          <a:ext cx="0" cy="0"/>
-          <a:chOff x="0" y="0"/>
-          <a:chExt cx="0" cy="0"/>
-        </a:xfrm>
-      </p:grpSpPr>
-      <p:sp>
-        <p:nvSpPr>
-          <p:cNvPr id="2" name="Slide Image Placeholder 1"/>
-          <p:cNvSpPr>
-            <a:spLocks noGrp="1" noRot="1" noChangeAspect="1"/>
-          </p:cNvSpPr>
-          <p:nvPr>
-            <p:ph type="sldImg"/>
-          </p:nvPr>
-        </p:nvSpPr>
-        <p:spPr>
-          <a:xfrm>
-            <a:off x="-457200" y="3048000"/>
-            <a:ext cx="14630400" cy="8229600"/>
-          </a:xfrm>
-          <a:prstGeom prst="rect">
-            <a:avLst/>
-          </a:prstGeom>
-          <a:noFill/>
-          <a:ln w="12700">
-            <a:solidFill>
-              <a:prstClr val="black"/>
-            </a:solidFill>
-          </a:ln>
-        </p:spPr>
-      </p:sp>
-      <p:sp>
-        <p:nvSpPr>
-          <p:cNvPr id="3" name="Notes Placeholder 2"/>
-          <p:cNvSpPr>
-            <a:spLocks noGrp="1"/>
-          </p:cNvSpPr>
-          <p:nvPr>
-            <p:ph type="body" idx="1"/>
-          </p:nvPr>
-        </p:nvSpPr>
-        <p:spPr>
-          <a:xfrm>
-            <a:off x="1371600" y="11734800"/>
-            <a:ext cx="10972800" cy="9601200"/>
-          </a:xfrm>
-          <a:prstGeom prst="rect">
-            <a:avLst/>
-          </a:prstGeom>
-        </p:spPr>
-        <p:txBody>
-          <a:bodyPr/>
-          <a:lstStyle/>
-          <a:p>
-            <a:endParaRPr lang="en-US" dirty="0"/>
-          </a:p>
-        </p:txBody>
-      </p:sp>
-    </p:spTree>
-    <p:extLst>
-      <p:ext uri="{BB962C8B-B14F-4D97-AF65-F5344CB8AC3E}">
-        <p14:creationId xmlns:p14="http://schemas.microsoft.com/office/powerpoint/2010/main" val="4110138705"/>
-      </p:ext>
-    </p:extLst>
-  </p:cSld>
-  <p:clrMapOvr>
-    <a:masterClrMapping/>
-  </p:clrMapOvr>
-</p:notes>
-</file>
-
-<file path=ppt/notesSlides/notesSlide12.xml><?xml version="1.0" encoding="utf-8"?>
-<p:notes xmlns:a="http://schemas.openxmlformats.org/drawingml/2006/main" xmlns:r="http://schemas.openxmlformats.org/officeDocument/2006/relationships" xmlns:p="http://schemas.openxmlformats.org/presentationml/2006/main">
-  <p:cSld>
-    <p:spTree>
-      <p:nvGrpSpPr>
-        <p:cNvPr id="1" name=""/>
-        <p:cNvGrpSpPr/>
-        <p:nvPr/>
-      </p:nvGrpSpPr>
-      <p:grpSpPr>
-        <a:xfrm>
-          <a:off x="0" y="0"/>
-          <a:ext cx="0" cy="0"/>
-          <a:chOff x="0" y="0"/>
-          <a:chExt cx="0" cy="0"/>
-        </a:xfrm>
-      </p:grpSpPr>
-      <p:sp>
-        <p:nvSpPr>
-          <p:cNvPr id="2" name="Slide Image Placeholder 1"/>
-          <p:cNvSpPr>
-            <a:spLocks noGrp="1" noRot="1" noChangeAspect="1"/>
-          </p:cNvSpPr>
-          <p:nvPr>
-            <p:ph type="sldImg"/>
-          </p:nvPr>
-        </p:nvSpPr>
-        <p:spPr>
-          <a:xfrm>
-            <a:off x="-457200" y="3048000"/>
-            <a:ext cx="14630400" cy="8229600"/>
-          </a:xfrm>
-          <a:prstGeom prst="rect">
-            <a:avLst/>
-          </a:prstGeom>
-          <a:noFill/>
-          <a:ln w="12700">
-            <a:solidFill>
-              <a:prstClr val="black"/>
-            </a:solidFill>
-          </a:ln>
-        </p:spPr>
-      </p:sp>
-      <p:sp>
-        <p:nvSpPr>
-          <p:cNvPr id="3" name="Notes Placeholder 2"/>
-          <p:cNvSpPr>
-            <a:spLocks noGrp="1"/>
-          </p:cNvSpPr>
-          <p:nvPr>
-            <p:ph type="body" idx="1"/>
-          </p:nvPr>
-        </p:nvSpPr>
-        <p:spPr>
-          <a:xfrm>
-            <a:off x="1371600" y="11734800"/>
-            <a:ext cx="10972800" cy="9601200"/>
-          </a:xfrm>
-          <a:prstGeom prst="rect">
-            <a:avLst/>
-          </a:prstGeom>
-        </p:spPr>
-        <p:txBody>
-          <a:bodyPr/>
-          <a:lstStyle/>
-          <a:p>
-            <a:endParaRPr lang="en-US" dirty="0"/>
-          </a:p>
-        </p:txBody>
-      </p:sp>
-    </p:spTree>
-    <p:extLst>
-      <p:ext uri="{BB962C8B-B14F-4D97-AF65-F5344CB8AC3E}">
-        <p14:creationId xmlns:p14="http://schemas.microsoft.com/office/powerpoint/2010/main" val="3047668310"/>
-      </p:ext>
-    </p:extLst>
-  </p:cSld>
-  <p:clrMapOvr>
-    <a:masterClrMapping/>
-  </p:clrMapOvr>
-</p:notes>
-</file>
-
-<file path=ppt/notesSlides/notesSlide13.xml><?xml version="1.0" encoding="utf-8"?>
-<p:notes xmlns:a="http://schemas.openxmlformats.org/drawingml/2006/main" xmlns:r="http://schemas.openxmlformats.org/officeDocument/2006/relationships" xmlns:p="http://schemas.openxmlformats.org/presentationml/2006/main">
-  <p:cSld>
-    <p:spTree>
-      <p:nvGrpSpPr>
-        <p:cNvPr id="1" name=""/>
-        <p:cNvGrpSpPr/>
-        <p:nvPr/>
-      </p:nvGrpSpPr>
-      <p:grpSpPr>
-        <a:xfrm>
-          <a:off x="0" y="0"/>
-          <a:ext cx="0" cy="0"/>
-          <a:chOff x="0" y="0"/>
-          <a:chExt cx="0" cy="0"/>
-        </a:xfrm>
-      </p:grpSpPr>
-      <p:sp>
-        <p:nvSpPr>
-          <p:cNvPr id="2" name="Slide Image Placeholder 1"/>
-          <p:cNvSpPr>
-            <a:spLocks noGrp="1" noRot="1" noChangeAspect="1"/>
-          </p:cNvSpPr>
-          <p:nvPr>
-            <p:ph type="sldImg"/>
-          </p:nvPr>
-        </p:nvSpPr>
-        <p:spPr>
-          <a:xfrm>
-            <a:off x="-457200" y="3048000"/>
-            <a:ext cx="14630400" cy="8229600"/>
-          </a:xfrm>
-          <a:prstGeom prst="rect">
-            <a:avLst/>
-          </a:prstGeom>
-          <a:noFill/>
-          <a:ln w="12700">
-            <a:solidFill>
-              <a:prstClr val="black"/>
-            </a:solidFill>
-          </a:ln>
-        </p:spPr>
-      </p:sp>
-      <p:sp>
-        <p:nvSpPr>
-          <p:cNvPr id="3" name="Notes Placeholder 2"/>
-          <p:cNvSpPr>
-            <a:spLocks noGrp="1"/>
-          </p:cNvSpPr>
-          <p:nvPr>
-            <p:ph type="body" idx="1"/>
-          </p:nvPr>
-        </p:nvSpPr>
-        <p:spPr>
-          <a:xfrm>
-            <a:off x="1371600" y="11734800"/>
-            <a:ext cx="10972800" cy="9601200"/>
-          </a:xfrm>
-          <a:prstGeom prst="rect">
-            <a:avLst/>
-          </a:prstGeom>
-        </p:spPr>
-        <p:txBody>
-          <a:bodyPr/>
-          <a:lstStyle/>
-          <a:p>
-            <a:endParaRPr lang="en-US" dirty="0"/>
-          </a:p>
-        </p:txBody>
-      </p:sp>
-    </p:spTree>
-    <p:extLst>
-      <p:ext uri="{BB962C8B-B14F-4D97-AF65-F5344CB8AC3E}">
-        <p14:creationId xmlns:p14="http://schemas.microsoft.com/office/powerpoint/2010/main" val="2508814883"/>
-      </p:ext>
-    </p:extLst>
-  </p:cSld>
-  <p:clrMapOvr>
-    <a:masterClrMapping/>
-  </p:clrMapOvr>
-</p:notes>
-</file>
-
 <file path=ppt/notesSlides/notesSlide2.xml><?xml version="1.0" encoding="utf-8"?>
 <p:notes xmlns:a="http://schemas.openxmlformats.org/drawingml/2006/main" xmlns:r="http://schemas.openxmlformats.org/officeDocument/2006/relationships" xmlns:p="http://schemas.openxmlformats.org/presentationml/2006/main">
   <p:cSld>
@@ -1368,7 +1039,7 @@
     </p:spTree>
     <p:extLst>
       <p:ext uri="{BB962C8B-B14F-4D97-AF65-F5344CB8AC3E}">
-        <p14:creationId xmlns:p14="http://schemas.microsoft.com/office/powerpoint/2010/main" val="931307476"/>
+        <p14:creationId xmlns:p14="http://schemas.microsoft.com/office/powerpoint/2010/main" val="87667087"/>
       </p:ext>
     </p:extLst>
   </p:cSld>
@@ -1451,7 +1122,7 @@
     </p:spTree>
     <p:extLst>
       <p:ext uri="{BB962C8B-B14F-4D97-AF65-F5344CB8AC3E}">
-        <p14:creationId xmlns:p14="http://schemas.microsoft.com/office/powerpoint/2010/main" val="87667087"/>
+        <p14:creationId xmlns:p14="http://schemas.microsoft.com/office/powerpoint/2010/main" val="3047668310"/>
       </p:ext>
     </p:extLst>
   </p:cSld>
@@ -1534,90 +1205,7 @@
     </p:spTree>
     <p:extLst>
       <p:ext uri="{BB962C8B-B14F-4D97-AF65-F5344CB8AC3E}">
-        <p14:creationId xmlns:p14="http://schemas.microsoft.com/office/powerpoint/2010/main" val="1649742202"/>
-      </p:ext>
-    </p:extLst>
-  </p:cSld>
-  <p:clrMapOvr>
-    <a:masterClrMapping/>
-  </p:clrMapOvr>
-</p:notes>
-</file>
-
-<file path=ppt/notesSlides/notesSlide9.xml><?xml version="1.0" encoding="utf-8"?>
-<p:notes xmlns:a="http://schemas.openxmlformats.org/drawingml/2006/main" xmlns:r="http://schemas.openxmlformats.org/officeDocument/2006/relationships" xmlns:p="http://schemas.openxmlformats.org/presentationml/2006/main">
-  <p:cSld>
-    <p:spTree>
-      <p:nvGrpSpPr>
-        <p:cNvPr id="1" name=""/>
-        <p:cNvGrpSpPr/>
-        <p:nvPr/>
-      </p:nvGrpSpPr>
-      <p:grpSpPr>
-        <a:xfrm>
-          <a:off x="0" y="0"/>
-          <a:ext cx="0" cy="0"/>
-          <a:chOff x="0" y="0"/>
-          <a:chExt cx="0" cy="0"/>
-        </a:xfrm>
-      </p:grpSpPr>
-      <p:sp>
-        <p:nvSpPr>
-          <p:cNvPr id="2" name="Slide Image Placeholder 1"/>
-          <p:cNvSpPr>
-            <a:spLocks noGrp="1" noRot="1" noChangeAspect="1"/>
-          </p:cNvSpPr>
-          <p:nvPr>
-            <p:ph type="sldImg"/>
-          </p:nvPr>
-        </p:nvSpPr>
-        <p:spPr>
-          <a:xfrm>
-            <a:off x="-457200" y="3048000"/>
-            <a:ext cx="14630400" cy="8229600"/>
-          </a:xfrm>
-          <a:prstGeom prst="rect">
-            <a:avLst/>
-          </a:prstGeom>
-          <a:noFill/>
-          <a:ln w="12700">
-            <a:solidFill>
-              <a:prstClr val="black"/>
-            </a:solidFill>
-          </a:ln>
-        </p:spPr>
-      </p:sp>
-      <p:sp>
-        <p:nvSpPr>
-          <p:cNvPr id="3" name="Notes Placeholder 2"/>
-          <p:cNvSpPr>
-            <a:spLocks noGrp="1"/>
-          </p:cNvSpPr>
-          <p:nvPr>
-            <p:ph type="body" idx="1"/>
-          </p:nvPr>
-        </p:nvSpPr>
-        <p:spPr>
-          <a:xfrm>
-            <a:off x="1371600" y="11734800"/>
-            <a:ext cx="10972800" cy="9601200"/>
-          </a:xfrm>
-          <a:prstGeom prst="rect">
-            <a:avLst/>
-          </a:prstGeom>
-        </p:spPr>
-        <p:txBody>
-          <a:bodyPr/>
-          <a:lstStyle/>
-          <a:p>
-            <a:endParaRPr lang="en-US" dirty="0"/>
-          </a:p>
-        </p:txBody>
-      </p:sp>
-    </p:spTree>
-    <p:extLst>
-      <p:ext uri="{BB962C8B-B14F-4D97-AF65-F5344CB8AC3E}">
-        <p14:creationId xmlns:p14="http://schemas.microsoft.com/office/powerpoint/2010/main" val="177914689"/>
+        <p14:creationId xmlns:p14="http://schemas.microsoft.com/office/powerpoint/2010/main" val="931307476"/>
       </p:ext>
     </p:extLst>
   </p:cSld>
@@ -17973,7 +17561,7 @@
           <p:cNvPr id="2" name="Title 1">
             <a:extLst>
               <a:ext uri="{FF2B5EF4-FFF2-40B4-BE49-F238E27FC236}">
-                <a16:creationId xmlns:a16="http://schemas.microsoft.com/office/drawing/2014/main" id="{B28A34A6-22BC-27A4-2C79-EE98A4943B14}"/>
+                <a16:creationId xmlns:a16="http://schemas.microsoft.com/office/drawing/2014/main" id="{BDFAAED2-8753-950D-5CFE-0F3D82766D85}"/>
               </a:ext>
             </a:extLst>
           </p:cNvPr>
@@ -17984,10 +17572,46 @@
             <p:ph type="title"/>
           </p:nvPr>
         </p:nvSpPr>
+        <p:spPr/>
+        <p:txBody>
+          <a:bodyPr/>
+          <a:lstStyle/>
+          <a:p>
+            <a:r>
+              <a:rPr lang="en-IN" sz="4000" dirty="0"/>
+              <a:t>3.</a:t>
+            </a:r>
+            <a:r>
+              <a:rPr lang="en-IN" sz="4000" b="1" dirty="0"/>
+              <a:t> Initializing Flask App</a:t>
+            </a:r>
+            <a:r>
+              <a:rPr lang="en-IN" sz="4000" dirty="0"/>
+              <a:t>:</a:t>
+            </a:r>
+          </a:p>
+        </p:txBody>
+      </p:sp>
+      <p:sp>
+        <p:nvSpPr>
+          <p:cNvPr id="3" name="Content Placeholder 2">
+            <a:extLst>
+              <a:ext uri="{FF2B5EF4-FFF2-40B4-BE49-F238E27FC236}">
+                <a16:creationId xmlns:a16="http://schemas.microsoft.com/office/drawing/2014/main" id="{B16FEF86-96E6-D73D-2592-0278EF3DCD8F}"/>
+              </a:ext>
+            </a:extLst>
+          </p:cNvPr>
+          <p:cNvSpPr>
+            <a:spLocks noGrp="1"/>
+          </p:cNvSpPr>
+          <p:nvPr>
+            <p:ph idx="13"/>
+          </p:nvPr>
+        </p:nvSpPr>
         <p:spPr>
           <a:xfrm>
-            <a:off x="914399" y="834635"/>
-            <a:ext cx="7796464" cy="1222385"/>
+            <a:off x="914400" y="2600797"/>
+            <a:ext cx="6903076" cy="3452811"/>
           </a:xfrm>
         </p:spPr>
         <p:txBody>
@@ -17996,17 +17620,26 @@
           <a:p>
             <a:r>
               <a:rPr lang="en-US" dirty="0"/>
-              <a:t>Effective delivery techniques</a:t>
-            </a:r>
+              <a:t>An instance of the Flask application is created with the name app, and a static folder is specified so that there is a direct link between the static file and image could be </a:t>
+            </a:r>
+            <a:r>
+              <a:rPr lang="en-US" dirty="0" err="1"/>
+              <a:t>retrived</a:t>
+            </a:r>
+            <a:r>
+              <a:rPr lang="en-US" dirty="0"/>
+              <a:t> from it.</a:t>
+            </a:r>
+            <a:endParaRPr lang="en-IN" dirty="0"/>
           </a:p>
         </p:txBody>
       </p:sp>
       <p:sp>
         <p:nvSpPr>
-          <p:cNvPr id="3" name="Slide Number Placeholder 2">
+          <p:cNvPr id="5" name="Slide Number Placeholder 4">
             <a:extLst>
               <a:ext uri="{FF2B5EF4-FFF2-40B4-BE49-F238E27FC236}">
-                <a16:creationId xmlns:a16="http://schemas.microsoft.com/office/drawing/2014/main" id="{7267C004-8B72-C872-98FB-00A2A584D055}"/>
+                <a16:creationId xmlns:a16="http://schemas.microsoft.com/office/drawing/2014/main" id="{37BECAD7-76DF-370E-8C04-DF3641F17FB0}"/>
               </a:ext>
             </a:extLst>
           </p:cNvPr>
@@ -18017,12 +17650,7 @@
             <p:ph type="sldNum" sz="quarter" idx="10"/>
           </p:nvPr>
         </p:nvSpPr>
-        <p:spPr>
-          <a:xfrm>
-            <a:off x="10438475" y="457199"/>
-            <a:ext cx="987552" cy="471489"/>
-          </a:xfrm>
-        </p:spPr>
+        <p:spPr/>
         <p:txBody>
           <a:bodyPr/>
           <a:lstStyle/>
@@ -18036,129 +17664,43 @@
           </a:p>
         </p:txBody>
       </p:sp>
-      <p:sp>
-        <p:nvSpPr>
-          <p:cNvPr id="16" name="Content Placeholder 4">
+      <p:pic>
+        <p:nvPicPr>
+          <p:cNvPr id="23" name="Picture Placeholder 22">
             <a:extLst>
               <a:ext uri="{FF2B5EF4-FFF2-40B4-BE49-F238E27FC236}">
-                <a16:creationId xmlns:a16="http://schemas.microsoft.com/office/drawing/2014/main" id="{AEF9954A-E263-8A7E-58B1-4D03F7D1BD9B}"/>
+                <a16:creationId xmlns:a16="http://schemas.microsoft.com/office/drawing/2014/main" id="{BF35A5DD-E05C-C4DE-C0FD-3A1A9FD01208}"/>
               </a:ext>
             </a:extLst>
           </p:cNvPr>
-          <p:cNvSpPr>
-            <a:spLocks noGrp="1"/>
-          </p:cNvSpPr>
+          <p:cNvPicPr>
+            <a:picLocks noGrp="1" noChangeAspect="1"/>
+          </p:cNvPicPr>
           <p:nvPr>
-            <p:ph sz="half" idx="2"/>
+            <p:ph type="pic" sz="quarter" idx="14"/>
           </p:nvPr>
-        </p:nvSpPr>
+        </p:nvPicPr>
+        <p:blipFill>
+          <a:blip r:embed="rId2"/>
+          <a:srcRect l="3632" r="3632"/>
+          <a:stretch>
+            <a:fillRect/>
+          </a:stretch>
+        </p:blipFill>
         <p:spPr>
           <a:xfrm>
-            <a:off x="914400" y="2303028"/>
-            <a:ext cx="3283119" cy="3720337"/>
+            <a:off x="8990013" y="3405188"/>
+            <a:ext cx="3201987" cy="3452812"/>
           </a:xfrm>
+          <a:prstGeom prst="rect">
+            <a:avLst/>
+          </a:prstGeom>
         </p:spPr>
-        <p:txBody>
-          <a:bodyPr>
-            <a:normAutofit/>
-          </a:bodyPr>
-          <a:lstStyle/>
-          <a:p>
-            <a:r>
-              <a:rPr lang="en-US" dirty="0"/>
-              <a:t>This is a powerful tool in public speaking. It involves varying pitch, tone, and volume to convey emotion, emphasize points, and maintain interest. </a:t>
-            </a:r>
-          </a:p>
-          <a:p>
-            <a:pPr lvl="1"/>
-            <a:r>
-              <a:rPr lang="en-US" dirty="0"/>
-              <a:t>Pitch variation</a:t>
-            </a:r>
-          </a:p>
-          <a:p>
-            <a:pPr lvl="1"/>
-            <a:r>
-              <a:rPr lang="en-US" dirty="0"/>
-              <a:t>Tone inflection</a:t>
-            </a:r>
-          </a:p>
-          <a:p>
-            <a:pPr lvl="1"/>
-            <a:r>
-              <a:rPr lang="en-US" dirty="0"/>
-              <a:t>Volume control</a:t>
-            </a:r>
-          </a:p>
-        </p:txBody>
-      </p:sp>
-      <p:sp>
-        <p:nvSpPr>
-          <p:cNvPr id="17" name="Content Placeholder 6">
-            <a:extLst>
-              <a:ext uri="{FF2B5EF4-FFF2-40B4-BE49-F238E27FC236}">
-                <a16:creationId xmlns:a16="http://schemas.microsoft.com/office/drawing/2014/main" id="{33680A80-5C61-DD02-1119-0565C0AD5372}"/>
-              </a:ext>
-            </a:extLst>
-          </p:cNvPr>
-          <p:cNvSpPr>
-            <a:spLocks noGrp="1"/>
-          </p:cNvSpPr>
-          <p:nvPr>
-            <p:ph sz="quarter" idx="4"/>
-          </p:nvPr>
-        </p:nvSpPr>
-        <p:spPr>
-          <a:xfrm>
-            <a:off x="4782159" y="2303028"/>
-            <a:ext cx="3284951" cy="3720337"/>
-          </a:xfrm>
-        </p:spPr>
-        <p:txBody>
-          <a:bodyPr>
-            <a:normAutofit/>
-          </a:bodyPr>
-          <a:lstStyle/>
-          <a:p>
-            <a:r>
-              <a:rPr lang="en-US" dirty="0"/>
-              <a:t>Effective body language enhances your message, making it more impactful and memorable.</a:t>
-            </a:r>
-          </a:p>
-          <a:p>
-            <a:pPr lvl="1"/>
-            <a:r>
-              <a:rPr lang="en-US" dirty="0"/>
-              <a:t>Meaningful eye contact</a:t>
-            </a:r>
-          </a:p>
-          <a:p>
-            <a:pPr lvl="1"/>
-            <a:r>
-              <a:rPr lang="en-US" dirty="0"/>
-              <a:t>Purposeful gestures</a:t>
-            </a:r>
-          </a:p>
-          <a:p>
-            <a:pPr lvl="1"/>
-            <a:r>
-              <a:rPr lang="en-US" dirty="0"/>
-              <a:t>Maintain good posture</a:t>
-            </a:r>
-          </a:p>
-          <a:p>
-            <a:pPr lvl="1"/>
-            <a:r>
-              <a:rPr lang="en-US" dirty="0"/>
-              <a:t>Control your expressions</a:t>
-            </a:r>
-          </a:p>
-        </p:txBody>
-      </p:sp>
+      </p:pic>
     </p:spTree>
     <p:extLst>
       <p:ext uri="{BB962C8B-B14F-4D97-AF65-F5344CB8AC3E}">
-        <p14:creationId xmlns:p14="http://schemas.microsoft.com/office/powerpoint/2010/main" val="2468595790"/>
+        <p14:creationId xmlns:p14="http://schemas.microsoft.com/office/powerpoint/2010/main" val="308730340"/>
       </p:ext>
     </p:extLst>
   </p:cSld>
@@ -18187,10 +17729,10 @@
       </p:grpSpPr>
       <p:sp>
         <p:nvSpPr>
-          <p:cNvPr id="3" name="Title 2">
+          <p:cNvPr id="2" name="Title 1">
             <a:extLst>
               <a:ext uri="{FF2B5EF4-FFF2-40B4-BE49-F238E27FC236}">
-                <a16:creationId xmlns:a16="http://schemas.microsoft.com/office/drawing/2014/main" id="{3D55F2D4-C20E-BEBC-1CCF-4449B0456A7E}"/>
+                <a16:creationId xmlns:a16="http://schemas.microsoft.com/office/drawing/2014/main" id="{60E4AFE7-1E6D-2780-1FAB-CE34F8A34A07}"/>
               </a:ext>
             </a:extLst>
           </p:cNvPr>
@@ -18203,8 +17745,8 @@
         </p:nvSpPr>
         <p:spPr>
           <a:xfrm>
-            <a:off x="914400" y="965393"/>
-            <a:ext cx="7631709" cy="1091627"/>
+            <a:off x="914400" y="722695"/>
+            <a:ext cx="7843837" cy="1012782"/>
           </a:xfrm>
         </p:spPr>
         <p:txBody>
@@ -18212,25 +17754,26 @@
           <a:lstStyle/>
           <a:p>
             <a:r>
-              <a:rPr lang="en-US" dirty="0"/>
-              <a:t>Navigating Q&amp;A </a:t>
-            </a:r>
-            <a:br>
-              <a:rPr lang="en-US" dirty="0"/>
-            </a:br>
-            <a:r>
-              <a:rPr lang="en-US" dirty="0"/>
-              <a:t>sessions</a:t>
+              <a:rPr lang="en-IN" sz="4000" dirty="0"/>
+              <a:t>4</a:t>
+            </a:r>
+            <a:r>
+              <a:rPr lang="en-IN" sz="4000" b="1" dirty="0"/>
+              <a:t>.Configurations</a:t>
+            </a:r>
+            <a:r>
+              <a:rPr lang="en-IN" sz="4000" dirty="0"/>
+              <a:t>:</a:t>
             </a:r>
           </a:p>
         </p:txBody>
       </p:sp>
       <p:sp>
         <p:nvSpPr>
-          <p:cNvPr id="14" name="Content Placeholder 7">
+          <p:cNvPr id="3" name="Content Placeholder 2">
             <a:extLst>
               <a:ext uri="{FF2B5EF4-FFF2-40B4-BE49-F238E27FC236}">
-                <a16:creationId xmlns:a16="http://schemas.microsoft.com/office/drawing/2014/main" id="{749C7CD1-A9AA-49E3-6734-AD9546F2DF5B}"/>
+                <a16:creationId xmlns:a16="http://schemas.microsoft.com/office/drawing/2014/main" id="{FECE6827-36F5-17B1-AADB-7E459113BF82}"/>
               </a:ext>
             </a:extLst>
           </p:cNvPr>
@@ -18238,58 +17781,63 @@
             <a:spLocks noGrp="1"/>
           </p:cNvSpPr>
           <p:nvPr>
-            <p:ph sz="half" idx="15"/>
+            <p:ph idx="13"/>
           </p:nvPr>
         </p:nvSpPr>
         <p:spPr>
           <a:xfrm>
-            <a:off x="914400" y="2303463"/>
-            <a:ext cx="3282950" cy="4143375"/>
+            <a:off x="914400" y="2600797"/>
+            <a:ext cx="6903076" cy="3452811"/>
           </a:xfrm>
         </p:spPr>
         <p:txBody>
-          <a:bodyPr>
-            <a:normAutofit/>
-          </a:bodyPr>
+          <a:bodyPr/>
           <a:lstStyle/>
           <a:p>
+            <a:pPr marL="342900" indent="-342900">
+              <a:buFont typeface="Arial" panose="020B0604020202020204" pitchFamily="34" charset="0"/>
+              <a:buChar char="•"/>
+            </a:pPr>
             <a:r>
               <a:rPr lang="en-US" dirty="0"/>
-              <a:t>Maintaining composure during the Q&amp;A session is essential for projecting confidence and authority. Consider the following tips for staying composed:</a:t>
-            </a:r>
-          </a:p>
-          <a:p>
+              <a:t>"SQLALCHEMY_DATABASE_URI" is set to a SQLite database file named "</a:t>
+            </a:r>
+            <a:r>
+              <a:rPr lang="en-US" dirty="0" err="1"/>
+              <a:t>hackathon.db</a:t>
+            </a:r>
             <a:r>
               <a:rPr lang="en-US" dirty="0"/>
-              <a:t>Stay calm</a:t>
-            </a:r>
-          </a:p>
-          <a:p>
+              <a:t>" to store the data.</a:t>
+            </a:r>
+          </a:p>
+          <a:p>
+            <a:pPr marL="342900" indent="-342900">
+              <a:buFont typeface="Arial" panose="020B0604020202020204" pitchFamily="34" charset="0"/>
+              <a:buChar char="•"/>
+            </a:pPr>
             <a:r>
               <a:rPr lang="en-US" dirty="0"/>
-              <a:t>Actively listen</a:t>
-            </a:r>
-          </a:p>
-          <a:p>
+              <a:t>"</a:t>
+            </a:r>
+            <a:r>
+              <a:rPr lang="en-US" dirty="0" err="1"/>
+              <a:t>secret_key</a:t>
+            </a:r>
             <a:r>
               <a:rPr lang="en-US" dirty="0"/>
-              <a:t>Pause and reflect</a:t>
-            </a:r>
-          </a:p>
-          <a:p>
-            <a:r>
-              <a:rPr lang="en-US" dirty="0"/>
-              <a:t>Maintain eye contact</a:t>
-            </a:r>
+              <a:t>" is set for securing session data.</a:t>
+            </a:r>
+            <a:endParaRPr lang="en-IN" dirty="0"/>
           </a:p>
         </p:txBody>
       </p:sp>
       <p:sp>
         <p:nvSpPr>
-          <p:cNvPr id="13" name="Content Placeholder 5">
+          <p:cNvPr id="5" name="Slide Number Placeholder 4">
             <a:extLst>
               <a:ext uri="{FF2B5EF4-FFF2-40B4-BE49-F238E27FC236}">
-                <a16:creationId xmlns:a16="http://schemas.microsoft.com/office/drawing/2014/main" id="{58AC0C8B-8A7A-9FAE-2D0F-4D1C3A8C3FA5}"/>
+                <a16:creationId xmlns:a16="http://schemas.microsoft.com/office/drawing/2014/main" id="{7A638AC4-9E55-A13E-1EE8-91188AF11D7C}"/>
               </a:ext>
             </a:extLst>
           </p:cNvPr>
@@ -18297,44 +17845,29 @@
             <a:spLocks noGrp="1"/>
           </p:cNvSpPr>
           <p:nvPr>
-            <p:ph sz="half" idx="1"/>
+            <p:ph type="sldNum" sz="quarter" idx="10"/>
           </p:nvPr>
         </p:nvSpPr>
-        <p:spPr>
-          <a:xfrm>
-            <a:off x="4781550" y="2303463"/>
-            <a:ext cx="3763963" cy="4143375"/>
-          </a:xfrm>
-        </p:spPr>
+        <p:spPr/>
         <p:txBody>
           <a:bodyPr/>
           <a:lstStyle/>
           <a:p>
-            <a:r>
-              <a:rPr lang="en-US" dirty="0"/>
-              <a:t>Know your material in advance</a:t>
-            </a:r>
-          </a:p>
-          <a:p>
-            <a:r>
-              <a:rPr lang="en-US" dirty="0"/>
-              <a:t>Anticipate common questions</a:t>
-            </a:r>
-          </a:p>
-          <a:p>
-            <a:r>
-              <a:rPr lang="en-US" dirty="0"/>
-              <a:t>Rehearse your responses</a:t>
-            </a:r>
+            <a:fld id="{48F63A3B-78C7-47BE-AE5E-E10140E04643}" type="slidenum">
+              <a:rPr lang="en-US" smtClean="0"/>
+              <a:pPr/>
+              <a:t>11</a:t>
+            </a:fld>
+            <a:endParaRPr lang="en-US" dirty="0"/>
           </a:p>
         </p:txBody>
       </p:sp>
       <p:pic>
         <p:nvPicPr>
-          <p:cNvPr id="10" name="Picture Placeholder 9" descr="A person wearing a blue suit and headphones pointing at a computer">
+          <p:cNvPr id="11" name="Picture Placeholder 10">
             <a:extLst>
               <a:ext uri="{FF2B5EF4-FFF2-40B4-BE49-F238E27FC236}">
-                <a16:creationId xmlns:a16="http://schemas.microsoft.com/office/drawing/2014/main" id="{DD0A0899-5B02-CEB5-E5DD-448B169C2377}"/>
+                <a16:creationId xmlns:a16="http://schemas.microsoft.com/office/drawing/2014/main" id="{C6CE02F4-9F74-DE2D-C32C-DA318B628D01}"/>
               </a:ext>
             </a:extLst>
           </p:cNvPr>
@@ -18345,65 +17878,19 @@
             <p:ph type="pic" sz="quarter" idx="14"/>
           </p:nvPr>
         </p:nvPicPr>
-        <p:blipFill rotWithShape="1">
-          <a:blip r:embed="rId3">
-            <a:duotone>
-              <a:prstClr val="black"/>
-              <a:schemeClr val="accent1">
-                <a:tint val="45000"/>
-                <a:satMod val="400000"/>
-              </a:schemeClr>
-            </a:duotone>
-          </a:blip>
-          <a:srcRect l="31888" r="31888"/>
-          <a:stretch/>
+        <p:blipFill>
+          <a:blip r:embed="rId2"/>
+          <a:srcRect l="3632" r="3632"/>
+          <a:stretch>
+            <a:fillRect/>
+          </a:stretch>
         </p:blipFill>
-        <p:spPr>
-          <a:xfrm>
-            <a:off x="8989454" y="965393"/>
-            <a:ext cx="3202545" cy="5892607"/>
-          </a:xfrm>
-        </p:spPr>
+        <p:spPr/>
       </p:pic>
-      <p:sp>
-        <p:nvSpPr>
-          <p:cNvPr id="4" name="Slide Number Placeholder 3">
-            <a:extLst>
-              <a:ext uri="{FF2B5EF4-FFF2-40B4-BE49-F238E27FC236}">
-                <a16:creationId xmlns:a16="http://schemas.microsoft.com/office/drawing/2014/main" id="{C82CE1B8-1C92-D6D2-444B-652DB90E86D1}"/>
-              </a:ext>
-            </a:extLst>
-          </p:cNvPr>
-          <p:cNvSpPr>
-            <a:spLocks noGrp="1"/>
-          </p:cNvSpPr>
-          <p:nvPr>
-            <p:ph type="sldNum" sz="quarter" idx="10"/>
-          </p:nvPr>
-        </p:nvSpPr>
-        <p:spPr>
-          <a:xfrm>
-            <a:off x="10358437" y="457199"/>
-            <a:ext cx="1067589" cy="471489"/>
-          </a:xfrm>
-        </p:spPr>
-        <p:txBody>
-          <a:bodyPr/>
-          <a:lstStyle/>
-          <a:p>
-            <a:fld id="{48F63A3B-78C7-47BE-AE5E-E10140E04643}" type="slidenum">
-              <a:rPr lang="en-US" smtClean="0"/>
-              <a:pPr/>
-              <a:t>11</a:t>
-            </a:fld>
-            <a:endParaRPr lang="en-US" dirty="0"/>
-          </a:p>
-        </p:txBody>
-      </p:sp>
     </p:spTree>
     <p:extLst>
       <p:ext uri="{BB962C8B-B14F-4D97-AF65-F5344CB8AC3E}">
-        <p14:creationId xmlns:p14="http://schemas.microsoft.com/office/powerpoint/2010/main" val="1941619646"/>
+        <p14:creationId xmlns:p14="http://schemas.microsoft.com/office/powerpoint/2010/main" val="122223759"/>
       </p:ext>
     </p:extLst>
   </p:cSld>
@@ -18432,10 +17919,10 @@
       </p:grpSpPr>
       <p:sp>
         <p:nvSpPr>
-          <p:cNvPr id="3" name="Title 2">
+          <p:cNvPr id="2" name="Title 1">
             <a:extLst>
               <a:ext uri="{FF2B5EF4-FFF2-40B4-BE49-F238E27FC236}">
-                <a16:creationId xmlns:a16="http://schemas.microsoft.com/office/drawing/2014/main" id="{9443EC8A-1733-CCF7-081F-EB4667CB3285}"/>
+                <a16:creationId xmlns:a16="http://schemas.microsoft.com/office/drawing/2014/main" id="{A6BA552D-4F48-9C89-D526-F086C97E0E18}"/>
               </a:ext>
             </a:extLst>
           </p:cNvPr>
@@ -18448,7 +17935,7 @@
         </p:nvSpPr>
         <p:spPr>
           <a:xfrm>
-            <a:off x="914400" y="1057274"/>
+            <a:off x="914400" y="762119"/>
             <a:ext cx="7843837" cy="1012782"/>
           </a:xfrm>
         </p:spPr>
@@ -18457,18 +17944,18 @@
           <a:lstStyle/>
           <a:p>
             <a:r>
-              <a:rPr lang="en-US" dirty="0"/>
-              <a:t>Speaking impact</a:t>
+              <a:rPr lang="en-IN" sz="4000" dirty="0"/>
+              <a:t>5. Database Models:</a:t>
             </a:r>
           </a:p>
         </p:txBody>
       </p:sp>
       <p:sp>
         <p:nvSpPr>
-          <p:cNvPr id="4" name="Content Placeholder 3">
+          <p:cNvPr id="3" name="Content Placeholder 2">
             <a:extLst>
               <a:ext uri="{FF2B5EF4-FFF2-40B4-BE49-F238E27FC236}">
-                <a16:creationId xmlns:a16="http://schemas.microsoft.com/office/drawing/2014/main" id="{ACE55D3D-AA24-CF53-6679-29B3C83F7646}"/>
+                <a16:creationId xmlns:a16="http://schemas.microsoft.com/office/drawing/2014/main" id="{DB280E20-D124-2E46-78F8-CBEE2DBF3D69}"/>
               </a:ext>
             </a:extLst>
           </p:cNvPr>
@@ -18479,38 +17966,147 @@
             <p:ph idx="13"/>
           </p:nvPr>
         </p:nvSpPr>
-        <p:spPr>
-          <a:xfrm>
-            <a:off x="914400" y="2331791"/>
-            <a:ext cx="6903076" cy="3721817"/>
-          </a:xfrm>
-        </p:spPr>
+        <p:spPr/>
         <p:txBody>
           <a:bodyPr/>
           <a:lstStyle/>
           <a:p>
+            <a:pPr marL="342900" indent="-342900">
+              <a:buFont typeface="Arial" panose="020B0604020202020204" pitchFamily="34" charset="0"/>
+              <a:buChar char="•"/>
+            </a:pPr>
             <a:r>
               <a:rPr lang="en-US" dirty="0"/>
-              <a:t>Your ability to communicate effectively will leave a lasting impact on your audience</a:t>
-            </a:r>
-          </a:p>
-          <a:p>
+              <a:t>Two database models are defined using </a:t>
+            </a:r>
+            <a:r>
+              <a:rPr lang="en-US" dirty="0" err="1"/>
+              <a:t>SQLAlchemy</a:t>
+            </a:r>
+            <a:r>
+              <a:rPr lang="en-US" dirty="0"/>
+              <a:t>: “User” and “</a:t>
+            </a:r>
+            <a:r>
+              <a:rPr lang="en-US" dirty="0" err="1"/>
+              <a:t>UserCredential</a:t>
+            </a:r>
+            <a:r>
+              <a:rPr lang="en-US" dirty="0"/>
+              <a:t>”.</a:t>
+            </a:r>
+          </a:p>
+          <a:p>
+            <a:pPr marL="342900" indent="-342900">
+              <a:buFont typeface="Arial" panose="020B0604020202020204" pitchFamily="34" charset="0"/>
+              <a:buChar char="•"/>
+            </a:pPr>
+            <a:r>
+              <a:rPr lang="en-US" dirty="0"/>
+              <a:t>User model represents users with attributes like “</a:t>
+            </a:r>
+            <a:r>
+              <a:rPr lang="en-US" dirty="0" err="1"/>
+              <a:t>user_id</a:t>
+            </a:r>
+            <a:r>
+              <a:rPr lang="en-US" dirty="0"/>
+              <a:t>, </a:t>
+            </a:r>
+            <a:r>
+              <a:rPr lang="en-US" dirty="0" err="1"/>
+              <a:t>user_name</a:t>
+            </a:r>
+            <a:r>
+              <a:rPr lang="en-US" dirty="0"/>
+              <a:t>, and </a:t>
+            </a:r>
+            <a:r>
+              <a:rPr lang="en-US" dirty="0" err="1"/>
+              <a:t>user_type</a:t>
+            </a:r>
+            <a:r>
+              <a:rPr lang="en-US" dirty="0"/>
+              <a:t>”.</a:t>
+            </a:r>
+          </a:p>
+          <a:p>
+            <a:pPr marL="342900" indent="-342900">
+              <a:buFont typeface="Arial" panose="020B0604020202020204" pitchFamily="34" charset="0"/>
+              <a:buChar char="•"/>
+            </a:pPr>
+            <a:r>
+              <a:rPr lang="en-US" dirty="0" err="1"/>
+              <a:t>UserCredential</a:t>
+            </a:r>
+            <a:r>
+              <a:rPr lang="en-US" dirty="0"/>
+              <a:t> model stores user credentials with attributes “</a:t>
+            </a:r>
+            <a:r>
+              <a:rPr lang="en-US" dirty="0" err="1"/>
+              <a:t>cred_id</a:t>
+            </a:r>
+            <a:r>
+              <a:rPr lang="en-US" dirty="0"/>
+              <a:t>, </a:t>
+            </a:r>
+            <a:r>
+              <a:rPr lang="en-US" dirty="0" err="1"/>
+              <a:t>user_id</a:t>
+            </a:r>
+            <a:r>
+              <a:rPr lang="en-US" dirty="0"/>
+              <a:t>, and </a:t>
+            </a:r>
+            <a:r>
+              <a:rPr lang="en-US" dirty="0" err="1"/>
+              <a:t>password_hash</a:t>
+            </a:r>
+            <a:r>
+              <a:rPr lang="en-US" dirty="0"/>
+              <a:t>”.</a:t>
+            </a:r>
+            <a:endParaRPr lang="en-IN" dirty="0"/>
+          </a:p>
+        </p:txBody>
+      </p:sp>
+      <p:sp>
+        <p:nvSpPr>
+          <p:cNvPr id="5" name="Slide Number Placeholder 4">
+            <a:extLst>
+              <a:ext uri="{FF2B5EF4-FFF2-40B4-BE49-F238E27FC236}">
+                <a16:creationId xmlns:a16="http://schemas.microsoft.com/office/drawing/2014/main" id="{2E755C9F-B5D9-CFE5-3656-F74D46FF60DC}"/>
+              </a:ext>
+            </a:extLst>
+          </p:cNvPr>
+          <p:cNvSpPr>
+            <a:spLocks noGrp="1"/>
+          </p:cNvSpPr>
+          <p:nvPr>
+            <p:ph type="sldNum" sz="quarter" idx="10"/>
+          </p:nvPr>
+        </p:nvSpPr>
+        <p:spPr/>
+        <p:txBody>
+          <a:bodyPr/>
+          <a:lstStyle/>
+          <a:p>
+            <a:fld id="{48F63A3B-78C7-47BE-AE5E-E10140E04643}" type="slidenum">
+              <a:rPr lang="en-US" smtClean="0"/>
+              <a:pPr/>
+              <a:t>12</a:t>
+            </a:fld>
             <a:endParaRPr lang="en-US" dirty="0"/>
-          </a:p>
-          <a:p>
-            <a:r>
-              <a:rPr lang="en-US" dirty="0"/>
-              <a:t>Effectively communicating involves not only delivering a message but also resonating with the experiences, values, and emotions of those listening </a:t>
-            </a:r>
           </a:p>
         </p:txBody>
       </p:sp>
       <p:pic>
         <p:nvPicPr>
-          <p:cNvPr id="7" name="Picture Placeholder 6" descr="A person wearing glasses and a blue shirt">
+          <p:cNvPr id="11" name="Picture Placeholder 10">
             <a:extLst>
               <a:ext uri="{FF2B5EF4-FFF2-40B4-BE49-F238E27FC236}">
-                <a16:creationId xmlns:a16="http://schemas.microsoft.com/office/drawing/2014/main" id="{C570EB79-053B-0283-9D2D-6266701EEDDD}"/>
+                <a16:creationId xmlns:a16="http://schemas.microsoft.com/office/drawing/2014/main" id="{1122B54B-30A7-81E0-E213-525019B99FBE}"/>
               </a:ext>
             </a:extLst>
           </p:cNvPr>
@@ -18521,65 +18117,19 @@
             <p:ph type="pic" sz="quarter" idx="14"/>
           </p:nvPr>
         </p:nvPicPr>
-        <p:blipFill rotWithShape="1">
-          <a:blip r:embed="rId3">
-            <a:duotone>
-              <a:prstClr val="black"/>
-              <a:schemeClr val="accent4">
-                <a:tint val="45000"/>
-                <a:satMod val="400000"/>
-              </a:schemeClr>
-            </a:duotone>
-          </a:blip>
-          <a:srcRect l="19088" r="19088"/>
-          <a:stretch/>
+        <p:blipFill>
+          <a:blip r:embed="rId2"/>
+          <a:srcRect l="3632" r="3632"/>
+          <a:stretch>
+            <a:fillRect/>
+          </a:stretch>
         </p:blipFill>
-        <p:spPr>
-          <a:xfrm>
-            <a:off x="8989454" y="3405189"/>
-            <a:ext cx="3202546" cy="3452811"/>
-          </a:xfrm>
-        </p:spPr>
+        <p:spPr/>
       </p:pic>
-      <p:sp>
-        <p:nvSpPr>
-          <p:cNvPr id="2" name="Slide Number Placeholder 1">
-            <a:extLst>
-              <a:ext uri="{FF2B5EF4-FFF2-40B4-BE49-F238E27FC236}">
-                <a16:creationId xmlns:a16="http://schemas.microsoft.com/office/drawing/2014/main" id="{AB69D854-FB65-0E93-CFE2-041F7C41DD24}"/>
-              </a:ext>
-            </a:extLst>
-          </p:cNvPr>
-          <p:cNvSpPr>
-            <a:spLocks noGrp="1"/>
-          </p:cNvSpPr>
-          <p:nvPr>
-            <p:ph type="sldNum" sz="quarter" idx="10"/>
-          </p:nvPr>
-        </p:nvSpPr>
-        <p:spPr>
-          <a:xfrm>
-            <a:off x="10438475" y="457199"/>
-            <a:ext cx="987552" cy="471489"/>
-          </a:xfrm>
-        </p:spPr>
-        <p:txBody>
-          <a:bodyPr/>
-          <a:lstStyle/>
-          <a:p>
-            <a:fld id="{48F63A3B-78C7-47BE-AE5E-E10140E04643}" type="slidenum">
-              <a:rPr lang="en-US" smtClean="0"/>
-              <a:pPr/>
-              <a:t>12</a:t>
-            </a:fld>
-            <a:endParaRPr lang="en-US" dirty="0"/>
-          </a:p>
-        </p:txBody>
-      </p:sp>
     </p:spTree>
     <p:extLst>
       <p:ext uri="{BB962C8B-B14F-4D97-AF65-F5344CB8AC3E}">
-        <p14:creationId xmlns:p14="http://schemas.microsoft.com/office/powerpoint/2010/main" val="4072101725"/>
+        <p14:creationId xmlns:p14="http://schemas.microsoft.com/office/powerpoint/2010/main" val="2787592352"/>
       </p:ext>
     </p:extLst>
   </p:cSld>
@@ -18608,10 +18158,10 @@
       </p:grpSpPr>
       <p:sp>
         <p:nvSpPr>
-          <p:cNvPr id="5" name="Title 4">
+          <p:cNvPr id="2" name="Title 1">
             <a:extLst>
               <a:ext uri="{FF2B5EF4-FFF2-40B4-BE49-F238E27FC236}">
-                <a16:creationId xmlns:a16="http://schemas.microsoft.com/office/drawing/2014/main" id="{2136FCF6-982C-CC37-9625-3EBFC7E7DD13}"/>
+                <a16:creationId xmlns:a16="http://schemas.microsoft.com/office/drawing/2014/main" id="{994CABD7-FC8E-90FF-9CCE-FD23B9CA2A09}"/>
               </a:ext>
             </a:extLst>
           </p:cNvPr>
@@ -18624,8 +18174,8 @@
         </p:nvSpPr>
         <p:spPr>
           <a:xfrm>
-            <a:off x="1550563" y="1089213"/>
-            <a:ext cx="9879437" cy="980844"/>
+            <a:off x="914400" y="550883"/>
+            <a:ext cx="7843837" cy="1012782"/>
           </a:xfrm>
         </p:spPr>
         <p:txBody>
@@ -18633,18 +18183,18 @@
           <a:lstStyle/>
           <a:p>
             <a:r>
-              <a:rPr lang="en-US" dirty="0"/>
-              <a:t>Dynamic delivery</a:t>
+              <a:rPr lang="en-IN" sz="4000" dirty="0"/>
+              <a:t>6.Templates</a:t>
             </a:r>
           </a:p>
         </p:txBody>
       </p:sp>
       <p:sp>
         <p:nvSpPr>
-          <p:cNvPr id="4" name="Text Placeholder 3">
+          <p:cNvPr id="3" name="Content Placeholder 2">
             <a:extLst>
               <a:ext uri="{FF2B5EF4-FFF2-40B4-BE49-F238E27FC236}">
-                <a16:creationId xmlns:a16="http://schemas.microsoft.com/office/drawing/2014/main" id="{97DCC342-9FD1-7055-EAAC-008DC851B13F}"/>
+                <a16:creationId xmlns:a16="http://schemas.microsoft.com/office/drawing/2014/main" id="{CE6E48B6-7599-BA90-BE07-94C9FDCEC7A4}"/>
               </a:ext>
             </a:extLst>
           </p:cNvPr>
@@ -18652,553 +18202,79 @@
             <a:spLocks noGrp="1"/>
           </p:cNvSpPr>
           <p:nvPr>
-            <p:ph type="body" sz="quarter" idx="13"/>
+            <p:ph idx="13"/>
           </p:nvPr>
         </p:nvSpPr>
         <p:spPr>
           <a:xfrm>
-            <a:off x="1550564" y="2331958"/>
-            <a:ext cx="2975217" cy="3704266"/>
+            <a:off x="914400" y="2600797"/>
+            <a:ext cx="6903076" cy="3452811"/>
           </a:xfrm>
         </p:spPr>
         <p:txBody>
           <a:bodyPr/>
           <a:lstStyle/>
           <a:p>
-            <a:r>
-              <a:rPr lang="en-US" dirty="0"/>
-              <a:t>Learn to infuse energy into your delivery to leave a lasting impression</a:t>
-            </a:r>
-          </a:p>
-          <a:p>
-            <a:r>
-              <a:rPr lang="en-US" dirty="0"/>
-              <a:t>One of the goals of effective communication is to motivate your audience</a:t>
+            <a:pPr marL="342900" indent="-342900">
+              <a:buFont typeface="Arial" panose="020B0604020202020204" pitchFamily="34" charset="0"/>
+              <a:buChar char="•"/>
+            </a:pPr>
+            <a:r>
+              <a:rPr lang="en-IN" dirty="0"/>
+              <a:t>Specific templates are stored in this specific folder which render as and when required.</a:t>
+            </a:r>
+          </a:p>
+          <a:p>
+            <a:pPr marL="342900" indent="-342900">
+              <a:buFont typeface="Arial" panose="020B0604020202020204" pitchFamily="34" charset="0"/>
+              <a:buChar char="•"/>
+            </a:pPr>
+            <a:r>
+              <a:rPr lang="en-IN" dirty="0"/>
+              <a:t>These codes are written in html and designed with the help of </a:t>
+            </a:r>
+            <a:r>
+              <a:rPr lang="en-IN" dirty="0" err="1"/>
+              <a:t>css</a:t>
+            </a:r>
+            <a:r>
+              <a:rPr lang="en-IN" dirty="0"/>
+              <a:t>.</a:t>
             </a:r>
           </a:p>
         </p:txBody>
       </p:sp>
-      <p:graphicFrame>
-        <p:nvGraphicFramePr>
-          <p:cNvPr id="6" name="Content Placeholder 5">
+      <p:pic>
+        <p:nvPicPr>
+          <p:cNvPr id="7" name="Picture Placeholder 6">
             <a:extLst>
               <a:ext uri="{FF2B5EF4-FFF2-40B4-BE49-F238E27FC236}">
-                <a16:creationId xmlns:a16="http://schemas.microsoft.com/office/drawing/2014/main" id="{4DB3991E-0605-C20E-53AD-D64E13638DA5}"/>
+                <a16:creationId xmlns:a16="http://schemas.microsoft.com/office/drawing/2014/main" id="{6D5FCF14-4C7B-E035-FDE4-2A4BA4F6CE42}"/>
               </a:ext>
             </a:extLst>
           </p:cNvPr>
-          <p:cNvGraphicFramePr>
-            <a:graphicFrameLocks noGrp="1"/>
-          </p:cNvGraphicFramePr>
+          <p:cNvPicPr>
+            <a:picLocks noGrp="1" noChangeAspect="1"/>
+          </p:cNvPicPr>
           <p:nvPr>
-            <p:ph sz="half" idx="1"/>
-            <p:extLst>
-              <p:ext uri="{D42A27DB-BD31-4B8C-83A1-F6EECF244321}">
-                <p14:modId xmlns:p14="http://schemas.microsoft.com/office/powerpoint/2010/main" val="2133818870"/>
-              </p:ext>
-            </p:extLst>
+            <p:ph type="pic" sz="quarter" idx="14"/>
           </p:nvPr>
-        </p:nvGraphicFramePr>
-        <p:xfrm>
-          <a:off x="5087938" y="2332038"/>
-          <a:ext cx="6345236" cy="3879279"/>
-        </p:xfrm>
-        <a:graphic>
-          <a:graphicData uri="http://schemas.openxmlformats.org/drawingml/2006/table">
-            <a:tbl>
-              <a:tblPr firstRow="1" bandRow="1">
-                <a:tableStyleId>{3B4B98B0-60AC-42C2-AFA5-B58CD77FA1E5}</a:tableStyleId>
-              </a:tblPr>
-              <a:tblGrid>
-                <a:gridCol w="2227408">
-                  <a:extLst>
-                    <a:ext uri="{9D8B030D-6E8A-4147-A177-3AD203B41FA5}">
-                      <a16:colId xmlns:a16="http://schemas.microsoft.com/office/drawing/2014/main" val="180956085"/>
-                    </a:ext>
-                  </a:extLst>
-                </a:gridCol>
-                <a:gridCol w="2227408">
-                  <a:extLst>
-                    <a:ext uri="{9D8B030D-6E8A-4147-A177-3AD203B41FA5}">
-                      <a16:colId xmlns:a16="http://schemas.microsoft.com/office/drawing/2014/main" val="1180706872"/>
-                    </a:ext>
-                  </a:extLst>
-                </a:gridCol>
-                <a:gridCol w="945210">
-                  <a:extLst>
-                    <a:ext uri="{9D8B030D-6E8A-4147-A177-3AD203B41FA5}">
-                      <a16:colId xmlns:a16="http://schemas.microsoft.com/office/drawing/2014/main" val="2050154702"/>
-                    </a:ext>
-                  </a:extLst>
-                </a:gridCol>
-                <a:gridCol w="945210">
-                  <a:extLst>
-                    <a:ext uri="{9D8B030D-6E8A-4147-A177-3AD203B41FA5}">
-                      <a16:colId xmlns:a16="http://schemas.microsoft.com/office/drawing/2014/main" val="1872764148"/>
-                    </a:ext>
-                  </a:extLst>
-                </a:gridCol>
-              </a:tblGrid>
-              <a:tr h="606129">
-                <a:tc>
-                  <a:txBody>
-                    <a:bodyPr/>
-                    <a:lstStyle/>
-                    <a:p>
-                      <a:r>
-                        <a:rPr lang="en-US" dirty="0">
-                          <a:solidFill>
-                            <a:schemeClr val="accent6"/>
-                          </a:solidFill>
-                        </a:rPr>
-                        <a:t>Metric</a:t>
-                      </a:r>
-                    </a:p>
-                  </a:txBody>
-                  <a:tcPr anchor="ctr"/>
-                </a:tc>
-                <a:tc>
-                  <a:txBody>
-                    <a:bodyPr/>
-                    <a:lstStyle/>
-                    <a:p>
-                      <a:r>
-                        <a:rPr lang="en-US" dirty="0">
-                          <a:solidFill>
-                            <a:schemeClr val="accent6"/>
-                          </a:solidFill>
-                        </a:rPr>
-                        <a:t>Measurement</a:t>
-                      </a:r>
-                    </a:p>
-                  </a:txBody>
-                  <a:tcPr anchor="ctr"/>
-                </a:tc>
-                <a:tc>
-                  <a:txBody>
-                    <a:bodyPr/>
-                    <a:lstStyle/>
-                    <a:p>
-                      <a:r>
-                        <a:rPr lang="en-US" dirty="0">
-                          <a:solidFill>
-                            <a:schemeClr val="accent6"/>
-                          </a:solidFill>
-                        </a:rPr>
-                        <a:t>Target</a:t>
-                      </a:r>
-                    </a:p>
-                  </a:txBody>
-                  <a:tcPr anchor="ctr"/>
-                </a:tc>
-                <a:tc>
-                  <a:txBody>
-                    <a:bodyPr/>
-                    <a:lstStyle/>
-                    <a:p>
-                      <a:r>
-                        <a:rPr lang="en-US" dirty="0">
-                          <a:solidFill>
-                            <a:schemeClr val="accent6"/>
-                          </a:solidFill>
-                        </a:rPr>
-                        <a:t>Actual</a:t>
-                      </a:r>
-                    </a:p>
-                  </a:txBody>
-                  <a:tcPr anchor="ctr"/>
-                </a:tc>
-                <a:extLst>
-                  <a:ext uri="{0D108BD9-81ED-4DB2-BD59-A6C34878D82A}">
-                    <a16:rowId xmlns:a16="http://schemas.microsoft.com/office/drawing/2014/main" val="3059142786"/>
-                  </a:ext>
-                </a:extLst>
-              </a:tr>
-              <a:tr h="606129">
-                <a:tc>
-                  <a:txBody>
-                    <a:bodyPr/>
-                    <a:lstStyle/>
-                    <a:p>
-                      <a:r>
-                        <a:rPr lang="en-US" dirty="0">
-                          <a:solidFill>
-                            <a:schemeClr val="accent6"/>
-                          </a:solidFill>
-                        </a:rPr>
-                        <a:t>Audience attendance</a:t>
-                      </a:r>
-                    </a:p>
-                  </a:txBody>
-                  <a:tcPr anchor="ctr"/>
-                </a:tc>
-                <a:tc>
-                  <a:txBody>
-                    <a:bodyPr/>
-                    <a:lstStyle/>
-                    <a:p>
-                      <a:r>
-                        <a:rPr lang="en-US" dirty="0">
-                          <a:solidFill>
-                            <a:schemeClr val="accent6"/>
-                          </a:solidFill>
-                        </a:rPr>
-                        <a:t># of attendees</a:t>
-                      </a:r>
-                    </a:p>
-                  </a:txBody>
-                  <a:tcPr anchor="ctr"/>
-                </a:tc>
-                <a:tc>
-                  <a:txBody>
-                    <a:bodyPr/>
-                    <a:lstStyle/>
-                    <a:p>
-                      <a:r>
-                        <a:rPr lang="en-US" dirty="0">
-                          <a:solidFill>
-                            <a:schemeClr val="accent6"/>
-                          </a:solidFill>
-                        </a:rPr>
-                        <a:t>150</a:t>
-                      </a:r>
-                    </a:p>
-                  </a:txBody>
-                  <a:tcPr anchor="ctr"/>
-                </a:tc>
-                <a:tc>
-                  <a:txBody>
-                    <a:bodyPr/>
-                    <a:lstStyle/>
-                    <a:p>
-                      <a:r>
-                        <a:rPr lang="en-US" dirty="0">
-                          <a:solidFill>
-                            <a:schemeClr val="accent6"/>
-                          </a:solidFill>
-                        </a:rPr>
-                        <a:t>120</a:t>
-                      </a:r>
-                    </a:p>
-                  </a:txBody>
-                  <a:tcPr anchor="ctr"/>
-                </a:tc>
-                <a:extLst>
-                  <a:ext uri="{0D108BD9-81ED-4DB2-BD59-A6C34878D82A}">
-                    <a16:rowId xmlns:a16="http://schemas.microsoft.com/office/drawing/2014/main" val="3588576737"/>
-                  </a:ext>
-                </a:extLst>
-              </a:tr>
-              <a:tr h="643498">
-                <a:tc>
-                  <a:txBody>
-                    <a:bodyPr/>
-                    <a:lstStyle/>
-                    <a:p>
-                      <a:r>
-                        <a:rPr lang="en-US" dirty="0">
-                          <a:solidFill>
-                            <a:schemeClr val="accent6"/>
-                          </a:solidFill>
-                        </a:rPr>
-                        <a:t>Engagement duration</a:t>
-                      </a:r>
-                    </a:p>
-                  </a:txBody>
-                  <a:tcPr anchor="ctr"/>
-                </a:tc>
-                <a:tc>
-                  <a:txBody>
-                    <a:bodyPr/>
-                    <a:lstStyle/>
-                    <a:p>
-                      <a:r>
-                        <a:rPr lang="en-US" dirty="0">
-                          <a:solidFill>
-                            <a:schemeClr val="accent6"/>
-                          </a:solidFill>
-                        </a:rPr>
-                        <a:t>Minutes</a:t>
-                      </a:r>
-                    </a:p>
-                  </a:txBody>
-                  <a:tcPr anchor="ctr"/>
-                </a:tc>
-                <a:tc>
-                  <a:txBody>
-                    <a:bodyPr/>
-                    <a:lstStyle/>
-                    <a:p>
-                      <a:r>
-                        <a:rPr lang="en-US" dirty="0">
-                          <a:solidFill>
-                            <a:schemeClr val="accent6"/>
-                          </a:solidFill>
-                        </a:rPr>
-                        <a:t>60</a:t>
-                      </a:r>
-                    </a:p>
-                  </a:txBody>
-                  <a:tcPr anchor="ctr"/>
-                </a:tc>
-                <a:tc>
-                  <a:txBody>
-                    <a:bodyPr/>
-                    <a:lstStyle/>
-                    <a:p>
-                      <a:r>
-                        <a:rPr lang="en-US" dirty="0">
-                          <a:solidFill>
-                            <a:schemeClr val="accent6"/>
-                          </a:solidFill>
-                        </a:rPr>
-                        <a:t>75</a:t>
-                      </a:r>
-                    </a:p>
-                  </a:txBody>
-                  <a:tcPr anchor="ctr"/>
-                </a:tc>
-                <a:extLst>
-                  <a:ext uri="{0D108BD9-81ED-4DB2-BD59-A6C34878D82A}">
-                    <a16:rowId xmlns:a16="http://schemas.microsoft.com/office/drawing/2014/main" val="1626410507"/>
-                  </a:ext>
-                </a:extLst>
-              </a:tr>
-              <a:tr h="606129">
-                <a:tc>
-                  <a:txBody>
-                    <a:bodyPr/>
-                    <a:lstStyle/>
-                    <a:p>
-                      <a:r>
-                        <a:rPr lang="en-US" dirty="0">
-                          <a:solidFill>
-                            <a:schemeClr val="accent6"/>
-                          </a:solidFill>
-                        </a:rPr>
-                        <a:t>Q&amp;A interaction</a:t>
-                      </a:r>
-                    </a:p>
-                  </a:txBody>
-                  <a:tcPr anchor="ctr"/>
-                </a:tc>
-                <a:tc>
-                  <a:txBody>
-                    <a:bodyPr/>
-                    <a:lstStyle/>
-                    <a:p>
-                      <a:r>
-                        <a:rPr lang="en-US" dirty="0">
-                          <a:solidFill>
-                            <a:schemeClr val="accent6"/>
-                          </a:solidFill>
-                        </a:rPr>
-                        <a:t># of questions</a:t>
-                      </a:r>
-                    </a:p>
-                  </a:txBody>
-                  <a:tcPr anchor="ctr"/>
-                </a:tc>
-                <a:tc>
-                  <a:txBody>
-                    <a:bodyPr/>
-                    <a:lstStyle/>
-                    <a:p>
-                      <a:r>
-                        <a:rPr lang="en-US" dirty="0">
-                          <a:solidFill>
-                            <a:schemeClr val="accent6"/>
-                          </a:solidFill>
-                        </a:rPr>
-                        <a:t>10</a:t>
-                      </a:r>
-                    </a:p>
-                  </a:txBody>
-                  <a:tcPr anchor="ctr"/>
-                </a:tc>
-                <a:tc>
-                  <a:txBody>
-                    <a:bodyPr/>
-                    <a:lstStyle/>
-                    <a:p>
-                      <a:r>
-                        <a:rPr lang="en-US" dirty="0">
-                          <a:solidFill>
-                            <a:schemeClr val="accent6"/>
-                          </a:solidFill>
-                        </a:rPr>
-                        <a:t>15</a:t>
-                      </a:r>
-                    </a:p>
-                  </a:txBody>
-                  <a:tcPr anchor="ctr"/>
-                </a:tc>
-                <a:extLst>
-                  <a:ext uri="{0D108BD9-81ED-4DB2-BD59-A6C34878D82A}">
-                    <a16:rowId xmlns:a16="http://schemas.microsoft.com/office/drawing/2014/main" val="1888116840"/>
-                  </a:ext>
-                </a:extLst>
-              </a:tr>
-              <a:tr h="606129">
-                <a:tc>
-                  <a:txBody>
-                    <a:bodyPr/>
-                    <a:lstStyle/>
-                    <a:p>
-                      <a:r>
-                        <a:rPr lang="en-US" dirty="0">
-                          <a:solidFill>
-                            <a:schemeClr val="accent6"/>
-                          </a:solidFill>
-                        </a:rPr>
-                        <a:t>Positive feedback</a:t>
-                      </a:r>
-                    </a:p>
-                  </a:txBody>
-                  <a:tcPr anchor="ctr"/>
-                </a:tc>
-                <a:tc>
-                  <a:txBody>
-                    <a:bodyPr/>
-                    <a:lstStyle/>
-                    <a:p>
-                      <a:r>
-                        <a:rPr lang="en-US" dirty="0">
-                          <a:solidFill>
-                            <a:schemeClr val="accent6"/>
-                          </a:solidFill>
-                        </a:rPr>
-                        <a:t>Percentage (%)</a:t>
-                      </a:r>
-                    </a:p>
-                  </a:txBody>
-                  <a:tcPr anchor="ctr"/>
-                </a:tc>
-                <a:tc>
-                  <a:txBody>
-                    <a:bodyPr/>
-                    <a:lstStyle/>
-                    <a:p>
-                      <a:r>
-                        <a:rPr lang="en-US" dirty="0">
-                          <a:solidFill>
-                            <a:schemeClr val="accent6"/>
-                          </a:solidFill>
-                        </a:rPr>
-                        <a:t>90</a:t>
-                      </a:r>
-                    </a:p>
-                  </a:txBody>
-                  <a:tcPr anchor="ctr"/>
-                </a:tc>
-                <a:tc>
-                  <a:txBody>
-                    <a:bodyPr/>
-                    <a:lstStyle/>
-                    <a:p>
-                      <a:r>
-                        <a:rPr lang="en-US" dirty="0">
-                          <a:solidFill>
-                            <a:schemeClr val="accent6"/>
-                          </a:solidFill>
-                        </a:rPr>
-                        <a:t>95</a:t>
-                      </a:r>
-                    </a:p>
-                  </a:txBody>
-                  <a:tcPr anchor="ctr"/>
-                </a:tc>
-                <a:extLst>
-                  <a:ext uri="{0D108BD9-81ED-4DB2-BD59-A6C34878D82A}">
-                    <a16:rowId xmlns:a16="http://schemas.microsoft.com/office/drawing/2014/main" val="4023592559"/>
-                  </a:ext>
-                </a:extLst>
-              </a:tr>
-              <a:tr h="811265">
-                <a:tc>
-                  <a:txBody>
-                    <a:bodyPr/>
-                    <a:lstStyle/>
-                    <a:p>
-                      <a:r>
-                        <a:rPr lang="en-US" dirty="0">
-                          <a:solidFill>
-                            <a:schemeClr val="accent6"/>
-                          </a:solidFill>
-                        </a:rPr>
-                        <a:t>Rate of information retention</a:t>
-                      </a:r>
-                    </a:p>
-                  </a:txBody>
-                  <a:tcPr anchor="ctr"/>
-                </a:tc>
-                <a:tc>
-                  <a:txBody>
-                    <a:bodyPr/>
-                    <a:lstStyle/>
-                    <a:p>
-                      <a:r>
-                        <a:rPr lang="en-US" dirty="0">
-                          <a:solidFill>
-                            <a:schemeClr val="accent6"/>
-                          </a:solidFill>
-                        </a:rPr>
-                        <a:t>Percentage (%)</a:t>
-                      </a:r>
-                    </a:p>
-                  </a:txBody>
-                  <a:tcPr anchor="ctr"/>
-                </a:tc>
-                <a:tc>
-                  <a:txBody>
-                    <a:bodyPr/>
-                    <a:lstStyle/>
-                    <a:p>
-                      <a:r>
-                        <a:rPr lang="en-US" dirty="0">
-                          <a:solidFill>
-                            <a:schemeClr val="accent6"/>
-                          </a:solidFill>
-                        </a:rPr>
-                        <a:t>80</a:t>
-                      </a:r>
-                    </a:p>
-                  </a:txBody>
-                  <a:tcPr anchor="ctr"/>
-                </a:tc>
-                <a:tc>
-                  <a:txBody>
-                    <a:bodyPr/>
-                    <a:lstStyle/>
-                    <a:p>
-                      <a:r>
-                        <a:rPr lang="en-US" dirty="0">
-                          <a:solidFill>
-                            <a:schemeClr val="accent6"/>
-                          </a:solidFill>
-                        </a:rPr>
-                        <a:t>85</a:t>
-                      </a:r>
-                    </a:p>
-                  </a:txBody>
-                  <a:tcPr anchor="ctr"/>
-                </a:tc>
-                <a:extLst>
-                  <a:ext uri="{0D108BD9-81ED-4DB2-BD59-A6C34878D82A}">
-                    <a16:rowId xmlns:a16="http://schemas.microsoft.com/office/drawing/2014/main" val="2426564953"/>
-                  </a:ext>
-                </a:extLst>
-              </a:tr>
-            </a:tbl>
-          </a:graphicData>
-        </a:graphic>
-      </p:graphicFrame>
+        </p:nvPicPr>
+        <p:blipFill>
+          <a:blip r:embed="rId2"/>
+          <a:srcRect l="3632" r="3632"/>
+          <a:stretch>
+            <a:fillRect/>
+          </a:stretch>
+        </p:blipFill>
+        <p:spPr/>
+      </p:pic>
       <p:sp>
         <p:nvSpPr>
-          <p:cNvPr id="2" name="Slide Number Placeholder 1">
+          <p:cNvPr id="5" name="Slide Number Placeholder 4">
             <a:extLst>
               <a:ext uri="{FF2B5EF4-FFF2-40B4-BE49-F238E27FC236}">
-                <a16:creationId xmlns:a16="http://schemas.microsoft.com/office/drawing/2014/main" id="{A913EEC9-16E3-6C86-97D0-A7EC7EA09CDA}"/>
+                <a16:creationId xmlns:a16="http://schemas.microsoft.com/office/drawing/2014/main" id="{64CB3975-FD9E-78D0-3DC4-F5E3D9144F67}"/>
               </a:ext>
             </a:extLst>
           </p:cNvPr>
@@ -19209,12 +18285,7 @@
             <p:ph type="sldNum" sz="quarter" idx="10"/>
           </p:nvPr>
         </p:nvSpPr>
-        <p:spPr>
-          <a:xfrm>
-            <a:off x="10358437" y="457199"/>
-            <a:ext cx="1067589" cy="471489"/>
-          </a:xfrm>
-        </p:spPr>
+        <p:spPr/>
         <p:txBody>
           <a:bodyPr/>
           <a:lstStyle/>
@@ -19231,7 +18302,7 @@
     </p:spTree>
     <p:extLst>
       <p:ext uri="{BB962C8B-B14F-4D97-AF65-F5344CB8AC3E}">
-        <p14:creationId xmlns:p14="http://schemas.microsoft.com/office/powerpoint/2010/main" val="3969996159"/>
+        <p14:creationId xmlns:p14="http://schemas.microsoft.com/office/powerpoint/2010/main" val="1589441326"/>
       </p:ext>
     </p:extLst>
   </p:cSld>
@@ -19260,10 +18331,10 @@
       </p:grpSpPr>
       <p:sp>
         <p:nvSpPr>
-          <p:cNvPr id="3" name="Title 2">
+          <p:cNvPr id="2" name="Title 1">
             <a:extLst>
               <a:ext uri="{FF2B5EF4-FFF2-40B4-BE49-F238E27FC236}">
-                <a16:creationId xmlns:a16="http://schemas.microsoft.com/office/drawing/2014/main" id="{38D62608-F5E4-7EC0-5EF0-4F988DDDEC5B}"/>
+                <a16:creationId xmlns:a16="http://schemas.microsoft.com/office/drawing/2014/main" id="{0B500A7B-CE38-A4F7-6B7E-541A3B4FE2C5}"/>
               </a:ext>
             </a:extLst>
           </p:cNvPr>
@@ -19276,8 +18347,8 @@
         </p:nvSpPr>
         <p:spPr>
           <a:xfrm>
-            <a:off x="1550564" y="1057274"/>
-            <a:ext cx="9875463" cy="999746"/>
+            <a:off x="914400" y="550883"/>
+            <a:ext cx="7843837" cy="1012782"/>
           </a:xfrm>
         </p:spPr>
         <p:txBody>
@@ -19285,18 +18356,22 @@
           <a:lstStyle/>
           <a:p>
             <a:r>
-              <a:rPr lang="en-US" dirty="0"/>
-              <a:t>Final tips &amp; takeaways</a:t>
+              <a:rPr lang="en-IN" sz="4000" b="1" dirty="0"/>
+              <a:t>7.Routes</a:t>
+            </a:r>
+            <a:r>
+              <a:rPr lang="en-IN" sz="4000" dirty="0"/>
+              <a:t>:</a:t>
             </a:r>
           </a:p>
         </p:txBody>
       </p:sp>
       <p:sp>
         <p:nvSpPr>
-          <p:cNvPr id="12" name="Content Placeholder 3">
+          <p:cNvPr id="3" name="Content Placeholder 2">
             <a:extLst>
               <a:ext uri="{FF2B5EF4-FFF2-40B4-BE49-F238E27FC236}">
-                <a16:creationId xmlns:a16="http://schemas.microsoft.com/office/drawing/2014/main" id="{288BD9B8-D6A6-D55A-830D-4D3CC2DC3933}"/>
+                <a16:creationId xmlns:a16="http://schemas.microsoft.com/office/drawing/2014/main" id="{308FB240-8FE4-E0AC-FCA0-E304F12032A8}"/>
               </a:ext>
             </a:extLst>
           </p:cNvPr>
@@ -19304,137 +18379,139 @@
             <a:spLocks noGrp="1"/>
           </p:cNvSpPr>
           <p:nvPr>
-            <p:ph sz="half" idx="2"/>
+            <p:ph idx="13"/>
           </p:nvPr>
         </p:nvSpPr>
         <p:spPr>
           <a:xfrm>
-            <a:off x="1550564" y="2303028"/>
-            <a:ext cx="5829147" cy="3961593"/>
+            <a:off x="914400" y="1734532"/>
+            <a:ext cx="6903076" cy="4930219"/>
           </a:xfrm>
         </p:spPr>
         <p:txBody>
           <a:bodyPr>
-            <a:normAutofit/>
+            <a:normAutofit fontScale="92500" lnSpcReduction="10000"/>
           </a:bodyPr>
           <a:lstStyle/>
           <a:p>
+            <a:pPr marL="342900" indent="-342900">
+              <a:buFont typeface="Arial" panose="020B0604020202020204" pitchFamily="34" charset="0"/>
+              <a:buChar char="•"/>
+            </a:pPr>
             <a:r>
               <a:rPr lang="en-US" dirty="0"/>
-              <a:t>Consistent rehearsal</a:t>
-            </a:r>
-          </a:p>
-          <a:p>
-            <a:pPr lvl="1"/>
+              <a:t>'/': Renders the index.html template.</a:t>
+            </a:r>
+          </a:p>
+          <a:p>
+            <a:pPr marL="342900" indent="-342900">
+              <a:buFont typeface="Arial" panose="020B0604020202020204" pitchFamily="34" charset="0"/>
+              <a:buChar char="•"/>
+            </a:pPr>
             <a:r>
               <a:rPr lang="en-US" dirty="0"/>
-              <a:t>Strengthen your familiarity</a:t>
-            </a:r>
-          </a:p>
-          <a:p>
+              <a:t>'/login': Handles user login. It accepts both GET and POST requests. </a:t>
+            </a:r>
+          </a:p>
+          <a:p>
+            <a:pPr marL="342900" indent="-342900">
+              <a:buFont typeface="Arial" panose="020B0604020202020204" pitchFamily="34" charset="0"/>
+              <a:buChar char="•"/>
+            </a:pPr>
             <a:r>
               <a:rPr lang="en-US" dirty="0"/>
-              <a:t>Refine delivery style</a:t>
-            </a:r>
-          </a:p>
-          <a:p>
-            <a:pPr lvl="1"/>
+              <a:t>'/</a:t>
+            </a:r>
+            <a:r>
+              <a:rPr lang="en-US" dirty="0" err="1"/>
+              <a:t>forgot_password</a:t>
+            </a:r>
             <a:r>
               <a:rPr lang="en-US" dirty="0"/>
-              <a:t>Pacing, tone, and emphasis</a:t>
-            </a:r>
-          </a:p>
-          <a:p>
+              <a:t>': Renders the forgot_pass.html template.</a:t>
+            </a:r>
+          </a:p>
+          <a:p>
+            <a:pPr marL="342900" indent="-342900">
+              <a:buFont typeface="Arial" panose="020B0604020202020204" pitchFamily="34" charset="0"/>
+              <a:buChar char="•"/>
+            </a:pPr>
             <a:r>
               <a:rPr lang="en-US" dirty="0"/>
-              <a:t>Timing and transitions</a:t>
-            </a:r>
-          </a:p>
-          <a:p>
-            <a:pPr lvl="1"/>
+              <a:t>'/signup': Handles user signup. It accepts both GET and POST requests. On GET, it renders the signup.html template, and on POST, it adds a new user to the database after hashing the password.</a:t>
+            </a:r>
+          </a:p>
+          <a:p>
+            <a:pPr marL="342900" indent="-342900">
+              <a:buFont typeface="Arial" panose="020B0604020202020204" pitchFamily="34" charset="0"/>
+              <a:buChar char="•"/>
+            </a:pPr>
             <a:r>
               <a:rPr lang="en-US" dirty="0"/>
-              <a:t>Aim for seamless, professional delivery</a:t>
-            </a:r>
-          </a:p>
-          <a:p>
+              <a:t>'/logout': Logs out the user by removing session data and redirects to the index page.</a:t>
+            </a:r>
+          </a:p>
+          <a:p>
+            <a:pPr marL="342900" indent="-342900">
+              <a:buFont typeface="Arial" panose="020B0604020202020204" pitchFamily="34" charset="0"/>
+              <a:buChar char="•"/>
+            </a:pPr>
             <a:r>
               <a:rPr lang="en-US" dirty="0"/>
-              <a:t>Practice audience</a:t>
-            </a:r>
-          </a:p>
-          <a:p>
-            <a:pPr lvl="1"/>
+              <a:t>'/farmer/dashboard' and '/consumer/dashboard': Renders the dashboard templates for farmers and consumers respectively, but only if the user is logged in and has the appropriate </a:t>
+            </a:r>
+            <a:r>
+              <a:rPr lang="en-US" dirty="0" err="1"/>
+              <a:t>user_type</a:t>
+            </a:r>
             <a:r>
               <a:rPr lang="en-US" dirty="0"/>
-              <a:t>Enlist colleagues to listen &amp; provide feedback</a:t>
-            </a:r>
+              <a:t> in the session.</a:t>
+            </a:r>
+          </a:p>
+          <a:p>
+            <a:pPr marL="342900" indent="-342900">
+              <a:buFont typeface="Arial" panose="020B0604020202020204" pitchFamily="34" charset="0"/>
+              <a:buChar char="•"/>
+            </a:pPr>
+            <a:endParaRPr lang="en-IN" dirty="0"/>
           </a:p>
         </p:txBody>
       </p:sp>
+      <p:pic>
+        <p:nvPicPr>
+          <p:cNvPr id="7" name="Picture Placeholder 6">
+            <a:extLst>
+              <a:ext uri="{FF2B5EF4-FFF2-40B4-BE49-F238E27FC236}">
+                <a16:creationId xmlns:a16="http://schemas.microsoft.com/office/drawing/2014/main" id="{CCC2A339-8D82-1A38-5BDC-F28978A6CAA2}"/>
+              </a:ext>
+            </a:extLst>
+          </p:cNvPr>
+          <p:cNvPicPr>
+            <a:picLocks noGrp="1" noChangeAspect="1"/>
+          </p:cNvPicPr>
+          <p:nvPr>
+            <p:ph type="pic" sz="quarter" idx="14"/>
+          </p:nvPr>
+        </p:nvPicPr>
+        <p:blipFill rotWithShape="1">
+          <a:blip r:embed="rId2"/>
+          <a:srcRect l="1777" r="1777" b="5597"/>
+          <a:stretch/>
+        </p:blipFill>
+        <p:spPr>
+          <a:xfrm>
+            <a:off x="8989454" y="3405190"/>
+            <a:ext cx="3202546" cy="3452810"/>
+          </a:xfrm>
+        </p:spPr>
+      </p:pic>
       <p:sp>
         <p:nvSpPr>
-          <p:cNvPr id="13" name="Content Placeholder 7">
+          <p:cNvPr id="5" name="Slide Number Placeholder 4">
             <a:extLst>
               <a:ext uri="{FF2B5EF4-FFF2-40B4-BE49-F238E27FC236}">
-                <a16:creationId xmlns:a16="http://schemas.microsoft.com/office/drawing/2014/main" id="{0853098E-C088-D323-4BF2-987893F262F6}"/>
-              </a:ext>
-            </a:extLst>
-          </p:cNvPr>
-          <p:cNvSpPr>
-            <a:spLocks noGrp="1"/>
-          </p:cNvSpPr>
-          <p:nvPr>
-            <p:ph sz="half" idx="15"/>
-          </p:nvPr>
-        </p:nvSpPr>
-        <p:spPr>
-          <a:xfrm>
-            <a:off x="7940842" y="2303028"/>
-            <a:ext cx="3485184" cy="3961593"/>
-          </a:xfrm>
-        </p:spPr>
-        <p:txBody>
-          <a:bodyPr/>
-          <a:lstStyle/>
-          <a:p>
-            <a:r>
-              <a:rPr lang="en-US" dirty="0"/>
-              <a:t>Seek feedback</a:t>
-            </a:r>
-          </a:p>
-          <a:p>
-            <a:r>
-              <a:rPr lang="en-US" dirty="0"/>
-              <a:t>Reflect on performance</a:t>
-            </a:r>
-          </a:p>
-          <a:p>
-            <a:r>
-              <a:rPr lang="en-US" dirty="0"/>
-              <a:t>Explore new techniques</a:t>
-            </a:r>
-          </a:p>
-          <a:p>
-            <a:r>
-              <a:rPr lang="en-US" dirty="0"/>
-              <a:t>Set personal goals</a:t>
-            </a:r>
-          </a:p>
-          <a:p>
-            <a:r>
-              <a:rPr lang="en-US" dirty="0"/>
-              <a:t>Iterate and adapt</a:t>
-            </a:r>
-          </a:p>
-        </p:txBody>
-      </p:sp>
-      <p:sp>
-        <p:nvSpPr>
-          <p:cNvPr id="2" name="Slide Number Placeholder 1">
-            <a:extLst>
-              <a:ext uri="{FF2B5EF4-FFF2-40B4-BE49-F238E27FC236}">
-                <a16:creationId xmlns:a16="http://schemas.microsoft.com/office/drawing/2014/main" id="{1DCFAD14-1AAA-8CDA-A49B-523FD6C66F35}"/>
+                <a16:creationId xmlns:a16="http://schemas.microsoft.com/office/drawing/2014/main" id="{5736D475-127E-D14F-6E66-658A328B7C0B}"/>
               </a:ext>
             </a:extLst>
           </p:cNvPr>
@@ -19445,12 +18522,7 @@
             <p:ph type="sldNum" sz="quarter" idx="10"/>
           </p:nvPr>
         </p:nvSpPr>
-        <p:spPr>
-          <a:xfrm>
-            <a:off x="10438475" y="457199"/>
-            <a:ext cx="987552" cy="471489"/>
-          </a:xfrm>
-        </p:spPr>
+        <p:spPr/>
         <p:txBody>
           <a:bodyPr/>
           <a:lstStyle/>
@@ -19467,7 +18539,7 @@
     </p:spTree>
     <p:extLst>
       <p:ext uri="{BB962C8B-B14F-4D97-AF65-F5344CB8AC3E}">
-        <p14:creationId xmlns:p14="http://schemas.microsoft.com/office/powerpoint/2010/main" val="2498021601"/>
+        <p14:creationId xmlns:p14="http://schemas.microsoft.com/office/powerpoint/2010/main" val="2155002601"/>
       </p:ext>
     </p:extLst>
   </p:cSld>
@@ -19499,7 +18571,7 @@
           <p:cNvPr id="2" name="Title 1">
             <a:extLst>
               <a:ext uri="{FF2B5EF4-FFF2-40B4-BE49-F238E27FC236}">
-                <a16:creationId xmlns:a16="http://schemas.microsoft.com/office/drawing/2014/main" id="{4730A324-0737-F0DA-1F7D-10CBE06D7C3F}"/>
+                <a16:creationId xmlns:a16="http://schemas.microsoft.com/office/drawing/2014/main" id="{B8631075-93D5-E035-CCDA-E7A7CA1B5519}"/>
               </a:ext>
             </a:extLst>
           </p:cNvPr>
@@ -19512,8 +18584,8 @@
         </p:nvSpPr>
         <p:spPr>
           <a:xfrm>
-            <a:off x="914400" y="1057274"/>
-            <a:ext cx="10511627" cy="1012785"/>
+            <a:off x="914400" y="457199"/>
+            <a:ext cx="7843837" cy="1012782"/>
           </a:xfrm>
         </p:spPr>
         <p:txBody>
@@ -19521,437 +18593,215 @@
           <a:lstStyle/>
           <a:p>
             <a:r>
-              <a:rPr lang="en-US" dirty="0"/>
-              <a:t>Speaking engagement metrics</a:t>
+              <a:rPr lang="en-IN" sz="4000" dirty="0"/>
+              <a:t>8. Main Block:</a:t>
             </a:r>
           </a:p>
         </p:txBody>
       </p:sp>
-      <p:graphicFrame>
-        <p:nvGraphicFramePr>
-          <p:cNvPr id="5" name="Content Placeholder 4">
+      <p:sp>
+        <p:nvSpPr>
+          <p:cNvPr id="3" name="Content Placeholder 2">
             <a:extLst>
               <a:ext uri="{FF2B5EF4-FFF2-40B4-BE49-F238E27FC236}">
-                <a16:creationId xmlns:a16="http://schemas.microsoft.com/office/drawing/2014/main" id="{AC0C7FF8-9CAF-6C67-C1E5-AF40401D0B3D}"/>
+                <a16:creationId xmlns:a16="http://schemas.microsoft.com/office/drawing/2014/main" id="{C3F8430D-D299-4493-0A20-90CC8F72FD3C}"/>
               </a:ext>
             </a:extLst>
           </p:cNvPr>
-          <p:cNvGraphicFramePr>
-            <a:graphicFrameLocks noGrp="1"/>
-          </p:cNvGraphicFramePr>
+          <p:cNvSpPr>
+            <a:spLocks noGrp="1"/>
+          </p:cNvSpPr>
           <p:nvPr>
-            <p:ph sz="quarter" idx="4"/>
-            <p:extLst>
-              <p:ext uri="{D42A27DB-BD31-4B8C-83A1-F6EECF244321}">
-                <p14:modId xmlns:p14="http://schemas.microsoft.com/office/powerpoint/2010/main" val="3999503228"/>
-              </p:ext>
-            </p:extLst>
+            <p:ph idx="13"/>
           </p:nvPr>
-        </p:nvGraphicFramePr>
-        <p:xfrm>
-          <a:off x="914400" y="2316163"/>
-          <a:ext cx="10510836" cy="3948462"/>
-        </p:xfrm>
-        <a:graphic>
-          <a:graphicData uri="http://schemas.openxmlformats.org/drawingml/2006/table">
-            <a:tbl>
-              <a:tblPr firstRow="1" bandRow="1">
-                <a:tableStyleId>{C083E6E3-FA7D-4D7B-A595-EF9225AFEA82}</a:tableStyleId>
-              </a:tblPr>
-              <a:tblGrid>
-                <a:gridCol w="4080076">
-                  <a:extLst>
-                    <a:ext uri="{9D8B030D-6E8A-4147-A177-3AD203B41FA5}">
-                      <a16:colId xmlns:a16="http://schemas.microsoft.com/office/drawing/2014/main" val="1764027237"/>
-                    </a:ext>
-                  </a:extLst>
-                </a:gridCol>
-                <a:gridCol w="4080076">
-                  <a:extLst>
-                    <a:ext uri="{9D8B030D-6E8A-4147-A177-3AD203B41FA5}">
-                      <a16:colId xmlns:a16="http://schemas.microsoft.com/office/drawing/2014/main" val="778914542"/>
-                    </a:ext>
-                  </a:extLst>
-                </a:gridCol>
-                <a:gridCol w="1175342">
-                  <a:extLst>
-                    <a:ext uri="{9D8B030D-6E8A-4147-A177-3AD203B41FA5}">
-                      <a16:colId xmlns:a16="http://schemas.microsoft.com/office/drawing/2014/main" val="4233386372"/>
-                    </a:ext>
-                  </a:extLst>
-                </a:gridCol>
-                <a:gridCol w="1175342">
-                  <a:extLst>
-                    <a:ext uri="{9D8B030D-6E8A-4147-A177-3AD203B41FA5}">
-                      <a16:colId xmlns:a16="http://schemas.microsoft.com/office/drawing/2014/main" val="1626524931"/>
-                    </a:ext>
-                  </a:extLst>
-                </a:gridCol>
-              </a:tblGrid>
-              <a:tr h="658077">
-                <a:tc>
-                  <a:txBody>
-                    <a:bodyPr/>
-                    <a:lstStyle/>
-                    <a:p>
-                      <a:r>
-                        <a:rPr lang="en-US" dirty="0"/>
-                        <a:t>Impact factor</a:t>
-                      </a:r>
-                    </a:p>
-                  </a:txBody>
-                  <a:tcPr anchor="ctr"/>
-                </a:tc>
-                <a:tc>
-                  <a:txBody>
-                    <a:bodyPr/>
-                    <a:lstStyle/>
-                    <a:p>
-                      <a:r>
-                        <a:rPr lang="en-US" dirty="0"/>
-                        <a:t>Measurement</a:t>
-                      </a:r>
-                    </a:p>
-                  </a:txBody>
-                  <a:tcPr anchor="ctr"/>
-                </a:tc>
-                <a:tc>
-                  <a:txBody>
-                    <a:bodyPr/>
-                    <a:lstStyle/>
-                    <a:p>
-                      <a:r>
-                        <a:rPr lang="en-US" dirty="0"/>
-                        <a:t>Target</a:t>
-                      </a:r>
-                    </a:p>
-                  </a:txBody>
-                  <a:tcPr anchor="ctr"/>
-                </a:tc>
-                <a:tc>
-                  <a:txBody>
-                    <a:bodyPr/>
-                    <a:lstStyle/>
-                    <a:p>
-                      <a:r>
-                        <a:rPr lang="en-US" dirty="0"/>
-                        <a:t>Achieved</a:t>
-                      </a:r>
-                    </a:p>
-                  </a:txBody>
-                  <a:tcPr anchor="ctr"/>
-                </a:tc>
-                <a:extLst>
-                  <a:ext uri="{0D108BD9-81ED-4DB2-BD59-A6C34878D82A}">
-                    <a16:rowId xmlns:a16="http://schemas.microsoft.com/office/drawing/2014/main" val="2865033212"/>
-                  </a:ext>
-                </a:extLst>
-              </a:tr>
-              <a:tr h="658077">
-                <a:tc>
-                  <a:txBody>
-                    <a:bodyPr/>
-                    <a:lstStyle/>
-                    <a:p>
-                      <a:r>
-                        <a:rPr lang="en-US" dirty="0"/>
-                        <a:t>Audience interaction</a:t>
-                      </a:r>
-                    </a:p>
-                  </a:txBody>
-                  <a:tcPr anchor="ctr"/>
-                </a:tc>
-                <a:tc>
-                  <a:txBody>
-                    <a:bodyPr/>
-                    <a:lstStyle/>
-                    <a:p>
-                      <a:r>
-                        <a:rPr lang="en-US" dirty="0"/>
-                        <a:t>Percentage (%)</a:t>
-                      </a:r>
-                    </a:p>
-                  </a:txBody>
-                  <a:tcPr anchor="ctr"/>
-                </a:tc>
-                <a:tc>
-                  <a:txBody>
-                    <a:bodyPr/>
-                    <a:lstStyle/>
-                    <a:p>
-                      <a:r>
-                        <a:rPr lang="en-US" dirty="0"/>
-                        <a:t>85</a:t>
-                      </a:r>
-                    </a:p>
-                  </a:txBody>
-                  <a:tcPr anchor="ctr"/>
-                </a:tc>
-                <a:tc>
-                  <a:txBody>
-                    <a:bodyPr/>
-                    <a:lstStyle/>
-                    <a:p>
-                      <a:r>
-                        <a:rPr lang="en-US" dirty="0"/>
-                        <a:t>88</a:t>
-                      </a:r>
-                    </a:p>
-                  </a:txBody>
-                  <a:tcPr anchor="ctr"/>
-                </a:tc>
-                <a:extLst>
-                  <a:ext uri="{0D108BD9-81ED-4DB2-BD59-A6C34878D82A}">
-                    <a16:rowId xmlns:a16="http://schemas.microsoft.com/office/drawing/2014/main" val="773796761"/>
-                  </a:ext>
-                </a:extLst>
-              </a:tr>
-              <a:tr h="658077">
-                <a:tc>
-                  <a:txBody>
-                    <a:bodyPr/>
-                    <a:lstStyle/>
-                    <a:p>
-                      <a:r>
-                        <a:rPr lang="en-US" dirty="0"/>
-                        <a:t>Knowledge retention</a:t>
-                      </a:r>
-                    </a:p>
-                  </a:txBody>
-                  <a:tcPr anchor="ctr"/>
-                </a:tc>
-                <a:tc>
-                  <a:txBody>
-                    <a:bodyPr/>
-                    <a:lstStyle/>
-                    <a:p>
-                      <a:r>
-                        <a:rPr lang="en-US" dirty="0"/>
-                        <a:t>Percentage (%)</a:t>
-                      </a:r>
-                    </a:p>
-                  </a:txBody>
-                  <a:tcPr anchor="ctr"/>
-                </a:tc>
-                <a:tc>
-                  <a:txBody>
-                    <a:bodyPr/>
-                    <a:lstStyle/>
-                    <a:p>
-                      <a:r>
-                        <a:rPr lang="en-US" dirty="0"/>
-                        <a:t>75</a:t>
-                      </a:r>
-                    </a:p>
-                  </a:txBody>
-                  <a:tcPr anchor="ctr"/>
-                </a:tc>
-                <a:tc>
-                  <a:txBody>
-                    <a:bodyPr/>
-                    <a:lstStyle/>
-                    <a:p>
-                      <a:r>
-                        <a:rPr lang="en-US" dirty="0"/>
-                        <a:t>80</a:t>
-                      </a:r>
-                    </a:p>
-                  </a:txBody>
-                  <a:tcPr anchor="ctr"/>
-                </a:tc>
-                <a:extLst>
-                  <a:ext uri="{0D108BD9-81ED-4DB2-BD59-A6C34878D82A}">
-                    <a16:rowId xmlns:a16="http://schemas.microsoft.com/office/drawing/2014/main" val="1789202252"/>
-                  </a:ext>
-                </a:extLst>
-              </a:tr>
-              <a:tr h="658077">
-                <a:tc>
-                  <a:txBody>
-                    <a:bodyPr/>
-                    <a:lstStyle/>
-                    <a:p>
-                      <a:r>
-                        <a:rPr lang="en-US" dirty="0"/>
-                        <a:t>Post-presentation surveys</a:t>
-                      </a:r>
-                    </a:p>
-                  </a:txBody>
-                  <a:tcPr anchor="ctr"/>
-                </a:tc>
-                <a:tc>
-                  <a:txBody>
-                    <a:bodyPr/>
-                    <a:lstStyle/>
-                    <a:p>
-                      <a:r>
-                        <a:rPr lang="en-US" dirty="0"/>
-                        <a:t>Average rating</a:t>
-                      </a:r>
-                    </a:p>
-                  </a:txBody>
-                  <a:tcPr anchor="ctr"/>
-                </a:tc>
-                <a:tc>
-                  <a:txBody>
-                    <a:bodyPr/>
-                    <a:lstStyle/>
-                    <a:p>
-                      <a:r>
-                        <a:rPr lang="en-US" dirty="0"/>
-                        <a:t>4.2</a:t>
-                      </a:r>
-                    </a:p>
-                  </a:txBody>
-                  <a:tcPr anchor="ctr"/>
-                </a:tc>
-                <a:tc>
-                  <a:txBody>
-                    <a:bodyPr/>
-                    <a:lstStyle/>
-                    <a:p>
-                      <a:r>
-                        <a:rPr lang="en-US" dirty="0"/>
-                        <a:t>4.5</a:t>
-                      </a:r>
-                    </a:p>
-                  </a:txBody>
-                  <a:tcPr anchor="ctr"/>
-                </a:tc>
-                <a:extLst>
-                  <a:ext uri="{0D108BD9-81ED-4DB2-BD59-A6C34878D82A}">
-                    <a16:rowId xmlns:a16="http://schemas.microsoft.com/office/drawing/2014/main" val="2325356481"/>
-                  </a:ext>
-                </a:extLst>
-              </a:tr>
-              <a:tr h="658077">
-                <a:tc>
-                  <a:txBody>
-                    <a:bodyPr/>
-                    <a:lstStyle/>
-                    <a:p>
-                      <a:r>
-                        <a:rPr lang="en-US" dirty="0"/>
-                        <a:t>Referral rate</a:t>
-                      </a:r>
-                    </a:p>
-                  </a:txBody>
-                  <a:tcPr anchor="ctr"/>
-                </a:tc>
-                <a:tc>
-                  <a:txBody>
-                    <a:bodyPr/>
-                    <a:lstStyle/>
-                    <a:p>
-                      <a:r>
-                        <a:rPr lang="en-US" dirty="0"/>
-                        <a:t>Percentage (%)</a:t>
-                      </a:r>
-                    </a:p>
-                  </a:txBody>
-                  <a:tcPr anchor="ctr"/>
-                </a:tc>
-                <a:tc>
-                  <a:txBody>
-                    <a:bodyPr/>
-                    <a:lstStyle/>
-                    <a:p>
-                      <a:r>
-                        <a:rPr lang="en-US" dirty="0"/>
-                        <a:t>10</a:t>
-                      </a:r>
-                    </a:p>
-                  </a:txBody>
-                  <a:tcPr anchor="ctr"/>
-                </a:tc>
-                <a:tc>
-                  <a:txBody>
-                    <a:bodyPr/>
-                    <a:lstStyle/>
-                    <a:p>
-                      <a:r>
-                        <a:rPr lang="en-US" dirty="0"/>
-                        <a:t>12</a:t>
-                      </a:r>
-                    </a:p>
-                  </a:txBody>
-                  <a:tcPr anchor="ctr"/>
-                </a:tc>
-                <a:extLst>
-                  <a:ext uri="{0D108BD9-81ED-4DB2-BD59-A6C34878D82A}">
-                    <a16:rowId xmlns:a16="http://schemas.microsoft.com/office/drawing/2014/main" val="3322085491"/>
-                  </a:ext>
-                </a:extLst>
-              </a:tr>
-              <a:tr h="658077">
-                <a:tc>
-                  <a:txBody>
-                    <a:bodyPr/>
-                    <a:lstStyle/>
-                    <a:p>
-                      <a:r>
-                        <a:rPr lang="en-US" dirty="0"/>
-                        <a:t>Collaboration opportunities</a:t>
-                      </a:r>
-                    </a:p>
-                  </a:txBody>
-                  <a:tcPr anchor="ctr"/>
-                </a:tc>
-                <a:tc>
-                  <a:txBody>
-                    <a:bodyPr/>
-                    <a:lstStyle/>
-                    <a:p>
-                      <a:r>
-                        <a:rPr lang="en-US" dirty="0"/>
-                        <a:t># of opportunities</a:t>
-                      </a:r>
-                    </a:p>
-                  </a:txBody>
-                  <a:tcPr anchor="ctr"/>
-                </a:tc>
-                <a:tc>
-                  <a:txBody>
-                    <a:bodyPr/>
-                    <a:lstStyle/>
-                    <a:p>
-                      <a:r>
-                        <a:rPr lang="en-US" dirty="0"/>
-                        <a:t>8</a:t>
-                      </a:r>
-                    </a:p>
-                  </a:txBody>
-                  <a:tcPr anchor="ctr"/>
-                </a:tc>
-                <a:tc>
-                  <a:txBody>
-                    <a:bodyPr/>
-                    <a:lstStyle/>
-                    <a:p>
-                      <a:r>
-                        <a:rPr lang="en-US" dirty="0"/>
-                        <a:t>10</a:t>
-                      </a:r>
-                    </a:p>
-                  </a:txBody>
-                  <a:tcPr anchor="ctr"/>
-                </a:tc>
-                <a:extLst>
-                  <a:ext uri="{0D108BD9-81ED-4DB2-BD59-A6C34878D82A}">
-                    <a16:rowId xmlns:a16="http://schemas.microsoft.com/office/drawing/2014/main" val="2682318458"/>
-                  </a:ext>
-                </a:extLst>
-              </a:tr>
-            </a:tbl>
-          </a:graphicData>
-        </a:graphic>
-      </p:graphicFrame>
+        </p:nvSpPr>
+        <p:spPr>
+          <a:xfrm>
+            <a:off x="914400" y="2055043"/>
+            <a:ext cx="6107522" cy="3998565"/>
+          </a:xfrm>
+        </p:spPr>
+        <p:txBody>
+          <a:bodyPr/>
+          <a:lstStyle/>
+          <a:p>
+            <a:pPr marL="342900" indent="-342900">
+              <a:buFont typeface="Arial" panose="020B0604020202020204" pitchFamily="34" charset="0"/>
+              <a:buChar char="•"/>
+            </a:pPr>
+            <a:r>
+              <a:rPr lang="en-US" dirty="0"/>
+              <a:t>The application is run if the script is executed directly.</a:t>
+            </a:r>
+          </a:p>
+          <a:p>
+            <a:pPr marL="342900" indent="-342900">
+              <a:buFont typeface="Arial" panose="020B0604020202020204" pitchFamily="34" charset="0"/>
+              <a:buChar char="•"/>
+            </a:pPr>
+            <a:r>
+              <a:rPr lang="en-US" dirty="0"/>
+              <a:t>This program creates a Flask web application with user authentication, user registration, and basic dashboard functionality for different user types (farmers and consumers). </a:t>
+            </a:r>
+          </a:p>
+          <a:p>
+            <a:pPr marL="342900" indent="-342900">
+              <a:buFont typeface="Arial" panose="020B0604020202020204" pitchFamily="34" charset="0"/>
+              <a:buChar char="•"/>
+            </a:pPr>
+            <a:r>
+              <a:rPr lang="en-US" dirty="0"/>
+              <a:t>It uses </a:t>
+            </a:r>
+            <a:r>
+              <a:rPr lang="en-US" dirty="0" err="1"/>
+              <a:t>SQLAlchemy</a:t>
+            </a:r>
+            <a:r>
+              <a:rPr lang="en-US" dirty="0"/>
+              <a:t> for database interaction, Flask-Admin for the admin interface, and </a:t>
+            </a:r>
+            <a:r>
+              <a:rPr lang="en-US" dirty="0" err="1"/>
+              <a:t>Bcrypt</a:t>
+            </a:r>
+            <a:r>
+              <a:rPr lang="en-US" dirty="0"/>
+              <a:t> for password hashing.</a:t>
+            </a:r>
+            <a:endParaRPr lang="en-IN" dirty="0"/>
+          </a:p>
+        </p:txBody>
+      </p:sp>
+      <p:sp>
+        <p:nvSpPr>
+          <p:cNvPr id="5" name="Slide Number Placeholder 4">
+            <a:extLst>
+              <a:ext uri="{FF2B5EF4-FFF2-40B4-BE49-F238E27FC236}">
+                <a16:creationId xmlns:a16="http://schemas.microsoft.com/office/drawing/2014/main" id="{E5FFB97B-4714-EEE1-9946-0945A6F03957}"/>
+              </a:ext>
+            </a:extLst>
+          </p:cNvPr>
+          <p:cNvSpPr>
+            <a:spLocks noGrp="1"/>
+          </p:cNvSpPr>
+          <p:nvPr>
+            <p:ph type="sldNum" sz="quarter" idx="10"/>
+          </p:nvPr>
+        </p:nvSpPr>
+        <p:spPr/>
+        <p:txBody>
+          <a:bodyPr/>
+          <a:lstStyle/>
+          <a:p>
+            <a:fld id="{48F63A3B-78C7-47BE-AE5E-E10140E04643}" type="slidenum">
+              <a:rPr lang="en-US" smtClean="0"/>
+              <a:pPr/>
+              <a:t>15</a:t>
+            </a:fld>
+            <a:endParaRPr lang="en-US" dirty="0"/>
+          </a:p>
+        </p:txBody>
+      </p:sp>
+      <p:pic>
+        <p:nvPicPr>
+          <p:cNvPr id="9" name="Picture 8">
+            <a:extLst>
+              <a:ext uri="{FF2B5EF4-FFF2-40B4-BE49-F238E27FC236}">
+                <a16:creationId xmlns:a16="http://schemas.microsoft.com/office/drawing/2014/main" id="{540E0D9A-3275-13FF-7AD7-BC5592B0C9FF}"/>
+              </a:ext>
+            </a:extLst>
+          </p:cNvPr>
+          <p:cNvPicPr>
+            <a:picLocks noChangeAspect="1"/>
+          </p:cNvPicPr>
+          <p:nvPr/>
+        </p:nvPicPr>
+        <p:blipFill>
+          <a:blip r:embed="rId2"/>
+          <a:stretch>
+            <a:fillRect/>
+          </a:stretch>
+        </p:blipFill>
+        <p:spPr>
+          <a:xfrm>
+            <a:off x="7645138" y="3429000"/>
+            <a:ext cx="4546862" cy="3429000"/>
+          </a:xfrm>
+          <a:prstGeom prst="rect">
+            <a:avLst/>
+          </a:prstGeom>
+        </p:spPr>
+      </p:pic>
+    </p:spTree>
+    <p:extLst>
+      <p:ext uri="{BB962C8B-B14F-4D97-AF65-F5344CB8AC3E}">
+        <p14:creationId xmlns:p14="http://schemas.microsoft.com/office/powerpoint/2010/main" val="2543161233"/>
+      </p:ext>
+    </p:extLst>
+  </p:cSld>
+  <p:clrMapOvr>
+    <a:masterClrMapping/>
+  </p:clrMapOvr>
+</p:sld>
+</file>
+
+<file path=ppt/slides/slide16.xml><?xml version="1.0" encoding="utf-8"?>
+<p:sld xmlns:a="http://schemas.openxmlformats.org/drawingml/2006/main" xmlns:r="http://schemas.openxmlformats.org/officeDocument/2006/relationships" xmlns:p="http://schemas.openxmlformats.org/presentationml/2006/main">
+  <p:cSld>
+    <p:spTree>
+      <p:nvGrpSpPr>
+        <p:cNvPr id="1" name=""/>
+        <p:cNvGrpSpPr/>
+        <p:nvPr/>
+      </p:nvGrpSpPr>
+      <p:grpSpPr>
+        <a:xfrm>
+          <a:off x="0" y="0"/>
+          <a:ext cx="0" cy="0"/>
+          <a:chOff x="0" y="0"/>
+          <a:chExt cx="0" cy="0"/>
+        </a:xfrm>
+      </p:grpSpPr>
+      <p:sp>
+        <p:nvSpPr>
+          <p:cNvPr id="2" name="Title 1">
+            <a:extLst>
+              <a:ext uri="{FF2B5EF4-FFF2-40B4-BE49-F238E27FC236}">
+                <a16:creationId xmlns:a16="http://schemas.microsoft.com/office/drawing/2014/main" id="{B6210199-C129-11F0-56F2-2D1AED21CB4C}"/>
+              </a:ext>
+            </a:extLst>
+          </p:cNvPr>
+          <p:cNvSpPr>
+            <a:spLocks noGrp="1"/>
+          </p:cNvSpPr>
+          <p:nvPr>
+            <p:ph type="title"/>
+          </p:nvPr>
+        </p:nvSpPr>
+        <p:spPr>
+          <a:xfrm>
+            <a:off x="4364809" y="457199"/>
+            <a:ext cx="7043617" cy="758859"/>
+          </a:xfrm>
+        </p:spPr>
+        <p:txBody>
+          <a:bodyPr/>
+          <a:lstStyle/>
+          <a:p>
+            <a:r>
+              <a:rPr lang="en-US" dirty="0"/>
+              <a:t>References</a:t>
+            </a:r>
+          </a:p>
+        </p:txBody>
+      </p:sp>
       <p:sp>
         <p:nvSpPr>
           <p:cNvPr id="3" name="Slide Number Placeholder 2">
             <a:extLst>
               <a:ext uri="{FF2B5EF4-FFF2-40B4-BE49-F238E27FC236}">
-                <a16:creationId xmlns:a16="http://schemas.microsoft.com/office/drawing/2014/main" id="{AC21286A-7B29-3B58-1636-0F45723890AB}"/>
+                <a16:creationId xmlns:a16="http://schemas.microsoft.com/office/drawing/2014/main" id="{370AEC4F-E711-8552-9C34-82C1514A1E37}"/>
               </a:ext>
             </a:extLst>
           </p:cNvPr>
@@ -19964,8 +18814,8 @@
         </p:nvSpPr>
         <p:spPr>
           <a:xfrm>
-            <a:off x="10358437" y="457199"/>
-            <a:ext cx="1067589" cy="471489"/>
+            <a:off x="10438475" y="457199"/>
+            <a:ext cx="987552" cy="471489"/>
           </a:xfrm>
         </p:spPr>
         <p:txBody>
@@ -19975,8 +18825,199 @@
             <a:fld id="{48F63A3B-78C7-47BE-AE5E-E10140E04643}" type="slidenum">
               <a:rPr lang="en-US" smtClean="0"/>
               <a:pPr/>
-              <a:t>15</a:t>
+              <a:t>16</a:t>
             </a:fld>
+            <a:endParaRPr lang="en-US" dirty="0"/>
+          </a:p>
+        </p:txBody>
+      </p:sp>
+      <p:sp>
+        <p:nvSpPr>
+          <p:cNvPr id="4" name="Content Placeholder 3">
+            <a:extLst>
+              <a:ext uri="{FF2B5EF4-FFF2-40B4-BE49-F238E27FC236}">
+                <a16:creationId xmlns:a16="http://schemas.microsoft.com/office/drawing/2014/main" id="{BDDD6BDC-E008-6AB7-55A1-46ED9BCF054F}"/>
+              </a:ext>
+            </a:extLst>
+          </p:cNvPr>
+          <p:cNvSpPr>
+            <a:spLocks noGrp="1"/>
+          </p:cNvSpPr>
+          <p:nvPr>
+            <p:ph idx="11"/>
+          </p:nvPr>
+        </p:nvSpPr>
+        <p:spPr>
+          <a:xfrm>
+            <a:off x="4364808" y="1508290"/>
+            <a:ext cx="7043618" cy="5081046"/>
+          </a:xfrm>
+        </p:spPr>
+        <p:txBody>
+          <a:bodyPr/>
+          <a:lstStyle/>
+          <a:p>
+            <a:pPr marL="342900" indent="-342900">
+              <a:buFont typeface="Arial" panose="020B0604020202020204" pitchFamily="34" charset="0"/>
+              <a:buChar char="•"/>
+            </a:pPr>
+            <a:r>
+              <a:rPr lang="en-US" dirty="0">
+                <a:hlinkClick r:id="rId3"/>
+              </a:rPr>
+              <a:t>https://images.google.com</a:t>
+            </a:r>
+            <a:endParaRPr lang="en-US" dirty="0"/>
+          </a:p>
+          <a:p>
+            <a:pPr marL="342900" indent="-342900">
+              <a:buFont typeface="Arial" panose="020B0604020202020204" pitchFamily="34" charset="0"/>
+              <a:buChar char="•"/>
+            </a:pPr>
+            <a:r>
+              <a:rPr lang="en-US" dirty="0">
+                <a:hlinkClick r:id="rId4"/>
+              </a:rPr>
+              <a:t>https://stackoverflow.com/</a:t>
+            </a:r>
+            <a:endParaRPr lang="en-US" dirty="0"/>
+          </a:p>
+          <a:p>
+            <a:pPr marL="342900" indent="-342900">
+              <a:buFont typeface="Arial" panose="020B0604020202020204" pitchFamily="34" charset="0"/>
+              <a:buChar char="•"/>
+            </a:pPr>
+            <a:r>
+              <a:rPr lang="en-US" dirty="0">
+                <a:hlinkClick r:id="rId5"/>
+              </a:rPr>
+              <a:t>https://www.geeksforgeeks.org/</a:t>
+            </a:r>
+            <a:endParaRPr lang="en-US" dirty="0"/>
+          </a:p>
+          <a:p>
+            <a:pPr marL="342900" indent="-342900">
+              <a:buFont typeface="Arial" panose="020B0604020202020204" pitchFamily="34" charset="0"/>
+              <a:buChar char="•"/>
+            </a:pPr>
+            <a:r>
+              <a:rPr lang="en-US" dirty="0">
+                <a:hlinkClick r:id="rId6"/>
+              </a:rPr>
+              <a:t>https://github.com/</a:t>
+            </a:r>
+            <a:endParaRPr lang="en-US" dirty="0"/>
+          </a:p>
+          <a:p>
+            <a:pPr marL="342900" indent="-342900">
+              <a:buFont typeface="Arial" panose="020B0604020202020204" pitchFamily="34" charset="0"/>
+              <a:buChar char="•"/>
+            </a:pPr>
+            <a:r>
+              <a:rPr lang="en-US" dirty="0">
+                <a:hlinkClick r:id="rId7"/>
+              </a:rPr>
+              <a:t>https://stackexchange.com/</a:t>
+            </a:r>
+            <a:endParaRPr lang="en-US" dirty="0"/>
+          </a:p>
+          <a:p>
+            <a:pPr marL="342900" indent="-342900">
+              <a:buFont typeface="Arial" panose="020B0604020202020204" pitchFamily="34" charset="0"/>
+              <a:buChar char="•"/>
+            </a:pPr>
+            <a:r>
+              <a:rPr lang="en-US" dirty="0">
+                <a:hlinkClick r:id="rId8"/>
+              </a:rPr>
+              <a:t>https://medium.com/</a:t>
+            </a:r>
+            <a:endParaRPr lang="en-US" dirty="0"/>
+          </a:p>
+          <a:p>
+            <a:pPr marL="342900" indent="-342900">
+              <a:buFont typeface="Arial" panose="020B0604020202020204" pitchFamily="34" charset="0"/>
+              <a:buChar char="•"/>
+            </a:pPr>
+            <a:r>
+              <a:rPr lang="en-US" dirty="0">
+                <a:hlinkClick r:id="rId9"/>
+              </a:rPr>
+              <a:t>https://gemini.google.com/app</a:t>
+            </a:r>
+            <a:endParaRPr lang="en-US" dirty="0"/>
+          </a:p>
+          <a:p>
+            <a:pPr marL="342900" indent="-342900">
+              <a:buFont typeface="Arial" panose="020B0604020202020204" pitchFamily="34" charset="0"/>
+              <a:buChar char="•"/>
+            </a:pPr>
+            <a:r>
+              <a:rPr lang="en-US" dirty="0">
+                <a:hlinkClick r:id="rId10"/>
+              </a:rPr>
+              <a:t>https://chat.openai.com/</a:t>
+            </a:r>
+            <a:endParaRPr lang="en-US" dirty="0"/>
+          </a:p>
+          <a:p>
+            <a:pPr marL="342900" indent="-342900">
+              <a:buFont typeface="Arial" panose="020B0604020202020204" pitchFamily="34" charset="0"/>
+              <a:buChar char="•"/>
+            </a:pPr>
+            <a:r>
+              <a:rPr lang="en-US" dirty="0">
+                <a:hlinkClick r:id="rId11"/>
+              </a:rPr>
+              <a:t>https://edu.gcfglobal.org/en/</a:t>
+            </a:r>
+            <a:endParaRPr lang="en-US" dirty="0"/>
+          </a:p>
+          <a:p>
+            <a:pPr marL="342900" indent="-342900">
+              <a:buFont typeface="Arial" panose="020B0604020202020204" pitchFamily="34" charset="0"/>
+              <a:buChar char="•"/>
+            </a:pPr>
+            <a:r>
+              <a:rPr lang="en-US" dirty="0">
+                <a:hlinkClick r:id="rId12"/>
+              </a:rPr>
+              <a:t>https://www.youtube.com/</a:t>
+            </a:r>
+            <a:endParaRPr lang="en-US" dirty="0"/>
+          </a:p>
+          <a:p>
+            <a:pPr marL="342900" indent="-342900">
+              <a:buFont typeface="Arial" panose="020B0604020202020204" pitchFamily="34" charset="0"/>
+              <a:buChar char="•"/>
+            </a:pPr>
+            <a:r>
+              <a:rPr lang="en-US" dirty="0">
+                <a:hlinkClick r:id="rId13"/>
+              </a:rPr>
+              <a:t>https://docs.oracle.com/en/database/oracle/</a:t>
+            </a:r>
+            <a:endParaRPr lang="en-US" dirty="0"/>
+          </a:p>
+          <a:p>
+            <a:pPr marL="342900" indent="-342900">
+              <a:buFont typeface="Arial" panose="020B0604020202020204" pitchFamily="34" charset="0"/>
+              <a:buChar char="•"/>
+            </a:pPr>
+            <a:endParaRPr lang="en-US" dirty="0"/>
+          </a:p>
+          <a:p>
+            <a:pPr marL="342900" indent="-342900">
+              <a:buFont typeface="Arial" panose="020B0604020202020204" pitchFamily="34" charset="0"/>
+              <a:buChar char="•"/>
+            </a:pPr>
+            <a:endParaRPr lang="en-US" dirty="0"/>
+          </a:p>
+          <a:p>
+            <a:pPr marL="342900" indent="-342900">
+              <a:buFont typeface="Arial" panose="020B0604020202020204" pitchFamily="34" charset="0"/>
+              <a:buChar char="•"/>
+            </a:pPr>
             <a:endParaRPr lang="en-US" dirty="0"/>
           </a:p>
         </p:txBody>
@@ -19984,7 +19025,363 @@
     </p:spTree>
     <p:extLst>
       <p:ext uri="{BB962C8B-B14F-4D97-AF65-F5344CB8AC3E}">
-        <p14:creationId xmlns:p14="http://schemas.microsoft.com/office/powerpoint/2010/main" val="1686213229"/>
+        <p14:creationId xmlns:p14="http://schemas.microsoft.com/office/powerpoint/2010/main" val="1131718056"/>
+      </p:ext>
+    </p:extLst>
+  </p:cSld>
+  <p:clrMapOvr>
+    <a:masterClrMapping/>
+  </p:clrMapOvr>
+</p:sld>
+</file>
+
+<file path=ppt/slides/slide17.xml><?xml version="1.0" encoding="utf-8"?>
+<p:sld xmlns:a="http://schemas.openxmlformats.org/drawingml/2006/main" xmlns:r="http://schemas.openxmlformats.org/officeDocument/2006/relationships" xmlns:p="http://schemas.openxmlformats.org/presentationml/2006/main">
+  <p:cSld>
+    <p:spTree>
+      <p:nvGrpSpPr>
+        <p:cNvPr id="1" name=""/>
+        <p:cNvGrpSpPr/>
+        <p:nvPr/>
+      </p:nvGrpSpPr>
+      <p:grpSpPr>
+        <a:xfrm>
+          <a:off x="0" y="0"/>
+          <a:ext cx="0" cy="0"/>
+          <a:chOff x="0" y="0"/>
+          <a:chExt cx="0" cy="0"/>
+        </a:xfrm>
+      </p:grpSpPr>
+      <p:sp>
+        <p:nvSpPr>
+          <p:cNvPr id="3" name="Title 2">
+            <a:extLst>
+              <a:ext uri="{FF2B5EF4-FFF2-40B4-BE49-F238E27FC236}">
+                <a16:creationId xmlns:a16="http://schemas.microsoft.com/office/drawing/2014/main" id="{38D62608-F5E4-7EC0-5EF0-4F988DDDEC5B}"/>
+              </a:ext>
+            </a:extLst>
+          </p:cNvPr>
+          <p:cNvSpPr>
+            <a:spLocks noGrp="1"/>
+          </p:cNvSpPr>
+          <p:nvPr>
+            <p:ph type="title"/>
+          </p:nvPr>
+        </p:nvSpPr>
+        <p:spPr>
+          <a:xfrm>
+            <a:off x="1550564" y="1057274"/>
+            <a:ext cx="9875463" cy="999746"/>
+          </a:xfrm>
+        </p:spPr>
+        <p:txBody>
+          <a:bodyPr/>
+          <a:lstStyle/>
+          <a:p>
+            <a:r>
+              <a:rPr lang="en-US" dirty="0"/>
+              <a:t>Final tips &amp; takeaways</a:t>
+            </a:r>
+          </a:p>
+        </p:txBody>
+      </p:sp>
+      <p:sp>
+        <p:nvSpPr>
+          <p:cNvPr id="12" name="Content Placeholder 3">
+            <a:extLst>
+              <a:ext uri="{FF2B5EF4-FFF2-40B4-BE49-F238E27FC236}">
+                <a16:creationId xmlns:a16="http://schemas.microsoft.com/office/drawing/2014/main" id="{288BD9B8-D6A6-D55A-830D-4D3CC2DC3933}"/>
+              </a:ext>
+            </a:extLst>
+          </p:cNvPr>
+          <p:cNvSpPr>
+            <a:spLocks noGrp="1"/>
+          </p:cNvSpPr>
+          <p:nvPr>
+            <p:ph sz="half" idx="2"/>
+          </p:nvPr>
+        </p:nvSpPr>
+        <p:spPr>
+          <a:xfrm>
+            <a:off x="1550564" y="2303028"/>
+            <a:ext cx="5829147" cy="3961593"/>
+          </a:xfrm>
+        </p:spPr>
+        <p:txBody>
+          <a:bodyPr>
+            <a:normAutofit/>
+          </a:bodyPr>
+          <a:lstStyle/>
+          <a:p>
+            <a:r>
+              <a:rPr lang="en-US" dirty="0"/>
+              <a:t>Use locally available foods</a:t>
+            </a:r>
+          </a:p>
+          <a:p>
+            <a:pPr lvl="1"/>
+            <a:r>
+              <a:rPr lang="en-US" dirty="0"/>
+              <a:t>Avoid middleman</a:t>
+            </a:r>
+          </a:p>
+          <a:p>
+            <a:r>
+              <a:rPr lang="en-US" dirty="0"/>
+              <a:t>Find ways to connect to local farmers</a:t>
+            </a:r>
+          </a:p>
+          <a:p>
+            <a:pPr lvl="1"/>
+            <a:r>
+              <a:rPr lang="en-US" dirty="0"/>
+              <a:t>Explore new techniques</a:t>
+            </a:r>
+          </a:p>
+          <a:p>
+            <a:r>
+              <a:rPr lang="en-US" dirty="0"/>
+              <a:t>Timing and transitions are important</a:t>
+            </a:r>
+          </a:p>
+          <a:p>
+            <a:pPr lvl="1"/>
+            <a:r>
+              <a:rPr lang="en-US" dirty="0"/>
+              <a:t>Accept the transitions</a:t>
+            </a:r>
+          </a:p>
+          <a:p>
+            <a:r>
+              <a:rPr lang="en-US" dirty="0"/>
+              <a:t>Avoid wasting food</a:t>
+            </a:r>
+          </a:p>
+          <a:p>
+            <a:pPr lvl="1"/>
+            <a:r>
+              <a:rPr lang="en-US" dirty="0"/>
+              <a:t>Refer to colleagues to listen &amp; provide feedback </a:t>
+            </a:r>
+          </a:p>
+        </p:txBody>
+      </p:sp>
+      <p:sp>
+        <p:nvSpPr>
+          <p:cNvPr id="2" name="Slide Number Placeholder 1">
+            <a:extLst>
+              <a:ext uri="{FF2B5EF4-FFF2-40B4-BE49-F238E27FC236}">
+                <a16:creationId xmlns:a16="http://schemas.microsoft.com/office/drawing/2014/main" id="{1DCFAD14-1AAA-8CDA-A49B-523FD6C66F35}"/>
+              </a:ext>
+            </a:extLst>
+          </p:cNvPr>
+          <p:cNvSpPr>
+            <a:spLocks noGrp="1"/>
+          </p:cNvSpPr>
+          <p:nvPr>
+            <p:ph type="sldNum" sz="quarter" idx="10"/>
+          </p:nvPr>
+        </p:nvSpPr>
+        <p:spPr>
+          <a:xfrm>
+            <a:off x="10438475" y="457199"/>
+            <a:ext cx="987552" cy="471489"/>
+          </a:xfrm>
+        </p:spPr>
+        <p:txBody>
+          <a:bodyPr/>
+          <a:lstStyle/>
+          <a:p>
+            <a:fld id="{48F63A3B-78C7-47BE-AE5E-E10140E04643}" type="slidenum">
+              <a:rPr lang="en-US" smtClean="0"/>
+              <a:pPr/>
+              <a:t>17</a:t>
+            </a:fld>
+            <a:endParaRPr lang="en-US" dirty="0"/>
+          </a:p>
+        </p:txBody>
+      </p:sp>
+      <p:pic>
+        <p:nvPicPr>
+          <p:cNvPr id="7" name="Picture 6">
+            <a:extLst>
+              <a:ext uri="{FF2B5EF4-FFF2-40B4-BE49-F238E27FC236}">
+                <a16:creationId xmlns:a16="http://schemas.microsoft.com/office/drawing/2014/main" id="{F850A9B2-E36E-4D13-8D6B-C4FD4CD9595F}"/>
+              </a:ext>
+            </a:extLst>
+          </p:cNvPr>
+          <p:cNvPicPr>
+            <a:picLocks noChangeAspect="1"/>
+          </p:cNvPicPr>
+          <p:nvPr/>
+        </p:nvPicPr>
+        <p:blipFill>
+          <a:blip r:embed="rId3"/>
+          <a:stretch>
+            <a:fillRect/>
+          </a:stretch>
+        </p:blipFill>
+        <p:spPr>
+          <a:xfrm>
+            <a:off x="8008076" y="2968462"/>
+            <a:ext cx="2924175" cy="1562100"/>
+          </a:xfrm>
+          <a:prstGeom prst="rect">
+            <a:avLst/>
+          </a:prstGeom>
+        </p:spPr>
+      </p:pic>
+    </p:spTree>
+    <p:extLst>
+      <p:ext uri="{BB962C8B-B14F-4D97-AF65-F5344CB8AC3E}">
+        <p14:creationId xmlns:p14="http://schemas.microsoft.com/office/powerpoint/2010/main" val="2498021601"/>
+      </p:ext>
+    </p:extLst>
+  </p:cSld>
+  <p:clrMapOvr>
+    <a:masterClrMapping/>
+  </p:clrMapOvr>
+</p:sld>
+</file>
+
+<file path=ppt/slides/slide18.xml><?xml version="1.0" encoding="utf-8"?>
+<p:sld xmlns:a="http://schemas.openxmlformats.org/drawingml/2006/main" xmlns:r="http://schemas.openxmlformats.org/officeDocument/2006/relationships" xmlns:p="http://schemas.openxmlformats.org/presentationml/2006/main">
+  <p:cSld>
+    <p:spTree>
+      <p:nvGrpSpPr>
+        <p:cNvPr id="1" name=""/>
+        <p:cNvGrpSpPr/>
+        <p:nvPr/>
+      </p:nvGrpSpPr>
+      <p:grpSpPr>
+        <a:xfrm>
+          <a:off x="0" y="0"/>
+          <a:ext cx="0" cy="0"/>
+          <a:chOff x="0" y="0"/>
+          <a:chExt cx="0" cy="0"/>
+        </a:xfrm>
+      </p:grpSpPr>
+      <p:sp>
+        <p:nvSpPr>
+          <p:cNvPr id="2" name="Title 1">
+            <a:extLst>
+              <a:ext uri="{FF2B5EF4-FFF2-40B4-BE49-F238E27FC236}">
+                <a16:creationId xmlns:a16="http://schemas.microsoft.com/office/drawing/2014/main" id="{509D22C5-0C9E-B582-A8FE-B45E70A01E7F}"/>
+              </a:ext>
+            </a:extLst>
+          </p:cNvPr>
+          <p:cNvSpPr>
+            <a:spLocks noGrp="1"/>
+          </p:cNvSpPr>
+          <p:nvPr>
+            <p:ph type="ctrTitle"/>
+          </p:nvPr>
+        </p:nvSpPr>
+        <p:spPr>
+          <a:xfrm>
+            <a:off x="914401" y="849782"/>
+            <a:ext cx="5715000" cy="2727709"/>
+          </a:xfrm>
+        </p:spPr>
+        <p:txBody>
+          <a:bodyPr/>
+          <a:lstStyle/>
+          <a:p>
+            <a:r>
+              <a:rPr lang="en-US" dirty="0"/>
+              <a:t>Thank </a:t>
+            </a:r>
+            <a:br>
+              <a:rPr lang="en-US" dirty="0"/>
+            </a:br>
+            <a:r>
+              <a:rPr lang="en-US" dirty="0"/>
+              <a:t>you</a:t>
+            </a:r>
+          </a:p>
+        </p:txBody>
+      </p:sp>
+      <p:sp>
+        <p:nvSpPr>
+          <p:cNvPr id="3" name="Subtitle 2">
+            <a:extLst>
+              <a:ext uri="{FF2B5EF4-FFF2-40B4-BE49-F238E27FC236}">
+                <a16:creationId xmlns:a16="http://schemas.microsoft.com/office/drawing/2014/main" id="{D8B5CEF2-E667-BBB5-2EA6-C06F93B6DE12}"/>
+              </a:ext>
+            </a:extLst>
+          </p:cNvPr>
+          <p:cNvSpPr>
+            <a:spLocks noGrp="1"/>
+          </p:cNvSpPr>
+          <p:nvPr>
+            <p:ph type="subTitle" idx="1"/>
+          </p:nvPr>
+        </p:nvSpPr>
+        <p:spPr>
+          <a:xfrm>
+            <a:off x="914401" y="3813606"/>
+            <a:ext cx="5715000" cy="2234642"/>
+          </a:xfrm>
+        </p:spPr>
+        <p:txBody>
+          <a:bodyPr/>
+          <a:lstStyle/>
+          <a:p>
+            <a:r>
+              <a:rPr lang="en-US" dirty="0" err="1"/>
+              <a:t>Fasal</a:t>
+            </a:r>
+            <a:r>
+              <a:rPr lang="en-US" dirty="0"/>
+              <a:t> Sena</a:t>
+            </a:r>
+          </a:p>
+          <a:p>
+            <a:r>
+              <a:rPr lang="en-US" dirty="0"/>
+              <a:t>-Sohan Rane</a:t>
+            </a:r>
+          </a:p>
+          <a:p>
+            <a:r>
+              <a:rPr lang="en-US" dirty="0"/>
+              <a:t>-Om </a:t>
+            </a:r>
+            <a:r>
+              <a:rPr lang="en-US" dirty="0" err="1"/>
+              <a:t>Minche</a:t>
+            </a:r>
+            <a:br>
+              <a:rPr lang="en-US" dirty="0"/>
+            </a:br>
+            <a:r>
+              <a:rPr lang="en-US" dirty="0"/>
+              <a:t>-Abel </a:t>
+            </a:r>
+            <a:r>
+              <a:rPr lang="en-US" dirty="0" err="1"/>
+              <a:t>Fernendes</a:t>
+            </a:r>
+            <a:endParaRPr lang="en-US" dirty="0"/>
+          </a:p>
+          <a:p>
+            <a:r>
+              <a:rPr lang="en-US" dirty="0"/>
+              <a:t>-Abhishek M</a:t>
+            </a:r>
+          </a:p>
+          <a:p>
+            <a:endParaRPr lang="en-US" dirty="0"/>
+          </a:p>
+          <a:p>
+            <a:endParaRPr lang="en-US" dirty="0"/>
+          </a:p>
+        </p:txBody>
+      </p:sp>
+    </p:spTree>
+    <p:extLst>
+      <p:ext uri="{BB962C8B-B14F-4D97-AF65-F5344CB8AC3E}">
+        <p14:creationId xmlns:p14="http://schemas.microsoft.com/office/powerpoint/2010/main" val="1973173046"/>
       </p:ext>
     </p:extLst>
   </p:cSld>
@@ -20449,7 +19846,12 @@
             <p:ph idx="1"/>
           </p:nvPr>
         </p:nvSpPr>
-        <p:spPr/>
+        <p:spPr>
+          <a:xfrm>
+            <a:off x="914400" y="2834640"/>
+            <a:ext cx="5891753" cy="3207344"/>
+          </a:xfrm>
+        </p:spPr>
         <p:txBody>
           <a:bodyPr/>
           <a:lstStyle/>
@@ -20520,8 +19922,8 @@
         </p:blipFill>
         <p:spPr>
           <a:xfrm>
-            <a:off x="7498080" y="1009650"/>
-            <a:ext cx="4619625" cy="4705350"/>
+            <a:off x="7498080" y="1782648"/>
+            <a:ext cx="3950946" cy="4024263"/>
           </a:xfrm>
           <a:prstGeom prst="rect">
             <a:avLst/>
@@ -20910,7 +20312,7 @@
         </p:nvSpPr>
         <p:spPr>
           <a:xfrm>
-            <a:off x="6797677" y="2632159"/>
+            <a:off x="6288630" y="2632159"/>
             <a:ext cx="4328323" cy="1140827"/>
           </a:xfrm>
         </p:spPr>
@@ -20933,85 +20335,34 @@
           </a:p>
         </p:txBody>
       </p:sp>
-      <p:sp>
-        <p:nvSpPr>
-          <p:cNvPr id="12" name="Picture Placeholder 11">
+      <p:pic>
+        <p:nvPicPr>
+          <p:cNvPr id="4" name="Picture 3">
             <a:extLst>
               <a:ext uri="{FF2B5EF4-FFF2-40B4-BE49-F238E27FC236}">
-                <a16:creationId xmlns:a16="http://schemas.microsoft.com/office/drawing/2014/main" id="{322B4062-AC73-D431-039B-D95BB9F21DB8}"/>
-              </a:ext>
-            </a:extLst>
-          </p:cNvPr>
-          <p:cNvSpPr>
-            <a:spLocks noGrp="1"/>
-          </p:cNvSpPr>
-          <p:nvPr>
-            <p:ph type="pic" sz="quarter" idx="11"/>
-          </p:nvPr>
-        </p:nvSpPr>
-        <p:spPr/>
-      </p:sp>
-      <p:pic>
-        <p:nvPicPr>
-          <p:cNvPr id="1032" name="Picture 8" descr="how-to-build-a-website-step-by-step-guide - Create WP Site - Create WP Site">
-            <a:extLst>
-              <a:ext uri="{FF2B5EF4-FFF2-40B4-BE49-F238E27FC236}">
-                <a16:creationId xmlns:a16="http://schemas.microsoft.com/office/drawing/2014/main" id="{78A50CCF-D1B6-2519-C518-4F15F6372D24}"/>
+                <a16:creationId xmlns:a16="http://schemas.microsoft.com/office/drawing/2014/main" id="{95727F2E-869E-B892-B3A2-8E24CEF4AD8A}"/>
               </a:ext>
             </a:extLst>
           </p:cNvPr>
           <p:cNvPicPr>
-            <a:picLocks noChangeAspect="1" noChangeArrowheads="1"/>
+            <a:picLocks noChangeAspect="1"/>
           </p:cNvPicPr>
           <p:nvPr/>
         </p:nvPicPr>
         <p:blipFill>
-          <a:blip r:embed="rId3">
-            <a:extLst>
-              <a:ext uri="{BEBA8EAE-BF5A-486C-A8C5-ECC9F3942E4B}">
-                <a14:imgProps xmlns:a14="http://schemas.microsoft.com/office/drawing/2010/main">
-                  <a14:imgLayer r:embed="rId4">
-                    <a14:imgEffect>
-                      <a14:artisticCutout/>
-                    </a14:imgEffect>
-                  </a14:imgLayer>
-                </a14:imgProps>
-              </a:ext>
-              <a:ext uri="{28A0092B-C50C-407E-A947-70E740481C1C}">
-                <a14:useLocalDpi xmlns:a14="http://schemas.microsoft.com/office/drawing/2010/main" val="0"/>
-              </a:ext>
-            </a:extLst>
-          </a:blip>
-          <a:srcRect/>
+          <a:blip r:embed="rId3"/>
           <a:stretch>
             <a:fillRect/>
           </a:stretch>
         </p:blipFill>
-        <p:spPr bwMode="auto">
+        <p:spPr>
           <a:xfrm>
-            <a:off x="0" y="0"/>
-            <a:ext cx="6558116" cy="6858000"/>
+            <a:off x="1318426" y="2000396"/>
+            <a:ext cx="3234720" cy="2590353"/>
           </a:xfrm>
           <a:prstGeom prst="rect">
             <a:avLst/>
           </a:prstGeom>
-          <a:noFill/>
-          <a:effectLst>
-            <a:outerShdw blurRad="508000" dist="444500" dir="9600000" sx="73000" sy="73000" algn="ctr" rotWithShape="0">
-              <a:srgbClr val="000000">
-                <a:alpha val="62000"/>
-              </a:srgbClr>
-            </a:outerShdw>
-          </a:effectLst>
-          <a:extLst>
-            <a:ext uri="{909E8E84-426E-40DD-AFC4-6F175D3DCCD1}">
-              <a14:hiddenFill xmlns:a14="http://schemas.microsoft.com/office/drawing/2010/main">
-                <a:solidFill>
-                  <a:srgbClr val="FFFFFF"/>
-                </a:solidFill>
-              </a14:hiddenFill>
-            </a:ext>
-          </a:extLst>
         </p:spPr>
       </p:pic>
     </p:spTree>
@@ -21049,7 +20400,7 @@
           <p:cNvPr id="2" name="Title 1">
             <a:extLst>
               <a:ext uri="{FF2B5EF4-FFF2-40B4-BE49-F238E27FC236}">
-                <a16:creationId xmlns:a16="http://schemas.microsoft.com/office/drawing/2014/main" id="{509D22C5-0C9E-B582-A8FE-B45E70A01E7F}"/>
+                <a16:creationId xmlns:a16="http://schemas.microsoft.com/office/drawing/2014/main" id="{C528E200-9635-6D9C-AC03-01B51E0F8206}"/>
               </a:ext>
             </a:extLst>
           </p:cNvPr>
@@ -21057,13 +20408,13 @@
             <a:spLocks noGrp="1"/>
           </p:cNvSpPr>
           <p:nvPr>
-            <p:ph type="ctrTitle"/>
+            <p:ph type="title"/>
           </p:nvPr>
         </p:nvSpPr>
         <p:spPr>
           <a:xfrm>
-            <a:off x="914401" y="849782"/>
-            <a:ext cx="5715000" cy="2727709"/>
+            <a:off x="914400" y="694415"/>
+            <a:ext cx="7843837" cy="1012782"/>
           </a:xfrm>
         </p:spPr>
         <p:txBody>
@@ -21071,25 +20422,18 @@
           <a:lstStyle/>
           <a:p>
             <a:r>
-              <a:rPr lang="en-US" dirty="0"/>
-              <a:t>Thank </a:t>
-            </a:r>
-            <a:br>
-              <a:rPr lang="en-US" dirty="0"/>
-            </a:br>
-            <a:r>
-              <a:rPr lang="en-US" dirty="0"/>
-              <a:t>you</a:t>
+              <a:rPr lang="en-IN" dirty="0"/>
+              <a:t>1. Selection of Base Language (Python)</a:t>
             </a:r>
           </a:p>
         </p:txBody>
       </p:sp>
       <p:sp>
         <p:nvSpPr>
-          <p:cNvPr id="3" name="Subtitle 2">
+          <p:cNvPr id="3" name="Content Placeholder 2">
             <a:extLst>
               <a:ext uri="{FF2B5EF4-FFF2-40B4-BE49-F238E27FC236}">
-                <a16:creationId xmlns:a16="http://schemas.microsoft.com/office/drawing/2014/main" id="{D8B5CEF2-E667-BBB5-2EA6-C06F93B6DE12}"/>
+                <a16:creationId xmlns:a16="http://schemas.microsoft.com/office/drawing/2014/main" id="{F8C46AEE-9FCC-D103-2A54-BD8E5576C520}"/>
               </a:ext>
             </a:extLst>
           </p:cNvPr>
@@ -21097,36 +20441,132 @@
             <a:spLocks noGrp="1"/>
           </p:cNvSpPr>
           <p:nvPr>
-            <p:ph type="subTitle" idx="1"/>
+            <p:ph idx="13"/>
           </p:nvPr>
         </p:nvSpPr>
         <p:spPr>
           <a:xfrm>
-            <a:off x="914401" y="3813606"/>
-            <a:ext cx="5715000" cy="2234642"/>
+            <a:off x="914400" y="2111604"/>
+            <a:ext cx="6903076" cy="4675695"/>
           </a:xfrm>
         </p:spPr>
         <p:txBody>
+          <a:bodyPr>
+            <a:normAutofit/>
+          </a:bodyPr>
+          <a:lstStyle/>
+          <a:p>
+            <a:pPr marL="342900" indent="-342900">
+              <a:buFont typeface="Arial" panose="020B0604020202020204" pitchFamily="34" charset="0"/>
+              <a:buChar char="•"/>
+            </a:pPr>
+            <a:r>
+              <a:rPr lang="en-US" b="1" u="sng" dirty="0"/>
+              <a:t>Readability</a:t>
+            </a:r>
+            <a:r>
+              <a:rPr lang="en-US" dirty="0"/>
+              <a:t>: Python's syntax is designed to be clear and readable, making it easier to write and understand code. This readability reduces the cost of program maintenance and development.</a:t>
+            </a:r>
+          </a:p>
+          <a:p>
+            <a:pPr marL="342900" indent="-342900">
+              <a:buFont typeface="Arial" panose="020B0604020202020204" pitchFamily="34" charset="0"/>
+              <a:buChar char="•"/>
+            </a:pPr>
+            <a:r>
+              <a:rPr lang="en-US" b="1" dirty="0"/>
+              <a:t>Versatility</a:t>
+            </a:r>
+            <a:r>
+              <a:rPr lang="en-US" dirty="0"/>
+              <a:t>: Python is a versatile language, suitable for various applications such as web development, data analysis and more.</a:t>
+            </a:r>
+          </a:p>
+          <a:p>
+            <a:pPr marL="342900" indent="-342900">
+              <a:buFont typeface="Arial" panose="020B0604020202020204" pitchFamily="34" charset="0"/>
+              <a:buChar char="•"/>
+            </a:pPr>
+            <a:r>
+              <a:rPr lang="en-US" b="1" u="sng" dirty="0"/>
+              <a:t>Integration Capabilities</a:t>
+            </a:r>
+            <a:r>
+              <a:rPr lang="en-US" dirty="0"/>
+              <a:t>: Python can easily integrate with other languages and platforms. For example, it can be embedded in html ,</a:t>
+            </a:r>
+            <a:r>
+              <a:rPr lang="en-US" dirty="0" err="1"/>
+              <a:t>css</a:t>
+            </a:r>
+            <a:r>
+              <a:rPr lang="en-US" dirty="0"/>
+              <a:t> etc.</a:t>
+            </a:r>
+            <a:endParaRPr lang="en-IN" dirty="0"/>
+          </a:p>
+        </p:txBody>
+      </p:sp>
+      <p:sp>
+        <p:nvSpPr>
+          <p:cNvPr id="5" name="Slide Number Placeholder 4">
+            <a:extLst>
+              <a:ext uri="{FF2B5EF4-FFF2-40B4-BE49-F238E27FC236}">
+                <a16:creationId xmlns:a16="http://schemas.microsoft.com/office/drawing/2014/main" id="{F2048475-1844-4791-E531-93607E5BB5CA}"/>
+              </a:ext>
+            </a:extLst>
+          </p:cNvPr>
+          <p:cNvSpPr>
+            <a:spLocks noGrp="1"/>
+          </p:cNvSpPr>
+          <p:nvPr>
+            <p:ph type="sldNum" sz="quarter" idx="10"/>
+          </p:nvPr>
+        </p:nvSpPr>
+        <p:spPr/>
+        <p:txBody>
           <a:bodyPr/>
           <a:lstStyle/>
           <a:p>
-            <a:r>
-              <a:rPr lang="en-US" dirty="0"/>
-              <a:t>Fasal Sena</a:t>
-            </a:r>
-          </a:p>
-          <a:p>
-            <a:endParaRPr lang="en-US" dirty="0"/>
-          </a:p>
-          <a:p>
+            <a:fld id="{48F63A3B-78C7-47BE-AE5E-E10140E04643}" type="slidenum">
+              <a:rPr lang="en-US" smtClean="0"/>
+              <a:pPr/>
+              <a:t>8</a:t>
+            </a:fld>
             <a:endParaRPr lang="en-US" dirty="0"/>
           </a:p>
         </p:txBody>
       </p:sp>
+      <p:pic>
+        <p:nvPicPr>
+          <p:cNvPr id="11" name="Picture Placeholder 10">
+            <a:extLst>
+              <a:ext uri="{FF2B5EF4-FFF2-40B4-BE49-F238E27FC236}">
+                <a16:creationId xmlns:a16="http://schemas.microsoft.com/office/drawing/2014/main" id="{174F8EC1-22B0-1CF9-1EDB-A55776650D46}"/>
+              </a:ext>
+            </a:extLst>
+          </p:cNvPr>
+          <p:cNvPicPr>
+            <a:picLocks noGrp="1" noChangeAspect="1"/>
+          </p:cNvPicPr>
+          <p:nvPr>
+            <p:ph type="pic" sz="quarter" idx="14"/>
+          </p:nvPr>
+        </p:nvPicPr>
+        <p:blipFill>
+          <a:blip r:embed="rId2"/>
+          <a:srcRect l="3632" r="3632"/>
+          <a:stretch>
+            <a:fillRect/>
+          </a:stretch>
+        </p:blipFill>
+        <p:spPr/>
+      </p:pic>
     </p:spTree>
     <p:extLst>
       <p:ext uri="{BB962C8B-B14F-4D97-AF65-F5344CB8AC3E}">
-        <p14:creationId xmlns:p14="http://schemas.microsoft.com/office/powerpoint/2010/main" val="1973173046"/>
+        <p14:creationId xmlns:p14="http://schemas.microsoft.com/office/powerpoint/2010/main" val="790663845"/>
       </p:ext>
     </p:extLst>
   </p:cSld>
@@ -21155,10 +20595,10 @@
       </p:grpSpPr>
       <p:sp>
         <p:nvSpPr>
-          <p:cNvPr id="2" name="Title 1">
+          <p:cNvPr id="4" name="Title 3">
             <a:extLst>
               <a:ext uri="{FF2B5EF4-FFF2-40B4-BE49-F238E27FC236}">
-                <a16:creationId xmlns:a16="http://schemas.microsoft.com/office/drawing/2014/main" id="{B6210199-C129-11F0-56F2-2D1AED21CB4C}"/>
+                <a16:creationId xmlns:a16="http://schemas.microsoft.com/office/drawing/2014/main" id="{EB07AED3-C3D4-C949-F954-4A636CA2838F}"/>
               </a:ext>
             </a:extLst>
           </p:cNvPr>
@@ -21171,8 +20611,8 @@
         </p:nvSpPr>
         <p:spPr>
           <a:xfrm>
-            <a:off x="4364809" y="1057274"/>
-            <a:ext cx="7043617" cy="2520217"/>
+            <a:off x="914400" y="717910"/>
+            <a:ext cx="7843837" cy="1012782"/>
           </a:xfrm>
         </p:spPr>
         <p:txBody>
@@ -21180,25 +20620,22 @@
           <a:lstStyle/>
           <a:p>
             <a:r>
-              <a:rPr lang="en-US" dirty="0"/>
-              <a:t>Selecting </a:t>
-            </a:r>
-            <a:br>
-              <a:rPr lang="en-US" dirty="0"/>
-            </a:br>
-            <a:r>
-              <a:rPr lang="en-US" dirty="0"/>
-              <a:t>visual aids</a:t>
+              <a:rPr lang="en-IN" sz="4000" b="1" dirty="0"/>
+              <a:t>2. Imports</a:t>
+            </a:r>
+            <a:r>
+              <a:rPr lang="en-IN" sz="4000" dirty="0"/>
+              <a:t>: </a:t>
             </a:r>
           </a:p>
         </p:txBody>
       </p:sp>
       <p:sp>
         <p:nvSpPr>
-          <p:cNvPr id="3" name="Slide Number Placeholder 2">
+          <p:cNvPr id="5" name="Content Placeholder 4">
             <a:extLst>
               <a:ext uri="{FF2B5EF4-FFF2-40B4-BE49-F238E27FC236}">
-                <a16:creationId xmlns:a16="http://schemas.microsoft.com/office/drawing/2014/main" id="{370AEC4F-E711-8552-9C34-82C1514A1E37}"/>
+                <a16:creationId xmlns:a16="http://schemas.microsoft.com/office/drawing/2014/main" id="{157FAD9F-C3BC-CB80-808E-4B224F78E81A}"/>
               </a:ext>
             </a:extLst>
           </p:cNvPr>
@@ -21206,65 +20643,166 @@
             <a:spLocks noGrp="1"/>
           </p:cNvSpPr>
           <p:nvPr>
-            <p:ph type="sldNum" sz="quarter" idx="10"/>
+            <p:ph idx="13"/>
           </p:nvPr>
         </p:nvSpPr>
         <p:spPr>
           <a:xfrm>
-            <a:off x="10438475" y="457199"/>
-            <a:ext cx="987552" cy="471489"/>
+            <a:off x="914400" y="2253008"/>
+            <a:ext cx="6903076" cy="4441624"/>
           </a:xfrm>
         </p:spPr>
         <p:txBody>
-          <a:bodyPr/>
+          <a:bodyPr>
+            <a:normAutofit/>
+          </a:bodyPr>
           <a:lstStyle/>
           <a:p>
-            <a:fld id="{48F63A3B-78C7-47BE-AE5E-E10140E04643}" type="slidenum">
-              <a:rPr lang="en-US" smtClean="0"/>
-              <a:pPr/>
-              <a:t>9</a:t>
-            </a:fld>
-            <a:endParaRPr lang="en-US" dirty="0"/>
+            <a:r>
+              <a:rPr lang="en-US" dirty="0"/>
+              <a:t>The code starts with importing necessary modules and packages:</a:t>
+            </a:r>
+          </a:p>
+          <a:p>
+            <a:pPr marL="342900" indent="-342900">
+              <a:buFont typeface="Arial" panose="020B0604020202020204" pitchFamily="34" charset="0"/>
+              <a:buChar char="•"/>
+            </a:pPr>
+            <a:r>
+              <a:rPr lang="en-IN" dirty="0"/>
+              <a:t>"message" from "email" module</a:t>
+            </a:r>
+          </a:p>
+          <a:p>
+            <a:pPr marL="342900" indent="-342900">
+              <a:buFont typeface="Arial" panose="020B0604020202020204" pitchFamily="34" charset="0"/>
+              <a:buChar char="•"/>
+            </a:pPr>
+            <a:r>
+              <a:rPr lang="en-US" dirty="0"/>
+              <a:t>"Flask" and related modules (</a:t>
+            </a:r>
+            <a:r>
+              <a:rPr lang="en-US" dirty="0" err="1"/>
+              <a:t>render_template</a:t>
+            </a:r>
+            <a:r>
+              <a:rPr lang="en-US" dirty="0"/>
+              <a:t>, request, redirect, </a:t>
+            </a:r>
+            <a:r>
+              <a:rPr lang="en-US" dirty="0" err="1"/>
+              <a:t>url_for</a:t>
+            </a:r>
+            <a:r>
+              <a:rPr lang="en-US" dirty="0"/>
+              <a:t>, session) for creating a web application</a:t>
+            </a:r>
+          </a:p>
+          <a:p>
+            <a:pPr marL="342900" indent="-342900">
+              <a:buFont typeface="Arial" panose="020B0604020202020204" pitchFamily="34" charset="0"/>
+              <a:buChar char="•"/>
+            </a:pPr>
+            <a:r>
+              <a:rPr lang="en-US" dirty="0"/>
+              <a:t>"</a:t>
+            </a:r>
+            <a:r>
+              <a:rPr lang="en-US" dirty="0" err="1"/>
+              <a:t>SQLAlchemy</a:t>
+            </a:r>
+            <a:r>
+              <a:rPr lang="en-US" dirty="0"/>
+              <a:t>" for working with databases</a:t>
+            </a:r>
+          </a:p>
+          <a:p>
+            <a:pPr marL="342900" indent="-342900">
+              <a:buFont typeface="Arial" panose="020B0604020202020204" pitchFamily="34" charset="0"/>
+              <a:buChar char="•"/>
+            </a:pPr>
+            <a:r>
+              <a:rPr lang="en-US" dirty="0"/>
+              <a:t>"datetime" for handling date and time</a:t>
+            </a:r>
+          </a:p>
+          <a:p>
+            <a:pPr marL="342900" indent="-342900">
+              <a:buFont typeface="Arial" panose="020B0604020202020204" pitchFamily="34" charset="0"/>
+              <a:buChar char="•"/>
+            </a:pPr>
+            <a:r>
+              <a:rPr lang="en-IN" dirty="0"/>
+              <a:t>"</a:t>
+            </a:r>
+            <a:r>
+              <a:rPr lang="en-IN" dirty="0" err="1"/>
+              <a:t>Bcrypt</a:t>
+            </a:r>
+            <a:r>
+              <a:rPr lang="en-IN" dirty="0"/>
+              <a:t>" for password hashing</a:t>
+            </a:r>
+          </a:p>
+          <a:p>
+            <a:pPr marL="342900" indent="-342900">
+              <a:buFont typeface="Arial" panose="020B0604020202020204" pitchFamily="34" charset="0"/>
+              <a:buChar char="•"/>
+            </a:pPr>
+            <a:r>
+              <a:rPr lang="en-US" dirty="0"/>
+              <a:t>"Admin" and "</a:t>
+            </a:r>
+            <a:r>
+              <a:rPr lang="en-US" dirty="0" err="1"/>
+              <a:t>ModelView</a:t>
+            </a:r>
+            <a:r>
+              <a:rPr lang="en-US" dirty="0"/>
+              <a:t>" from "</a:t>
+            </a:r>
+            <a:r>
+              <a:rPr lang="en-US" dirty="0" err="1"/>
+              <a:t>flask_admin</a:t>
+            </a:r>
+            <a:r>
+              <a:rPr lang="en-US" dirty="0"/>
+              <a:t>" for creating an admin interface</a:t>
+            </a:r>
+            <a:endParaRPr lang="en-IN" dirty="0"/>
           </a:p>
         </p:txBody>
       </p:sp>
-      <p:sp>
-        <p:nvSpPr>
-          <p:cNvPr id="4" name="Content Placeholder 3">
+      <p:pic>
+        <p:nvPicPr>
+          <p:cNvPr id="11" name="Picture Placeholder 10">
             <a:extLst>
               <a:ext uri="{FF2B5EF4-FFF2-40B4-BE49-F238E27FC236}">
-                <a16:creationId xmlns:a16="http://schemas.microsoft.com/office/drawing/2014/main" id="{BDDD6BDC-E008-6AB7-55A1-46ED9BCF054F}"/>
+                <a16:creationId xmlns:a16="http://schemas.microsoft.com/office/drawing/2014/main" id="{6CE1C40A-001E-933B-5AEC-9928725448C7}"/>
               </a:ext>
             </a:extLst>
           </p:cNvPr>
-          <p:cNvSpPr>
-            <a:spLocks noGrp="1"/>
-          </p:cNvSpPr>
+          <p:cNvPicPr>
+            <a:picLocks noGrp="1" noChangeAspect="1"/>
+          </p:cNvPicPr>
           <p:nvPr>
-            <p:ph idx="11"/>
+            <p:ph type="pic" sz="quarter" idx="14"/>
           </p:nvPr>
-        </p:nvSpPr>
-        <p:spPr>
-          <a:xfrm>
-            <a:off x="4364808" y="3808750"/>
-            <a:ext cx="7043618" cy="2233233"/>
-          </a:xfrm>
-        </p:spPr>
-        <p:txBody>
-          <a:bodyPr/>
-          <a:lstStyle/>
-          <a:p>
-            <a:r>
-              <a:rPr lang="en-US" dirty="0"/>
-              <a:t>Enhancing your presentation</a:t>
-            </a:r>
-          </a:p>
-        </p:txBody>
-      </p:sp>
+        </p:nvPicPr>
+        <p:blipFill>
+          <a:blip r:embed="rId2"/>
+          <a:srcRect l="3632" r="3632"/>
+          <a:stretch>
+            <a:fillRect/>
+          </a:stretch>
+        </p:blipFill>
+        <p:spPr/>
+      </p:pic>
     </p:spTree>
     <p:extLst>
       <p:ext uri="{BB962C8B-B14F-4D97-AF65-F5344CB8AC3E}">
-        <p14:creationId xmlns:p14="http://schemas.microsoft.com/office/powerpoint/2010/main" val="1131718056"/>
+        <p14:creationId xmlns:p14="http://schemas.microsoft.com/office/powerpoint/2010/main" val="4201284423"/>
       </p:ext>
     </p:extLst>
   </p:cSld>
@@ -22066,6 +21604,15 @@
 </file>
 
 <file path=customXml/item1.xml><?xml version="1.0" encoding="utf-8"?>
+<?mso-contentType ?>
+<FormTemplates xmlns="http://schemas.microsoft.com/sharepoint/v3/contenttype/forms">
+  <Display>DocumentLibraryForm</Display>
+  <Edit>DocumentLibraryForm</Edit>
+  <New>DocumentLibraryForm</New>
+</FormTemplates>
+</file>
+
+<file path=customXml/item2.xml><?xml version="1.0" encoding="utf-8"?>
 <p:properties xmlns:p="http://schemas.microsoft.com/office/2006/metadata/properties" xmlns:xsi="http://www.w3.org/2001/XMLSchema-instance" xmlns:pc="http://schemas.microsoft.com/office/infopath/2007/PartnerControls">
   <documentManagement>
     <_ip_UnifiedCompliancePolicyUIAction xmlns="http://schemas.microsoft.com/sharepoint/v3" xsi:nil="true"/>
@@ -22083,15 +21630,6 @@
     <MediaServiceKeyPoints xmlns="71af3243-3dd4-4a8d-8c0d-dd76da1f02a5" xsi:nil="true"/>
   </documentManagement>
 </p:properties>
-</file>
-
-<file path=customXml/item2.xml><?xml version="1.0" encoding="utf-8"?>
-<?mso-contentType ?>
-<FormTemplates xmlns="http://schemas.microsoft.com/sharepoint/v3/contenttype/forms">
-  <Display>DocumentLibraryForm</Display>
-  <Edit>DocumentLibraryForm</Edit>
-  <New>DocumentLibraryForm</New>
-</FormTemplates>
 </file>
 
 <file path=customXml/item3.xml><?xml version="1.0" encoding="utf-8"?>
@@ -22407,6 +21945,14 @@
 </file>
 
 <file path=customXml/itemProps1.xml><?xml version="1.0" encoding="utf-8"?>
+<ds:datastoreItem xmlns:ds="http://schemas.openxmlformats.org/officeDocument/2006/customXml" ds:itemID="{16DBB56F-4362-4386-A1A1-3DF898896616}">
+  <ds:schemaRefs>
+    <ds:schemaRef ds:uri="http://schemas.microsoft.com/sharepoint/v3/contenttype/forms"/>
+  </ds:schemaRefs>
+</ds:datastoreItem>
+</file>
+
+<file path=customXml/itemProps2.xml><?xml version="1.0" encoding="utf-8"?>
 <ds:datastoreItem xmlns:ds="http://schemas.openxmlformats.org/officeDocument/2006/customXml" ds:itemID="{BA719FA4-954C-4FA8-82CB-206659C3B826}">
   <ds:schemaRefs>
     <ds:schemaRef ds:uri="http://schemas.microsoft.com/office/2006/metadata/properties"/>
@@ -22414,14 +21960,6 @@
     <ds:schemaRef ds:uri="http://schemas.microsoft.com/sharepoint/v3"/>
     <ds:schemaRef ds:uri="71af3243-3dd4-4a8d-8c0d-dd76da1f02a5"/>
     <ds:schemaRef ds:uri="230e9df3-be65-4c73-a93b-d1236ebd677e"/>
-  </ds:schemaRefs>
-</ds:datastoreItem>
-</file>
-
-<file path=customXml/itemProps2.xml><?xml version="1.0" encoding="utf-8"?>
-<ds:datastoreItem xmlns:ds="http://schemas.openxmlformats.org/officeDocument/2006/customXml" ds:itemID="{16DBB56F-4362-4386-A1A1-3DF898896616}">
-  <ds:schemaRefs>
-    <ds:schemaRef ds:uri="http://schemas.microsoft.com/sharepoint/v3/contenttype/forms"/>
   </ds:schemaRefs>
 </ds:datastoreItem>
 </file>

--- a/CROP LINK.pptx
+++ b/CROP LINK.pptx
@@ -17536,6 +17536,138 @@
   <p:clrMapOvr>
     <a:masterClrMapping/>
   </p:clrMapOvr>
+  <p:timing>
+    <p:tnLst>
+      <p:par>
+        <p:cTn id="1" dur="indefinite" restart="never" nodeType="tmRoot">
+          <p:childTnLst>
+            <p:seq concurrent="1" nextAc="seek">
+              <p:cTn id="2" dur="indefinite" nodeType="mainSeq">
+                <p:childTnLst>
+                  <p:par>
+                    <p:cTn id="3" fill="hold">
+                      <p:stCondLst>
+                        <p:cond delay="indefinite"/>
+                      </p:stCondLst>
+                      <p:childTnLst>
+                        <p:par>
+                          <p:cTn id="4" fill="hold">
+                            <p:stCondLst>
+                              <p:cond delay="0"/>
+                            </p:stCondLst>
+                            <p:childTnLst>
+                              <p:par>
+                                <p:cTn id="5" presetID="1" presetClass="entr" presetSubtype="0" fill="hold" grpId="0" nodeType="clickEffect">
+                                  <p:stCondLst>
+                                    <p:cond delay="0"/>
+                                  </p:stCondLst>
+                                  <p:childTnLst>
+                                    <p:set>
+                                      <p:cBhvr>
+                                        <p:cTn id="6" dur="1" fill="hold">
+                                          <p:stCondLst>
+                                            <p:cond delay="0"/>
+                                          </p:stCondLst>
+                                        </p:cTn>
+                                        <p:tgtEl>
+                                          <p:spTgt spid="2"/>
+                                        </p:tgtEl>
+                                        <p:attrNameLst>
+                                          <p:attrName>style.visibility</p:attrName>
+                                        </p:attrNameLst>
+                                      </p:cBhvr>
+                                      <p:to>
+                                        <p:strVal val="visible"/>
+                                      </p:to>
+                                    </p:set>
+                                  </p:childTnLst>
+                                </p:cTn>
+                              </p:par>
+                            </p:childTnLst>
+                          </p:cTn>
+                        </p:par>
+                      </p:childTnLst>
+                    </p:cTn>
+                  </p:par>
+                  <p:par>
+                    <p:cTn id="7" fill="hold">
+                      <p:stCondLst>
+                        <p:cond delay="indefinite"/>
+                      </p:stCondLst>
+                      <p:childTnLst>
+                        <p:par>
+                          <p:cTn id="8" fill="hold">
+                            <p:stCondLst>
+                              <p:cond delay="0"/>
+                            </p:stCondLst>
+                            <p:childTnLst>
+                              <p:par>
+                                <p:cTn id="9" presetID="6" presetClass="entr" presetSubtype="16" fill="hold" grpId="0" nodeType="clickEffect">
+                                  <p:stCondLst>
+                                    <p:cond delay="0"/>
+                                  </p:stCondLst>
+                                  <p:childTnLst>
+                                    <p:set>
+                                      <p:cBhvr>
+                                        <p:cTn id="10" dur="1" fill="hold">
+                                          <p:stCondLst>
+                                            <p:cond delay="0"/>
+                                          </p:stCondLst>
+                                        </p:cTn>
+                                        <p:tgtEl>
+                                          <p:spTgt spid="3"/>
+                                        </p:tgtEl>
+                                        <p:attrNameLst>
+                                          <p:attrName>style.visibility</p:attrName>
+                                        </p:attrNameLst>
+                                      </p:cBhvr>
+                                      <p:to>
+                                        <p:strVal val="visible"/>
+                                      </p:to>
+                                    </p:set>
+                                    <p:animEffect transition="in" filter="circle(in)">
+                                      <p:cBhvr>
+                                        <p:cTn id="11" dur="2000"/>
+                                        <p:tgtEl>
+                                          <p:spTgt spid="3"/>
+                                        </p:tgtEl>
+                                      </p:cBhvr>
+                                    </p:animEffect>
+                                  </p:childTnLst>
+                                </p:cTn>
+                              </p:par>
+                            </p:childTnLst>
+                          </p:cTn>
+                        </p:par>
+                      </p:childTnLst>
+                    </p:cTn>
+                  </p:par>
+                </p:childTnLst>
+              </p:cTn>
+              <p:prevCondLst>
+                <p:cond evt="onPrev" delay="0">
+                  <p:tgtEl>
+                    <p:sldTgt/>
+                  </p:tgtEl>
+                </p:cond>
+              </p:prevCondLst>
+              <p:nextCondLst>
+                <p:cond evt="onNext" delay="0">
+                  <p:tgtEl>
+                    <p:sldTgt/>
+                  </p:tgtEl>
+                </p:cond>
+              </p:nextCondLst>
+            </p:seq>
+          </p:childTnLst>
+        </p:cTn>
+      </p:par>
+    </p:tnLst>
+    <p:bldLst>
+      <p:bldP spid="2" grpId="0"/>
+      <p:bldP spid="3" grpId="0"/>
+    </p:bldLst>
+  </p:timing>
 </p:sld>
 </file>
 
@@ -17707,6 +17839,253 @@
   <p:clrMapOvr>
     <a:masterClrMapping/>
   </p:clrMapOvr>
+  <p:timing>
+    <p:tnLst>
+      <p:par>
+        <p:cTn id="1" dur="indefinite" restart="never" nodeType="tmRoot">
+          <p:childTnLst>
+            <p:seq concurrent="1" nextAc="seek">
+              <p:cTn id="2" dur="indefinite" nodeType="mainSeq">
+                <p:childTnLst>
+                  <p:par>
+                    <p:cTn id="3" fill="hold">
+                      <p:stCondLst>
+                        <p:cond delay="indefinite"/>
+                      </p:stCondLst>
+                      <p:childTnLst>
+                        <p:par>
+                          <p:cTn id="4" fill="hold">
+                            <p:stCondLst>
+                              <p:cond delay="0"/>
+                            </p:stCondLst>
+                            <p:childTnLst>
+                              <p:par>
+                                <p:cTn id="5" presetID="42" presetClass="entr" presetSubtype="0" fill="hold" grpId="0" nodeType="clickEffect">
+                                  <p:stCondLst>
+                                    <p:cond delay="0"/>
+                                  </p:stCondLst>
+                                  <p:childTnLst>
+                                    <p:set>
+                                      <p:cBhvr>
+                                        <p:cTn id="6" dur="1" fill="hold">
+                                          <p:stCondLst>
+                                            <p:cond delay="0"/>
+                                          </p:stCondLst>
+                                        </p:cTn>
+                                        <p:tgtEl>
+                                          <p:spTgt spid="2"/>
+                                        </p:tgtEl>
+                                        <p:attrNameLst>
+                                          <p:attrName>style.visibility</p:attrName>
+                                        </p:attrNameLst>
+                                      </p:cBhvr>
+                                      <p:to>
+                                        <p:strVal val="visible"/>
+                                      </p:to>
+                                    </p:set>
+                                    <p:animEffect transition="in" filter="fade">
+                                      <p:cBhvr>
+                                        <p:cTn id="7" dur="1000"/>
+                                        <p:tgtEl>
+                                          <p:spTgt spid="2"/>
+                                        </p:tgtEl>
+                                      </p:cBhvr>
+                                    </p:animEffect>
+                                    <p:anim calcmode="lin" valueType="num">
+                                      <p:cBhvr>
+                                        <p:cTn id="8" dur="1000" fill="hold"/>
+                                        <p:tgtEl>
+                                          <p:spTgt spid="2"/>
+                                        </p:tgtEl>
+                                        <p:attrNameLst>
+                                          <p:attrName>ppt_x</p:attrName>
+                                        </p:attrNameLst>
+                                      </p:cBhvr>
+                                      <p:tavLst>
+                                        <p:tav tm="0">
+                                          <p:val>
+                                            <p:strVal val="#ppt_x"/>
+                                          </p:val>
+                                        </p:tav>
+                                        <p:tav tm="100000">
+                                          <p:val>
+                                            <p:strVal val="#ppt_x"/>
+                                          </p:val>
+                                        </p:tav>
+                                      </p:tavLst>
+                                    </p:anim>
+                                    <p:anim calcmode="lin" valueType="num">
+                                      <p:cBhvr>
+                                        <p:cTn id="9" dur="1000" fill="hold"/>
+                                        <p:tgtEl>
+                                          <p:spTgt spid="2"/>
+                                        </p:tgtEl>
+                                        <p:attrNameLst>
+                                          <p:attrName>ppt_y</p:attrName>
+                                        </p:attrNameLst>
+                                      </p:cBhvr>
+                                      <p:tavLst>
+                                        <p:tav tm="0">
+                                          <p:val>
+                                            <p:strVal val="#ppt_y+.1"/>
+                                          </p:val>
+                                        </p:tav>
+                                        <p:tav tm="100000">
+                                          <p:val>
+                                            <p:strVal val="#ppt_y"/>
+                                          </p:val>
+                                        </p:tav>
+                                      </p:tavLst>
+                                    </p:anim>
+                                  </p:childTnLst>
+                                </p:cTn>
+                              </p:par>
+                            </p:childTnLst>
+                          </p:cTn>
+                        </p:par>
+                      </p:childTnLst>
+                    </p:cTn>
+                  </p:par>
+                  <p:par>
+                    <p:cTn id="10" fill="hold">
+                      <p:stCondLst>
+                        <p:cond delay="indefinite"/>
+                      </p:stCondLst>
+                      <p:childTnLst>
+                        <p:par>
+                          <p:cTn id="11" fill="hold">
+                            <p:stCondLst>
+                              <p:cond delay="0"/>
+                            </p:stCondLst>
+                            <p:childTnLst>
+                              <p:par>
+                                <p:cTn id="12" presetID="16" presetClass="entr" presetSubtype="21" fill="hold" grpId="0" nodeType="clickEffect">
+                                  <p:stCondLst>
+                                    <p:cond delay="0"/>
+                                  </p:stCondLst>
+                                  <p:childTnLst>
+                                    <p:set>
+                                      <p:cBhvr>
+                                        <p:cTn id="13" dur="1" fill="hold">
+                                          <p:stCondLst>
+                                            <p:cond delay="0"/>
+                                          </p:stCondLst>
+                                        </p:cTn>
+                                        <p:tgtEl>
+                                          <p:spTgt spid="3">
+                                            <p:txEl>
+                                              <p:pRg st="0" end="0"/>
+                                            </p:txEl>
+                                          </p:spTgt>
+                                        </p:tgtEl>
+                                        <p:attrNameLst>
+                                          <p:attrName>style.visibility</p:attrName>
+                                        </p:attrNameLst>
+                                      </p:cBhvr>
+                                      <p:to>
+                                        <p:strVal val="visible"/>
+                                      </p:to>
+                                    </p:set>
+                                    <p:animEffect transition="in" filter="barn(inVertical)">
+                                      <p:cBhvr>
+                                        <p:cTn id="14" dur="500"/>
+                                        <p:tgtEl>
+                                          <p:spTgt spid="3">
+                                            <p:txEl>
+                                              <p:pRg st="0" end="0"/>
+                                            </p:txEl>
+                                          </p:spTgt>
+                                        </p:tgtEl>
+                                      </p:cBhvr>
+                                    </p:animEffect>
+                                  </p:childTnLst>
+                                </p:cTn>
+                              </p:par>
+                            </p:childTnLst>
+                          </p:cTn>
+                        </p:par>
+                      </p:childTnLst>
+                    </p:cTn>
+                  </p:par>
+                  <p:par>
+                    <p:cTn id="15" fill="hold">
+                      <p:stCondLst>
+                        <p:cond delay="indefinite"/>
+                      </p:stCondLst>
+                      <p:childTnLst>
+                        <p:par>
+                          <p:cTn id="16" fill="hold">
+                            <p:stCondLst>
+                              <p:cond delay="0"/>
+                            </p:stCondLst>
+                            <p:childTnLst>
+                              <p:par>
+                                <p:cTn id="17" presetID="22" presetClass="entr" presetSubtype="4" fill="hold" nodeType="clickEffect">
+                                  <p:stCondLst>
+                                    <p:cond delay="0"/>
+                                  </p:stCondLst>
+                                  <p:childTnLst>
+                                    <p:set>
+                                      <p:cBhvr>
+                                        <p:cTn id="18" dur="1" fill="hold">
+                                          <p:stCondLst>
+                                            <p:cond delay="0"/>
+                                          </p:stCondLst>
+                                        </p:cTn>
+                                        <p:tgtEl>
+                                          <p:spTgt spid="23"/>
+                                        </p:tgtEl>
+                                        <p:attrNameLst>
+                                          <p:attrName>style.visibility</p:attrName>
+                                        </p:attrNameLst>
+                                      </p:cBhvr>
+                                      <p:to>
+                                        <p:strVal val="visible"/>
+                                      </p:to>
+                                    </p:set>
+                                    <p:animEffect transition="in" filter="wipe(down)">
+                                      <p:cBhvr>
+                                        <p:cTn id="19" dur="500"/>
+                                        <p:tgtEl>
+                                          <p:spTgt spid="23"/>
+                                        </p:tgtEl>
+                                      </p:cBhvr>
+                                    </p:animEffect>
+                                  </p:childTnLst>
+                                </p:cTn>
+                              </p:par>
+                            </p:childTnLst>
+                          </p:cTn>
+                        </p:par>
+                      </p:childTnLst>
+                    </p:cTn>
+                  </p:par>
+                </p:childTnLst>
+              </p:cTn>
+              <p:prevCondLst>
+                <p:cond evt="onPrev" delay="0">
+                  <p:tgtEl>
+                    <p:sldTgt/>
+                  </p:tgtEl>
+                </p:cond>
+              </p:prevCondLst>
+              <p:nextCondLst>
+                <p:cond evt="onNext" delay="0">
+                  <p:tgtEl>
+                    <p:sldTgt/>
+                  </p:tgtEl>
+                </p:cond>
+              </p:nextCondLst>
+            </p:seq>
+          </p:childTnLst>
+        </p:cTn>
+      </p:par>
+    </p:tnLst>
+    <p:bldLst>
+      <p:bldP spid="2" grpId="0"/>
+      <p:bldP spid="3" grpId="0" build="p"/>
+    </p:bldLst>
+  </p:timing>
 </p:sld>
 </file>
 
@@ -17897,6 +18276,444 @@
   <p:clrMapOvr>
     <a:masterClrMapping/>
   </p:clrMapOvr>
+  <p:timing>
+    <p:tnLst>
+      <p:par>
+        <p:cTn id="1" dur="indefinite" restart="never" nodeType="tmRoot">
+          <p:childTnLst>
+            <p:seq concurrent="1" nextAc="seek">
+              <p:cTn id="2" dur="indefinite" nodeType="mainSeq">
+                <p:childTnLst>
+                  <p:par>
+                    <p:cTn id="3" fill="hold">
+                      <p:stCondLst>
+                        <p:cond delay="indefinite"/>
+                      </p:stCondLst>
+                      <p:childTnLst>
+                        <p:par>
+                          <p:cTn id="4" fill="hold">
+                            <p:stCondLst>
+                              <p:cond delay="0"/>
+                            </p:stCondLst>
+                            <p:childTnLst>
+                              <p:par>
+                                <p:cTn id="5" presetID="42" presetClass="entr" presetSubtype="0" fill="hold" grpId="0" nodeType="clickEffect">
+                                  <p:stCondLst>
+                                    <p:cond delay="0"/>
+                                  </p:stCondLst>
+                                  <p:childTnLst>
+                                    <p:set>
+                                      <p:cBhvr>
+                                        <p:cTn id="6" dur="1" fill="hold">
+                                          <p:stCondLst>
+                                            <p:cond delay="0"/>
+                                          </p:stCondLst>
+                                        </p:cTn>
+                                        <p:tgtEl>
+                                          <p:spTgt spid="2"/>
+                                        </p:tgtEl>
+                                        <p:attrNameLst>
+                                          <p:attrName>style.visibility</p:attrName>
+                                        </p:attrNameLst>
+                                      </p:cBhvr>
+                                      <p:to>
+                                        <p:strVal val="visible"/>
+                                      </p:to>
+                                    </p:set>
+                                    <p:animEffect transition="in" filter="fade">
+                                      <p:cBhvr>
+                                        <p:cTn id="7" dur="1000"/>
+                                        <p:tgtEl>
+                                          <p:spTgt spid="2"/>
+                                        </p:tgtEl>
+                                      </p:cBhvr>
+                                    </p:animEffect>
+                                    <p:anim calcmode="lin" valueType="num">
+                                      <p:cBhvr>
+                                        <p:cTn id="8" dur="1000" fill="hold"/>
+                                        <p:tgtEl>
+                                          <p:spTgt spid="2"/>
+                                        </p:tgtEl>
+                                        <p:attrNameLst>
+                                          <p:attrName>ppt_x</p:attrName>
+                                        </p:attrNameLst>
+                                      </p:cBhvr>
+                                      <p:tavLst>
+                                        <p:tav tm="0">
+                                          <p:val>
+                                            <p:strVal val="#ppt_x"/>
+                                          </p:val>
+                                        </p:tav>
+                                        <p:tav tm="100000">
+                                          <p:val>
+                                            <p:strVal val="#ppt_x"/>
+                                          </p:val>
+                                        </p:tav>
+                                      </p:tavLst>
+                                    </p:anim>
+                                    <p:anim calcmode="lin" valueType="num">
+                                      <p:cBhvr>
+                                        <p:cTn id="9" dur="1000" fill="hold"/>
+                                        <p:tgtEl>
+                                          <p:spTgt spid="2"/>
+                                        </p:tgtEl>
+                                        <p:attrNameLst>
+                                          <p:attrName>ppt_y</p:attrName>
+                                        </p:attrNameLst>
+                                      </p:cBhvr>
+                                      <p:tavLst>
+                                        <p:tav tm="0">
+                                          <p:val>
+                                            <p:strVal val="#ppt_y+.1"/>
+                                          </p:val>
+                                        </p:tav>
+                                        <p:tav tm="100000">
+                                          <p:val>
+                                            <p:strVal val="#ppt_y"/>
+                                          </p:val>
+                                        </p:tav>
+                                      </p:tavLst>
+                                    </p:anim>
+                                  </p:childTnLst>
+                                </p:cTn>
+                              </p:par>
+                            </p:childTnLst>
+                          </p:cTn>
+                        </p:par>
+                      </p:childTnLst>
+                    </p:cTn>
+                  </p:par>
+                  <p:par>
+                    <p:cTn id="10" fill="hold">
+                      <p:stCondLst>
+                        <p:cond delay="indefinite"/>
+                      </p:stCondLst>
+                      <p:childTnLst>
+                        <p:par>
+                          <p:cTn id="11" fill="hold">
+                            <p:stCondLst>
+                              <p:cond delay="0"/>
+                            </p:stCondLst>
+                            <p:childTnLst>
+                              <p:par>
+                                <p:cTn id="12" presetID="2" presetClass="entr" presetSubtype="4" fill="hold" grpId="0" nodeType="clickEffect">
+                                  <p:stCondLst>
+                                    <p:cond delay="0"/>
+                                  </p:stCondLst>
+                                  <p:childTnLst>
+                                    <p:set>
+                                      <p:cBhvr>
+                                        <p:cTn id="13" dur="1" fill="hold">
+                                          <p:stCondLst>
+                                            <p:cond delay="0"/>
+                                          </p:stCondLst>
+                                        </p:cTn>
+                                        <p:tgtEl>
+                                          <p:spTgt spid="3">
+                                            <p:txEl>
+                                              <p:pRg st="0" end="0"/>
+                                            </p:txEl>
+                                          </p:spTgt>
+                                        </p:tgtEl>
+                                        <p:attrNameLst>
+                                          <p:attrName>style.visibility</p:attrName>
+                                        </p:attrNameLst>
+                                      </p:cBhvr>
+                                      <p:to>
+                                        <p:strVal val="visible"/>
+                                      </p:to>
+                                    </p:set>
+                                    <p:anim calcmode="lin" valueType="num">
+                                      <p:cBhvr additive="base">
+                                        <p:cTn id="14" dur="500" fill="hold"/>
+                                        <p:tgtEl>
+                                          <p:spTgt spid="3">
+                                            <p:txEl>
+                                              <p:pRg st="0" end="0"/>
+                                            </p:txEl>
+                                          </p:spTgt>
+                                        </p:tgtEl>
+                                        <p:attrNameLst>
+                                          <p:attrName>ppt_x</p:attrName>
+                                        </p:attrNameLst>
+                                      </p:cBhvr>
+                                      <p:tavLst>
+                                        <p:tav tm="0">
+                                          <p:val>
+                                            <p:strVal val="#ppt_x"/>
+                                          </p:val>
+                                        </p:tav>
+                                        <p:tav tm="100000">
+                                          <p:val>
+                                            <p:strVal val="#ppt_x"/>
+                                          </p:val>
+                                        </p:tav>
+                                      </p:tavLst>
+                                    </p:anim>
+                                    <p:anim calcmode="lin" valueType="num">
+                                      <p:cBhvr additive="base">
+                                        <p:cTn id="15" dur="500" fill="hold"/>
+                                        <p:tgtEl>
+                                          <p:spTgt spid="3">
+                                            <p:txEl>
+                                              <p:pRg st="0" end="0"/>
+                                            </p:txEl>
+                                          </p:spTgt>
+                                        </p:tgtEl>
+                                        <p:attrNameLst>
+                                          <p:attrName>ppt_y</p:attrName>
+                                        </p:attrNameLst>
+                                      </p:cBhvr>
+                                      <p:tavLst>
+                                        <p:tav tm="0">
+                                          <p:val>
+                                            <p:strVal val="1+#ppt_h/2"/>
+                                          </p:val>
+                                        </p:tav>
+                                        <p:tav tm="100000">
+                                          <p:val>
+                                            <p:strVal val="#ppt_y"/>
+                                          </p:val>
+                                        </p:tav>
+                                      </p:tavLst>
+                                    </p:anim>
+                                  </p:childTnLst>
+                                </p:cTn>
+                              </p:par>
+                            </p:childTnLst>
+                          </p:cTn>
+                        </p:par>
+                      </p:childTnLst>
+                    </p:cTn>
+                  </p:par>
+                  <p:par>
+                    <p:cTn id="16" fill="hold">
+                      <p:stCondLst>
+                        <p:cond delay="indefinite"/>
+                      </p:stCondLst>
+                      <p:childTnLst>
+                        <p:par>
+                          <p:cTn id="17" fill="hold">
+                            <p:stCondLst>
+                              <p:cond delay="0"/>
+                            </p:stCondLst>
+                            <p:childTnLst>
+                              <p:par>
+                                <p:cTn id="18" presetID="2" presetClass="entr" presetSubtype="4" fill="hold" grpId="0" nodeType="clickEffect">
+                                  <p:stCondLst>
+                                    <p:cond delay="0"/>
+                                  </p:stCondLst>
+                                  <p:childTnLst>
+                                    <p:set>
+                                      <p:cBhvr>
+                                        <p:cTn id="19" dur="1" fill="hold">
+                                          <p:stCondLst>
+                                            <p:cond delay="0"/>
+                                          </p:stCondLst>
+                                        </p:cTn>
+                                        <p:tgtEl>
+                                          <p:spTgt spid="3">
+                                            <p:txEl>
+                                              <p:pRg st="1" end="1"/>
+                                            </p:txEl>
+                                          </p:spTgt>
+                                        </p:tgtEl>
+                                        <p:attrNameLst>
+                                          <p:attrName>style.visibility</p:attrName>
+                                        </p:attrNameLst>
+                                      </p:cBhvr>
+                                      <p:to>
+                                        <p:strVal val="visible"/>
+                                      </p:to>
+                                    </p:set>
+                                    <p:anim calcmode="lin" valueType="num">
+                                      <p:cBhvr additive="base">
+                                        <p:cTn id="20" dur="500" fill="hold"/>
+                                        <p:tgtEl>
+                                          <p:spTgt spid="3">
+                                            <p:txEl>
+                                              <p:pRg st="1" end="1"/>
+                                            </p:txEl>
+                                          </p:spTgt>
+                                        </p:tgtEl>
+                                        <p:attrNameLst>
+                                          <p:attrName>ppt_x</p:attrName>
+                                        </p:attrNameLst>
+                                      </p:cBhvr>
+                                      <p:tavLst>
+                                        <p:tav tm="0">
+                                          <p:val>
+                                            <p:strVal val="#ppt_x"/>
+                                          </p:val>
+                                        </p:tav>
+                                        <p:tav tm="100000">
+                                          <p:val>
+                                            <p:strVal val="#ppt_x"/>
+                                          </p:val>
+                                        </p:tav>
+                                      </p:tavLst>
+                                    </p:anim>
+                                    <p:anim calcmode="lin" valueType="num">
+                                      <p:cBhvr additive="base">
+                                        <p:cTn id="21" dur="500" fill="hold"/>
+                                        <p:tgtEl>
+                                          <p:spTgt spid="3">
+                                            <p:txEl>
+                                              <p:pRg st="1" end="1"/>
+                                            </p:txEl>
+                                          </p:spTgt>
+                                        </p:tgtEl>
+                                        <p:attrNameLst>
+                                          <p:attrName>ppt_y</p:attrName>
+                                        </p:attrNameLst>
+                                      </p:cBhvr>
+                                      <p:tavLst>
+                                        <p:tav tm="0">
+                                          <p:val>
+                                            <p:strVal val="1+#ppt_h/2"/>
+                                          </p:val>
+                                        </p:tav>
+                                        <p:tav tm="100000">
+                                          <p:val>
+                                            <p:strVal val="#ppt_y"/>
+                                          </p:val>
+                                        </p:tav>
+                                      </p:tavLst>
+                                    </p:anim>
+                                  </p:childTnLst>
+                                </p:cTn>
+                              </p:par>
+                            </p:childTnLst>
+                          </p:cTn>
+                        </p:par>
+                      </p:childTnLst>
+                    </p:cTn>
+                  </p:par>
+                  <p:par>
+                    <p:cTn id="22" fill="hold">
+                      <p:stCondLst>
+                        <p:cond delay="indefinite"/>
+                      </p:stCondLst>
+                      <p:childTnLst>
+                        <p:par>
+                          <p:cTn id="23" fill="hold">
+                            <p:stCondLst>
+                              <p:cond delay="0"/>
+                            </p:stCondLst>
+                            <p:childTnLst>
+                              <p:par>
+                                <p:cTn id="24" presetID="42" presetClass="entr" presetSubtype="0" fill="hold" nodeType="clickEffect">
+                                  <p:stCondLst>
+                                    <p:cond delay="0"/>
+                                  </p:stCondLst>
+                                  <p:childTnLst>
+                                    <p:set>
+                                      <p:cBhvr>
+                                        <p:cTn id="25" dur="1" fill="hold">
+                                          <p:stCondLst>
+                                            <p:cond delay="0"/>
+                                          </p:stCondLst>
+                                        </p:cTn>
+                                        <p:tgtEl>
+                                          <p:spTgt spid="11"/>
+                                        </p:tgtEl>
+                                        <p:attrNameLst>
+                                          <p:attrName>style.visibility</p:attrName>
+                                        </p:attrNameLst>
+                                      </p:cBhvr>
+                                      <p:to>
+                                        <p:strVal val="visible"/>
+                                      </p:to>
+                                    </p:set>
+                                    <p:animEffect transition="in" filter="fade">
+                                      <p:cBhvr>
+                                        <p:cTn id="26" dur="1000"/>
+                                        <p:tgtEl>
+                                          <p:spTgt spid="11"/>
+                                        </p:tgtEl>
+                                      </p:cBhvr>
+                                    </p:animEffect>
+                                    <p:anim calcmode="lin" valueType="num">
+                                      <p:cBhvr>
+                                        <p:cTn id="27" dur="1000" fill="hold"/>
+                                        <p:tgtEl>
+                                          <p:spTgt spid="11"/>
+                                        </p:tgtEl>
+                                        <p:attrNameLst>
+                                          <p:attrName>ppt_x</p:attrName>
+                                        </p:attrNameLst>
+                                      </p:cBhvr>
+                                      <p:tavLst>
+                                        <p:tav tm="0">
+                                          <p:val>
+                                            <p:strVal val="#ppt_x"/>
+                                          </p:val>
+                                        </p:tav>
+                                        <p:tav tm="100000">
+                                          <p:val>
+                                            <p:strVal val="#ppt_x"/>
+                                          </p:val>
+                                        </p:tav>
+                                      </p:tavLst>
+                                    </p:anim>
+                                    <p:anim calcmode="lin" valueType="num">
+                                      <p:cBhvr>
+                                        <p:cTn id="28" dur="1000" fill="hold"/>
+                                        <p:tgtEl>
+                                          <p:spTgt spid="11"/>
+                                        </p:tgtEl>
+                                        <p:attrNameLst>
+                                          <p:attrName>ppt_y</p:attrName>
+                                        </p:attrNameLst>
+                                      </p:cBhvr>
+                                      <p:tavLst>
+                                        <p:tav tm="0">
+                                          <p:val>
+                                            <p:strVal val="#ppt_y+.1"/>
+                                          </p:val>
+                                        </p:tav>
+                                        <p:tav tm="100000">
+                                          <p:val>
+                                            <p:strVal val="#ppt_y"/>
+                                          </p:val>
+                                        </p:tav>
+                                      </p:tavLst>
+                                    </p:anim>
+                                  </p:childTnLst>
+                                </p:cTn>
+                              </p:par>
+                            </p:childTnLst>
+                          </p:cTn>
+                        </p:par>
+                      </p:childTnLst>
+                    </p:cTn>
+                  </p:par>
+                </p:childTnLst>
+              </p:cTn>
+              <p:prevCondLst>
+                <p:cond evt="onPrev" delay="0">
+                  <p:tgtEl>
+                    <p:sldTgt/>
+                  </p:tgtEl>
+                </p:cond>
+              </p:prevCondLst>
+              <p:nextCondLst>
+                <p:cond evt="onNext" delay="0">
+                  <p:tgtEl>
+                    <p:sldTgt/>
+                  </p:tgtEl>
+                </p:cond>
+              </p:nextCondLst>
+            </p:seq>
+          </p:childTnLst>
+        </p:cTn>
+      </p:par>
+    </p:tnLst>
+    <p:bldLst>
+      <p:bldP spid="2" grpId="0"/>
+      <p:bldP spid="3" grpId="0" build="p"/>
+    </p:bldLst>
+  </p:timing>
 </p:sld>
 </file>
 
@@ -18136,6 +18953,529 @@
   <p:clrMapOvr>
     <a:masterClrMapping/>
   </p:clrMapOvr>
+  <p:timing>
+    <p:tnLst>
+      <p:par>
+        <p:cTn id="1" dur="indefinite" restart="never" nodeType="tmRoot">
+          <p:childTnLst>
+            <p:seq concurrent="1" nextAc="seek">
+              <p:cTn id="2" dur="indefinite" nodeType="mainSeq">
+                <p:childTnLst>
+                  <p:par>
+                    <p:cTn id="3" fill="hold">
+                      <p:stCondLst>
+                        <p:cond delay="indefinite"/>
+                      </p:stCondLst>
+                      <p:childTnLst>
+                        <p:par>
+                          <p:cTn id="4" fill="hold">
+                            <p:stCondLst>
+                              <p:cond delay="0"/>
+                            </p:stCondLst>
+                            <p:childTnLst>
+                              <p:par>
+                                <p:cTn id="5" presetID="16" presetClass="entr" presetSubtype="21" fill="hold" grpId="0" nodeType="clickEffect">
+                                  <p:stCondLst>
+                                    <p:cond delay="0"/>
+                                  </p:stCondLst>
+                                  <p:childTnLst>
+                                    <p:set>
+                                      <p:cBhvr>
+                                        <p:cTn id="6" dur="1" fill="hold">
+                                          <p:stCondLst>
+                                            <p:cond delay="0"/>
+                                          </p:stCondLst>
+                                        </p:cTn>
+                                        <p:tgtEl>
+                                          <p:spTgt spid="2"/>
+                                        </p:tgtEl>
+                                        <p:attrNameLst>
+                                          <p:attrName>style.visibility</p:attrName>
+                                        </p:attrNameLst>
+                                      </p:cBhvr>
+                                      <p:to>
+                                        <p:strVal val="visible"/>
+                                      </p:to>
+                                    </p:set>
+                                    <p:animEffect transition="in" filter="barn(inVertical)">
+                                      <p:cBhvr>
+                                        <p:cTn id="7" dur="500"/>
+                                        <p:tgtEl>
+                                          <p:spTgt spid="2"/>
+                                        </p:tgtEl>
+                                      </p:cBhvr>
+                                    </p:animEffect>
+                                  </p:childTnLst>
+                                </p:cTn>
+                              </p:par>
+                            </p:childTnLst>
+                          </p:cTn>
+                        </p:par>
+                      </p:childTnLst>
+                    </p:cTn>
+                  </p:par>
+                  <p:par>
+                    <p:cTn id="8" fill="hold">
+                      <p:stCondLst>
+                        <p:cond delay="indefinite"/>
+                      </p:stCondLst>
+                      <p:childTnLst>
+                        <p:par>
+                          <p:cTn id="9" fill="hold">
+                            <p:stCondLst>
+                              <p:cond delay="0"/>
+                            </p:stCondLst>
+                            <p:childTnLst>
+                              <p:par>
+                                <p:cTn id="10" presetID="2" presetClass="entr" presetSubtype="4" fill="hold" nodeType="clickEffect">
+                                  <p:stCondLst>
+                                    <p:cond delay="0"/>
+                                  </p:stCondLst>
+                                  <p:childTnLst>
+                                    <p:set>
+                                      <p:cBhvr>
+                                        <p:cTn id="11" dur="1" fill="hold">
+                                          <p:stCondLst>
+                                            <p:cond delay="0"/>
+                                          </p:stCondLst>
+                                        </p:cTn>
+                                        <p:tgtEl>
+                                          <p:spTgt spid="11"/>
+                                        </p:tgtEl>
+                                        <p:attrNameLst>
+                                          <p:attrName>style.visibility</p:attrName>
+                                        </p:attrNameLst>
+                                      </p:cBhvr>
+                                      <p:to>
+                                        <p:strVal val="visible"/>
+                                      </p:to>
+                                    </p:set>
+                                    <p:anim calcmode="lin" valueType="num">
+                                      <p:cBhvr additive="base">
+                                        <p:cTn id="12" dur="500" fill="hold"/>
+                                        <p:tgtEl>
+                                          <p:spTgt spid="11"/>
+                                        </p:tgtEl>
+                                        <p:attrNameLst>
+                                          <p:attrName>ppt_x</p:attrName>
+                                        </p:attrNameLst>
+                                      </p:cBhvr>
+                                      <p:tavLst>
+                                        <p:tav tm="0">
+                                          <p:val>
+                                            <p:strVal val="#ppt_x"/>
+                                          </p:val>
+                                        </p:tav>
+                                        <p:tav tm="100000">
+                                          <p:val>
+                                            <p:strVal val="#ppt_x"/>
+                                          </p:val>
+                                        </p:tav>
+                                      </p:tavLst>
+                                    </p:anim>
+                                    <p:anim calcmode="lin" valueType="num">
+                                      <p:cBhvr additive="base">
+                                        <p:cTn id="13" dur="500" fill="hold"/>
+                                        <p:tgtEl>
+                                          <p:spTgt spid="11"/>
+                                        </p:tgtEl>
+                                        <p:attrNameLst>
+                                          <p:attrName>ppt_y</p:attrName>
+                                        </p:attrNameLst>
+                                      </p:cBhvr>
+                                      <p:tavLst>
+                                        <p:tav tm="0">
+                                          <p:val>
+                                            <p:strVal val="1+#ppt_h/2"/>
+                                          </p:val>
+                                        </p:tav>
+                                        <p:tav tm="100000">
+                                          <p:val>
+                                            <p:strVal val="#ppt_y"/>
+                                          </p:val>
+                                        </p:tav>
+                                      </p:tavLst>
+                                    </p:anim>
+                                  </p:childTnLst>
+                                </p:cTn>
+                              </p:par>
+                            </p:childTnLst>
+                          </p:cTn>
+                        </p:par>
+                      </p:childTnLst>
+                    </p:cTn>
+                  </p:par>
+                  <p:par>
+                    <p:cTn id="14" fill="hold">
+                      <p:stCondLst>
+                        <p:cond delay="indefinite"/>
+                      </p:stCondLst>
+                      <p:childTnLst>
+                        <p:par>
+                          <p:cTn id="15" fill="hold">
+                            <p:stCondLst>
+                              <p:cond delay="0"/>
+                            </p:stCondLst>
+                            <p:childTnLst>
+                              <p:par>
+                                <p:cTn id="16" presetID="42" presetClass="entr" presetSubtype="0" fill="hold" grpId="0" nodeType="clickEffect">
+                                  <p:stCondLst>
+                                    <p:cond delay="0"/>
+                                  </p:stCondLst>
+                                  <p:childTnLst>
+                                    <p:set>
+                                      <p:cBhvr>
+                                        <p:cTn id="17" dur="1" fill="hold">
+                                          <p:stCondLst>
+                                            <p:cond delay="0"/>
+                                          </p:stCondLst>
+                                        </p:cTn>
+                                        <p:tgtEl>
+                                          <p:spTgt spid="3">
+                                            <p:txEl>
+                                              <p:pRg st="0" end="0"/>
+                                            </p:txEl>
+                                          </p:spTgt>
+                                        </p:tgtEl>
+                                        <p:attrNameLst>
+                                          <p:attrName>style.visibility</p:attrName>
+                                        </p:attrNameLst>
+                                      </p:cBhvr>
+                                      <p:to>
+                                        <p:strVal val="visible"/>
+                                      </p:to>
+                                    </p:set>
+                                    <p:animEffect transition="in" filter="fade">
+                                      <p:cBhvr>
+                                        <p:cTn id="18" dur="1000"/>
+                                        <p:tgtEl>
+                                          <p:spTgt spid="3">
+                                            <p:txEl>
+                                              <p:pRg st="0" end="0"/>
+                                            </p:txEl>
+                                          </p:spTgt>
+                                        </p:tgtEl>
+                                      </p:cBhvr>
+                                    </p:animEffect>
+                                    <p:anim calcmode="lin" valueType="num">
+                                      <p:cBhvr>
+                                        <p:cTn id="19" dur="1000" fill="hold"/>
+                                        <p:tgtEl>
+                                          <p:spTgt spid="3">
+                                            <p:txEl>
+                                              <p:pRg st="0" end="0"/>
+                                            </p:txEl>
+                                          </p:spTgt>
+                                        </p:tgtEl>
+                                        <p:attrNameLst>
+                                          <p:attrName>ppt_x</p:attrName>
+                                        </p:attrNameLst>
+                                      </p:cBhvr>
+                                      <p:tavLst>
+                                        <p:tav tm="0">
+                                          <p:val>
+                                            <p:strVal val="#ppt_x"/>
+                                          </p:val>
+                                        </p:tav>
+                                        <p:tav tm="100000">
+                                          <p:val>
+                                            <p:strVal val="#ppt_x"/>
+                                          </p:val>
+                                        </p:tav>
+                                      </p:tavLst>
+                                    </p:anim>
+                                    <p:anim calcmode="lin" valueType="num">
+                                      <p:cBhvr>
+                                        <p:cTn id="20" dur="1000" fill="hold"/>
+                                        <p:tgtEl>
+                                          <p:spTgt spid="3">
+                                            <p:txEl>
+                                              <p:pRg st="0" end="0"/>
+                                            </p:txEl>
+                                          </p:spTgt>
+                                        </p:tgtEl>
+                                        <p:attrNameLst>
+                                          <p:attrName>ppt_y</p:attrName>
+                                        </p:attrNameLst>
+                                      </p:cBhvr>
+                                      <p:tavLst>
+                                        <p:tav tm="0">
+                                          <p:val>
+                                            <p:strVal val="#ppt_y+.1"/>
+                                          </p:val>
+                                        </p:tav>
+                                        <p:tav tm="100000">
+                                          <p:val>
+                                            <p:strVal val="#ppt_y"/>
+                                          </p:val>
+                                        </p:tav>
+                                      </p:tavLst>
+                                    </p:anim>
+                                  </p:childTnLst>
+                                </p:cTn>
+                              </p:par>
+                            </p:childTnLst>
+                          </p:cTn>
+                        </p:par>
+                      </p:childTnLst>
+                    </p:cTn>
+                  </p:par>
+                  <p:par>
+                    <p:cTn id="21" fill="hold">
+                      <p:stCondLst>
+                        <p:cond delay="indefinite"/>
+                      </p:stCondLst>
+                      <p:childTnLst>
+                        <p:par>
+                          <p:cTn id="22" fill="hold">
+                            <p:stCondLst>
+                              <p:cond delay="0"/>
+                            </p:stCondLst>
+                            <p:childTnLst>
+                              <p:par>
+                                <p:cTn id="23" presetID="42" presetClass="entr" presetSubtype="0" fill="hold" grpId="0" nodeType="clickEffect">
+                                  <p:stCondLst>
+                                    <p:cond delay="0"/>
+                                  </p:stCondLst>
+                                  <p:childTnLst>
+                                    <p:set>
+                                      <p:cBhvr>
+                                        <p:cTn id="24" dur="1" fill="hold">
+                                          <p:stCondLst>
+                                            <p:cond delay="0"/>
+                                          </p:stCondLst>
+                                        </p:cTn>
+                                        <p:tgtEl>
+                                          <p:spTgt spid="3">
+                                            <p:txEl>
+                                              <p:pRg st="1" end="1"/>
+                                            </p:txEl>
+                                          </p:spTgt>
+                                        </p:tgtEl>
+                                        <p:attrNameLst>
+                                          <p:attrName>style.visibility</p:attrName>
+                                        </p:attrNameLst>
+                                      </p:cBhvr>
+                                      <p:to>
+                                        <p:strVal val="visible"/>
+                                      </p:to>
+                                    </p:set>
+                                    <p:animEffect transition="in" filter="fade">
+                                      <p:cBhvr>
+                                        <p:cTn id="25" dur="1000"/>
+                                        <p:tgtEl>
+                                          <p:spTgt spid="3">
+                                            <p:txEl>
+                                              <p:pRg st="1" end="1"/>
+                                            </p:txEl>
+                                          </p:spTgt>
+                                        </p:tgtEl>
+                                      </p:cBhvr>
+                                    </p:animEffect>
+                                    <p:anim calcmode="lin" valueType="num">
+                                      <p:cBhvr>
+                                        <p:cTn id="26" dur="1000" fill="hold"/>
+                                        <p:tgtEl>
+                                          <p:spTgt spid="3">
+                                            <p:txEl>
+                                              <p:pRg st="1" end="1"/>
+                                            </p:txEl>
+                                          </p:spTgt>
+                                        </p:tgtEl>
+                                        <p:attrNameLst>
+                                          <p:attrName>ppt_x</p:attrName>
+                                        </p:attrNameLst>
+                                      </p:cBhvr>
+                                      <p:tavLst>
+                                        <p:tav tm="0">
+                                          <p:val>
+                                            <p:strVal val="#ppt_x"/>
+                                          </p:val>
+                                        </p:tav>
+                                        <p:tav tm="100000">
+                                          <p:val>
+                                            <p:strVal val="#ppt_x"/>
+                                          </p:val>
+                                        </p:tav>
+                                      </p:tavLst>
+                                    </p:anim>
+                                    <p:anim calcmode="lin" valueType="num">
+                                      <p:cBhvr>
+                                        <p:cTn id="27" dur="1000" fill="hold"/>
+                                        <p:tgtEl>
+                                          <p:spTgt spid="3">
+                                            <p:txEl>
+                                              <p:pRg st="1" end="1"/>
+                                            </p:txEl>
+                                          </p:spTgt>
+                                        </p:tgtEl>
+                                        <p:attrNameLst>
+                                          <p:attrName>ppt_y</p:attrName>
+                                        </p:attrNameLst>
+                                      </p:cBhvr>
+                                      <p:tavLst>
+                                        <p:tav tm="0">
+                                          <p:val>
+                                            <p:strVal val="#ppt_y+.1"/>
+                                          </p:val>
+                                        </p:tav>
+                                        <p:tav tm="100000">
+                                          <p:val>
+                                            <p:strVal val="#ppt_y"/>
+                                          </p:val>
+                                        </p:tav>
+                                      </p:tavLst>
+                                    </p:anim>
+                                  </p:childTnLst>
+                                </p:cTn>
+                              </p:par>
+                            </p:childTnLst>
+                          </p:cTn>
+                        </p:par>
+                      </p:childTnLst>
+                    </p:cTn>
+                  </p:par>
+                  <p:par>
+                    <p:cTn id="28" fill="hold">
+                      <p:stCondLst>
+                        <p:cond delay="indefinite"/>
+                      </p:stCondLst>
+                      <p:childTnLst>
+                        <p:par>
+                          <p:cTn id="29" fill="hold">
+                            <p:stCondLst>
+                              <p:cond delay="0"/>
+                            </p:stCondLst>
+                            <p:childTnLst>
+                              <p:par>
+                                <p:cTn id="30" presetID="42" presetClass="entr" presetSubtype="0" fill="hold" grpId="0" nodeType="clickEffect">
+                                  <p:stCondLst>
+                                    <p:cond delay="0"/>
+                                  </p:stCondLst>
+                                  <p:childTnLst>
+                                    <p:set>
+                                      <p:cBhvr>
+                                        <p:cTn id="31" dur="1" fill="hold">
+                                          <p:stCondLst>
+                                            <p:cond delay="0"/>
+                                          </p:stCondLst>
+                                        </p:cTn>
+                                        <p:tgtEl>
+                                          <p:spTgt spid="3">
+                                            <p:txEl>
+                                              <p:pRg st="2" end="2"/>
+                                            </p:txEl>
+                                          </p:spTgt>
+                                        </p:tgtEl>
+                                        <p:attrNameLst>
+                                          <p:attrName>style.visibility</p:attrName>
+                                        </p:attrNameLst>
+                                      </p:cBhvr>
+                                      <p:to>
+                                        <p:strVal val="visible"/>
+                                      </p:to>
+                                    </p:set>
+                                    <p:animEffect transition="in" filter="fade">
+                                      <p:cBhvr>
+                                        <p:cTn id="32" dur="1000"/>
+                                        <p:tgtEl>
+                                          <p:spTgt spid="3">
+                                            <p:txEl>
+                                              <p:pRg st="2" end="2"/>
+                                            </p:txEl>
+                                          </p:spTgt>
+                                        </p:tgtEl>
+                                      </p:cBhvr>
+                                    </p:animEffect>
+                                    <p:anim calcmode="lin" valueType="num">
+                                      <p:cBhvr>
+                                        <p:cTn id="33" dur="1000" fill="hold"/>
+                                        <p:tgtEl>
+                                          <p:spTgt spid="3">
+                                            <p:txEl>
+                                              <p:pRg st="2" end="2"/>
+                                            </p:txEl>
+                                          </p:spTgt>
+                                        </p:tgtEl>
+                                        <p:attrNameLst>
+                                          <p:attrName>ppt_x</p:attrName>
+                                        </p:attrNameLst>
+                                      </p:cBhvr>
+                                      <p:tavLst>
+                                        <p:tav tm="0">
+                                          <p:val>
+                                            <p:strVal val="#ppt_x"/>
+                                          </p:val>
+                                        </p:tav>
+                                        <p:tav tm="100000">
+                                          <p:val>
+                                            <p:strVal val="#ppt_x"/>
+                                          </p:val>
+                                        </p:tav>
+                                      </p:tavLst>
+                                    </p:anim>
+                                    <p:anim calcmode="lin" valueType="num">
+                                      <p:cBhvr>
+                                        <p:cTn id="34" dur="1000" fill="hold"/>
+                                        <p:tgtEl>
+                                          <p:spTgt spid="3">
+                                            <p:txEl>
+                                              <p:pRg st="2" end="2"/>
+                                            </p:txEl>
+                                          </p:spTgt>
+                                        </p:tgtEl>
+                                        <p:attrNameLst>
+                                          <p:attrName>ppt_y</p:attrName>
+                                        </p:attrNameLst>
+                                      </p:cBhvr>
+                                      <p:tavLst>
+                                        <p:tav tm="0">
+                                          <p:val>
+                                            <p:strVal val="#ppt_y+.1"/>
+                                          </p:val>
+                                        </p:tav>
+                                        <p:tav tm="100000">
+                                          <p:val>
+                                            <p:strVal val="#ppt_y"/>
+                                          </p:val>
+                                        </p:tav>
+                                      </p:tavLst>
+                                    </p:anim>
+                                  </p:childTnLst>
+                                </p:cTn>
+                              </p:par>
+                            </p:childTnLst>
+                          </p:cTn>
+                        </p:par>
+                      </p:childTnLst>
+                    </p:cTn>
+                  </p:par>
+                </p:childTnLst>
+              </p:cTn>
+              <p:prevCondLst>
+                <p:cond evt="onPrev" delay="0">
+                  <p:tgtEl>
+                    <p:sldTgt/>
+                  </p:tgtEl>
+                </p:cond>
+              </p:prevCondLst>
+              <p:nextCondLst>
+                <p:cond evt="onNext" delay="0">
+                  <p:tgtEl>
+                    <p:sldTgt/>
+                  </p:tgtEl>
+                </p:cond>
+              </p:nextCondLst>
+            </p:seq>
+          </p:childTnLst>
+        </p:cTn>
+      </p:par>
+    </p:tnLst>
+    <p:bldLst>
+      <p:bldP spid="2" grpId="0"/>
+      <p:bldP spid="3" grpId="0" build="p"/>
+    </p:bldLst>
+  </p:timing>
 </p:sld>
 </file>
 
@@ -18309,6 +19649,460 @@
   <p:clrMapOvr>
     <a:masterClrMapping/>
   </p:clrMapOvr>
+  <p:timing>
+    <p:tnLst>
+      <p:par>
+        <p:cTn id="1" dur="indefinite" restart="never" nodeType="tmRoot">
+          <p:childTnLst>
+            <p:seq concurrent="1" nextAc="seek">
+              <p:cTn id="2" dur="indefinite" nodeType="mainSeq">
+                <p:childTnLst>
+                  <p:par>
+                    <p:cTn id="3" fill="hold">
+                      <p:stCondLst>
+                        <p:cond delay="indefinite"/>
+                      </p:stCondLst>
+                      <p:childTnLst>
+                        <p:par>
+                          <p:cTn id="4" fill="hold">
+                            <p:stCondLst>
+                              <p:cond delay="0"/>
+                            </p:stCondLst>
+                            <p:childTnLst>
+                              <p:par>
+                                <p:cTn id="5" presetID="2" presetClass="entr" presetSubtype="4" fill="hold" grpId="0" nodeType="clickEffect">
+                                  <p:stCondLst>
+                                    <p:cond delay="0"/>
+                                  </p:stCondLst>
+                                  <p:childTnLst>
+                                    <p:set>
+                                      <p:cBhvr>
+                                        <p:cTn id="6" dur="1" fill="hold">
+                                          <p:stCondLst>
+                                            <p:cond delay="0"/>
+                                          </p:stCondLst>
+                                        </p:cTn>
+                                        <p:tgtEl>
+                                          <p:spTgt spid="2"/>
+                                        </p:tgtEl>
+                                        <p:attrNameLst>
+                                          <p:attrName>style.visibility</p:attrName>
+                                        </p:attrNameLst>
+                                      </p:cBhvr>
+                                      <p:to>
+                                        <p:strVal val="visible"/>
+                                      </p:to>
+                                    </p:set>
+                                    <p:anim calcmode="lin" valueType="num">
+                                      <p:cBhvr additive="base">
+                                        <p:cTn id="7" dur="500" fill="hold"/>
+                                        <p:tgtEl>
+                                          <p:spTgt spid="2"/>
+                                        </p:tgtEl>
+                                        <p:attrNameLst>
+                                          <p:attrName>ppt_x</p:attrName>
+                                        </p:attrNameLst>
+                                      </p:cBhvr>
+                                      <p:tavLst>
+                                        <p:tav tm="0">
+                                          <p:val>
+                                            <p:strVal val="#ppt_x"/>
+                                          </p:val>
+                                        </p:tav>
+                                        <p:tav tm="100000">
+                                          <p:val>
+                                            <p:strVal val="#ppt_x"/>
+                                          </p:val>
+                                        </p:tav>
+                                      </p:tavLst>
+                                    </p:anim>
+                                    <p:anim calcmode="lin" valueType="num">
+                                      <p:cBhvr additive="base">
+                                        <p:cTn id="8" dur="500" fill="hold"/>
+                                        <p:tgtEl>
+                                          <p:spTgt spid="2"/>
+                                        </p:tgtEl>
+                                        <p:attrNameLst>
+                                          <p:attrName>ppt_y</p:attrName>
+                                        </p:attrNameLst>
+                                      </p:cBhvr>
+                                      <p:tavLst>
+                                        <p:tav tm="0">
+                                          <p:val>
+                                            <p:strVal val="1+#ppt_h/2"/>
+                                          </p:val>
+                                        </p:tav>
+                                        <p:tav tm="100000">
+                                          <p:val>
+                                            <p:strVal val="#ppt_y"/>
+                                          </p:val>
+                                        </p:tav>
+                                      </p:tavLst>
+                                    </p:anim>
+                                  </p:childTnLst>
+                                </p:cTn>
+                              </p:par>
+                            </p:childTnLst>
+                          </p:cTn>
+                        </p:par>
+                      </p:childTnLst>
+                    </p:cTn>
+                  </p:par>
+                  <p:par>
+                    <p:cTn id="9" fill="hold">
+                      <p:stCondLst>
+                        <p:cond delay="indefinite"/>
+                      </p:stCondLst>
+                      <p:childTnLst>
+                        <p:par>
+                          <p:cTn id="10" fill="hold">
+                            <p:stCondLst>
+                              <p:cond delay="0"/>
+                            </p:stCondLst>
+                            <p:childTnLst>
+                              <p:par>
+                                <p:cTn id="11" presetID="42" presetClass="entr" presetSubtype="0" fill="hold" grpId="0" nodeType="clickEffect">
+                                  <p:stCondLst>
+                                    <p:cond delay="0"/>
+                                  </p:stCondLst>
+                                  <p:childTnLst>
+                                    <p:set>
+                                      <p:cBhvr>
+                                        <p:cTn id="12" dur="1" fill="hold">
+                                          <p:stCondLst>
+                                            <p:cond delay="0"/>
+                                          </p:stCondLst>
+                                        </p:cTn>
+                                        <p:tgtEl>
+                                          <p:spTgt spid="3">
+                                            <p:txEl>
+                                              <p:pRg st="0" end="0"/>
+                                            </p:txEl>
+                                          </p:spTgt>
+                                        </p:tgtEl>
+                                        <p:attrNameLst>
+                                          <p:attrName>style.visibility</p:attrName>
+                                        </p:attrNameLst>
+                                      </p:cBhvr>
+                                      <p:to>
+                                        <p:strVal val="visible"/>
+                                      </p:to>
+                                    </p:set>
+                                    <p:animEffect transition="in" filter="fade">
+                                      <p:cBhvr>
+                                        <p:cTn id="13" dur="1000"/>
+                                        <p:tgtEl>
+                                          <p:spTgt spid="3">
+                                            <p:txEl>
+                                              <p:pRg st="0" end="0"/>
+                                            </p:txEl>
+                                          </p:spTgt>
+                                        </p:tgtEl>
+                                      </p:cBhvr>
+                                    </p:animEffect>
+                                    <p:anim calcmode="lin" valueType="num">
+                                      <p:cBhvr>
+                                        <p:cTn id="14" dur="1000" fill="hold"/>
+                                        <p:tgtEl>
+                                          <p:spTgt spid="3">
+                                            <p:txEl>
+                                              <p:pRg st="0" end="0"/>
+                                            </p:txEl>
+                                          </p:spTgt>
+                                        </p:tgtEl>
+                                        <p:attrNameLst>
+                                          <p:attrName>ppt_x</p:attrName>
+                                        </p:attrNameLst>
+                                      </p:cBhvr>
+                                      <p:tavLst>
+                                        <p:tav tm="0">
+                                          <p:val>
+                                            <p:strVal val="#ppt_x"/>
+                                          </p:val>
+                                        </p:tav>
+                                        <p:tav tm="100000">
+                                          <p:val>
+                                            <p:strVal val="#ppt_x"/>
+                                          </p:val>
+                                        </p:tav>
+                                      </p:tavLst>
+                                    </p:anim>
+                                    <p:anim calcmode="lin" valueType="num">
+                                      <p:cBhvr>
+                                        <p:cTn id="15" dur="1000" fill="hold"/>
+                                        <p:tgtEl>
+                                          <p:spTgt spid="3">
+                                            <p:txEl>
+                                              <p:pRg st="0" end="0"/>
+                                            </p:txEl>
+                                          </p:spTgt>
+                                        </p:tgtEl>
+                                        <p:attrNameLst>
+                                          <p:attrName>ppt_y</p:attrName>
+                                        </p:attrNameLst>
+                                      </p:cBhvr>
+                                      <p:tavLst>
+                                        <p:tav tm="0">
+                                          <p:val>
+                                            <p:strVal val="#ppt_y+.1"/>
+                                          </p:val>
+                                        </p:tav>
+                                        <p:tav tm="100000">
+                                          <p:val>
+                                            <p:strVal val="#ppt_y"/>
+                                          </p:val>
+                                        </p:tav>
+                                      </p:tavLst>
+                                    </p:anim>
+                                  </p:childTnLst>
+                                </p:cTn>
+                              </p:par>
+                            </p:childTnLst>
+                          </p:cTn>
+                        </p:par>
+                      </p:childTnLst>
+                    </p:cTn>
+                  </p:par>
+                  <p:par>
+                    <p:cTn id="16" fill="hold">
+                      <p:stCondLst>
+                        <p:cond delay="indefinite"/>
+                      </p:stCondLst>
+                      <p:childTnLst>
+                        <p:par>
+                          <p:cTn id="17" fill="hold">
+                            <p:stCondLst>
+                              <p:cond delay="0"/>
+                            </p:stCondLst>
+                            <p:childTnLst>
+                              <p:par>
+                                <p:cTn id="18" presetID="42" presetClass="entr" presetSubtype="0" fill="hold" grpId="0" nodeType="clickEffect">
+                                  <p:stCondLst>
+                                    <p:cond delay="0"/>
+                                  </p:stCondLst>
+                                  <p:childTnLst>
+                                    <p:set>
+                                      <p:cBhvr>
+                                        <p:cTn id="19" dur="1" fill="hold">
+                                          <p:stCondLst>
+                                            <p:cond delay="0"/>
+                                          </p:stCondLst>
+                                        </p:cTn>
+                                        <p:tgtEl>
+                                          <p:spTgt spid="3">
+                                            <p:txEl>
+                                              <p:pRg st="1" end="1"/>
+                                            </p:txEl>
+                                          </p:spTgt>
+                                        </p:tgtEl>
+                                        <p:attrNameLst>
+                                          <p:attrName>style.visibility</p:attrName>
+                                        </p:attrNameLst>
+                                      </p:cBhvr>
+                                      <p:to>
+                                        <p:strVal val="visible"/>
+                                      </p:to>
+                                    </p:set>
+                                    <p:animEffect transition="in" filter="fade">
+                                      <p:cBhvr>
+                                        <p:cTn id="20" dur="1000"/>
+                                        <p:tgtEl>
+                                          <p:spTgt spid="3">
+                                            <p:txEl>
+                                              <p:pRg st="1" end="1"/>
+                                            </p:txEl>
+                                          </p:spTgt>
+                                        </p:tgtEl>
+                                      </p:cBhvr>
+                                    </p:animEffect>
+                                    <p:anim calcmode="lin" valueType="num">
+                                      <p:cBhvr>
+                                        <p:cTn id="21" dur="1000" fill="hold"/>
+                                        <p:tgtEl>
+                                          <p:spTgt spid="3">
+                                            <p:txEl>
+                                              <p:pRg st="1" end="1"/>
+                                            </p:txEl>
+                                          </p:spTgt>
+                                        </p:tgtEl>
+                                        <p:attrNameLst>
+                                          <p:attrName>ppt_x</p:attrName>
+                                        </p:attrNameLst>
+                                      </p:cBhvr>
+                                      <p:tavLst>
+                                        <p:tav tm="0">
+                                          <p:val>
+                                            <p:strVal val="#ppt_x"/>
+                                          </p:val>
+                                        </p:tav>
+                                        <p:tav tm="100000">
+                                          <p:val>
+                                            <p:strVal val="#ppt_x"/>
+                                          </p:val>
+                                        </p:tav>
+                                      </p:tavLst>
+                                    </p:anim>
+                                    <p:anim calcmode="lin" valueType="num">
+                                      <p:cBhvr>
+                                        <p:cTn id="22" dur="1000" fill="hold"/>
+                                        <p:tgtEl>
+                                          <p:spTgt spid="3">
+                                            <p:txEl>
+                                              <p:pRg st="1" end="1"/>
+                                            </p:txEl>
+                                          </p:spTgt>
+                                        </p:tgtEl>
+                                        <p:attrNameLst>
+                                          <p:attrName>ppt_y</p:attrName>
+                                        </p:attrNameLst>
+                                      </p:cBhvr>
+                                      <p:tavLst>
+                                        <p:tav tm="0">
+                                          <p:val>
+                                            <p:strVal val="#ppt_y+.1"/>
+                                          </p:val>
+                                        </p:tav>
+                                        <p:tav tm="100000">
+                                          <p:val>
+                                            <p:strVal val="#ppt_y"/>
+                                          </p:val>
+                                        </p:tav>
+                                      </p:tavLst>
+                                    </p:anim>
+                                  </p:childTnLst>
+                                </p:cTn>
+                              </p:par>
+                            </p:childTnLst>
+                          </p:cTn>
+                        </p:par>
+                      </p:childTnLst>
+                    </p:cTn>
+                  </p:par>
+                  <p:par>
+                    <p:cTn id="23" fill="hold">
+                      <p:stCondLst>
+                        <p:cond delay="indefinite"/>
+                      </p:stCondLst>
+                      <p:childTnLst>
+                        <p:par>
+                          <p:cTn id="24" fill="hold">
+                            <p:stCondLst>
+                              <p:cond delay="0"/>
+                            </p:stCondLst>
+                            <p:childTnLst>
+                              <p:par>
+                                <p:cTn id="25" presetID="42" presetClass="entr" presetSubtype="0" fill="hold" nodeType="clickEffect">
+                                  <p:stCondLst>
+                                    <p:cond delay="0"/>
+                                  </p:stCondLst>
+                                  <p:childTnLst>
+                                    <p:set>
+                                      <p:cBhvr>
+                                        <p:cTn id="26" dur="1" fill="hold">
+                                          <p:stCondLst>
+                                            <p:cond delay="0"/>
+                                          </p:stCondLst>
+                                        </p:cTn>
+                                        <p:tgtEl>
+                                          <p:spTgt spid="7"/>
+                                        </p:tgtEl>
+                                        <p:attrNameLst>
+                                          <p:attrName>style.visibility</p:attrName>
+                                        </p:attrNameLst>
+                                      </p:cBhvr>
+                                      <p:to>
+                                        <p:strVal val="visible"/>
+                                      </p:to>
+                                    </p:set>
+                                    <p:animEffect transition="in" filter="fade">
+                                      <p:cBhvr>
+                                        <p:cTn id="27" dur="1000"/>
+                                        <p:tgtEl>
+                                          <p:spTgt spid="7"/>
+                                        </p:tgtEl>
+                                      </p:cBhvr>
+                                    </p:animEffect>
+                                    <p:anim calcmode="lin" valueType="num">
+                                      <p:cBhvr>
+                                        <p:cTn id="28" dur="1000" fill="hold"/>
+                                        <p:tgtEl>
+                                          <p:spTgt spid="7"/>
+                                        </p:tgtEl>
+                                        <p:attrNameLst>
+                                          <p:attrName>ppt_x</p:attrName>
+                                        </p:attrNameLst>
+                                      </p:cBhvr>
+                                      <p:tavLst>
+                                        <p:tav tm="0">
+                                          <p:val>
+                                            <p:strVal val="#ppt_x"/>
+                                          </p:val>
+                                        </p:tav>
+                                        <p:tav tm="100000">
+                                          <p:val>
+                                            <p:strVal val="#ppt_x"/>
+                                          </p:val>
+                                        </p:tav>
+                                      </p:tavLst>
+                                    </p:anim>
+                                    <p:anim calcmode="lin" valueType="num">
+                                      <p:cBhvr>
+                                        <p:cTn id="29" dur="1000" fill="hold"/>
+                                        <p:tgtEl>
+                                          <p:spTgt spid="7"/>
+                                        </p:tgtEl>
+                                        <p:attrNameLst>
+                                          <p:attrName>ppt_y</p:attrName>
+                                        </p:attrNameLst>
+                                      </p:cBhvr>
+                                      <p:tavLst>
+                                        <p:tav tm="0">
+                                          <p:val>
+                                            <p:strVal val="#ppt_y+.1"/>
+                                          </p:val>
+                                        </p:tav>
+                                        <p:tav tm="100000">
+                                          <p:val>
+                                            <p:strVal val="#ppt_y"/>
+                                          </p:val>
+                                        </p:tav>
+                                      </p:tavLst>
+                                    </p:anim>
+                                  </p:childTnLst>
+                                </p:cTn>
+                              </p:par>
+                            </p:childTnLst>
+                          </p:cTn>
+                        </p:par>
+                      </p:childTnLst>
+                    </p:cTn>
+                  </p:par>
+                </p:childTnLst>
+              </p:cTn>
+              <p:prevCondLst>
+                <p:cond evt="onPrev" delay="0">
+                  <p:tgtEl>
+                    <p:sldTgt/>
+                  </p:tgtEl>
+                </p:cond>
+              </p:prevCondLst>
+              <p:nextCondLst>
+                <p:cond evt="onNext" delay="0">
+                  <p:tgtEl>
+                    <p:sldTgt/>
+                  </p:tgtEl>
+                </p:cond>
+              </p:nextCondLst>
+            </p:seq>
+          </p:childTnLst>
+        </p:cTn>
+      </p:par>
+    </p:tnLst>
+    <p:bldLst>
+      <p:bldP spid="2" grpId="0"/>
+      <p:bldP spid="3" grpId="0" build="p"/>
+    </p:bldLst>
+  </p:timing>
 </p:sld>
 </file>
 
@@ -18546,6 +20340,928 @@
   <p:clrMapOvr>
     <a:masterClrMapping/>
   </p:clrMapOvr>
+  <p:timing>
+    <p:tnLst>
+      <p:par>
+        <p:cTn id="1" dur="indefinite" restart="never" nodeType="tmRoot">
+          <p:childTnLst>
+            <p:seq concurrent="1" nextAc="seek">
+              <p:cTn id="2" dur="indefinite" nodeType="mainSeq">
+                <p:childTnLst>
+                  <p:par>
+                    <p:cTn id="3" fill="hold">
+                      <p:stCondLst>
+                        <p:cond delay="indefinite"/>
+                      </p:stCondLst>
+                      <p:childTnLst>
+                        <p:par>
+                          <p:cTn id="4" fill="hold">
+                            <p:stCondLst>
+                              <p:cond delay="0"/>
+                            </p:stCondLst>
+                            <p:childTnLst>
+                              <p:par>
+                                <p:cTn id="5" presetID="42" presetClass="entr" presetSubtype="0" fill="hold" grpId="0" nodeType="clickEffect">
+                                  <p:stCondLst>
+                                    <p:cond delay="0"/>
+                                  </p:stCondLst>
+                                  <p:childTnLst>
+                                    <p:set>
+                                      <p:cBhvr>
+                                        <p:cTn id="6" dur="1" fill="hold">
+                                          <p:stCondLst>
+                                            <p:cond delay="0"/>
+                                          </p:stCondLst>
+                                        </p:cTn>
+                                        <p:tgtEl>
+                                          <p:spTgt spid="2"/>
+                                        </p:tgtEl>
+                                        <p:attrNameLst>
+                                          <p:attrName>style.visibility</p:attrName>
+                                        </p:attrNameLst>
+                                      </p:cBhvr>
+                                      <p:to>
+                                        <p:strVal val="visible"/>
+                                      </p:to>
+                                    </p:set>
+                                    <p:animEffect transition="in" filter="fade">
+                                      <p:cBhvr>
+                                        <p:cTn id="7" dur="1000"/>
+                                        <p:tgtEl>
+                                          <p:spTgt spid="2"/>
+                                        </p:tgtEl>
+                                      </p:cBhvr>
+                                    </p:animEffect>
+                                    <p:anim calcmode="lin" valueType="num">
+                                      <p:cBhvr>
+                                        <p:cTn id="8" dur="1000" fill="hold"/>
+                                        <p:tgtEl>
+                                          <p:spTgt spid="2"/>
+                                        </p:tgtEl>
+                                        <p:attrNameLst>
+                                          <p:attrName>ppt_x</p:attrName>
+                                        </p:attrNameLst>
+                                      </p:cBhvr>
+                                      <p:tavLst>
+                                        <p:tav tm="0">
+                                          <p:val>
+                                            <p:strVal val="#ppt_x"/>
+                                          </p:val>
+                                        </p:tav>
+                                        <p:tav tm="100000">
+                                          <p:val>
+                                            <p:strVal val="#ppt_x"/>
+                                          </p:val>
+                                        </p:tav>
+                                      </p:tavLst>
+                                    </p:anim>
+                                    <p:anim calcmode="lin" valueType="num">
+                                      <p:cBhvr>
+                                        <p:cTn id="9" dur="1000" fill="hold"/>
+                                        <p:tgtEl>
+                                          <p:spTgt spid="2"/>
+                                        </p:tgtEl>
+                                        <p:attrNameLst>
+                                          <p:attrName>ppt_y</p:attrName>
+                                        </p:attrNameLst>
+                                      </p:cBhvr>
+                                      <p:tavLst>
+                                        <p:tav tm="0">
+                                          <p:val>
+                                            <p:strVal val="#ppt_y+.1"/>
+                                          </p:val>
+                                        </p:tav>
+                                        <p:tav tm="100000">
+                                          <p:val>
+                                            <p:strVal val="#ppt_y"/>
+                                          </p:val>
+                                        </p:tav>
+                                      </p:tavLst>
+                                    </p:anim>
+                                  </p:childTnLst>
+                                </p:cTn>
+                              </p:par>
+                            </p:childTnLst>
+                          </p:cTn>
+                        </p:par>
+                      </p:childTnLst>
+                    </p:cTn>
+                  </p:par>
+                  <p:par>
+                    <p:cTn id="10" fill="hold">
+                      <p:stCondLst>
+                        <p:cond delay="indefinite"/>
+                      </p:stCondLst>
+                      <p:childTnLst>
+                        <p:par>
+                          <p:cTn id="11" fill="hold">
+                            <p:stCondLst>
+                              <p:cond delay="0"/>
+                            </p:stCondLst>
+                            <p:childTnLst>
+                              <p:par>
+                                <p:cTn id="12" presetID="42" presetClass="entr" presetSubtype="0" fill="hold" grpId="0" nodeType="clickEffect">
+                                  <p:stCondLst>
+                                    <p:cond delay="0"/>
+                                  </p:stCondLst>
+                                  <p:childTnLst>
+                                    <p:set>
+                                      <p:cBhvr>
+                                        <p:cTn id="13" dur="1" fill="hold">
+                                          <p:stCondLst>
+                                            <p:cond delay="0"/>
+                                          </p:stCondLst>
+                                        </p:cTn>
+                                        <p:tgtEl>
+                                          <p:spTgt spid="3">
+                                            <p:txEl>
+                                              <p:pRg st="0" end="0"/>
+                                            </p:txEl>
+                                          </p:spTgt>
+                                        </p:tgtEl>
+                                        <p:attrNameLst>
+                                          <p:attrName>style.visibility</p:attrName>
+                                        </p:attrNameLst>
+                                      </p:cBhvr>
+                                      <p:to>
+                                        <p:strVal val="visible"/>
+                                      </p:to>
+                                    </p:set>
+                                    <p:animEffect transition="in" filter="fade">
+                                      <p:cBhvr>
+                                        <p:cTn id="14" dur="1000"/>
+                                        <p:tgtEl>
+                                          <p:spTgt spid="3">
+                                            <p:txEl>
+                                              <p:pRg st="0" end="0"/>
+                                            </p:txEl>
+                                          </p:spTgt>
+                                        </p:tgtEl>
+                                      </p:cBhvr>
+                                    </p:animEffect>
+                                    <p:anim calcmode="lin" valueType="num">
+                                      <p:cBhvr>
+                                        <p:cTn id="15" dur="1000" fill="hold"/>
+                                        <p:tgtEl>
+                                          <p:spTgt spid="3">
+                                            <p:txEl>
+                                              <p:pRg st="0" end="0"/>
+                                            </p:txEl>
+                                          </p:spTgt>
+                                        </p:tgtEl>
+                                        <p:attrNameLst>
+                                          <p:attrName>ppt_x</p:attrName>
+                                        </p:attrNameLst>
+                                      </p:cBhvr>
+                                      <p:tavLst>
+                                        <p:tav tm="0">
+                                          <p:val>
+                                            <p:strVal val="#ppt_x"/>
+                                          </p:val>
+                                        </p:tav>
+                                        <p:tav tm="100000">
+                                          <p:val>
+                                            <p:strVal val="#ppt_x"/>
+                                          </p:val>
+                                        </p:tav>
+                                      </p:tavLst>
+                                    </p:anim>
+                                    <p:anim calcmode="lin" valueType="num">
+                                      <p:cBhvr>
+                                        <p:cTn id="16" dur="1000" fill="hold"/>
+                                        <p:tgtEl>
+                                          <p:spTgt spid="3">
+                                            <p:txEl>
+                                              <p:pRg st="0" end="0"/>
+                                            </p:txEl>
+                                          </p:spTgt>
+                                        </p:tgtEl>
+                                        <p:attrNameLst>
+                                          <p:attrName>ppt_y</p:attrName>
+                                        </p:attrNameLst>
+                                      </p:cBhvr>
+                                      <p:tavLst>
+                                        <p:tav tm="0">
+                                          <p:val>
+                                            <p:strVal val="#ppt_y+.1"/>
+                                          </p:val>
+                                        </p:tav>
+                                        <p:tav tm="100000">
+                                          <p:val>
+                                            <p:strVal val="#ppt_y"/>
+                                          </p:val>
+                                        </p:tav>
+                                      </p:tavLst>
+                                    </p:anim>
+                                  </p:childTnLst>
+                                </p:cTn>
+                              </p:par>
+                            </p:childTnLst>
+                          </p:cTn>
+                        </p:par>
+                      </p:childTnLst>
+                    </p:cTn>
+                  </p:par>
+                  <p:par>
+                    <p:cTn id="17" fill="hold">
+                      <p:stCondLst>
+                        <p:cond delay="indefinite"/>
+                      </p:stCondLst>
+                      <p:childTnLst>
+                        <p:par>
+                          <p:cTn id="18" fill="hold">
+                            <p:stCondLst>
+                              <p:cond delay="0"/>
+                            </p:stCondLst>
+                            <p:childTnLst>
+                              <p:par>
+                                <p:cTn id="19" presetID="42" presetClass="entr" presetSubtype="0" fill="hold" grpId="0" nodeType="clickEffect">
+                                  <p:stCondLst>
+                                    <p:cond delay="0"/>
+                                  </p:stCondLst>
+                                  <p:childTnLst>
+                                    <p:set>
+                                      <p:cBhvr>
+                                        <p:cTn id="20" dur="1" fill="hold">
+                                          <p:stCondLst>
+                                            <p:cond delay="0"/>
+                                          </p:stCondLst>
+                                        </p:cTn>
+                                        <p:tgtEl>
+                                          <p:spTgt spid="3">
+                                            <p:txEl>
+                                              <p:pRg st="1" end="1"/>
+                                            </p:txEl>
+                                          </p:spTgt>
+                                        </p:tgtEl>
+                                        <p:attrNameLst>
+                                          <p:attrName>style.visibility</p:attrName>
+                                        </p:attrNameLst>
+                                      </p:cBhvr>
+                                      <p:to>
+                                        <p:strVal val="visible"/>
+                                      </p:to>
+                                    </p:set>
+                                    <p:animEffect transition="in" filter="fade">
+                                      <p:cBhvr>
+                                        <p:cTn id="21" dur="1000"/>
+                                        <p:tgtEl>
+                                          <p:spTgt spid="3">
+                                            <p:txEl>
+                                              <p:pRg st="1" end="1"/>
+                                            </p:txEl>
+                                          </p:spTgt>
+                                        </p:tgtEl>
+                                      </p:cBhvr>
+                                    </p:animEffect>
+                                    <p:anim calcmode="lin" valueType="num">
+                                      <p:cBhvr>
+                                        <p:cTn id="22" dur="1000" fill="hold"/>
+                                        <p:tgtEl>
+                                          <p:spTgt spid="3">
+                                            <p:txEl>
+                                              <p:pRg st="1" end="1"/>
+                                            </p:txEl>
+                                          </p:spTgt>
+                                        </p:tgtEl>
+                                        <p:attrNameLst>
+                                          <p:attrName>ppt_x</p:attrName>
+                                        </p:attrNameLst>
+                                      </p:cBhvr>
+                                      <p:tavLst>
+                                        <p:tav tm="0">
+                                          <p:val>
+                                            <p:strVal val="#ppt_x"/>
+                                          </p:val>
+                                        </p:tav>
+                                        <p:tav tm="100000">
+                                          <p:val>
+                                            <p:strVal val="#ppt_x"/>
+                                          </p:val>
+                                        </p:tav>
+                                      </p:tavLst>
+                                    </p:anim>
+                                    <p:anim calcmode="lin" valueType="num">
+                                      <p:cBhvr>
+                                        <p:cTn id="23" dur="1000" fill="hold"/>
+                                        <p:tgtEl>
+                                          <p:spTgt spid="3">
+                                            <p:txEl>
+                                              <p:pRg st="1" end="1"/>
+                                            </p:txEl>
+                                          </p:spTgt>
+                                        </p:tgtEl>
+                                        <p:attrNameLst>
+                                          <p:attrName>ppt_y</p:attrName>
+                                        </p:attrNameLst>
+                                      </p:cBhvr>
+                                      <p:tavLst>
+                                        <p:tav tm="0">
+                                          <p:val>
+                                            <p:strVal val="#ppt_y+.1"/>
+                                          </p:val>
+                                        </p:tav>
+                                        <p:tav tm="100000">
+                                          <p:val>
+                                            <p:strVal val="#ppt_y"/>
+                                          </p:val>
+                                        </p:tav>
+                                      </p:tavLst>
+                                    </p:anim>
+                                  </p:childTnLst>
+                                </p:cTn>
+                              </p:par>
+                            </p:childTnLst>
+                          </p:cTn>
+                        </p:par>
+                      </p:childTnLst>
+                    </p:cTn>
+                  </p:par>
+                  <p:par>
+                    <p:cTn id="24" fill="hold">
+                      <p:stCondLst>
+                        <p:cond delay="indefinite"/>
+                      </p:stCondLst>
+                      <p:childTnLst>
+                        <p:par>
+                          <p:cTn id="25" fill="hold">
+                            <p:stCondLst>
+                              <p:cond delay="0"/>
+                            </p:stCondLst>
+                            <p:childTnLst>
+                              <p:par>
+                                <p:cTn id="26" presetID="42" presetClass="entr" presetSubtype="0" fill="hold" grpId="0" nodeType="clickEffect">
+                                  <p:stCondLst>
+                                    <p:cond delay="0"/>
+                                  </p:stCondLst>
+                                  <p:childTnLst>
+                                    <p:set>
+                                      <p:cBhvr>
+                                        <p:cTn id="27" dur="1" fill="hold">
+                                          <p:stCondLst>
+                                            <p:cond delay="0"/>
+                                          </p:stCondLst>
+                                        </p:cTn>
+                                        <p:tgtEl>
+                                          <p:spTgt spid="3">
+                                            <p:txEl>
+                                              <p:pRg st="2" end="2"/>
+                                            </p:txEl>
+                                          </p:spTgt>
+                                        </p:tgtEl>
+                                        <p:attrNameLst>
+                                          <p:attrName>style.visibility</p:attrName>
+                                        </p:attrNameLst>
+                                      </p:cBhvr>
+                                      <p:to>
+                                        <p:strVal val="visible"/>
+                                      </p:to>
+                                    </p:set>
+                                    <p:animEffect transition="in" filter="fade">
+                                      <p:cBhvr>
+                                        <p:cTn id="28" dur="1000"/>
+                                        <p:tgtEl>
+                                          <p:spTgt spid="3">
+                                            <p:txEl>
+                                              <p:pRg st="2" end="2"/>
+                                            </p:txEl>
+                                          </p:spTgt>
+                                        </p:tgtEl>
+                                      </p:cBhvr>
+                                    </p:animEffect>
+                                    <p:anim calcmode="lin" valueType="num">
+                                      <p:cBhvr>
+                                        <p:cTn id="29" dur="1000" fill="hold"/>
+                                        <p:tgtEl>
+                                          <p:spTgt spid="3">
+                                            <p:txEl>
+                                              <p:pRg st="2" end="2"/>
+                                            </p:txEl>
+                                          </p:spTgt>
+                                        </p:tgtEl>
+                                        <p:attrNameLst>
+                                          <p:attrName>ppt_x</p:attrName>
+                                        </p:attrNameLst>
+                                      </p:cBhvr>
+                                      <p:tavLst>
+                                        <p:tav tm="0">
+                                          <p:val>
+                                            <p:strVal val="#ppt_x"/>
+                                          </p:val>
+                                        </p:tav>
+                                        <p:tav tm="100000">
+                                          <p:val>
+                                            <p:strVal val="#ppt_x"/>
+                                          </p:val>
+                                        </p:tav>
+                                      </p:tavLst>
+                                    </p:anim>
+                                    <p:anim calcmode="lin" valueType="num">
+                                      <p:cBhvr>
+                                        <p:cTn id="30" dur="1000" fill="hold"/>
+                                        <p:tgtEl>
+                                          <p:spTgt spid="3">
+                                            <p:txEl>
+                                              <p:pRg st="2" end="2"/>
+                                            </p:txEl>
+                                          </p:spTgt>
+                                        </p:tgtEl>
+                                        <p:attrNameLst>
+                                          <p:attrName>ppt_y</p:attrName>
+                                        </p:attrNameLst>
+                                      </p:cBhvr>
+                                      <p:tavLst>
+                                        <p:tav tm="0">
+                                          <p:val>
+                                            <p:strVal val="#ppt_y+.1"/>
+                                          </p:val>
+                                        </p:tav>
+                                        <p:tav tm="100000">
+                                          <p:val>
+                                            <p:strVal val="#ppt_y"/>
+                                          </p:val>
+                                        </p:tav>
+                                      </p:tavLst>
+                                    </p:anim>
+                                  </p:childTnLst>
+                                </p:cTn>
+                              </p:par>
+                            </p:childTnLst>
+                          </p:cTn>
+                        </p:par>
+                      </p:childTnLst>
+                    </p:cTn>
+                  </p:par>
+                  <p:par>
+                    <p:cTn id="31" fill="hold">
+                      <p:stCondLst>
+                        <p:cond delay="indefinite"/>
+                      </p:stCondLst>
+                      <p:childTnLst>
+                        <p:par>
+                          <p:cTn id="32" fill="hold">
+                            <p:stCondLst>
+                              <p:cond delay="0"/>
+                            </p:stCondLst>
+                            <p:childTnLst>
+                              <p:par>
+                                <p:cTn id="33" presetID="42" presetClass="entr" presetSubtype="0" fill="hold" grpId="0" nodeType="clickEffect">
+                                  <p:stCondLst>
+                                    <p:cond delay="0"/>
+                                  </p:stCondLst>
+                                  <p:childTnLst>
+                                    <p:set>
+                                      <p:cBhvr>
+                                        <p:cTn id="34" dur="1" fill="hold">
+                                          <p:stCondLst>
+                                            <p:cond delay="0"/>
+                                          </p:stCondLst>
+                                        </p:cTn>
+                                        <p:tgtEl>
+                                          <p:spTgt spid="3">
+                                            <p:txEl>
+                                              <p:pRg st="3" end="3"/>
+                                            </p:txEl>
+                                          </p:spTgt>
+                                        </p:tgtEl>
+                                        <p:attrNameLst>
+                                          <p:attrName>style.visibility</p:attrName>
+                                        </p:attrNameLst>
+                                      </p:cBhvr>
+                                      <p:to>
+                                        <p:strVal val="visible"/>
+                                      </p:to>
+                                    </p:set>
+                                    <p:animEffect transition="in" filter="fade">
+                                      <p:cBhvr>
+                                        <p:cTn id="35" dur="1000"/>
+                                        <p:tgtEl>
+                                          <p:spTgt spid="3">
+                                            <p:txEl>
+                                              <p:pRg st="3" end="3"/>
+                                            </p:txEl>
+                                          </p:spTgt>
+                                        </p:tgtEl>
+                                      </p:cBhvr>
+                                    </p:animEffect>
+                                    <p:anim calcmode="lin" valueType="num">
+                                      <p:cBhvr>
+                                        <p:cTn id="36" dur="1000" fill="hold"/>
+                                        <p:tgtEl>
+                                          <p:spTgt spid="3">
+                                            <p:txEl>
+                                              <p:pRg st="3" end="3"/>
+                                            </p:txEl>
+                                          </p:spTgt>
+                                        </p:tgtEl>
+                                        <p:attrNameLst>
+                                          <p:attrName>ppt_x</p:attrName>
+                                        </p:attrNameLst>
+                                      </p:cBhvr>
+                                      <p:tavLst>
+                                        <p:tav tm="0">
+                                          <p:val>
+                                            <p:strVal val="#ppt_x"/>
+                                          </p:val>
+                                        </p:tav>
+                                        <p:tav tm="100000">
+                                          <p:val>
+                                            <p:strVal val="#ppt_x"/>
+                                          </p:val>
+                                        </p:tav>
+                                      </p:tavLst>
+                                    </p:anim>
+                                    <p:anim calcmode="lin" valueType="num">
+                                      <p:cBhvr>
+                                        <p:cTn id="37" dur="1000" fill="hold"/>
+                                        <p:tgtEl>
+                                          <p:spTgt spid="3">
+                                            <p:txEl>
+                                              <p:pRg st="3" end="3"/>
+                                            </p:txEl>
+                                          </p:spTgt>
+                                        </p:tgtEl>
+                                        <p:attrNameLst>
+                                          <p:attrName>ppt_y</p:attrName>
+                                        </p:attrNameLst>
+                                      </p:cBhvr>
+                                      <p:tavLst>
+                                        <p:tav tm="0">
+                                          <p:val>
+                                            <p:strVal val="#ppt_y+.1"/>
+                                          </p:val>
+                                        </p:tav>
+                                        <p:tav tm="100000">
+                                          <p:val>
+                                            <p:strVal val="#ppt_y"/>
+                                          </p:val>
+                                        </p:tav>
+                                      </p:tavLst>
+                                    </p:anim>
+                                  </p:childTnLst>
+                                </p:cTn>
+                              </p:par>
+                            </p:childTnLst>
+                          </p:cTn>
+                        </p:par>
+                      </p:childTnLst>
+                    </p:cTn>
+                  </p:par>
+                  <p:par>
+                    <p:cTn id="38" fill="hold">
+                      <p:stCondLst>
+                        <p:cond delay="indefinite"/>
+                      </p:stCondLst>
+                      <p:childTnLst>
+                        <p:par>
+                          <p:cTn id="39" fill="hold">
+                            <p:stCondLst>
+                              <p:cond delay="0"/>
+                            </p:stCondLst>
+                            <p:childTnLst>
+                              <p:par>
+                                <p:cTn id="40" presetID="42" presetClass="entr" presetSubtype="0" fill="hold" grpId="0" nodeType="clickEffect">
+                                  <p:stCondLst>
+                                    <p:cond delay="0"/>
+                                  </p:stCondLst>
+                                  <p:childTnLst>
+                                    <p:set>
+                                      <p:cBhvr>
+                                        <p:cTn id="41" dur="1" fill="hold">
+                                          <p:stCondLst>
+                                            <p:cond delay="0"/>
+                                          </p:stCondLst>
+                                        </p:cTn>
+                                        <p:tgtEl>
+                                          <p:spTgt spid="3">
+                                            <p:txEl>
+                                              <p:pRg st="4" end="4"/>
+                                            </p:txEl>
+                                          </p:spTgt>
+                                        </p:tgtEl>
+                                        <p:attrNameLst>
+                                          <p:attrName>style.visibility</p:attrName>
+                                        </p:attrNameLst>
+                                      </p:cBhvr>
+                                      <p:to>
+                                        <p:strVal val="visible"/>
+                                      </p:to>
+                                    </p:set>
+                                    <p:animEffect transition="in" filter="fade">
+                                      <p:cBhvr>
+                                        <p:cTn id="42" dur="1000"/>
+                                        <p:tgtEl>
+                                          <p:spTgt spid="3">
+                                            <p:txEl>
+                                              <p:pRg st="4" end="4"/>
+                                            </p:txEl>
+                                          </p:spTgt>
+                                        </p:tgtEl>
+                                      </p:cBhvr>
+                                    </p:animEffect>
+                                    <p:anim calcmode="lin" valueType="num">
+                                      <p:cBhvr>
+                                        <p:cTn id="43" dur="1000" fill="hold"/>
+                                        <p:tgtEl>
+                                          <p:spTgt spid="3">
+                                            <p:txEl>
+                                              <p:pRg st="4" end="4"/>
+                                            </p:txEl>
+                                          </p:spTgt>
+                                        </p:tgtEl>
+                                        <p:attrNameLst>
+                                          <p:attrName>ppt_x</p:attrName>
+                                        </p:attrNameLst>
+                                      </p:cBhvr>
+                                      <p:tavLst>
+                                        <p:tav tm="0">
+                                          <p:val>
+                                            <p:strVal val="#ppt_x"/>
+                                          </p:val>
+                                        </p:tav>
+                                        <p:tav tm="100000">
+                                          <p:val>
+                                            <p:strVal val="#ppt_x"/>
+                                          </p:val>
+                                        </p:tav>
+                                      </p:tavLst>
+                                    </p:anim>
+                                    <p:anim calcmode="lin" valueType="num">
+                                      <p:cBhvr>
+                                        <p:cTn id="44" dur="1000" fill="hold"/>
+                                        <p:tgtEl>
+                                          <p:spTgt spid="3">
+                                            <p:txEl>
+                                              <p:pRg st="4" end="4"/>
+                                            </p:txEl>
+                                          </p:spTgt>
+                                        </p:tgtEl>
+                                        <p:attrNameLst>
+                                          <p:attrName>ppt_y</p:attrName>
+                                        </p:attrNameLst>
+                                      </p:cBhvr>
+                                      <p:tavLst>
+                                        <p:tav tm="0">
+                                          <p:val>
+                                            <p:strVal val="#ppt_y+.1"/>
+                                          </p:val>
+                                        </p:tav>
+                                        <p:tav tm="100000">
+                                          <p:val>
+                                            <p:strVal val="#ppt_y"/>
+                                          </p:val>
+                                        </p:tav>
+                                      </p:tavLst>
+                                    </p:anim>
+                                  </p:childTnLst>
+                                </p:cTn>
+                              </p:par>
+                            </p:childTnLst>
+                          </p:cTn>
+                        </p:par>
+                      </p:childTnLst>
+                    </p:cTn>
+                  </p:par>
+                  <p:par>
+                    <p:cTn id="45" fill="hold">
+                      <p:stCondLst>
+                        <p:cond delay="indefinite"/>
+                      </p:stCondLst>
+                      <p:childTnLst>
+                        <p:par>
+                          <p:cTn id="46" fill="hold">
+                            <p:stCondLst>
+                              <p:cond delay="0"/>
+                            </p:stCondLst>
+                            <p:childTnLst>
+                              <p:par>
+                                <p:cTn id="47" presetID="42" presetClass="entr" presetSubtype="0" fill="hold" grpId="0" nodeType="clickEffect">
+                                  <p:stCondLst>
+                                    <p:cond delay="0"/>
+                                  </p:stCondLst>
+                                  <p:childTnLst>
+                                    <p:set>
+                                      <p:cBhvr>
+                                        <p:cTn id="48" dur="1" fill="hold">
+                                          <p:stCondLst>
+                                            <p:cond delay="0"/>
+                                          </p:stCondLst>
+                                        </p:cTn>
+                                        <p:tgtEl>
+                                          <p:spTgt spid="3">
+                                            <p:txEl>
+                                              <p:pRg st="5" end="5"/>
+                                            </p:txEl>
+                                          </p:spTgt>
+                                        </p:tgtEl>
+                                        <p:attrNameLst>
+                                          <p:attrName>style.visibility</p:attrName>
+                                        </p:attrNameLst>
+                                      </p:cBhvr>
+                                      <p:to>
+                                        <p:strVal val="visible"/>
+                                      </p:to>
+                                    </p:set>
+                                    <p:animEffect transition="in" filter="fade">
+                                      <p:cBhvr>
+                                        <p:cTn id="49" dur="1000"/>
+                                        <p:tgtEl>
+                                          <p:spTgt spid="3">
+                                            <p:txEl>
+                                              <p:pRg st="5" end="5"/>
+                                            </p:txEl>
+                                          </p:spTgt>
+                                        </p:tgtEl>
+                                      </p:cBhvr>
+                                    </p:animEffect>
+                                    <p:anim calcmode="lin" valueType="num">
+                                      <p:cBhvr>
+                                        <p:cTn id="50" dur="1000" fill="hold"/>
+                                        <p:tgtEl>
+                                          <p:spTgt spid="3">
+                                            <p:txEl>
+                                              <p:pRg st="5" end="5"/>
+                                            </p:txEl>
+                                          </p:spTgt>
+                                        </p:tgtEl>
+                                        <p:attrNameLst>
+                                          <p:attrName>ppt_x</p:attrName>
+                                        </p:attrNameLst>
+                                      </p:cBhvr>
+                                      <p:tavLst>
+                                        <p:tav tm="0">
+                                          <p:val>
+                                            <p:strVal val="#ppt_x"/>
+                                          </p:val>
+                                        </p:tav>
+                                        <p:tav tm="100000">
+                                          <p:val>
+                                            <p:strVal val="#ppt_x"/>
+                                          </p:val>
+                                        </p:tav>
+                                      </p:tavLst>
+                                    </p:anim>
+                                    <p:anim calcmode="lin" valueType="num">
+                                      <p:cBhvr>
+                                        <p:cTn id="51" dur="1000" fill="hold"/>
+                                        <p:tgtEl>
+                                          <p:spTgt spid="3">
+                                            <p:txEl>
+                                              <p:pRg st="5" end="5"/>
+                                            </p:txEl>
+                                          </p:spTgt>
+                                        </p:tgtEl>
+                                        <p:attrNameLst>
+                                          <p:attrName>ppt_y</p:attrName>
+                                        </p:attrNameLst>
+                                      </p:cBhvr>
+                                      <p:tavLst>
+                                        <p:tav tm="0">
+                                          <p:val>
+                                            <p:strVal val="#ppt_y+.1"/>
+                                          </p:val>
+                                        </p:tav>
+                                        <p:tav tm="100000">
+                                          <p:val>
+                                            <p:strVal val="#ppt_y"/>
+                                          </p:val>
+                                        </p:tav>
+                                      </p:tavLst>
+                                    </p:anim>
+                                  </p:childTnLst>
+                                </p:cTn>
+                              </p:par>
+                            </p:childTnLst>
+                          </p:cTn>
+                        </p:par>
+                      </p:childTnLst>
+                    </p:cTn>
+                  </p:par>
+                  <p:par>
+                    <p:cTn id="52" fill="hold">
+                      <p:stCondLst>
+                        <p:cond delay="indefinite"/>
+                      </p:stCondLst>
+                      <p:childTnLst>
+                        <p:par>
+                          <p:cTn id="53" fill="hold">
+                            <p:stCondLst>
+                              <p:cond delay="0"/>
+                            </p:stCondLst>
+                            <p:childTnLst>
+                              <p:par>
+                                <p:cTn id="54" presetID="42" presetClass="entr" presetSubtype="0" fill="hold" nodeType="clickEffect">
+                                  <p:stCondLst>
+                                    <p:cond delay="0"/>
+                                  </p:stCondLst>
+                                  <p:childTnLst>
+                                    <p:set>
+                                      <p:cBhvr>
+                                        <p:cTn id="55" dur="1" fill="hold">
+                                          <p:stCondLst>
+                                            <p:cond delay="0"/>
+                                          </p:stCondLst>
+                                        </p:cTn>
+                                        <p:tgtEl>
+                                          <p:spTgt spid="7"/>
+                                        </p:tgtEl>
+                                        <p:attrNameLst>
+                                          <p:attrName>style.visibility</p:attrName>
+                                        </p:attrNameLst>
+                                      </p:cBhvr>
+                                      <p:to>
+                                        <p:strVal val="visible"/>
+                                      </p:to>
+                                    </p:set>
+                                    <p:animEffect transition="in" filter="fade">
+                                      <p:cBhvr>
+                                        <p:cTn id="56" dur="1000"/>
+                                        <p:tgtEl>
+                                          <p:spTgt spid="7"/>
+                                        </p:tgtEl>
+                                      </p:cBhvr>
+                                    </p:animEffect>
+                                    <p:anim calcmode="lin" valueType="num">
+                                      <p:cBhvr>
+                                        <p:cTn id="57" dur="1000" fill="hold"/>
+                                        <p:tgtEl>
+                                          <p:spTgt spid="7"/>
+                                        </p:tgtEl>
+                                        <p:attrNameLst>
+                                          <p:attrName>ppt_x</p:attrName>
+                                        </p:attrNameLst>
+                                      </p:cBhvr>
+                                      <p:tavLst>
+                                        <p:tav tm="0">
+                                          <p:val>
+                                            <p:strVal val="#ppt_x"/>
+                                          </p:val>
+                                        </p:tav>
+                                        <p:tav tm="100000">
+                                          <p:val>
+                                            <p:strVal val="#ppt_x"/>
+                                          </p:val>
+                                        </p:tav>
+                                      </p:tavLst>
+                                    </p:anim>
+                                    <p:anim calcmode="lin" valueType="num">
+                                      <p:cBhvr>
+                                        <p:cTn id="58" dur="1000" fill="hold"/>
+                                        <p:tgtEl>
+                                          <p:spTgt spid="7"/>
+                                        </p:tgtEl>
+                                        <p:attrNameLst>
+                                          <p:attrName>ppt_y</p:attrName>
+                                        </p:attrNameLst>
+                                      </p:cBhvr>
+                                      <p:tavLst>
+                                        <p:tav tm="0">
+                                          <p:val>
+                                            <p:strVal val="#ppt_y+.1"/>
+                                          </p:val>
+                                        </p:tav>
+                                        <p:tav tm="100000">
+                                          <p:val>
+                                            <p:strVal val="#ppt_y"/>
+                                          </p:val>
+                                        </p:tav>
+                                      </p:tavLst>
+                                    </p:anim>
+                                  </p:childTnLst>
+                                </p:cTn>
+                              </p:par>
+                            </p:childTnLst>
+                          </p:cTn>
+                        </p:par>
+                      </p:childTnLst>
+                    </p:cTn>
+                  </p:par>
+                </p:childTnLst>
+              </p:cTn>
+              <p:prevCondLst>
+                <p:cond evt="onPrev" delay="0">
+                  <p:tgtEl>
+                    <p:sldTgt/>
+                  </p:tgtEl>
+                </p:cond>
+              </p:prevCondLst>
+              <p:nextCondLst>
+                <p:cond evt="onNext" delay="0">
+                  <p:tgtEl>
+                    <p:sldTgt/>
+                  </p:tgtEl>
+                </p:cond>
+              </p:nextCondLst>
+            </p:seq>
+          </p:childTnLst>
+        </p:cTn>
+      </p:par>
+    </p:tnLst>
+    <p:bldLst>
+      <p:bldP spid="2" grpId="0"/>
+      <p:bldP spid="3" grpId="0" build="p"/>
+    </p:bldLst>
+  </p:timing>
 </p:sld>
 </file>
 
@@ -18743,6 +21459,493 @@
   <p:clrMapOvr>
     <a:masterClrMapping/>
   </p:clrMapOvr>
+  <p:timing>
+    <p:tnLst>
+      <p:par>
+        <p:cTn id="1" dur="indefinite" restart="never" nodeType="tmRoot">
+          <p:childTnLst>
+            <p:seq concurrent="1" nextAc="seek">
+              <p:cTn id="2" dur="indefinite" nodeType="mainSeq">
+                <p:childTnLst>
+                  <p:par>
+                    <p:cTn id="3" fill="hold">
+                      <p:stCondLst>
+                        <p:cond delay="indefinite"/>
+                      </p:stCondLst>
+                      <p:childTnLst>
+                        <p:par>
+                          <p:cTn id="4" fill="hold">
+                            <p:stCondLst>
+                              <p:cond delay="0"/>
+                            </p:stCondLst>
+                            <p:childTnLst>
+                              <p:par>
+                                <p:cTn id="5" presetID="42" presetClass="entr" presetSubtype="0" fill="hold" grpId="0" nodeType="clickEffect">
+                                  <p:stCondLst>
+                                    <p:cond delay="0"/>
+                                  </p:stCondLst>
+                                  <p:childTnLst>
+                                    <p:set>
+                                      <p:cBhvr>
+                                        <p:cTn id="6" dur="1" fill="hold">
+                                          <p:stCondLst>
+                                            <p:cond delay="0"/>
+                                          </p:stCondLst>
+                                        </p:cTn>
+                                        <p:tgtEl>
+                                          <p:spTgt spid="2"/>
+                                        </p:tgtEl>
+                                        <p:attrNameLst>
+                                          <p:attrName>style.visibility</p:attrName>
+                                        </p:attrNameLst>
+                                      </p:cBhvr>
+                                      <p:to>
+                                        <p:strVal val="visible"/>
+                                      </p:to>
+                                    </p:set>
+                                    <p:animEffect transition="in" filter="fade">
+                                      <p:cBhvr>
+                                        <p:cTn id="7" dur="1000"/>
+                                        <p:tgtEl>
+                                          <p:spTgt spid="2"/>
+                                        </p:tgtEl>
+                                      </p:cBhvr>
+                                    </p:animEffect>
+                                    <p:anim calcmode="lin" valueType="num">
+                                      <p:cBhvr>
+                                        <p:cTn id="8" dur="1000" fill="hold"/>
+                                        <p:tgtEl>
+                                          <p:spTgt spid="2"/>
+                                        </p:tgtEl>
+                                        <p:attrNameLst>
+                                          <p:attrName>ppt_x</p:attrName>
+                                        </p:attrNameLst>
+                                      </p:cBhvr>
+                                      <p:tavLst>
+                                        <p:tav tm="0">
+                                          <p:val>
+                                            <p:strVal val="#ppt_x"/>
+                                          </p:val>
+                                        </p:tav>
+                                        <p:tav tm="100000">
+                                          <p:val>
+                                            <p:strVal val="#ppt_x"/>
+                                          </p:val>
+                                        </p:tav>
+                                      </p:tavLst>
+                                    </p:anim>
+                                    <p:anim calcmode="lin" valueType="num">
+                                      <p:cBhvr>
+                                        <p:cTn id="9" dur="1000" fill="hold"/>
+                                        <p:tgtEl>
+                                          <p:spTgt spid="2"/>
+                                        </p:tgtEl>
+                                        <p:attrNameLst>
+                                          <p:attrName>ppt_y</p:attrName>
+                                        </p:attrNameLst>
+                                      </p:cBhvr>
+                                      <p:tavLst>
+                                        <p:tav tm="0">
+                                          <p:val>
+                                            <p:strVal val="#ppt_y+.1"/>
+                                          </p:val>
+                                        </p:tav>
+                                        <p:tav tm="100000">
+                                          <p:val>
+                                            <p:strVal val="#ppt_y"/>
+                                          </p:val>
+                                        </p:tav>
+                                      </p:tavLst>
+                                    </p:anim>
+                                  </p:childTnLst>
+                                </p:cTn>
+                              </p:par>
+                            </p:childTnLst>
+                          </p:cTn>
+                        </p:par>
+                      </p:childTnLst>
+                    </p:cTn>
+                  </p:par>
+                  <p:par>
+                    <p:cTn id="10" fill="hold">
+                      <p:stCondLst>
+                        <p:cond delay="indefinite"/>
+                      </p:stCondLst>
+                      <p:childTnLst>
+                        <p:par>
+                          <p:cTn id="11" fill="hold">
+                            <p:stCondLst>
+                              <p:cond delay="0"/>
+                            </p:stCondLst>
+                            <p:childTnLst>
+                              <p:par>
+                                <p:cTn id="12" presetID="2" presetClass="entr" presetSubtype="4" fill="hold" grpId="0" nodeType="clickEffect">
+                                  <p:stCondLst>
+                                    <p:cond delay="0"/>
+                                  </p:stCondLst>
+                                  <p:childTnLst>
+                                    <p:set>
+                                      <p:cBhvr>
+                                        <p:cTn id="13" dur="1" fill="hold">
+                                          <p:stCondLst>
+                                            <p:cond delay="0"/>
+                                          </p:stCondLst>
+                                        </p:cTn>
+                                        <p:tgtEl>
+                                          <p:spTgt spid="3">
+                                            <p:txEl>
+                                              <p:pRg st="0" end="0"/>
+                                            </p:txEl>
+                                          </p:spTgt>
+                                        </p:tgtEl>
+                                        <p:attrNameLst>
+                                          <p:attrName>style.visibility</p:attrName>
+                                        </p:attrNameLst>
+                                      </p:cBhvr>
+                                      <p:to>
+                                        <p:strVal val="visible"/>
+                                      </p:to>
+                                    </p:set>
+                                    <p:anim calcmode="lin" valueType="num">
+                                      <p:cBhvr additive="base">
+                                        <p:cTn id="14" dur="500" fill="hold"/>
+                                        <p:tgtEl>
+                                          <p:spTgt spid="3">
+                                            <p:txEl>
+                                              <p:pRg st="0" end="0"/>
+                                            </p:txEl>
+                                          </p:spTgt>
+                                        </p:tgtEl>
+                                        <p:attrNameLst>
+                                          <p:attrName>ppt_x</p:attrName>
+                                        </p:attrNameLst>
+                                      </p:cBhvr>
+                                      <p:tavLst>
+                                        <p:tav tm="0">
+                                          <p:val>
+                                            <p:strVal val="#ppt_x"/>
+                                          </p:val>
+                                        </p:tav>
+                                        <p:tav tm="100000">
+                                          <p:val>
+                                            <p:strVal val="#ppt_x"/>
+                                          </p:val>
+                                        </p:tav>
+                                      </p:tavLst>
+                                    </p:anim>
+                                    <p:anim calcmode="lin" valueType="num">
+                                      <p:cBhvr additive="base">
+                                        <p:cTn id="15" dur="500" fill="hold"/>
+                                        <p:tgtEl>
+                                          <p:spTgt spid="3">
+                                            <p:txEl>
+                                              <p:pRg st="0" end="0"/>
+                                            </p:txEl>
+                                          </p:spTgt>
+                                        </p:tgtEl>
+                                        <p:attrNameLst>
+                                          <p:attrName>ppt_y</p:attrName>
+                                        </p:attrNameLst>
+                                      </p:cBhvr>
+                                      <p:tavLst>
+                                        <p:tav tm="0">
+                                          <p:val>
+                                            <p:strVal val="1+#ppt_h/2"/>
+                                          </p:val>
+                                        </p:tav>
+                                        <p:tav tm="100000">
+                                          <p:val>
+                                            <p:strVal val="#ppt_y"/>
+                                          </p:val>
+                                        </p:tav>
+                                      </p:tavLst>
+                                    </p:anim>
+                                  </p:childTnLst>
+                                </p:cTn>
+                              </p:par>
+                            </p:childTnLst>
+                          </p:cTn>
+                        </p:par>
+                      </p:childTnLst>
+                    </p:cTn>
+                  </p:par>
+                  <p:par>
+                    <p:cTn id="16" fill="hold">
+                      <p:stCondLst>
+                        <p:cond delay="indefinite"/>
+                      </p:stCondLst>
+                      <p:childTnLst>
+                        <p:par>
+                          <p:cTn id="17" fill="hold">
+                            <p:stCondLst>
+                              <p:cond delay="0"/>
+                            </p:stCondLst>
+                            <p:childTnLst>
+                              <p:par>
+                                <p:cTn id="18" presetID="2" presetClass="entr" presetSubtype="4" fill="hold" grpId="0" nodeType="clickEffect">
+                                  <p:stCondLst>
+                                    <p:cond delay="0"/>
+                                  </p:stCondLst>
+                                  <p:childTnLst>
+                                    <p:set>
+                                      <p:cBhvr>
+                                        <p:cTn id="19" dur="1" fill="hold">
+                                          <p:stCondLst>
+                                            <p:cond delay="0"/>
+                                          </p:stCondLst>
+                                        </p:cTn>
+                                        <p:tgtEl>
+                                          <p:spTgt spid="3">
+                                            <p:txEl>
+                                              <p:pRg st="1" end="1"/>
+                                            </p:txEl>
+                                          </p:spTgt>
+                                        </p:tgtEl>
+                                        <p:attrNameLst>
+                                          <p:attrName>style.visibility</p:attrName>
+                                        </p:attrNameLst>
+                                      </p:cBhvr>
+                                      <p:to>
+                                        <p:strVal val="visible"/>
+                                      </p:to>
+                                    </p:set>
+                                    <p:anim calcmode="lin" valueType="num">
+                                      <p:cBhvr additive="base">
+                                        <p:cTn id="20" dur="500" fill="hold"/>
+                                        <p:tgtEl>
+                                          <p:spTgt spid="3">
+                                            <p:txEl>
+                                              <p:pRg st="1" end="1"/>
+                                            </p:txEl>
+                                          </p:spTgt>
+                                        </p:tgtEl>
+                                        <p:attrNameLst>
+                                          <p:attrName>ppt_x</p:attrName>
+                                        </p:attrNameLst>
+                                      </p:cBhvr>
+                                      <p:tavLst>
+                                        <p:tav tm="0">
+                                          <p:val>
+                                            <p:strVal val="#ppt_x"/>
+                                          </p:val>
+                                        </p:tav>
+                                        <p:tav tm="100000">
+                                          <p:val>
+                                            <p:strVal val="#ppt_x"/>
+                                          </p:val>
+                                        </p:tav>
+                                      </p:tavLst>
+                                    </p:anim>
+                                    <p:anim calcmode="lin" valueType="num">
+                                      <p:cBhvr additive="base">
+                                        <p:cTn id="21" dur="500" fill="hold"/>
+                                        <p:tgtEl>
+                                          <p:spTgt spid="3">
+                                            <p:txEl>
+                                              <p:pRg st="1" end="1"/>
+                                            </p:txEl>
+                                          </p:spTgt>
+                                        </p:tgtEl>
+                                        <p:attrNameLst>
+                                          <p:attrName>ppt_y</p:attrName>
+                                        </p:attrNameLst>
+                                      </p:cBhvr>
+                                      <p:tavLst>
+                                        <p:tav tm="0">
+                                          <p:val>
+                                            <p:strVal val="1+#ppt_h/2"/>
+                                          </p:val>
+                                        </p:tav>
+                                        <p:tav tm="100000">
+                                          <p:val>
+                                            <p:strVal val="#ppt_y"/>
+                                          </p:val>
+                                        </p:tav>
+                                      </p:tavLst>
+                                    </p:anim>
+                                  </p:childTnLst>
+                                </p:cTn>
+                              </p:par>
+                            </p:childTnLst>
+                          </p:cTn>
+                        </p:par>
+                      </p:childTnLst>
+                    </p:cTn>
+                  </p:par>
+                  <p:par>
+                    <p:cTn id="22" fill="hold">
+                      <p:stCondLst>
+                        <p:cond delay="indefinite"/>
+                      </p:stCondLst>
+                      <p:childTnLst>
+                        <p:par>
+                          <p:cTn id="23" fill="hold">
+                            <p:stCondLst>
+                              <p:cond delay="0"/>
+                            </p:stCondLst>
+                            <p:childTnLst>
+                              <p:par>
+                                <p:cTn id="24" presetID="2" presetClass="entr" presetSubtype="4" fill="hold" grpId="0" nodeType="clickEffect">
+                                  <p:stCondLst>
+                                    <p:cond delay="0"/>
+                                  </p:stCondLst>
+                                  <p:childTnLst>
+                                    <p:set>
+                                      <p:cBhvr>
+                                        <p:cTn id="25" dur="1" fill="hold">
+                                          <p:stCondLst>
+                                            <p:cond delay="0"/>
+                                          </p:stCondLst>
+                                        </p:cTn>
+                                        <p:tgtEl>
+                                          <p:spTgt spid="3">
+                                            <p:txEl>
+                                              <p:pRg st="2" end="2"/>
+                                            </p:txEl>
+                                          </p:spTgt>
+                                        </p:tgtEl>
+                                        <p:attrNameLst>
+                                          <p:attrName>style.visibility</p:attrName>
+                                        </p:attrNameLst>
+                                      </p:cBhvr>
+                                      <p:to>
+                                        <p:strVal val="visible"/>
+                                      </p:to>
+                                    </p:set>
+                                    <p:anim calcmode="lin" valueType="num">
+                                      <p:cBhvr additive="base">
+                                        <p:cTn id="26" dur="500" fill="hold"/>
+                                        <p:tgtEl>
+                                          <p:spTgt spid="3">
+                                            <p:txEl>
+                                              <p:pRg st="2" end="2"/>
+                                            </p:txEl>
+                                          </p:spTgt>
+                                        </p:tgtEl>
+                                        <p:attrNameLst>
+                                          <p:attrName>ppt_x</p:attrName>
+                                        </p:attrNameLst>
+                                      </p:cBhvr>
+                                      <p:tavLst>
+                                        <p:tav tm="0">
+                                          <p:val>
+                                            <p:strVal val="#ppt_x"/>
+                                          </p:val>
+                                        </p:tav>
+                                        <p:tav tm="100000">
+                                          <p:val>
+                                            <p:strVal val="#ppt_x"/>
+                                          </p:val>
+                                        </p:tav>
+                                      </p:tavLst>
+                                    </p:anim>
+                                    <p:anim calcmode="lin" valueType="num">
+                                      <p:cBhvr additive="base">
+                                        <p:cTn id="27" dur="500" fill="hold"/>
+                                        <p:tgtEl>
+                                          <p:spTgt spid="3">
+                                            <p:txEl>
+                                              <p:pRg st="2" end="2"/>
+                                            </p:txEl>
+                                          </p:spTgt>
+                                        </p:tgtEl>
+                                        <p:attrNameLst>
+                                          <p:attrName>ppt_y</p:attrName>
+                                        </p:attrNameLst>
+                                      </p:cBhvr>
+                                      <p:tavLst>
+                                        <p:tav tm="0">
+                                          <p:val>
+                                            <p:strVal val="1+#ppt_h/2"/>
+                                          </p:val>
+                                        </p:tav>
+                                        <p:tav tm="100000">
+                                          <p:val>
+                                            <p:strVal val="#ppt_y"/>
+                                          </p:val>
+                                        </p:tav>
+                                      </p:tavLst>
+                                    </p:anim>
+                                  </p:childTnLst>
+                                </p:cTn>
+                              </p:par>
+                            </p:childTnLst>
+                          </p:cTn>
+                        </p:par>
+                      </p:childTnLst>
+                    </p:cTn>
+                  </p:par>
+                  <p:par>
+                    <p:cTn id="28" fill="hold">
+                      <p:stCondLst>
+                        <p:cond delay="indefinite"/>
+                      </p:stCondLst>
+                      <p:childTnLst>
+                        <p:par>
+                          <p:cTn id="29" fill="hold">
+                            <p:stCondLst>
+                              <p:cond delay="0"/>
+                            </p:stCondLst>
+                            <p:childTnLst>
+                              <p:par>
+                                <p:cTn id="30" presetID="1" presetClass="entr" presetSubtype="0" fill="hold" nodeType="clickEffect">
+                                  <p:stCondLst>
+                                    <p:cond delay="0"/>
+                                  </p:stCondLst>
+                                  <p:childTnLst>
+                                    <p:set>
+                                      <p:cBhvr>
+                                        <p:cTn id="31" dur="1" fill="hold">
+                                          <p:stCondLst>
+                                            <p:cond delay="0"/>
+                                          </p:stCondLst>
+                                        </p:cTn>
+                                        <p:tgtEl>
+                                          <p:spTgt spid="9"/>
+                                        </p:tgtEl>
+                                        <p:attrNameLst>
+                                          <p:attrName>style.visibility</p:attrName>
+                                        </p:attrNameLst>
+                                      </p:cBhvr>
+                                      <p:to>
+                                        <p:strVal val="visible"/>
+                                      </p:to>
+                                    </p:set>
+                                  </p:childTnLst>
+                                </p:cTn>
+                              </p:par>
+                            </p:childTnLst>
+                          </p:cTn>
+                        </p:par>
+                      </p:childTnLst>
+                    </p:cTn>
+                  </p:par>
+                </p:childTnLst>
+              </p:cTn>
+              <p:prevCondLst>
+                <p:cond evt="onPrev" delay="0">
+                  <p:tgtEl>
+                    <p:sldTgt/>
+                  </p:tgtEl>
+                </p:cond>
+              </p:prevCondLst>
+              <p:nextCondLst>
+                <p:cond evt="onNext" delay="0">
+                  <p:tgtEl>
+                    <p:sldTgt/>
+                  </p:tgtEl>
+                </p:cond>
+              </p:nextCondLst>
+            </p:seq>
+          </p:childTnLst>
+        </p:cTn>
+      </p:par>
+    </p:tnLst>
+    <p:bldLst>
+      <p:bldP spid="2" grpId="0"/>
+      <p:bldP spid="3" grpId="0" build="p"/>
+    </p:bldLst>
+  </p:timing>
 </p:sld>
 </file>
 
@@ -19032,6 +22235,810 @@
   <p:clrMapOvr>
     <a:masterClrMapping/>
   </p:clrMapOvr>
+  <p:timing>
+    <p:tnLst>
+      <p:par>
+        <p:cTn id="1" dur="indefinite" restart="never" nodeType="tmRoot">
+          <p:childTnLst>
+            <p:seq concurrent="1" nextAc="seek">
+              <p:cTn id="2" dur="indefinite" nodeType="mainSeq">
+                <p:childTnLst>
+                  <p:par>
+                    <p:cTn id="3" fill="hold">
+                      <p:stCondLst>
+                        <p:cond delay="indefinite"/>
+                      </p:stCondLst>
+                      <p:childTnLst>
+                        <p:par>
+                          <p:cTn id="4" fill="hold">
+                            <p:stCondLst>
+                              <p:cond delay="0"/>
+                            </p:stCondLst>
+                            <p:childTnLst>
+                              <p:par>
+                                <p:cTn id="5" presetID="42" presetClass="entr" presetSubtype="0" fill="hold" grpId="0" nodeType="clickEffect">
+                                  <p:stCondLst>
+                                    <p:cond delay="0"/>
+                                  </p:stCondLst>
+                                  <p:childTnLst>
+                                    <p:set>
+                                      <p:cBhvr>
+                                        <p:cTn id="6" dur="1" fill="hold">
+                                          <p:stCondLst>
+                                            <p:cond delay="0"/>
+                                          </p:stCondLst>
+                                        </p:cTn>
+                                        <p:tgtEl>
+                                          <p:spTgt spid="2"/>
+                                        </p:tgtEl>
+                                        <p:attrNameLst>
+                                          <p:attrName>style.visibility</p:attrName>
+                                        </p:attrNameLst>
+                                      </p:cBhvr>
+                                      <p:to>
+                                        <p:strVal val="visible"/>
+                                      </p:to>
+                                    </p:set>
+                                    <p:animEffect transition="in" filter="fade">
+                                      <p:cBhvr>
+                                        <p:cTn id="7" dur="1000"/>
+                                        <p:tgtEl>
+                                          <p:spTgt spid="2"/>
+                                        </p:tgtEl>
+                                      </p:cBhvr>
+                                    </p:animEffect>
+                                    <p:anim calcmode="lin" valueType="num">
+                                      <p:cBhvr>
+                                        <p:cTn id="8" dur="1000" fill="hold"/>
+                                        <p:tgtEl>
+                                          <p:spTgt spid="2"/>
+                                        </p:tgtEl>
+                                        <p:attrNameLst>
+                                          <p:attrName>ppt_x</p:attrName>
+                                        </p:attrNameLst>
+                                      </p:cBhvr>
+                                      <p:tavLst>
+                                        <p:tav tm="0">
+                                          <p:val>
+                                            <p:strVal val="#ppt_x"/>
+                                          </p:val>
+                                        </p:tav>
+                                        <p:tav tm="100000">
+                                          <p:val>
+                                            <p:strVal val="#ppt_x"/>
+                                          </p:val>
+                                        </p:tav>
+                                      </p:tavLst>
+                                    </p:anim>
+                                    <p:anim calcmode="lin" valueType="num">
+                                      <p:cBhvr>
+                                        <p:cTn id="9" dur="1000" fill="hold"/>
+                                        <p:tgtEl>
+                                          <p:spTgt spid="2"/>
+                                        </p:tgtEl>
+                                        <p:attrNameLst>
+                                          <p:attrName>ppt_y</p:attrName>
+                                        </p:attrNameLst>
+                                      </p:cBhvr>
+                                      <p:tavLst>
+                                        <p:tav tm="0">
+                                          <p:val>
+                                            <p:strVal val="#ppt_y+.1"/>
+                                          </p:val>
+                                        </p:tav>
+                                        <p:tav tm="100000">
+                                          <p:val>
+                                            <p:strVal val="#ppt_y"/>
+                                          </p:val>
+                                        </p:tav>
+                                      </p:tavLst>
+                                    </p:anim>
+                                  </p:childTnLst>
+                                </p:cTn>
+                              </p:par>
+                            </p:childTnLst>
+                          </p:cTn>
+                        </p:par>
+                      </p:childTnLst>
+                    </p:cTn>
+                  </p:par>
+                  <p:par>
+                    <p:cTn id="10" fill="hold">
+                      <p:stCondLst>
+                        <p:cond delay="indefinite"/>
+                      </p:stCondLst>
+                      <p:childTnLst>
+                        <p:par>
+                          <p:cTn id="11" fill="hold">
+                            <p:stCondLst>
+                              <p:cond delay="0"/>
+                            </p:stCondLst>
+                            <p:childTnLst>
+                              <p:par>
+                                <p:cTn id="12" presetID="10" presetClass="entr" presetSubtype="0" fill="hold" grpId="0" nodeType="clickEffect">
+                                  <p:stCondLst>
+                                    <p:cond delay="0"/>
+                                  </p:stCondLst>
+                                  <p:childTnLst>
+                                    <p:set>
+                                      <p:cBhvr>
+                                        <p:cTn id="13" dur="1" fill="hold">
+                                          <p:stCondLst>
+                                            <p:cond delay="0"/>
+                                          </p:stCondLst>
+                                        </p:cTn>
+                                        <p:tgtEl>
+                                          <p:spTgt spid="4">
+                                            <p:txEl>
+                                              <p:pRg st="0" end="0"/>
+                                            </p:txEl>
+                                          </p:spTgt>
+                                        </p:tgtEl>
+                                        <p:attrNameLst>
+                                          <p:attrName>style.visibility</p:attrName>
+                                        </p:attrNameLst>
+                                      </p:cBhvr>
+                                      <p:to>
+                                        <p:strVal val="visible"/>
+                                      </p:to>
+                                    </p:set>
+                                    <p:animEffect transition="in" filter="fade">
+                                      <p:cBhvr>
+                                        <p:cTn id="14" dur="500"/>
+                                        <p:tgtEl>
+                                          <p:spTgt spid="4">
+                                            <p:txEl>
+                                              <p:pRg st="0" end="0"/>
+                                            </p:txEl>
+                                          </p:spTgt>
+                                        </p:tgtEl>
+                                      </p:cBhvr>
+                                    </p:animEffect>
+                                  </p:childTnLst>
+                                </p:cTn>
+                              </p:par>
+                            </p:childTnLst>
+                          </p:cTn>
+                        </p:par>
+                      </p:childTnLst>
+                    </p:cTn>
+                  </p:par>
+                  <p:par>
+                    <p:cTn id="15" fill="hold">
+                      <p:stCondLst>
+                        <p:cond delay="indefinite"/>
+                      </p:stCondLst>
+                      <p:childTnLst>
+                        <p:par>
+                          <p:cTn id="16" fill="hold">
+                            <p:stCondLst>
+                              <p:cond delay="0"/>
+                            </p:stCondLst>
+                            <p:childTnLst>
+                              <p:par>
+                                <p:cTn id="17" presetID="10" presetClass="entr" presetSubtype="0" fill="hold" grpId="0" nodeType="clickEffect">
+                                  <p:stCondLst>
+                                    <p:cond delay="0"/>
+                                  </p:stCondLst>
+                                  <p:childTnLst>
+                                    <p:set>
+                                      <p:cBhvr>
+                                        <p:cTn id="18" dur="1" fill="hold">
+                                          <p:stCondLst>
+                                            <p:cond delay="0"/>
+                                          </p:stCondLst>
+                                        </p:cTn>
+                                        <p:tgtEl>
+                                          <p:spTgt spid="4">
+                                            <p:txEl>
+                                              <p:pRg st="1" end="1"/>
+                                            </p:txEl>
+                                          </p:spTgt>
+                                        </p:tgtEl>
+                                        <p:attrNameLst>
+                                          <p:attrName>style.visibility</p:attrName>
+                                        </p:attrNameLst>
+                                      </p:cBhvr>
+                                      <p:to>
+                                        <p:strVal val="visible"/>
+                                      </p:to>
+                                    </p:set>
+                                    <p:animEffect transition="in" filter="fade">
+                                      <p:cBhvr>
+                                        <p:cTn id="19" dur="500"/>
+                                        <p:tgtEl>
+                                          <p:spTgt spid="4">
+                                            <p:txEl>
+                                              <p:pRg st="1" end="1"/>
+                                            </p:txEl>
+                                          </p:spTgt>
+                                        </p:tgtEl>
+                                      </p:cBhvr>
+                                    </p:animEffect>
+                                  </p:childTnLst>
+                                </p:cTn>
+                              </p:par>
+                            </p:childTnLst>
+                          </p:cTn>
+                        </p:par>
+                      </p:childTnLst>
+                    </p:cTn>
+                  </p:par>
+                  <p:par>
+                    <p:cTn id="20" fill="hold">
+                      <p:stCondLst>
+                        <p:cond delay="indefinite"/>
+                      </p:stCondLst>
+                      <p:childTnLst>
+                        <p:par>
+                          <p:cTn id="21" fill="hold">
+                            <p:stCondLst>
+                              <p:cond delay="0"/>
+                            </p:stCondLst>
+                            <p:childTnLst>
+                              <p:par>
+                                <p:cTn id="22" presetID="10" presetClass="entr" presetSubtype="0" fill="hold" grpId="0" nodeType="clickEffect">
+                                  <p:stCondLst>
+                                    <p:cond delay="0"/>
+                                  </p:stCondLst>
+                                  <p:childTnLst>
+                                    <p:set>
+                                      <p:cBhvr>
+                                        <p:cTn id="23" dur="1" fill="hold">
+                                          <p:stCondLst>
+                                            <p:cond delay="0"/>
+                                          </p:stCondLst>
+                                        </p:cTn>
+                                        <p:tgtEl>
+                                          <p:spTgt spid="4">
+                                            <p:txEl>
+                                              <p:pRg st="2" end="2"/>
+                                            </p:txEl>
+                                          </p:spTgt>
+                                        </p:tgtEl>
+                                        <p:attrNameLst>
+                                          <p:attrName>style.visibility</p:attrName>
+                                        </p:attrNameLst>
+                                      </p:cBhvr>
+                                      <p:to>
+                                        <p:strVal val="visible"/>
+                                      </p:to>
+                                    </p:set>
+                                    <p:animEffect transition="in" filter="fade">
+                                      <p:cBhvr>
+                                        <p:cTn id="24" dur="500"/>
+                                        <p:tgtEl>
+                                          <p:spTgt spid="4">
+                                            <p:txEl>
+                                              <p:pRg st="2" end="2"/>
+                                            </p:txEl>
+                                          </p:spTgt>
+                                        </p:tgtEl>
+                                      </p:cBhvr>
+                                    </p:animEffect>
+                                  </p:childTnLst>
+                                </p:cTn>
+                              </p:par>
+                            </p:childTnLst>
+                          </p:cTn>
+                        </p:par>
+                      </p:childTnLst>
+                    </p:cTn>
+                  </p:par>
+                  <p:par>
+                    <p:cTn id="25" fill="hold">
+                      <p:stCondLst>
+                        <p:cond delay="indefinite"/>
+                      </p:stCondLst>
+                      <p:childTnLst>
+                        <p:par>
+                          <p:cTn id="26" fill="hold">
+                            <p:stCondLst>
+                              <p:cond delay="0"/>
+                            </p:stCondLst>
+                            <p:childTnLst>
+                              <p:par>
+                                <p:cTn id="27" presetID="10" presetClass="entr" presetSubtype="0" fill="hold" grpId="0" nodeType="clickEffect">
+                                  <p:stCondLst>
+                                    <p:cond delay="0"/>
+                                  </p:stCondLst>
+                                  <p:childTnLst>
+                                    <p:set>
+                                      <p:cBhvr>
+                                        <p:cTn id="28" dur="1" fill="hold">
+                                          <p:stCondLst>
+                                            <p:cond delay="0"/>
+                                          </p:stCondLst>
+                                        </p:cTn>
+                                        <p:tgtEl>
+                                          <p:spTgt spid="4">
+                                            <p:txEl>
+                                              <p:pRg st="3" end="3"/>
+                                            </p:txEl>
+                                          </p:spTgt>
+                                        </p:tgtEl>
+                                        <p:attrNameLst>
+                                          <p:attrName>style.visibility</p:attrName>
+                                        </p:attrNameLst>
+                                      </p:cBhvr>
+                                      <p:to>
+                                        <p:strVal val="visible"/>
+                                      </p:to>
+                                    </p:set>
+                                    <p:animEffect transition="in" filter="fade">
+                                      <p:cBhvr>
+                                        <p:cTn id="29" dur="500"/>
+                                        <p:tgtEl>
+                                          <p:spTgt spid="4">
+                                            <p:txEl>
+                                              <p:pRg st="3" end="3"/>
+                                            </p:txEl>
+                                          </p:spTgt>
+                                        </p:tgtEl>
+                                      </p:cBhvr>
+                                    </p:animEffect>
+                                  </p:childTnLst>
+                                </p:cTn>
+                              </p:par>
+                            </p:childTnLst>
+                          </p:cTn>
+                        </p:par>
+                      </p:childTnLst>
+                    </p:cTn>
+                  </p:par>
+                  <p:par>
+                    <p:cTn id="30" fill="hold">
+                      <p:stCondLst>
+                        <p:cond delay="indefinite"/>
+                      </p:stCondLst>
+                      <p:childTnLst>
+                        <p:par>
+                          <p:cTn id="31" fill="hold">
+                            <p:stCondLst>
+                              <p:cond delay="0"/>
+                            </p:stCondLst>
+                            <p:childTnLst>
+                              <p:par>
+                                <p:cTn id="32" presetID="10" presetClass="entr" presetSubtype="0" fill="hold" grpId="0" nodeType="clickEffect">
+                                  <p:stCondLst>
+                                    <p:cond delay="0"/>
+                                  </p:stCondLst>
+                                  <p:childTnLst>
+                                    <p:set>
+                                      <p:cBhvr>
+                                        <p:cTn id="33" dur="1" fill="hold">
+                                          <p:stCondLst>
+                                            <p:cond delay="0"/>
+                                          </p:stCondLst>
+                                        </p:cTn>
+                                        <p:tgtEl>
+                                          <p:spTgt spid="4">
+                                            <p:txEl>
+                                              <p:pRg st="4" end="4"/>
+                                            </p:txEl>
+                                          </p:spTgt>
+                                        </p:tgtEl>
+                                        <p:attrNameLst>
+                                          <p:attrName>style.visibility</p:attrName>
+                                        </p:attrNameLst>
+                                      </p:cBhvr>
+                                      <p:to>
+                                        <p:strVal val="visible"/>
+                                      </p:to>
+                                    </p:set>
+                                    <p:animEffect transition="in" filter="fade">
+                                      <p:cBhvr>
+                                        <p:cTn id="34" dur="500"/>
+                                        <p:tgtEl>
+                                          <p:spTgt spid="4">
+                                            <p:txEl>
+                                              <p:pRg st="4" end="4"/>
+                                            </p:txEl>
+                                          </p:spTgt>
+                                        </p:tgtEl>
+                                      </p:cBhvr>
+                                    </p:animEffect>
+                                  </p:childTnLst>
+                                </p:cTn>
+                              </p:par>
+                            </p:childTnLst>
+                          </p:cTn>
+                        </p:par>
+                      </p:childTnLst>
+                    </p:cTn>
+                  </p:par>
+                  <p:par>
+                    <p:cTn id="35" fill="hold">
+                      <p:stCondLst>
+                        <p:cond delay="indefinite"/>
+                      </p:stCondLst>
+                      <p:childTnLst>
+                        <p:par>
+                          <p:cTn id="36" fill="hold">
+                            <p:stCondLst>
+                              <p:cond delay="0"/>
+                            </p:stCondLst>
+                            <p:childTnLst>
+                              <p:par>
+                                <p:cTn id="37" presetID="10" presetClass="entr" presetSubtype="0" fill="hold" grpId="0" nodeType="clickEffect">
+                                  <p:stCondLst>
+                                    <p:cond delay="0"/>
+                                  </p:stCondLst>
+                                  <p:childTnLst>
+                                    <p:set>
+                                      <p:cBhvr>
+                                        <p:cTn id="38" dur="1" fill="hold">
+                                          <p:stCondLst>
+                                            <p:cond delay="0"/>
+                                          </p:stCondLst>
+                                        </p:cTn>
+                                        <p:tgtEl>
+                                          <p:spTgt spid="4">
+                                            <p:txEl>
+                                              <p:pRg st="5" end="5"/>
+                                            </p:txEl>
+                                          </p:spTgt>
+                                        </p:tgtEl>
+                                        <p:attrNameLst>
+                                          <p:attrName>style.visibility</p:attrName>
+                                        </p:attrNameLst>
+                                      </p:cBhvr>
+                                      <p:to>
+                                        <p:strVal val="visible"/>
+                                      </p:to>
+                                    </p:set>
+                                    <p:animEffect transition="in" filter="fade">
+                                      <p:cBhvr>
+                                        <p:cTn id="39" dur="500"/>
+                                        <p:tgtEl>
+                                          <p:spTgt spid="4">
+                                            <p:txEl>
+                                              <p:pRg st="5" end="5"/>
+                                            </p:txEl>
+                                          </p:spTgt>
+                                        </p:tgtEl>
+                                      </p:cBhvr>
+                                    </p:animEffect>
+                                  </p:childTnLst>
+                                </p:cTn>
+                              </p:par>
+                            </p:childTnLst>
+                          </p:cTn>
+                        </p:par>
+                      </p:childTnLst>
+                    </p:cTn>
+                  </p:par>
+                  <p:par>
+                    <p:cTn id="40" fill="hold">
+                      <p:stCondLst>
+                        <p:cond delay="indefinite"/>
+                      </p:stCondLst>
+                      <p:childTnLst>
+                        <p:par>
+                          <p:cTn id="41" fill="hold">
+                            <p:stCondLst>
+                              <p:cond delay="0"/>
+                            </p:stCondLst>
+                            <p:childTnLst>
+                              <p:par>
+                                <p:cTn id="42" presetID="10" presetClass="entr" presetSubtype="0" fill="hold" grpId="0" nodeType="clickEffect">
+                                  <p:stCondLst>
+                                    <p:cond delay="0"/>
+                                  </p:stCondLst>
+                                  <p:childTnLst>
+                                    <p:set>
+                                      <p:cBhvr>
+                                        <p:cTn id="43" dur="1" fill="hold">
+                                          <p:stCondLst>
+                                            <p:cond delay="0"/>
+                                          </p:stCondLst>
+                                        </p:cTn>
+                                        <p:tgtEl>
+                                          <p:spTgt spid="4">
+                                            <p:txEl>
+                                              <p:pRg st="6" end="6"/>
+                                            </p:txEl>
+                                          </p:spTgt>
+                                        </p:tgtEl>
+                                        <p:attrNameLst>
+                                          <p:attrName>style.visibility</p:attrName>
+                                        </p:attrNameLst>
+                                      </p:cBhvr>
+                                      <p:to>
+                                        <p:strVal val="visible"/>
+                                      </p:to>
+                                    </p:set>
+                                    <p:animEffect transition="in" filter="fade">
+                                      <p:cBhvr>
+                                        <p:cTn id="44" dur="500"/>
+                                        <p:tgtEl>
+                                          <p:spTgt spid="4">
+                                            <p:txEl>
+                                              <p:pRg st="6" end="6"/>
+                                            </p:txEl>
+                                          </p:spTgt>
+                                        </p:tgtEl>
+                                      </p:cBhvr>
+                                    </p:animEffect>
+                                  </p:childTnLst>
+                                </p:cTn>
+                              </p:par>
+                            </p:childTnLst>
+                          </p:cTn>
+                        </p:par>
+                      </p:childTnLst>
+                    </p:cTn>
+                  </p:par>
+                  <p:par>
+                    <p:cTn id="45" fill="hold">
+                      <p:stCondLst>
+                        <p:cond delay="indefinite"/>
+                      </p:stCondLst>
+                      <p:childTnLst>
+                        <p:par>
+                          <p:cTn id="46" fill="hold">
+                            <p:stCondLst>
+                              <p:cond delay="0"/>
+                            </p:stCondLst>
+                            <p:childTnLst>
+                              <p:par>
+                                <p:cTn id="47" presetID="10" presetClass="entr" presetSubtype="0" fill="hold" grpId="0" nodeType="clickEffect">
+                                  <p:stCondLst>
+                                    <p:cond delay="0"/>
+                                  </p:stCondLst>
+                                  <p:childTnLst>
+                                    <p:set>
+                                      <p:cBhvr>
+                                        <p:cTn id="48" dur="1" fill="hold">
+                                          <p:stCondLst>
+                                            <p:cond delay="0"/>
+                                          </p:stCondLst>
+                                        </p:cTn>
+                                        <p:tgtEl>
+                                          <p:spTgt spid="4">
+                                            <p:txEl>
+                                              <p:pRg st="7" end="7"/>
+                                            </p:txEl>
+                                          </p:spTgt>
+                                        </p:tgtEl>
+                                        <p:attrNameLst>
+                                          <p:attrName>style.visibility</p:attrName>
+                                        </p:attrNameLst>
+                                      </p:cBhvr>
+                                      <p:to>
+                                        <p:strVal val="visible"/>
+                                      </p:to>
+                                    </p:set>
+                                    <p:animEffect transition="in" filter="fade">
+                                      <p:cBhvr>
+                                        <p:cTn id="49" dur="500"/>
+                                        <p:tgtEl>
+                                          <p:spTgt spid="4">
+                                            <p:txEl>
+                                              <p:pRg st="7" end="7"/>
+                                            </p:txEl>
+                                          </p:spTgt>
+                                        </p:tgtEl>
+                                      </p:cBhvr>
+                                    </p:animEffect>
+                                  </p:childTnLst>
+                                </p:cTn>
+                              </p:par>
+                            </p:childTnLst>
+                          </p:cTn>
+                        </p:par>
+                      </p:childTnLst>
+                    </p:cTn>
+                  </p:par>
+                  <p:par>
+                    <p:cTn id="50" fill="hold">
+                      <p:stCondLst>
+                        <p:cond delay="indefinite"/>
+                      </p:stCondLst>
+                      <p:childTnLst>
+                        <p:par>
+                          <p:cTn id="51" fill="hold">
+                            <p:stCondLst>
+                              <p:cond delay="0"/>
+                            </p:stCondLst>
+                            <p:childTnLst>
+                              <p:par>
+                                <p:cTn id="52" presetID="10" presetClass="entr" presetSubtype="0" fill="hold" grpId="0" nodeType="clickEffect">
+                                  <p:stCondLst>
+                                    <p:cond delay="0"/>
+                                  </p:stCondLst>
+                                  <p:childTnLst>
+                                    <p:set>
+                                      <p:cBhvr>
+                                        <p:cTn id="53" dur="1" fill="hold">
+                                          <p:stCondLst>
+                                            <p:cond delay="0"/>
+                                          </p:stCondLst>
+                                        </p:cTn>
+                                        <p:tgtEl>
+                                          <p:spTgt spid="4">
+                                            <p:txEl>
+                                              <p:pRg st="8" end="8"/>
+                                            </p:txEl>
+                                          </p:spTgt>
+                                        </p:tgtEl>
+                                        <p:attrNameLst>
+                                          <p:attrName>style.visibility</p:attrName>
+                                        </p:attrNameLst>
+                                      </p:cBhvr>
+                                      <p:to>
+                                        <p:strVal val="visible"/>
+                                      </p:to>
+                                    </p:set>
+                                    <p:animEffect transition="in" filter="fade">
+                                      <p:cBhvr>
+                                        <p:cTn id="54" dur="500"/>
+                                        <p:tgtEl>
+                                          <p:spTgt spid="4">
+                                            <p:txEl>
+                                              <p:pRg st="8" end="8"/>
+                                            </p:txEl>
+                                          </p:spTgt>
+                                        </p:tgtEl>
+                                      </p:cBhvr>
+                                    </p:animEffect>
+                                  </p:childTnLst>
+                                </p:cTn>
+                              </p:par>
+                            </p:childTnLst>
+                          </p:cTn>
+                        </p:par>
+                      </p:childTnLst>
+                    </p:cTn>
+                  </p:par>
+                  <p:par>
+                    <p:cTn id="55" fill="hold">
+                      <p:stCondLst>
+                        <p:cond delay="indefinite"/>
+                      </p:stCondLst>
+                      <p:childTnLst>
+                        <p:par>
+                          <p:cTn id="56" fill="hold">
+                            <p:stCondLst>
+                              <p:cond delay="0"/>
+                            </p:stCondLst>
+                            <p:childTnLst>
+                              <p:par>
+                                <p:cTn id="57" presetID="10" presetClass="entr" presetSubtype="0" fill="hold" grpId="0" nodeType="clickEffect">
+                                  <p:stCondLst>
+                                    <p:cond delay="0"/>
+                                  </p:stCondLst>
+                                  <p:childTnLst>
+                                    <p:set>
+                                      <p:cBhvr>
+                                        <p:cTn id="58" dur="1" fill="hold">
+                                          <p:stCondLst>
+                                            <p:cond delay="0"/>
+                                          </p:stCondLst>
+                                        </p:cTn>
+                                        <p:tgtEl>
+                                          <p:spTgt spid="4">
+                                            <p:txEl>
+                                              <p:pRg st="9" end="9"/>
+                                            </p:txEl>
+                                          </p:spTgt>
+                                        </p:tgtEl>
+                                        <p:attrNameLst>
+                                          <p:attrName>style.visibility</p:attrName>
+                                        </p:attrNameLst>
+                                      </p:cBhvr>
+                                      <p:to>
+                                        <p:strVal val="visible"/>
+                                      </p:to>
+                                    </p:set>
+                                    <p:animEffect transition="in" filter="fade">
+                                      <p:cBhvr>
+                                        <p:cTn id="59" dur="500"/>
+                                        <p:tgtEl>
+                                          <p:spTgt spid="4">
+                                            <p:txEl>
+                                              <p:pRg st="9" end="9"/>
+                                            </p:txEl>
+                                          </p:spTgt>
+                                        </p:tgtEl>
+                                      </p:cBhvr>
+                                    </p:animEffect>
+                                  </p:childTnLst>
+                                </p:cTn>
+                              </p:par>
+                            </p:childTnLst>
+                          </p:cTn>
+                        </p:par>
+                      </p:childTnLst>
+                    </p:cTn>
+                  </p:par>
+                  <p:par>
+                    <p:cTn id="60" fill="hold">
+                      <p:stCondLst>
+                        <p:cond delay="indefinite"/>
+                      </p:stCondLst>
+                      <p:childTnLst>
+                        <p:par>
+                          <p:cTn id="61" fill="hold">
+                            <p:stCondLst>
+                              <p:cond delay="0"/>
+                            </p:stCondLst>
+                            <p:childTnLst>
+                              <p:par>
+                                <p:cTn id="62" presetID="10" presetClass="entr" presetSubtype="0" fill="hold" grpId="0" nodeType="clickEffect">
+                                  <p:stCondLst>
+                                    <p:cond delay="0"/>
+                                  </p:stCondLst>
+                                  <p:childTnLst>
+                                    <p:set>
+                                      <p:cBhvr>
+                                        <p:cTn id="63" dur="1" fill="hold">
+                                          <p:stCondLst>
+                                            <p:cond delay="0"/>
+                                          </p:stCondLst>
+                                        </p:cTn>
+                                        <p:tgtEl>
+                                          <p:spTgt spid="4">
+                                            <p:txEl>
+                                              <p:pRg st="10" end="10"/>
+                                            </p:txEl>
+                                          </p:spTgt>
+                                        </p:tgtEl>
+                                        <p:attrNameLst>
+                                          <p:attrName>style.visibility</p:attrName>
+                                        </p:attrNameLst>
+                                      </p:cBhvr>
+                                      <p:to>
+                                        <p:strVal val="visible"/>
+                                      </p:to>
+                                    </p:set>
+                                    <p:animEffect transition="in" filter="fade">
+                                      <p:cBhvr>
+                                        <p:cTn id="64" dur="500"/>
+                                        <p:tgtEl>
+                                          <p:spTgt spid="4">
+                                            <p:txEl>
+                                              <p:pRg st="10" end="10"/>
+                                            </p:txEl>
+                                          </p:spTgt>
+                                        </p:tgtEl>
+                                      </p:cBhvr>
+                                    </p:animEffect>
+                                  </p:childTnLst>
+                                </p:cTn>
+                              </p:par>
+                            </p:childTnLst>
+                          </p:cTn>
+                        </p:par>
+                      </p:childTnLst>
+                    </p:cTn>
+                  </p:par>
+                </p:childTnLst>
+              </p:cTn>
+              <p:prevCondLst>
+                <p:cond evt="onPrev" delay="0">
+                  <p:tgtEl>
+                    <p:sldTgt/>
+                  </p:tgtEl>
+                </p:cond>
+              </p:prevCondLst>
+              <p:nextCondLst>
+                <p:cond evt="onNext" delay="0">
+                  <p:tgtEl>
+                    <p:sldTgt/>
+                  </p:tgtEl>
+                </p:cond>
+              </p:nextCondLst>
+            </p:seq>
+          </p:childTnLst>
+        </p:cTn>
+      </p:par>
+    </p:tnLst>
+    <p:bldLst>
+      <p:bldP spid="2" grpId="0"/>
+      <p:bldP spid="4" grpId="0" build="p"/>
+    </p:bldLst>
+  </p:timing>
 </p:sld>
 </file>
 
@@ -19241,6 +23248,600 @@
   <p:clrMapOvr>
     <a:masterClrMapping/>
   </p:clrMapOvr>
+  <p:timing>
+    <p:tnLst>
+      <p:par>
+        <p:cTn id="1" dur="indefinite" restart="never" nodeType="tmRoot">
+          <p:childTnLst>
+            <p:seq concurrent="1" nextAc="seek">
+              <p:cTn id="2" dur="indefinite" nodeType="mainSeq">
+                <p:childTnLst>
+                  <p:par>
+                    <p:cTn id="3" fill="hold">
+                      <p:stCondLst>
+                        <p:cond delay="indefinite"/>
+                      </p:stCondLst>
+                      <p:childTnLst>
+                        <p:par>
+                          <p:cTn id="4" fill="hold">
+                            <p:stCondLst>
+                              <p:cond delay="0"/>
+                            </p:stCondLst>
+                            <p:childTnLst>
+                              <p:par>
+                                <p:cTn id="5" presetID="2" presetClass="entr" presetSubtype="4" fill="hold" grpId="0" nodeType="clickEffect">
+                                  <p:stCondLst>
+                                    <p:cond delay="0"/>
+                                  </p:stCondLst>
+                                  <p:childTnLst>
+                                    <p:set>
+                                      <p:cBhvr>
+                                        <p:cTn id="6" dur="1" fill="hold">
+                                          <p:stCondLst>
+                                            <p:cond delay="0"/>
+                                          </p:stCondLst>
+                                        </p:cTn>
+                                        <p:tgtEl>
+                                          <p:spTgt spid="3"/>
+                                        </p:tgtEl>
+                                        <p:attrNameLst>
+                                          <p:attrName>style.visibility</p:attrName>
+                                        </p:attrNameLst>
+                                      </p:cBhvr>
+                                      <p:to>
+                                        <p:strVal val="visible"/>
+                                      </p:to>
+                                    </p:set>
+                                    <p:anim calcmode="lin" valueType="num">
+                                      <p:cBhvr additive="base">
+                                        <p:cTn id="7" dur="500" fill="hold"/>
+                                        <p:tgtEl>
+                                          <p:spTgt spid="3"/>
+                                        </p:tgtEl>
+                                        <p:attrNameLst>
+                                          <p:attrName>ppt_x</p:attrName>
+                                        </p:attrNameLst>
+                                      </p:cBhvr>
+                                      <p:tavLst>
+                                        <p:tav tm="0">
+                                          <p:val>
+                                            <p:strVal val="#ppt_x"/>
+                                          </p:val>
+                                        </p:tav>
+                                        <p:tav tm="100000">
+                                          <p:val>
+                                            <p:strVal val="#ppt_x"/>
+                                          </p:val>
+                                        </p:tav>
+                                      </p:tavLst>
+                                    </p:anim>
+                                    <p:anim calcmode="lin" valueType="num">
+                                      <p:cBhvr additive="base">
+                                        <p:cTn id="8" dur="500" fill="hold"/>
+                                        <p:tgtEl>
+                                          <p:spTgt spid="3"/>
+                                        </p:tgtEl>
+                                        <p:attrNameLst>
+                                          <p:attrName>ppt_y</p:attrName>
+                                        </p:attrNameLst>
+                                      </p:cBhvr>
+                                      <p:tavLst>
+                                        <p:tav tm="0">
+                                          <p:val>
+                                            <p:strVal val="1+#ppt_h/2"/>
+                                          </p:val>
+                                        </p:tav>
+                                        <p:tav tm="100000">
+                                          <p:val>
+                                            <p:strVal val="#ppt_y"/>
+                                          </p:val>
+                                        </p:tav>
+                                      </p:tavLst>
+                                    </p:anim>
+                                  </p:childTnLst>
+                                </p:cTn>
+                              </p:par>
+                            </p:childTnLst>
+                          </p:cTn>
+                        </p:par>
+                      </p:childTnLst>
+                    </p:cTn>
+                  </p:par>
+                  <p:par>
+                    <p:cTn id="9" fill="hold">
+                      <p:stCondLst>
+                        <p:cond delay="indefinite"/>
+                      </p:stCondLst>
+                      <p:childTnLst>
+                        <p:par>
+                          <p:cTn id="10" fill="hold">
+                            <p:stCondLst>
+                              <p:cond delay="0"/>
+                            </p:stCondLst>
+                            <p:childTnLst>
+                              <p:par>
+                                <p:cTn id="11" presetID="16" presetClass="entr" presetSubtype="21" fill="hold" nodeType="clickEffect">
+                                  <p:stCondLst>
+                                    <p:cond delay="0"/>
+                                  </p:stCondLst>
+                                  <p:childTnLst>
+                                    <p:set>
+                                      <p:cBhvr>
+                                        <p:cTn id="12" dur="1" fill="hold">
+                                          <p:stCondLst>
+                                            <p:cond delay="0"/>
+                                          </p:stCondLst>
+                                        </p:cTn>
+                                        <p:tgtEl>
+                                          <p:spTgt spid="7"/>
+                                        </p:tgtEl>
+                                        <p:attrNameLst>
+                                          <p:attrName>style.visibility</p:attrName>
+                                        </p:attrNameLst>
+                                      </p:cBhvr>
+                                      <p:to>
+                                        <p:strVal val="visible"/>
+                                      </p:to>
+                                    </p:set>
+                                    <p:animEffect transition="in" filter="barn(inVertical)">
+                                      <p:cBhvr>
+                                        <p:cTn id="13" dur="500"/>
+                                        <p:tgtEl>
+                                          <p:spTgt spid="7"/>
+                                        </p:tgtEl>
+                                      </p:cBhvr>
+                                    </p:animEffect>
+                                  </p:childTnLst>
+                                </p:cTn>
+                              </p:par>
+                            </p:childTnLst>
+                          </p:cTn>
+                        </p:par>
+                      </p:childTnLst>
+                    </p:cTn>
+                  </p:par>
+                  <p:par>
+                    <p:cTn id="14" fill="hold">
+                      <p:stCondLst>
+                        <p:cond delay="indefinite"/>
+                      </p:stCondLst>
+                      <p:childTnLst>
+                        <p:par>
+                          <p:cTn id="15" fill="hold">
+                            <p:stCondLst>
+                              <p:cond delay="0"/>
+                            </p:stCondLst>
+                            <p:childTnLst>
+                              <p:par>
+                                <p:cTn id="16" presetID="16" presetClass="entr" presetSubtype="21" fill="hold" grpId="0" nodeType="clickEffect">
+                                  <p:stCondLst>
+                                    <p:cond delay="0"/>
+                                  </p:stCondLst>
+                                  <p:childTnLst>
+                                    <p:set>
+                                      <p:cBhvr>
+                                        <p:cTn id="17" dur="1" fill="hold">
+                                          <p:stCondLst>
+                                            <p:cond delay="0"/>
+                                          </p:stCondLst>
+                                        </p:cTn>
+                                        <p:tgtEl>
+                                          <p:spTgt spid="12">
+                                            <p:txEl>
+                                              <p:pRg st="0" end="0"/>
+                                            </p:txEl>
+                                          </p:spTgt>
+                                        </p:tgtEl>
+                                        <p:attrNameLst>
+                                          <p:attrName>style.visibility</p:attrName>
+                                        </p:attrNameLst>
+                                      </p:cBhvr>
+                                      <p:to>
+                                        <p:strVal val="visible"/>
+                                      </p:to>
+                                    </p:set>
+                                    <p:animEffect transition="in" filter="barn(inVertical)">
+                                      <p:cBhvr>
+                                        <p:cTn id="18" dur="500"/>
+                                        <p:tgtEl>
+                                          <p:spTgt spid="12">
+                                            <p:txEl>
+                                              <p:pRg st="0" end="0"/>
+                                            </p:txEl>
+                                          </p:spTgt>
+                                        </p:tgtEl>
+                                      </p:cBhvr>
+                                    </p:animEffect>
+                                  </p:childTnLst>
+                                </p:cTn>
+                              </p:par>
+                              <p:par>
+                                <p:cTn id="19" presetID="16" presetClass="entr" presetSubtype="21" fill="hold" grpId="0" nodeType="withEffect">
+                                  <p:stCondLst>
+                                    <p:cond delay="0"/>
+                                  </p:stCondLst>
+                                  <p:childTnLst>
+                                    <p:set>
+                                      <p:cBhvr>
+                                        <p:cTn id="20" dur="1" fill="hold">
+                                          <p:stCondLst>
+                                            <p:cond delay="0"/>
+                                          </p:stCondLst>
+                                        </p:cTn>
+                                        <p:tgtEl>
+                                          <p:spTgt spid="12">
+                                            <p:txEl>
+                                              <p:pRg st="1" end="1"/>
+                                            </p:txEl>
+                                          </p:spTgt>
+                                        </p:tgtEl>
+                                        <p:attrNameLst>
+                                          <p:attrName>style.visibility</p:attrName>
+                                        </p:attrNameLst>
+                                      </p:cBhvr>
+                                      <p:to>
+                                        <p:strVal val="visible"/>
+                                      </p:to>
+                                    </p:set>
+                                    <p:animEffect transition="in" filter="barn(inVertical)">
+                                      <p:cBhvr>
+                                        <p:cTn id="21" dur="500"/>
+                                        <p:tgtEl>
+                                          <p:spTgt spid="12">
+                                            <p:txEl>
+                                              <p:pRg st="1" end="1"/>
+                                            </p:txEl>
+                                          </p:spTgt>
+                                        </p:tgtEl>
+                                      </p:cBhvr>
+                                    </p:animEffect>
+                                  </p:childTnLst>
+                                </p:cTn>
+                              </p:par>
+                            </p:childTnLst>
+                          </p:cTn>
+                        </p:par>
+                      </p:childTnLst>
+                    </p:cTn>
+                  </p:par>
+                  <p:par>
+                    <p:cTn id="22" fill="hold">
+                      <p:stCondLst>
+                        <p:cond delay="indefinite"/>
+                      </p:stCondLst>
+                      <p:childTnLst>
+                        <p:par>
+                          <p:cTn id="23" fill="hold">
+                            <p:stCondLst>
+                              <p:cond delay="0"/>
+                            </p:stCondLst>
+                            <p:childTnLst>
+                              <p:par>
+                                <p:cTn id="24" presetID="16" presetClass="entr" presetSubtype="21" fill="hold" grpId="0" nodeType="clickEffect">
+                                  <p:stCondLst>
+                                    <p:cond delay="0"/>
+                                  </p:stCondLst>
+                                  <p:childTnLst>
+                                    <p:set>
+                                      <p:cBhvr>
+                                        <p:cTn id="25" dur="1" fill="hold">
+                                          <p:stCondLst>
+                                            <p:cond delay="0"/>
+                                          </p:stCondLst>
+                                        </p:cTn>
+                                        <p:tgtEl>
+                                          <p:spTgt spid="12">
+                                            <p:txEl>
+                                              <p:pRg st="2" end="2"/>
+                                            </p:txEl>
+                                          </p:spTgt>
+                                        </p:tgtEl>
+                                        <p:attrNameLst>
+                                          <p:attrName>style.visibility</p:attrName>
+                                        </p:attrNameLst>
+                                      </p:cBhvr>
+                                      <p:to>
+                                        <p:strVal val="visible"/>
+                                      </p:to>
+                                    </p:set>
+                                    <p:animEffect transition="in" filter="barn(inVertical)">
+                                      <p:cBhvr>
+                                        <p:cTn id="26" dur="500"/>
+                                        <p:tgtEl>
+                                          <p:spTgt spid="12">
+                                            <p:txEl>
+                                              <p:pRg st="2" end="2"/>
+                                            </p:txEl>
+                                          </p:spTgt>
+                                        </p:tgtEl>
+                                      </p:cBhvr>
+                                    </p:animEffect>
+                                  </p:childTnLst>
+                                </p:cTn>
+                              </p:par>
+                              <p:par>
+                                <p:cTn id="27" presetID="16" presetClass="entr" presetSubtype="21" fill="hold" grpId="0" nodeType="withEffect">
+                                  <p:stCondLst>
+                                    <p:cond delay="0"/>
+                                  </p:stCondLst>
+                                  <p:childTnLst>
+                                    <p:set>
+                                      <p:cBhvr>
+                                        <p:cTn id="28" dur="1" fill="hold">
+                                          <p:stCondLst>
+                                            <p:cond delay="0"/>
+                                          </p:stCondLst>
+                                        </p:cTn>
+                                        <p:tgtEl>
+                                          <p:spTgt spid="12">
+                                            <p:txEl>
+                                              <p:pRg st="3" end="3"/>
+                                            </p:txEl>
+                                          </p:spTgt>
+                                        </p:tgtEl>
+                                        <p:attrNameLst>
+                                          <p:attrName>style.visibility</p:attrName>
+                                        </p:attrNameLst>
+                                      </p:cBhvr>
+                                      <p:to>
+                                        <p:strVal val="visible"/>
+                                      </p:to>
+                                    </p:set>
+                                    <p:animEffect transition="in" filter="barn(inVertical)">
+                                      <p:cBhvr>
+                                        <p:cTn id="29" dur="500"/>
+                                        <p:tgtEl>
+                                          <p:spTgt spid="12">
+                                            <p:txEl>
+                                              <p:pRg st="3" end="3"/>
+                                            </p:txEl>
+                                          </p:spTgt>
+                                        </p:tgtEl>
+                                      </p:cBhvr>
+                                    </p:animEffect>
+                                  </p:childTnLst>
+                                </p:cTn>
+                              </p:par>
+                            </p:childTnLst>
+                          </p:cTn>
+                        </p:par>
+                      </p:childTnLst>
+                    </p:cTn>
+                  </p:par>
+                  <p:par>
+                    <p:cTn id="30" fill="hold">
+                      <p:stCondLst>
+                        <p:cond delay="indefinite"/>
+                      </p:stCondLst>
+                      <p:childTnLst>
+                        <p:par>
+                          <p:cTn id="31" fill="hold">
+                            <p:stCondLst>
+                              <p:cond delay="0"/>
+                            </p:stCondLst>
+                            <p:childTnLst>
+                              <p:par>
+                                <p:cTn id="32" presetID="16" presetClass="entr" presetSubtype="21" fill="hold" grpId="0" nodeType="clickEffect">
+                                  <p:stCondLst>
+                                    <p:cond delay="0"/>
+                                  </p:stCondLst>
+                                  <p:childTnLst>
+                                    <p:set>
+                                      <p:cBhvr>
+                                        <p:cTn id="33" dur="1" fill="hold">
+                                          <p:stCondLst>
+                                            <p:cond delay="0"/>
+                                          </p:stCondLst>
+                                        </p:cTn>
+                                        <p:tgtEl>
+                                          <p:spTgt spid="12">
+                                            <p:txEl>
+                                              <p:pRg st="4" end="4"/>
+                                            </p:txEl>
+                                          </p:spTgt>
+                                        </p:tgtEl>
+                                        <p:attrNameLst>
+                                          <p:attrName>style.visibility</p:attrName>
+                                        </p:attrNameLst>
+                                      </p:cBhvr>
+                                      <p:to>
+                                        <p:strVal val="visible"/>
+                                      </p:to>
+                                    </p:set>
+                                    <p:animEffect transition="in" filter="barn(inVertical)">
+                                      <p:cBhvr>
+                                        <p:cTn id="34" dur="500"/>
+                                        <p:tgtEl>
+                                          <p:spTgt spid="12">
+                                            <p:txEl>
+                                              <p:pRg st="4" end="4"/>
+                                            </p:txEl>
+                                          </p:spTgt>
+                                        </p:tgtEl>
+                                      </p:cBhvr>
+                                    </p:animEffect>
+                                  </p:childTnLst>
+                                </p:cTn>
+                              </p:par>
+                              <p:par>
+                                <p:cTn id="35" presetID="16" presetClass="entr" presetSubtype="21" fill="hold" grpId="0" nodeType="withEffect">
+                                  <p:stCondLst>
+                                    <p:cond delay="0"/>
+                                  </p:stCondLst>
+                                  <p:childTnLst>
+                                    <p:set>
+                                      <p:cBhvr>
+                                        <p:cTn id="36" dur="1" fill="hold">
+                                          <p:stCondLst>
+                                            <p:cond delay="0"/>
+                                          </p:stCondLst>
+                                        </p:cTn>
+                                        <p:tgtEl>
+                                          <p:spTgt spid="12">
+                                            <p:txEl>
+                                              <p:pRg st="5" end="5"/>
+                                            </p:txEl>
+                                          </p:spTgt>
+                                        </p:tgtEl>
+                                        <p:attrNameLst>
+                                          <p:attrName>style.visibility</p:attrName>
+                                        </p:attrNameLst>
+                                      </p:cBhvr>
+                                      <p:to>
+                                        <p:strVal val="visible"/>
+                                      </p:to>
+                                    </p:set>
+                                    <p:animEffect transition="in" filter="barn(inVertical)">
+                                      <p:cBhvr>
+                                        <p:cTn id="37" dur="500"/>
+                                        <p:tgtEl>
+                                          <p:spTgt spid="12">
+                                            <p:txEl>
+                                              <p:pRg st="5" end="5"/>
+                                            </p:txEl>
+                                          </p:spTgt>
+                                        </p:tgtEl>
+                                      </p:cBhvr>
+                                    </p:animEffect>
+                                  </p:childTnLst>
+                                </p:cTn>
+                              </p:par>
+                            </p:childTnLst>
+                          </p:cTn>
+                        </p:par>
+                      </p:childTnLst>
+                    </p:cTn>
+                  </p:par>
+                  <p:par>
+                    <p:cTn id="38" fill="hold">
+                      <p:stCondLst>
+                        <p:cond delay="indefinite"/>
+                      </p:stCondLst>
+                      <p:childTnLst>
+                        <p:par>
+                          <p:cTn id="39" fill="hold">
+                            <p:stCondLst>
+                              <p:cond delay="0"/>
+                            </p:stCondLst>
+                            <p:childTnLst>
+                              <p:par>
+                                <p:cTn id="40" presetID="16" presetClass="entr" presetSubtype="21" fill="hold" grpId="0" nodeType="clickEffect">
+                                  <p:stCondLst>
+                                    <p:cond delay="0"/>
+                                  </p:stCondLst>
+                                  <p:childTnLst>
+                                    <p:set>
+                                      <p:cBhvr>
+                                        <p:cTn id="41" dur="1" fill="hold">
+                                          <p:stCondLst>
+                                            <p:cond delay="0"/>
+                                          </p:stCondLst>
+                                        </p:cTn>
+                                        <p:tgtEl>
+                                          <p:spTgt spid="12">
+                                            <p:txEl>
+                                              <p:pRg st="6" end="6"/>
+                                            </p:txEl>
+                                          </p:spTgt>
+                                        </p:tgtEl>
+                                        <p:attrNameLst>
+                                          <p:attrName>style.visibility</p:attrName>
+                                        </p:attrNameLst>
+                                      </p:cBhvr>
+                                      <p:to>
+                                        <p:strVal val="visible"/>
+                                      </p:to>
+                                    </p:set>
+                                    <p:animEffect transition="in" filter="barn(inVertical)">
+                                      <p:cBhvr>
+                                        <p:cTn id="42" dur="500"/>
+                                        <p:tgtEl>
+                                          <p:spTgt spid="12">
+                                            <p:txEl>
+                                              <p:pRg st="6" end="6"/>
+                                            </p:txEl>
+                                          </p:spTgt>
+                                        </p:tgtEl>
+                                      </p:cBhvr>
+                                    </p:animEffect>
+                                  </p:childTnLst>
+                                </p:cTn>
+                              </p:par>
+                              <p:par>
+                                <p:cTn id="43" presetID="16" presetClass="entr" presetSubtype="21" fill="hold" grpId="0" nodeType="withEffect">
+                                  <p:stCondLst>
+                                    <p:cond delay="0"/>
+                                  </p:stCondLst>
+                                  <p:childTnLst>
+                                    <p:set>
+                                      <p:cBhvr>
+                                        <p:cTn id="44" dur="1" fill="hold">
+                                          <p:stCondLst>
+                                            <p:cond delay="0"/>
+                                          </p:stCondLst>
+                                        </p:cTn>
+                                        <p:tgtEl>
+                                          <p:spTgt spid="12">
+                                            <p:txEl>
+                                              <p:pRg st="7" end="7"/>
+                                            </p:txEl>
+                                          </p:spTgt>
+                                        </p:tgtEl>
+                                        <p:attrNameLst>
+                                          <p:attrName>style.visibility</p:attrName>
+                                        </p:attrNameLst>
+                                      </p:cBhvr>
+                                      <p:to>
+                                        <p:strVal val="visible"/>
+                                      </p:to>
+                                    </p:set>
+                                    <p:animEffect transition="in" filter="barn(inVertical)">
+                                      <p:cBhvr>
+                                        <p:cTn id="45" dur="500"/>
+                                        <p:tgtEl>
+                                          <p:spTgt spid="12">
+                                            <p:txEl>
+                                              <p:pRg st="7" end="7"/>
+                                            </p:txEl>
+                                          </p:spTgt>
+                                        </p:tgtEl>
+                                      </p:cBhvr>
+                                    </p:animEffect>
+                                  </p:childTnLst>
+                                </p:cTn>
+                              </p:par>
+                            </p:childTnLst>
+                          </p:cTn>
+                        </p:par>
+                      </p:childTnLst>
+                    </p:cTn>
+                  </p:par>
+                </p:childTnLst>
+              </p:cTn>
+              <p:prevCondLst>
+                <p:cond evt="onPrev" delay="0">
+                  <p:tgtEl>
+                    <p:sldTgt/>
+                  </p:tgtEl>
+                </p:cond>
+              </p:prevCondLst>
+              <p:nextCondLst>
+                <p:cond evt="onNext" delay="0">
+                  <p:tgtEl>
+                    <p:sldTgt/>
+                  </p:tgtEl>
+                </p:cond>
+              </p:nextCondLst>
+            </p:seq>
+          </p:childTnLst>
+        </p:cTn>
+      </p:par>
+    </p:tnLst>
+    <p:bldLst>
+      <p:bldP spid="3" grpId="0"/>
+      <p:bldP spid="12" grpId="0" build="p"/>
+    </p:bldLst>
+  </p:timing>
 </p:sld>
 </file>
 
@@ -19388,6 +23989,591 @@
   <p:clrMapOvr>
     <a:masterClrMapping/>
   </p:clrMapOvr>
+  <p:timing>
+    <p:tnLst>
+      <p:par>
+        <p:cTn id="1" dur="indefinite" restart="never" nodeType="tmRoot">
+          <p:childTnLst>
+            <p:seq concurrent="1" nextAc="seek">
+              <p:cTn id="2" dur="indefinite" nodeType="mainSeq">
+                <p:childTnLst>
+                  <p:par>
+                    <p:cTn id="3" fill="hold">
+                      <p:stCondLst>
+                        <p:cond delay="indefinite"/>
+                      </p:stCondLst>
+                      <p:childTnLst>
+                        <p:par>
+                          <p:cTn id="4" fill="hold">
+                            <p:stCondLst>
+                              <p:cond delay="0"/>
+                            </p:stCondLst>
+                            <p:childTnLst>
+                              <p:par>
+                                <p:cTn id="5" presetID="2" presetClass="entr" presetSubtype="4" fill="hold" grpId="0" nodeType="clickEffect">
+                                  <p:stCondLst>
+                                    <p:cond delay="0"/>
+                                  </p:stCondLst>
+                                  <p:childTnLst>
+                                    <p:set>
+                                      <p:cBhvr>
+                                        <p:cTn id="6" dur="1" fill="hold">
+                                          <p:stCondLst>
+                                            <p:cond delay="0"/>
+                                          </p:stCondLst>
+                                        </p:cTn>
+                                        <p:tgtEl>
+                                          <p:spTgt spid="2"/>
+                                        </p:tgtEl>
+                                        <p:attrNameLst>
+                                          <p:attrName>style.visibility</p:attrName>
+                                        </p:attrNameLst>
+                                      </p:cBhvr>
+                                      <p:to>
+                                        <p:strVal val="visible"/>
+                                      </p:to>
+                                    </p:set>
+                                    <p:anim calcmode="lin" valueType="num">
+                                      <p:cBhvr additive="base">
+                                        <p:cTn id="7" dur="500" fill="hold"/>
+                                        <p:tgtEl>
+                                          <p:spTgt spid="2"/>
+                                        </p:tgtEl>
+                                        <p:attrNameLst>
+                                          <p:attrName>ppt_x</p:attrName>
+                                        </p:attrNameLst>
+                                      </p:cBhvr>
+                                      <p:tavLst>
+                                        <p:tav tm="0">
+                                          <p:val>
+                                            <p:strVal val="#ppt_x"/>
+                                          </p:val>
+                                        </p:tav>
+                                        <p:tav tm="100000">
+                                          <p:val>
+                                            <p:strVal val="#ppt_x"/>
+                                          </p:val>
+                                        </p:tav>
+                                      </p:tavLst>
+                                    </p:anim>
+                                    <p:anim calcmode="lin" valueType="num">
+                                      <p:cBhvr additive="base">
+                                        <p:cTn id="8" dur="500" fill="hold"/>
+                                        <p:tgtEl>
+                                          <p:spTgt spid="2"/>
+                                        </p:tgtEl>
+                                        <p:attrNameLst>
+                                          <p:attrName>ppt_y</p:attrName>
+                                        </p:attrNameLst>
+                                      </p:cBhvr>
+                                      <p:tavLst>
+                                        <p:tav tm="0">
+                                          <p:val>
+                                            <p:strVal val="1+#ppt_h/2"/>
+                                          </p:val>
+                                        </p:tav>
+                                        <p:tav tm="100000">
+                                          <p:val>
+                                            <p:strVal val="#ppt_y"/>
+                                          </p:val>
+                                        </p:tav>
+                                      </p:tavLst>
+                                    </p:anim>
+                                  </p:childTnLst>
+                                </p:cTn>
+                              </p:par>
+                            </p:childTnLst>
+                          </p:cTn>
+                        </p:par>
+                      </p:childTnLst>
+                    </p:cTn>
+                  </p:par>
+                  <p:par>
+                    <p:cTn id="9" fill="hold">
+                      <p:stCondLst>
+                        <p:cond delay="indefinite"/>
+                      </p:stCondLst>
+                      <p:childTnLst>
+                        <p:par>
+                          <p:cTn id="10" fill="hold">
+                            <p:stCondLst>
+                              <p:cond delay="0"/>
+                            </p:stCondLst>
+                            <p:childTnLst>
+                              <p:par>
+                                <p:cTn id="11" presetID="42" presetClass="entr" presetSubtype="0" fill="hold" grpId="0" nodeType="clickEffect">
+                                  <p:stCondLst>
+                                    <p:cond delay="0"/>
+                                  </p:stCondLst>
+                                  <p:childTnLst>
+                                    <p:set>
+                                      <p:cBhvr>
+                                        <p:cTn id="12" dur="1" fill="hold">
+                                          <p:stCondLst>
+                                            <p:cond delay="0"/>
+                                          </p:stCondLst>
+                                        </p:cTn>
+                                        <p:tgtEl>
+                                          <p:spTgt spid="3">
+                                            <p:txEl>
+                                              <p:pRg st="0" end="0"/>
+                                            </p:txEl>
+                                          </p:spTgt>
+                                        </p:tgtEl>
+                                        <p:attrNameLst>
+                                          <p:attrName>style.visibility</p:attrName>
+                                        </p:attrNameLst>
+                                      </p:cBhvr>
+                                      <p:to>
+                                        <p:strVal val="visible"/>
+                                      </p:to>
+                                    </p:set>
+                                    <p:animEffect transition="in" filter="fade">
+                                      <p:cBhvr>
+                                        <p:cTn id="13" dur="1000"/>
+                                        <p:tgtEl>
+                                          <p:spTgt spid="3">
+                                            <p:txEl>
+                                              <p:pRg st="0" end="0"/>
+                                            </p:txEl>
+                                          </p:spTgt>
+                                        </p:tgtEl>
+                                      </p:cBhvr>
+                                    </p:animEffect>
+                                    <p:anim calcmode="lin" valueType="num">
+                                      <p:cBhvr>
+                                        <p:cTn id="14" dur="1000" fill="hold"/>
+                                        <p:tgtEl>
+                                          <p:spTgt spid="3">
+                                            <p:txEl>
+                                              <p:pRg st="0" end="0"/>
+                                            </p:txEl>
+                                          </p:spTgt>
+                                        </p:tgtEl>
+                                        <p:attrNameLst>
+                                          <p:attrName>ppt_x</p:attrName>
+                                        </p:attrNameLst>
+                                      </p:cBhvr>
+                                      <p:tavLst>
+                                        <p:tav tm="0">
+                                          <p:val>
+                                            <p:strVal val="#ppt_x"/>
+                                          </p:val>
+                                        </p:tav>
+                                        <p:tav tm="100000">
+                                          <p:val>
+                                            <p:strVal val="#ppt_x"/>
+                                          </p:val>
+                                        </p:tav>
+                                      </p:tavLst>
+                                    </p:anim>
+                                    <p:anim calcmode="lin" valueType="num">
+                                      <p:cBhvr>
+                                        <p:cTn id="15" dur="1000" fill="hold"/>
+                                        <p:tgtEl>
+                                          <p:spTgt spid="3">
+                                            <p:txEl>
+                                              <p:pRg st="0" end="0"/>
+                                            </p:txEl>
+                                          </p:spTgt>
+                                        </p:tgtEl>
+                                        <p:attrNameLst>
+                                          <p:attrName>ppt_y</p:attrName>
+                                        </p:attrNameLst>
+                                      </p:cBhvr>
+                                      <p:tavLst>
+                                        <p:tav tm="0">
+                                          <p:val>
+                                            <p:strVal val="#ppt_y+.1"/>
+                                          </p:val>
+                                        </p:tav>
+                                        <p:tav tm="100000">
+                                          <p:val>
+                                            <p:strVal val="#ppt_y"/>
+                                          </p:val>
+                                        </p:tav>
+                                      </p:tavLst>
+                                    </p:anim>
+                                  </p:childTnLst>
+                                </p:cTn>
+                              </p:par>
+                            </p:childTnLst>
+                          </p:cTn>
+                        </p:par>
+                      </p:childTnLst>
+                    </p:cTn>
+                  </p:par>
+                  <p:par>
+                    <p:cTn id="16" fill="hold">
+                      <p:stCondLst>
+                        <p:cond delay="indefinite"/>
+                      </p:stCondLst>
+                      <p:childTnLst>
+                        <p:par>
+                          <p:cTn id="17" fill="hold">
+                            <p:stCondLst>
+                              <p:cond delay="0"/>
+                            </p:stCondLst>
+                            <p:childTnLst>
+                              <p:par>
+                                <p:cTn id="18" presetID="42" presetClass="entr" presetSubtype="0" fill="hold" grpId="0" nodeType="clickEffect">
+                                  <p:stCondLst>
+                                    <p:cond delay="0"/>
+                                  </p:stCondLst>
+                                  <p:childTnLst>
+                                    <p:set>
+                                      <p:cBhvr>
+                                        <p:cTn id="19" dur="1" fill="hold">
+                                          <p:stCondLst>
+                                            <p:cond delay="0"/>
+                                          </p:stCondLst>
+                                        </p:cTn>
+                                        <p:tgtEl>
+                                          <p:spTgt spid="3">
+                                            <p:txEl>
+                                              <p:pRg st="1" end="1"/>
+                                            </p:txEl>
+                                          </p:spTgt>
+                                        </p:tgtEl>
+                                        <p:attrNameLst>
+                                          <p:attrName>style.visibility</p:attrName>
+                                        </p:attrNameLst>
+                                      </p:cBhvr>
+                                      <p:to>
+                                        <p:strVal val="visible"/>
+                                      </p:to>
+                                    </p:set>
+                                    <p:animEffect transition="in" filter="fade">
+                                      <p:cBhvr>
+                                        <p:cTn id="20" dur="1000"/>
+                                        <p:tgtEl>
+                                          <p:spTgt spid="3">
+                                            <p:txEl>
+                                              <p:pRg st="1" end="1"/>
+                                            </p:txEl>
+                                          </p:spTgt>
+                                        </p:tgtEl>
+                                      </p:cBhvr>
+                                    </p:animEffect>
+                                    <p:anim calcmode="lin" valueType="num">
+                                      <p:cBhvr>
+                                        <p:cTn id="21" dur="1000" fill="hold"/>
+                                        <p:tgtEl>
+                                          <p:spTgt spid="3">
+                                            <p:txEl>
+                                              <p:pRg st="1" end="1"/>
+                                            </p:txEl>
+                                          </p:spTgt>
+                                        </p:tgtEl>
+                                        <p:attrNameLst>
+                                          <p:attrName>ppt_x</p:attrName>
+                                        </p:attrNameLst>
+                                      </p:cBhvr>
+                                      <p:tavLst>
+                                        <p:tav tm="0">
+                                          <p:val>
+                                            <p:strVal val="#ppt_x"/>
+                                          </p:val>
+                                        </p:tav>
+                                        <p:tav tm="100000">
+                                          <p:val>
+                                            <p:strVal val="#ppt_x"/>
+                                          </p:val>
+                                        </p:tav>
+                                      </p:tavLst>
+                                    </p:anim>
+                                    <p:anim calcmode="lin" valueType="num">
+                                      <p:cBhvr>
+                                        <p:cTn id="22" dur="1000" fill="hold"/>
+                                        <p:tgtEl>
+                                          <p:spTgt spid="3">
+                                            <p:txEl>
+                                              <p:pRg st="1" end="1"/>
+                                            </p:txEl>
+                                          </p:spTgt>
+                                        </p:tgtEl>
+                                        <p:attrNameLst>
+                                          <p:attrName>ppt_y</p:attrName>
+                                        </p:attrNameLst>
+                                      </p:cBhvr>
+                                      <p:tavLst>
+                                        <p:tav tm="0">
+                                          <p:val>
+                                            <p:strVal val="#ppt_y+.1"/>
+                                          </p:val>
+                                        </p:tav>
+                                        <p:tav tm="100000">
+                                          <p:val>
+                                            <p:strVal val="#ppt_y"/>
+                                          </p:val>
+                                        </p:tav>
+                                      </p:tavLst>
+                                    </p:anim>
+                                  </p:childTnLst>
+                                </p:cTn>
+                              </p:par>
+                            </p:childTnLst>
+                          </p:cTn>
+                        </p:par>
+                      </p:childTnLst>
+                    </p:cTn>
+                  </p:par>
+                  <p:par>
+                    <p:cTn id="23" fill="hold">
+                      <p:stCondLst>
+                        <p:cond delay="indefinite"/>
+                      </p:stCondLst>
+                      <p:childTnLst>
+                        <p:par>
+                          <p:cTn id="24" fill="hold">
+                            <p:stCondLst>
+                              <p:cond delay="0"/>
+                            </p:stCondLst>
+                            <p:childTnLst>
+                              <p:par>
+                                <p:cTn id="25" presetID="42" presetClass="entr" presetSubtype="0" fill="hold" grpId="0" nodeType="clickEffect">
+                                  <p:stCondLst>
+                                    <p:cond delay="0"/>
+                                  </p:stCondLst>
+                                  <p:childTnLst>
+                                    <p:set>
+                                      <p:cBhvr>
+                                        <p:cTn id="26" dur="1" fill="hold">
+                                          <p:stCondLst>
+                                            <p:cond delay="0"/>
+                                          </p:stCondLst>
+                                        </p:cTn>
+                                        <p:tgtEl>
+                                          <p:spTgt spid="3">
+                                            <p:txEl>
+                                              <p:pRg st="2" end="2"/>
+                                            </p:txEl>
+                                          </p:spTgt>
+                                        </p:tgtEl>
+                                        <p:attrNameLst>
+                                          <p:attrName>style.visibility</p:attrName>
+                                        </p:attrNameLst>
+                                      </p:cBhvr>
+                                      <p:to>
+                                        <p:strVal val="visible"/>
+                                      </p:to>
+                                    </p:set>
+                                    <p:animEffect transition="in" filter="fade">
+                                      <p:cBhvr>
+                                        <p:cTn id="27" dur="1000"/>
+                                        <p:tgtEl>
+                                          <p:spTgt spid="3">
+                                            <p:txEl>
+                                              <p:pRg st="2" end="2"/>
+                                            </p:txEl>
+                                          </p:spTgt>
+                                        </p:tgtEl>
+                                      </p:cBhvr>
+                                    </p:animEffect>
+                                    <p:anim calcmode="lin" valueType="num">
+                                      <p:cBhvr>
+                                        <p:cTn id="28" dur="1000" fill="hold"/>
+                                        <p:tgtEl>
+                                          <p:spTgt spid="3">
+                                            <p:txEl>
+                                              <p:pRg st="2" end="2"/>
+                                            </p:txEl>
+                                          </p:spTgt>
+                                        </p:tgtEl>
+                                        <p:attrNameLst>
+                                          <p:attrName>ppt_x</p:attrName>
+                                        </p:attrNameLst>
+                                      </p:cBhvr>
+                                      <p:tavLst>
+                                        <p:tav tm="0">
+                                          <p:val>
+                                            <p:strVal val="#ppt_x"/>
+                                          </p:val>
+                                        </p:tav>
+                                        <p:tav tm="100000">
+                                          <p:val>
+                                            <p:strVal val="#ppt_x"/>
+                                          </p:val>
+                                        </p:tav>
+                                      </p:tavLst>
+                                    </p:anim>
+                                    <p:anim calcmode="lin" valueType="num">
+                                      <p:cBhvr>
+                                        <p:cTn id="29" dur="1000" fill="hold"/>
+                                        <p:tgtEl>
+                                          <p:spTgt spid="3">
+                                            <p:txEl>
+                                              <p:pRg st="2" end="2"/>
+                                            </p:txEl>
+                                          </p:spTgt>
+                                        </p:tgtEl>
+                                        <p:attrNameLst>
+                                          <p:attrName>ppt_y</p:attrName>
+                                        </p:attrNameLst>
+                                      </p:cBhvr>
+                                      <p:tavLst>
+                                        <p:tav tm="0">
+                                          <p:val>
+                                            <p:strVal val="#ppt_y+.1"/>
+                                          </p:val>
+                                        </p:tav>
+                                        <p:tav tm="100000">
+                                          <p:val>
+                                            <p:strVal val="#ppt_y"/>
+                                          </p:val>
+                                        </p:tav>
+                                      </p:tavLst>
+                                    </p:anim>
+                                  </p:childTnLst>
+                                </p:cTn>
+                              </p:par>
+                            </p:childTnLst>
+                          </p:cTn>
+                        </p:par>
+                      </p:childTnLst>
+                    </p:cTn>
+                  </p:par>
+                  <p:par>
+                    <p:cTn id="30" fill="hold">
+                      <p:stCondLst>
+                        <p:cond delay="indefinite"/>
+                      </p:stCondLst>
+                      <p:childTnLst>
+                        <p:par>
+                          <p:cTn id="31" fill="hold">
+                            <p:stCondLst>
+                              <p:cond delay="0"/>
+                            </p:stCondLst>
+                            <p:childTnLst>
+                              <p:par>
+                                <p:cTn id="32" presetID="42" presetClass="entr" presetSubtype="0" fill="hold" grpId="0" nodeType="clickEffect">
+                                  <p:stCondLst>
+                                    <p:cond delay="0"/>
+                                  </p:stCondLst>
+                                  <p:childTnLst>
+                                    <p:set>
+                                      <p:cBhvr>
+                                        <p:cTn id="33" dur="1" fill="hold">
+                                          <p:stCondLst>
+                                            <p:cond delay="0"/>
+                                          </p:stCondLst>
+                                        </p:cTn>
+                                        <p:tgtEl>
+                                          <p:spTgt spid="3">
+                                            <p:txEl>
+                                              <p:pRg st="3" end="3"/>
+                                            </p:txEl>
+                                          </p:spTgt>
+                                        </p:tgtEl>
+                                        <p:attrNameLst>
+                                          <p:attrName>style.visibility</p:attrName>
+                                        </p:attrNameLst>
+                                      </p:cBhvr>
+                                      <p:to>
+                                        <p:strVal val="visible"/>
+                                      </p:to>
+                                    </p:set>
+                                    <p:animEffect transition="in" filter="fade">
+                                      <p:cBhvr>
+                                        <p:cTn id="34" dur="1000"/>
+                                        <p:tgtEl>
+                                          <p:spTgt spid="3">
+                                            <p:txEl>
+                                              <p:pRg st="3" end="3"/>
+                                            </p:txEl>
+                                          </p:spTgt>
+                                        </p:tgtEl>
+                                      </p:cBhvr>
+                                    </p:animEffect>
+                                    <p:anim calcmode="lin" valueType="num">
+                                      <p:cBhvr>
+                                        <p:cTn id="35" dur="1000" fill="hold"/>
+                                        <p:tgtEl>
+                                          <p:spTgt spid="3">
+                                            <p:txEl>
+                                              <p:pRg st="3" end="3"/>
+                                            </p:txEl>
+                                          </p:spTgt>
+                                        </p:tgtEl>
+                                        <p:attrNameLst>
+                                          <p:attrName>ppt_x</p:attrName>
+                                        </p:attrNameLst>
+                                      </p:cBhvr>
+                                      <p:tavLst>
+                                        <p:tav tm="0">
+                                          <p:val>
+                                            <p:strVal val="#ppt_x"/>
+                                          </p:val>
+                                        </p:tav>
+                                        <p:tav tm="100000">
+                                          <p:val>
+                                            <p:strVal val="#ppt_x"/>
+                                          </p:val>
+                                        </p:tav>
+                                      </p:tavLst>
+                                    </p:anim>
+                                    <p:anim calcmode="lin" valueType="num">
+                                      <p:cBhvr>
+                                        <p:cTn id="36" dur="1000" fill="hold"/>
+                                        <p:tgtEl>
+                                          <p:spTgt spid="3">
+                                            <p:txEl>
+                                              <p:pRg st="3" end="3"/>
+                                            </p:txEl>
+                                          </p:spTgt>
+                                        </p:tgtEl>
+                                        <p:attrNameLst>
+                                          <p:attrName>ppt_y</p:attrName>
+                                        </p:attrNameLst>
+                                      </p:cBhvr>
+                                      <p:tavLst>
+                                        <p:tav tm="0">
+                                          <p:val>
+                                            <p:strVal val="#ppt_y+.1"/>
+                                          </p:val>
+                                        </p:tav>
+                                        <p:tav tm="100000">
+                                          <p:val>
+                                            <p:strVal val="#ppt_y"/>
+                                          </p:val>
+                                        </p:tav>
+                                      </p:tavLst>
+                                    </p:anim>
+                                  </p:childTnLst>
+                                </p:cTn>
+                              </p:par>
+                            </p:childTnLst>
+                          </p:cTn>
+                        </p:par>
+                      </p:childTnLst>
+                    </p:cTn>
+                  </p:par>
+                </p:childTnLst>
+              </p:cTn>
+              <p:prevCondLst>
+                <p:cond evt="onPrev" delay="0">
+                  <p:tgtEl>
+                    <p:sldTgt/>
+                  </p:tgtEl>
+                </p:cond>
+              </p:prevCondLst>
+              <p:nextCondLst>
+                <p:cond evt="onNext" delay="0">
+                  <p:tgtEl>
+                    <p:sldTgt/>
+                  </p:tgtEl>
+                </p:cond>
+              </p:nextCondLst>
+            </p:seq>
+          </p:childTnLst>
+        </p:cTn>
+      </p:par>
+    </p:tnLst>
+    <p:bldLst>
+      <p:bldP spid="2" grpId="0"/>
+      <p:bldP spid="3" grpId="0" build="p"/>
+    </p:bldLst>
+  </p:timing>
 </p:sld>
 </file>
 
@@ -19426,8 +24612,8 @@
         </p:nvSpPr>
         <p:spPr>
           <a:xfrm>
-            <a:off x="-1714500" y="1400610"/>
-            <a:ext cx="6583680" cy="715671"/>
+            <a:off x="-1289069" y="570852"/>
+            <a:ext cx="8519428" cy="715671"/>
           </a:xfrm>
         </p:spPr>
         <p:txBody>
@@ -19448,7 +24634,7 @@
                   </a:outerShdw>
                 </a:effectLst>
               </a:rPr>
-              <a:t>Topic</a:t>
+              <a:t>Topic : </a:t>
             </a:r>
             <a:endParaRPr lang="en-IN" sz="4000" dirty="0">
               <a:solidFill>
@@ -19509,7 +24695,6 @@
                     </a:srgbClr>
                   </a:outerShdw>
                 </a:effectLst>
-                <a:latin typeface="Arial" panose="020B0604020202020204" pitchFamily="34" charset="0"/>
                 <a:cs typeface="Arial" panose="020B0604020202020204" pitchFamily="34" charset="0"/>
               </a:rPr>
               <a:t>Platform that connects local farmers to consumers to reduce food wastage while promoting sustainable consumption. </a:t>
@@ -19525,7 +24710,6 @@
                   </a:srgbClr>
                 </a:outerShdw>
               </a:effectLst>
-              <a:latin typeface="Arial" panose="020B0604020202020204" pitchFamily="34" charset="0"/>
               <a:cs typeface="Arial" panose="020B0604020202020204" pitchFamily="34" charset="0"/>
             </a:endParaRPr>
           </a:p>
@@ -19571,6 +24755,254 @@
   <p:clrMapOvr>
     <a:masterClrMapping/>
   </p:clrMapOvr>
+  <p:timing>
+    <p:tnLst>
+      <p:par>
+        <p:cTn id="1" dur="indefinite" restart="never" nodeType="tmRoot">
+          <p:childTnLst>
+            <p:seq concurrent="1" nextAc="seek">
+              <p:cTn id="2" dur="indefinite" nodeType="mainSeq">
+                <p:childTnLst>
+                  <p:par>
+                    <p:cTn id="3" fill="hold">
+                      <p:stCondLst>
+                        <p:cond delay="indefinite"/>
+                      </p:stCondLst>
+                      <p:childTnLst>
+                        <p:par>
+                          <p:cTn id="4" fill="hold">
+                            <p:stCondLst>
+                              <p:cond delay="0"/>
+                            </p:stCondLst>
+                            <p:childTnLst>
+                              <p:par>
+                                <p:cTn id="5" presetID="42" presetClass="entr" presetSubtype="0" fill="hold" grpId="0" nodeType="clickEffect">
+                                  <p:stCondLst>
+                                    <p:cond delay="0"/>
+                                  </p:stCondLst>
+                                  <p:childTnLst>
+                                    <p:set>
+                                      <p:cBhvr>
+                                        <p:cTn id="6" dur="1" fill="hold">
+                                          <p:stCondLst>
+                                            <p:cond delay="0"/>
+                                          </p:stCondLst>
+                                        </p:cTn>
+                                        <p:tgtEl>
+                                          <p:spTgt spid="2"/>
+                                        </p:tgtEl>
+                                        <p:attrNameLst>
+                                          <p:attrName>style.visibility</p:attrName>
+                                        </p:attrNameLst>
+                                      </p:cBhvr>
+                                      <p:to>
+                                        <p:strVal val="visible"/>
+                                      </p:to>
+                                    </p:set>
+                                    <p:animEffect transition="in" filter="fade">
+                                      <p:cBhvr>
+                                        <p:cTn id="7" dur="1000"/>
+                                        <p:tgtEl>
+                                          <p:spTgt spid="2"/>
+                                        </p:tgtEl>
+                                      </p:cBhvr>
+                                    </p:animEffect>
+                                    <p:anim calcmode="lin" valueType="num">
+                                      <p:cBhvr>
+                                        <p:cTn id="8" dur="1000" fill="hold"/>
+                                        <p:tgtEl>
+                                          <p:spTgt spid="2"/>
+                                        </p:tgtEl>
+                                        <p:attrNameLst>
+                                          <p:attrName>ppt_x</p:attrName>
+                                        </p:attrNameLst>
+                                      </p:cBhvr>
+                                      <p:tavLst>
+                                        <p:tav tm="0">
+                                          <p:val>
+                                            <p:strVal val="#ppt_x"/>
+                                          </p:val>
+                                        </p:tav>
+                                        <p:tav tm="100000">
+                                          <p:val>
+                                            <p:strVal val="#ppt_x"/>
+                                          </p:val>
+                                        </p:tav>
+                                      </p:tavLst>
+                                    </p:anim>
+                                    <p:anim calcmode="lin" valueType="num">
+                                      <p:cBhvr>
+                                        <p:cTn id="9" dur="1000" fill="hold"/>
+                                        <p:tgtEl>
+                                          <p:spTgt spid="2"/>
+                                        </p:tgtEl>
+                                        <p:attrNameLst>
+                                          <p:attrName>ppt_y</p:attrName>
+                                        </p:attrNameLst>
+                                      </p:cBhvr>
+                                      <p:tavLst>
+                                        <p:tav tm="0">
+                                          <p:val>
+                                            <p:strVal val="#ppt_y+.1"/>
+                                          </p:val>
+                                        </p:tav>
+                                        <p:tav tm="100000">
+                                          <p:val>
+                                            <p:strVal val="#ppt_y"/>
+                                          </p:val>
+                                        </p:tav>
+                                      </p:tavLst>
+                                    </p:anim>
+                                  </p:childTnLst>
+                                </p:cTn>
+                              </p:par>
+                            </p:childTnLst>
+                          </p:cTn>
+                        </p:par>
+                      </p:childTnLst>
+                    </p:cTn>
+                  </p:par>
+                  <p:par>
+                    <p:cTn id="10" fill="hold">
+                      <p:stCondLst>
+                        <p:cond delay="indefinite"/>
+                      </p:stCondLst>
+                      <p:childTnLst>
+                        <p:par>
+                          <p:cTn id="11" fill="hold">
+                            <p:stCondLst>
+                              <p:cond delay="0"/>
+                            </p:stCondLst>
+                            <p:childTnLst>
+                              <p:par>
+                                <p:cTn id="12" presetID="42" presetClass="entr" presetSubtype="0" fill="hold" grpId="0" nodeType="clickEffect">
+                                  <p:stCondLst>
+                                    <p:cond delay="0"/>
+                                  </p:stCondLst>
+                                  <p:childTnLst>
+                                    <p:set>
+                                      <p:cBhvr>
+                                        <p:cTn id="13" dur="1" fill="hold">
+                                          <p:stCondLst>
+                                            <p:cond delay="0"/>
+                                          </p:stCondLst>
+                                        </p:cTn>
+                                        <p:tgtEl>
+                                          <p:spTgt spid="3">
+                                            <p:txEl>
+                                              <p:pRg st="0" end="0"/>
+                                            </p:txEl>
+                                          </p:spTgt>
+                                        </p:tgtEl>
+                                        <p:attrNameLst>
+                                          <p:attrName>style.visibility</p:attrName>
+                                        </p:attrNameLst>
+                                      </p:cBhvr>
+                                      <p:to>
+                                        <p:strVal val="visible"/>
+                                      </p:to>
+                                    </p:set>
+                                    <p:animEffect transition="in" filter="fade">
+                                      <p:cBhvr>
+                                        <p:cTn id="14" dur="1000"/>
+                                        <p:tgtEl>
+                                          <p:spTgt spid="3">
+                                            <p:txEl>
+                                              <p:pRg st="0" end="0"/>
+                                            </p:txEl>
+                                          </p:spTgt>
+                                        </p:tgtEl>
+                                      </p:cBhvr>
+                                    </p:animEffect>
+                                    <p:anim calcmode="lin" valueType="num">
+                                      <p:cBhvr>
+                                        <p:cTn id="15" dur="1000" fill="hold"/>
+                                        <p:tgtEl>
+                                          <p:spTgt spid="3">
+                                            <p:txEl>
+                                              <p:pRg st="0" end="0"/>
+                                            </p:txEl>
+                                          </p:spTgt>
+                                        </p:tgtEl>
+                                        <p:attrNameLst>
+                                          <p:attrName>ppt_x</p:attrName>
+                                        </p:attrNameLst>
+                                      </p:cBhvr>
+                                      <p:tavLst>
+                                        <p:tav tm="0">
+                                          <p:val>
+                                            <p:strVal val="#ppt_x"/>
+                                          </p:val>
+                                        </p:tav>
+                                        <p:tav tm="100000">
+                                          <p:val>
+                                            <p:strVal val="#ppt_x"/>
+                                          </p:val>
+                                        </p:tav>
+                                      </p:tavLst>
+                                    </p:anim>
+                                    <p:anim calcmode="lin" valueType="num">
+                                      <p:cBhvr>
+                                        <p:cTn id="16" dur="1000" fill="hold"/>
+                                        <p:tgtEl>
+                                          <p:spTgt spid="3">
+                                            <p:txEl>
+                                              <p:pRg st="0" end="0"/>
+                                            </p:txEl>
+                                          </p:spTgt>
+                                        </p:tgtEl>
+                                        <p:attrNameLst>
+                                          <p:attrName>ppt_y</p:attrName>
+                                        </p:attrNameLst>
+                                      </p:cBhvr>
+                                      <p:tavLst>
+                                        <p:tav tm="0">
+                                          <p:val>
+                                            <p:strVal val="#ppt_y+.1"/>
+                                          </p:val>
+                                        </p:tav>
+                                        <p:tav tm="100000">
+                                          <p:val>
+                                            <p:strVal val="#ppt_y"/>
+                                          </p:val>
+                                        </p:tav>
+                                      </p:tavLst>
+                                    </p:anim>
+                                  </p:childTnLst>
+                                </p:cTn>
+                              </p:par>
+                            </p:childTnLst>
+                          </p:cTn>
+                        </p:par>
+                      </p:childTnLst>
+                    </p:cTn>
+                  </p:par>
+                </p:childTnLst>
+              </p:cTn>
+              <p:prevCondLst>
+                <p:cond evt="onPrev" delay="0">
+                  <p:tgtEl>
+                    <p:sldTgt/>
+                  </p:tgtEl>
+                </p:cond>
+              </p:prevCondLst>
+              <p:nextCondLst>
+                <p:cond evt="onNext" delay="0">
+                  <p:tgtEl>
+                    <p:sldTgt/>
+                  </p:tgtEl>
+                </p:cond>
+              </p:nextCondLst>
+            </p:seq>
+          </p:childTnLst>
+        </p:cTn>
+      </p:par>
+    </p:tnLst>
+    <p:bldLst>
+      <p:bldP spid="2" grpId="0"/>
+      <p:bldP spid="3" grpId="0" build="p"/>
+    </p:bldLst>
+  </p:timing>
 </p:sld>
 </file>
 
@@ -19651,65 +25083,62 @@
         </p:nvSpPr>
         <p:spPr>
           <a:xfrm>
-            <a:off x="914400" y="1906904"/>
-            <a:ext cx="6696075" cy="3789045"/>
+            <a:off x="914400" y="1574276"/>
+            <a:ext cx="6696075" cy="4798244"/>
           </a:xfrm>
         </p:spPr>
         <p:txBody>
           <a:bodyPr>
-            <a:normAutofit fontScale="70000" lnSpcReduction="20000"/>
+            <a:normAutofit/>
           </a:bodyPr>
           <a:lstStyle/>
           <a:p>
-            <a:endParaRPr lang="en-US" dirty="0"/>
-          </a:p>
-          <a:p>
-            <a:pPr marL="342900" indent="-342900">
-              <a:buFont typeface="Courier New" panose="02070309020205020404" pitchFamily="49" charset="0"/>
-              <a:buChar char="o"/>
+            <a:pPr marL="285750" indent="-285750">
+              <a:buFont typeface="Arial" panose="020B0604020202020204" pitchFamily="34" charset="0"/>
+              <a:buChar char="•"/>
             </a:pPr>
             <a:r>
-              <a:rPr lang="en-US" dirty="0"/>
+              <a:rPr lang="en-US" sz="1800" dirty="0"/>
               <a:t>Digital marketplace connecting farmers directly with consumers to sell produce, reducing middlemen and food waste in distribution.</a:t>
             </a:r>
           </a:p>
           <a:p>
-            <a:pPr marL="342900" indent="-342900">
-              <a:buFont typeface="Courier New" panose="02070309020205020404" pitchFamily="49" charset="0"/>
-              <a:buChar char="o"/>
+            <a:pPr marL="285750" indent="-285750">
+              <a:buFont typeface="Arial" panose="020B0604020202020204" pitchFamily="34" charset="0"/>
+              <a:buChar char="•"/>
             </a:pPr>
             <a:r>
-              <a:rPr lang="en-US" dirty="0"/>
+              <a:rPr lang="en-US" sz="1800" dirty="0"/>
               <a:t>Transparency in farming practices and produce origin empowers consumers to make informed purchasing decisions.</a:t>
             </a:r>
           </a:p>
           <a:p>
-            <a:pPr marL="342900" indent="-342900">
-              <a:buFont typeface="Courier New" panose="02070309020205020404" pitchFamily="49" charset="0"/>
-              <a:buChar char="o"/>
+            <a:pPr marL="285750" indent="-285750">
+              <a:buFont typeface="Arial" panose="020B0604020202020204" pitchFamily="34" charset="0"/>
+              <a:buChar char="•"/>
             </a:pPr>
             <a:r>
-              <a:rPr lang="en-US" dirty="0"/>
+              <a:rPr lang="en-US" sz="1800" dirty="0"/>
               <a:t>Efficient logistics optimize transportation, minimizing environmental impact.</a:t>
             </a:r>
           </a:p>
           <a:p>
-            <a:pPr marL="342900" indent="-342900">
-              <a:buFont typeface="Courier New" panose="02070309020205020404" pitchFamily="49" charset="0"/>
-              <a:buChar char="o"/>
+            <a:pPr marL="285750" indent="-285750">
+              <a:buFont typeface="Arial" panose="020B0604020202020204" pitchFamily="34" charset="0"/>
+              <a:buChar char="•"/>
             </a:pPr>
             <a:r>
-              <a:rPr lang="en-US" dirty="0"/>
+              <a:rPr lang="en-US" sz="1800" dirty="0"/>
               <a:t>Surplus management features facilitate sale of excess or imperfect produce, reducing waste.</a:t>
             </a:r>
           </a:p>
           <a:p>
-            <a:pPr marL="342900" indent="-342900">
-              <a:buFont typeface="Courier New" panose="02070309020205020404" pitchFamily="49" charset="0"/>
-              <a:buChar char="o"/>
+            <a:pPr marL="285750" indent="-285750">
+              <a:buFont typeface="Arial" panose="020B0604020202020204" pitchFamily="34" charset="0"/>
+              <a:buChar char="•"/>
             </a:pPr>
             <a:r>
-              <a:rPr lang="en-US" dirty="0"/>
+              <a:rPr lang="en-US" sz="1800" dirty="0"/>
               <a:t>Consumer education resources promote sustainable food choices, fostering a more efficient food system.</a:t>
             </a:r>
           </a:p>
@@ -19760,6 +25189,646 @@
   <p:clrMapOvr>
     <a:masterClrMapping/>
   </p:clrMapOvr>
+  <p:timing>
+    <p:tnLst>
+      <p:par>
+        <p:cTn id="1" dur="indefinite" restart="never" nodeType="tmRoot">
+          <p:childTnLst>
+            <p:seq concurrent="1" nextAc="seek">
+              <p:cTn id="2" dur="indefinite" nodeType="mainSeq">
+                <p:childTnLst>
+                  <p:par>
+                    <p:cTn id="3" fill="hold">
+                      <p:stCondLst>
+                        <p:cond delay="indefinite"/>
+                      </p:stCondLst>
+                      <p:childTnLst>
+                        <p:par>
+                          <p:cTn id="4" fill="hold">
+                            <p:stCondLst>
+                              <p:cond delay="0"/>
+                            </p:stCondLst>
+                            <p:childTnLst>
+                              <p:par>
+                                <p:cTn id="5" presetID="2" presetClass="entr" presetSubtype="4" fill="hold" grpId="0" nodeType="clickEffect">
+                                  <p:stCondLst>
+                                    <p:cond delay="0"/>
+                                  </p:stCondLst>
+                                  <p:childTnLst>
+                                    <p:set>
+                                      <p:cBhvr>
+                                        <p:cTn id="6" dur="1" fill="hold">
+                                          <p:stCondLst>
+                                            <p:cond delay="0"/>
+                                          </p:stCondLst>
+                                        </p:cTn>
+                                        <p:tgtEl>
+                                          <p:spTgt spid="2"/>
+                                        </p:tgtEl>
+                                        <p:attrNameLst>
+                                          <p:attrName>style.visibility</p:attrName>
+                                        </p:attrNameLst>
+                                      </p:cBhvr>
+                                      <p:to>
+                                        <p:strVal val="visible"/>
+                                      </p:to>
+                                    </p:set>
+                                    <p:anim calcmode="lin" valueType="num">
+                                      <p:cBhvr additive="base">
+                                        <p:cTn id="7" dur="500" fill="hold"/>
+                                        <p:tgtEl>
+                                          <p:spTgt spid="2"/>
+                                        </p:tgtEl>
+                                        <p:attrNameLst>
+                                          <p:attrName>ppt_x</p:attrName>
+                                        </p:attrNameLst>
+                                      </p:cBhvr>
+                                      <p:tavLst>
+                                        <p:tav tm="0">
+                                          <p:val>
+                                            <p:strVal val="#ppt_x"/>
+                                          </p:val>
+                                        </p:tav>
+                                        <p:tav tm="100000">
+                                          <p:val>
+                                            <p:strVal val="#ppt_x"/>
+                                          </p:val>
+                                        </p:tav>
+                                      </p:tavLst>
+                                    </p:anim>
+                                    <p:anim calcmode="lin" valueType="num">
+                                      <p:cBhvr additive="base">
+                                        <p:cTn id="8" dur="500" fill="hold"/>
+                                        <p:tgtEl>
+                                          <p:spTgt spid="2"/>
+                                        </p:tgtEl>
+                                        <p:attrNameLst>
+                                          <p:attrName>ppt_y</p:attrName>
+                                        </p:attrNameLst>
+                                      </p:cBhvr>
+                                      <p:tavLst>
+                                        <p:tav tm="0">
+                                          <p:val>
+                                            <p:strVal val="1+#ppt_h/2"/>
+                                          </p:val>
+                                        </p:tav>
+                                        <p:tav tm="100000">
+                                          <p:val>
+                                            <p:strVal val="#ppt_y"/>
+                                          </p:val>
+                                        </p:tav>
+                                      </p:tavLst>
+                                    </p:anim>
+                                  </p:childTnLst>
+                                </p:cTn>
+                              </p:par>
+                            </p:childTnLst>
+                          </p:cTn>
+                        </p:par>
+                      </p:childTnLst>
+                    </p:cTn>
+                  </p:par>
+                  <p:par>
+                    <p:cTn id="9" fill="hold">
+                      <p:stCondLst>
+                        <p:cond delay="indefinite"/>
+                      </p:stCondLst>
+                      <p:childTnLst>
+                        <p:par>
+                          <p:cTn id="10" fill="hold">
+                            <p:stCondLst>
+                              <p:cond delay="0"/>
+                            </p:stCondLst>
+                            <p:childTnLst>
+                              <p:par>
+                                <p:cTn id="11" presetID="2" presetClass="entr" presetSubtype="4" fill="hold" grpId="0" nodeType="clickEffect">
+                                  <p:stCondLst>
+                                    <p:cond delay="0"/>
+                                  </p:stCondLst>
+                                  <p:childTnLst>
+                                    <p:set>
+                                      <p:cBhvr>
+                                        <p:cTn id="12" dur="1" fill="hold">
+                                          <p:stCondLst>
+                                            <p:cond delay="0"/>
+                                          </p:stCondLst>
+                                        </p:cTn>
+                                        <p:tgtEl>
+                                          <p:spTgt spid="3">
+                                            <p:txEl>
+                                              <p:pRg st="0" end="0"/>
+                                            </p:txEl>
+                                          </p:spTgt>
+                                        </p:tgtEl>
+                                        <p:attrNameLst>
+                                          <p:attrName>style.visibility</p:attrName>
+                                        </p:attrNameLst>
+                                      </p:cBhvr>
+                                      <p:to>
+                                        <p:strVal val="visible"/>
+                                      </p:to>
+                                    </p:set>
+                                    <p:anim calcmode="lin" valueType="num">
+                                      <p:cBhvr additive="base">
+                                        <p:cTn id="13" dur="500" fill="hold"/>
+                                        <p:tgtEl>
+                                          <p:spTgt spid="3">
+                                            <p:txEl>
+                                              <p:pRg st="0" end="0"/>
+                                            </p:txEl>
+                                          </p:spTgt>
+                                        </p:tgtEl>
+                                        <p:attrNameLst>
+                                          <p:attrName>ppt_x</p:attrName>
+                                        </p:attrNameLst>
+                                      </p:cBhvr>
+                                      <p:tavLst>
+                                        <p:tav tm="0">
+                                          <p:val>
+                                            <p:strVal val="#ppt_x"/>
+                                          </p:val>
+                                        </p:tav>
+                                        <p:tav tm="100000">
+                                          <p:val>
+                                            <p:strVal val="#ppt_x"/>
+                                          </p:val>
+                                        </p:tav>
+                                      </p:tavLst>
+                                    </p:anim>
+                                    <p:anim calcmode="lin" valueType="num">
+                                      <p:cBhvr additive="base">
+                                        <p:cTn id="14" dur="500" fill="hold"/>
+                                        <p:tgtEl>
+                                          <p:spTgt spid="3">
+                                            <p:txEl>
+                                              <p:pRg st="0" end="0"/>
+                                            </p:txEl>
+                                          </p:spTgt>
+                                        </p:tgtEl>
+                                        <p:attrNameLst>
+                                          <p:attrName>ppt_y</p:attrName>
+                                        </p:attrNameLst>
+                                      </p:cBhvr>
+                                      <p:tavLst>
+                                        <p:tav tm="0">
+                                          <p:val>
+                                            <p:strVal val="1+#ppt_h/2"/>
+                                          </p:val>
+                                        </p:tav>
+                                        <p:tav tm="100000">
+                                          <p:val>
+                                            <p:strVal val="#ppt_y"/>
+                                          </p:val>
+                                        </p:tav>
+                                      </p:tavLst>
+                                    </p:anim>
+                                  </p:childTnLst>
+                                </p:cTn>
+                              </p:par>
+                            </p:childTnLst>
+                          </p:cTn>
+                        </p:par>
+                      </p:childTnLst>
+                    </p:cTn>
+                  </p:par>
+                  <p:par>
+                    <p:cTn id="15" fill="hold">
+                      <p:stCondLst>
+                        <p:cond delay="indefinite"/>
+                      </p:stCondLst>
+                      <p:childTnLst>
+                        <p:par>
+                          <p:cTn id="16" fill="hold">
+                            <p:stCondLst>
+                              <p:cond delay="0"/>
+                            </p:stCondLst>
+                            <p:childTnLst>
+                              <p:par>
+                                <p:cTn id="17" presetID="2" presetClass="entr" presetSubtype="4" fill="hold" grpId="0" nodeType="clickEffect">
+                                  <p:stCondLst>
+                                    <p:cond delay="0"/>
+                                  </p:stCondLst>
+                                  <p:childTnLst>
+                                    <p:set>
+                                      <p:cBhvr>
+                                        <p:cTn id="18" dur="1" fill="hold">
+                                          <p:stCondLst>
+                                            <p:cond delay="0"/>
+                                          </p:stCondLst>
+                                        </p:cTn>
+                                        <p:tgtEl>
+                                          <p:spTgt spid="3">
+                                            <p:txEl>
+                                              <p:pRg st="1" end="1"/>
+                                            </p:txEl>
+                                          </p:spTgt>
+                                        </p:tgtEl>
+                                        <p:attrNameLst>
+                                          <p:attrName>style.visibility</p:attrName>
+                                        </p:attrNameLst>
+                                      </p:cBhvr>
+                                      <p:to>
+                                        <p:strVal val="visible"/>
+                                      </p:to>
+                                    </p:set>
+                                    <p:anim calcmode="lin" valueType="num">
+                                      <p:cBhvr additive="base">
+                                        <p:cTn id="19" dur="500" fill="hold"/>
+                                        <p:tgtEl>
+                                          <p:spTgt spid="3">
+                                            <p:txEl>
+                                              <p:pRg st="1" end="1"/>
+                                            </p:txEl>
+                                          </p:spTgt>
+                                        </p:tgtEl>
+                                        <p:attrNameLst>
+                                          <p:attrName>ppt_x</p:attrName>
+                                        </p:attrNameLst>
+                                      </p:cBhvr>
+                                      <p:tavLst>
+                                        <p:tav tm="0">
+                                          <p:val>
+                                            <p:strVal val="#ppt_x"/>
+                                          </p:val>
+                                        </p:tav>
+                                        <p:tav tm="100000">
+                                          <p:val>
+                                            <p:strVal val="#ppt_x"/>
+                                          </p:val>
+                                        </p:tav>
+                                      </p:tavLst>
+                                    </p:anim>
+                                    <p:anim calcmode="lin" valueType="num">
+                                      <p:cBhvr additive="base">
+                                        <p:cTn id="20" dur="500" fill="hold"/>
+                                        <p:tgtEl>
+                                          <p:spTgt spid="3">
+                                            <p:txEl>
+                                              <p:pRg st="1" end="1"/>
+                                            </p:txEl>
+                                          </p:spTgt>
+                                        </p:tgtEl>
+                                        <p:attrNameLst>
+                                          <p:attrName>ppt_y</p:attrName>
+                                        </p:attrNameLst>
+                                      </p:cBhvr>
+                                      <p:tavLst>
+                                        <p:tav tm="0">
+                                          <p:val>
+                                            <p:strVal val="1+#ppt_h/2"/>
+                                          </p:val>
+                                        </p:tav>
+                                        <p:tav tm="100000">
+                                          <p:val>
+                                            <p:strVal val="#ppt_y"/>
+                                          </p:val>
+                                        </p:tav>
+                                      </p:tavLst>
+                                    </p:anim>
+                                  </p:childTnLst>
+                                </p:cTn>
+                              </p:par>
+                            </p:childTnLst>
+                          </p:cTn>
+                        </p:par>
+                      </p:childTnLst>
+                    </p:cTn>
+                  </p:par>
+                  <p:par>
+                    <p:cTn id="21" fill="hold">
+                      <p:stCondLst>
+                        <p:cond delay="indefinite"/>
+                      </p:stCondLst>
+                      <p:childTnLst>
+                        <p:par>
+                          <p:cTn id="22" fill="hold">
+                            <p:stCondLst>
+                              <p:cond delay="0"/>
+                            </p:stCondLst>
+                            <p:childTnLst>
+                              <p:par>
+                                <p:cTn id="23" presetID="2" presetClass="entr" presetSubtype="4" fill="hold" grpId="0" nodeType="clickEffect">
+                                  <p:stCondLst>
+                                    <p:cond delay="0"/>
+                                  </p:stCondLst>
+                                  <p:childTnLst>
+                                    <p:set>
+                                      <p:cBhvr>
+                                        <p:cTn id="24" dur="1" fill="hold">
+                                          <p:stCondLst>
+                                            <p:cond delay="0"/>
+                                          </p:stCondLst>
+                                        </p:cTn>
+                                        <p:tgtEl>
+                                          <p:spTgt spid="3">
+                                            <p:txEl>
+                                              <p:pRg st="2" end="2"/>
+                                            </p:txEl>
+                                          </p:spTgt>
+                                        </p:tgtEl>
+                                        <p:attrNameLst>
+                                          <p:attrName>style.visibility</p:attrName>
+                                        </p:attrNameLst>
+                                      </p:cBhvr>
+                                      <p:to>
+                                        <p:strVal val="visible"/>
+                                      </p:to>
+                                    </p:set>
+                                    <p:anim calcmode="lin" valueType="num">
+                                      <p:cBhvr additive="base">
+                                        <p:cTn id="25" dur="500" fill="hold"/>
+                                        <p:tgtEl>
+                                          <p:spTgt spid="3">
+                                            <p:txEl>
+                                              <p:pRg st="2" end="2"/>
+                                            </p:txEl>
+                                          </p:spTgt>
+                                        </p:tgtEl>
+                                        <p:attrNameLst>
+                                          <p:attrName>ppt_x</p:attrName>
+                                        </p:attrNameLst>
+                                      </p:cBhvr>
+                                      <p:tavLst>
+                                        <p:tav tm="0">
+                                          <p:val>
+                                            <p:strVal val="#ppt_x"/>
+                                          </p:val>
+                                        </p:tav>
+                                        <p:tav tm="100000">
+                                          <p:val>
+                                            <p:strVal val="#ppt_x"/>
+                                          </p:val>
+                                        </p:tav>
+                                      </p:tavLst>
+                                    </p:anim>
+                                    <p:anim calcmode="lin" valueType="num">
+                                      <p:cBhvr additive="base">
+                                        <p:cTn id="26" dur="500" fill="hold"/>
+                                        <p:tgtEl>
+                                          <p:spTgt spid="3">
+                                            <p:txEl>
+                                              <p:pRg st="2" end="2"/>
+                                            </p:txEl>
+                                          </p:spTgt>
+                                        </p:tgtEl>
+                                        <p:attrNameLst>
+                                          <p:attrName>ppt_y</p:attrName>
+                                        </p:attrNameLst>
+                                      </p:cBhvr>
+                                      <p:tavLst>
+                                        <p:tav tm="0">
+                                          <p:val>
+                                            <p:strVal val="1+#ppt_h/2"/>
+                                          </p:val>
+                                        </p:tav>
+                                        <p:tav tm="100000">
+                                          <p:val>
+                                            <p:strVal val="#ppt_y"/>
+                                          </p:val>
+                                        </p:tav>
+                                      </p:tavLst>
+                                    </p:anim>
+                                  </p:childTnLst>
+                                </p:cTn>
+                              </p:par>
+                            </p:childTnLst>
+                          </p:cTn>
+                        </p:par>
+                      </p:childTnLst>
+                    </p:cTn>
+                  </p:par>
+                  <p:par>
+                    <p:cTn id="27" fill="hold">
+                      <p:stCondLst>
+                        <p:cond delay="indefinite"/>
+                      </p:stCondLst>
+                      <p:childTnLst>
+                        <p:par>
+                          <p:cTn id="28" fill="hold">
+                            <p:stCondLst>
+                              <p:cond delay="0"/>
+                            </p:stCondLst>
+                            <p:childTnLst>
+                              <p:par>
+                                <p:cTn id="29" presetID="2" presetClass="entr" presetSubtype="4" fill="hold" grpId="0" nodeType="clickEffect">
+                                  <p:stCondLst>
+                                    <p:cond delay="0"/>
+                                  </p:stCondLst>
+                                  <p:childTnLst>
+                                    <p:set>
+                                      <p:cBhvr>
+                                        <p:cTn id="30" dur="1" fill="hold">
+                                          <p:stCondLst>
+                                            <p:cond delay="0"/>
+                                          </p:stCondLst>
+                                        </p:cTn>
+                                        <p:tgtEl>
+                                          <p:spTgt spid="3">
+                                            <p:txEl>
+                                              <p:pRg st="3" end="3"/>
+                                            </p:txEl>
+                                          </p:spTgt>
+                                        </p:tgtEl>
+                                        <p:attrNameLst>
+                                          <p:attrName>style.visibility</p:attrName>
+                                        </p:attrNameLst>
+                                      </p:cBhvr>
+                                      <p:to>
+                                        <p:strVal val="visible"/>
+                                      </p:to>
+                                    </p:set>
+                                    <p:anim calcmode="lin" valueType="num">
+                                      <p:cBhvr additive="base">
+                                        <p:cTn id="31" dur="500" fill="hold"/>
+                                        <p:tgtEl>
+                                          <p:spTgt spid="3">
+                                            <p:txEl>
+                                              <p:pRg st="3" end="3"/>
+                                            </p:txEl>
+                                          </p:spTgt>
+                                        </p:tgtEl>
+                                        <p:attrNameLst>
+                                          <p:attrName>ppt_x</p:attrName>
+                                        </p:attrNameLst>
+                                      </p:cBhvr>
+                                      <p:tavLst>
+                                        <p:tav tm="0">
+                                          <p:val>
+                                            <p:strVal val="#ppt_x"/>
+                                          </p:val>
+                                        </p:tav>
+                                        <p:tav tm="100000">
+                                          <p:val>
+                                            <p:strVal val="#ppt_x"/>
+                                          </p:val>
+                                        </p:tav>
+                                      </p:tavLst>
+                                    </p:anim>
+                                    <p:anim calcmode="lin" valueType="num">
+                                      <p:cBhvr additive="base">
+                                        <p:cTn id="32" dur="500" fill="hold"/>
+                                        <p:tgtEl>
+                                          <p:spTgt spid="3">
+                                            <p:txEl>
+                                              <p:pRg st="3" end="3"/>
+                                            </p:txEl>
+                                          </p:spTgt>
+                                        </p:tgtEl>
+                                        <p:attrNameLst>
+                                          <p:attrName>ppt_y</p:attrName>
+                                        </p:attrNameLst>
+                                      </p:cBhvr>
+                                      <p:tavLst>
+                                        <p:tav tm="0">
+                                          <p:val>
+                                            <p:strVal val="1+#ppt_h/2"/>
+                                          </p:val>
+                                        </p:tav>
+                                        <p:tav tm="100000">
+                                          <p:val>
+                                            <p:strVal val="#ppt_y"/>
+                                          </p:val>
+                                        </p:tav>
+                                      </p:tavLst>
+                                    </p:anim>
+                                  </p:childTnLst>
+                                </p:cTn>
+                              </p:par>
+                            </p:childTnLst>
+                          </p:cTn>
+                        </p:par>
+                      </p:childTnLst>
+                    </p:cTn>
+                  </p:par>
+                  <p:par>
+                    <p:cTn id="33" fill="hold">
+                      <p:stCondLst>
+                        <p:cond delay="indefinite"/>
+                      </p:stCondLst>
+                      <p:childTnLst>
+                        <p:par>
+                          <p:cTn id="34" fill="hold">
+                            <p:stCondLst>
+                              <p:cond delay="0"/>
+                            </p:stCondLst>
+                            <p:childTnLst>
+                              <p:par>
+                                <p:cTn id="35" presetID="2" presetClass="entr" presetSubtype="4" fill="hold" grpId="0" nodeType="clickEffect">
+                                  <p:stCondLst>
+                                    <p:cond delay="0"/>
+                                  </p:stCondLst>
+                                  <p:childTnLst>
+                                    <p:set>
+                                      <p:cBhvr>
+                                        <p:cTn id="36" dur="1" fill="hold">
+                                          <p:stCondLst>
+                                            <p:cond delay="0"/>
+                                          </p:stCondLst>
+                                        </p:cTn>
+                                        <p:tgtEl>
+                                          <p:spTgt spid="3">
+                                            <p:txEl>
+                                              <p:pRg st="4" end="4"/>
+                                            </p:txEl>
+                                          </p:spTgt>
+                                        </p:tgtEl>
+                                        <p:attrNameLst>
+                                          <p:attrName>style.visibility</p:attrName>
+                                        </p:attrNameLst>
+                                      </p:cBhvr>
+                                      <p:to>
+                                        <p:strVal val="visible"/>
+                                      </p:to>
+                                    </p:set>
+                                    <p:anim calcmode="lin" valueType="num">
+                                      <p:cBhvr additive="base">
+                                        <p:cTn id="37" dur="500" fill="hold"/>
+                                        <p:tgtEl>
+                                          <p:spTgt spid="3">
+                                            <p:txEl>
+                                              <p:pRg st="4" end="4"/>
+                                            </p:txEl>
+                                          </p:spTgt>
+                                        </p:tgtEl>
+                                        <p:attrNameLst>
+                                          <p:attrName>ppt_x</p:attrName>
+                                        </p:attrNameLst>
+                                      </p:cBhvr>
+                                      <p:tavLst>
+                                        <p:tav tm="0">
+                                          <p:val>
+                                            <p:strVal val="#ppt_x"/>
+                                          </p:val>
+                                        </p:tav>
+                                        <p:tav tm="100000">
+                                          <p:val>
+                                            <p:strVal val="#ppt_x"/>
+                                          </p:val>
+                                        </p:tav>
+                                      </p:tavLst>
+                                    </p:anim>
+                                    <p:anim calcmode="lin" valueType="num">
+                                      <p:cBhvr additive="base">
+                                        <p:cTn id="38" dur="500" fill="hold"/>
+                                        <p:tgtEl>
+                                          <p:spTgt spid="3">
+                                            <p:txEl>
+                                              <p:pRg st="4" end="4"/>
+                                            </p:txEl>
+                                          </p:spTgt>
+                                        </p:tgtEl>
+                                        <p:attrNameLst>
+                                          <p:attrName>ppt_y</p:attrName>
+                                        </p:attrNameLst>
+                                      </p:cBhvr>
+                                      <p:tavLst>
+                                        <p:tav tm="0">
+                                          <p:val>
+                                            <p:strVal val="1+#ppt_h/2"/>
+                                          </p:val>
+                                        </p:tav>
+                                        <p:tav tm="100000">
+                                          <p:val>
+                                            <p:strVal val="#ppt_y"/>
+                                          </p:val>
+                                        </p:tav>
+                                      </p:tavLst>
+                                    </p:anim>
+                                  </p:childTnLst>
+                                </p:cTn>
+                              </p:par>
+                            </p:childTnLst>
+                          </p:cTn>
+                        </p:par>
+                      </p:childTnLst>
+                    </p:cTn>
+                  </p:par>
+                </p:childTnLst>
+              </p:cTn>
+              <p:prevCondLst>
+                <p:cond evt="onPrev" delay="0">
+                  <p:tgtEl>
+                    <p:sldTgt/>
+                  </p:tgtEl>
+                </p:cond>
+              </p:prevCondLst>
+              <p:nextCondLst>
+                <p:cond evt="onNext" delay="0">
+                  <p:tgtEl>
+                    <p:sldTgt/>
+                  </p:tgtEl>
+                </p:cond>
+              </p:nextCondLst>
+            </p:seq>
+          </p:childTnLst>
+        </p:cTn>
+      </p:par>
+    </p:tnLst>
+    <p:bldLst>
+      <p:bldP spid="2" grpId="0"/>
+      <p:bldP spid="3" grpId="0" build="p"/>
+    </p:bldLst>
+  </p:timing>
 </p:sld>
 </file>
 
@@ -19798,7 +25867,7 @@
         </p:nvSpPr>
         <p:spPr>
           <a:xfrm>
-            <a:off x="914400" y="1303283"/>
+            <a:off x="980388" y="702686"/>
             <a:ext cx="6583680" cy="1531357"/>
           </a:xfrm>
         </p:spPr>
@@ -19947,6 +26016,283 @@
   <p:clrMapOvr>
     <a:masterClrMapping/>
   </p:clrMapOvr>
+  <p:timing>
+    <p:tnLst>
+      <p:par>
+        <p:cTn id="1" dur="indefinite" restart="never" nodeType="tmRoot">
+          <p:childTnLst>
+            <p:seq concurrent="1" nextAc="seek">
+              <p:cTn id="2" dur="indefinite" nodeType="mainSeq">
+                <p:childTnLst>
+                  <p:par>
+                    <p:cTn id="3" fill="hold">
+                      <p:stCondLst>
+                        <p:cond delay="indefinite"/>
+                      </p:stCondLst>
+                      <p:childTnLst>
+                        <p:par>
+                          <p:cTn id="4" fill="hold">
+                            <p:stCondLst>
+                              <p:cond delay="0"/>
+                            </p:stCondLst>
+                            <p:childTnLst>
+                              <p:par>
+                                <p:cTn id="5" presetID="2" presetClass="entr" presetSubtype="4" fill="hold" grpId="0" nodeType="clickEffect">
+                                  <p:stCondLst>
+                                    <p:cond delay="0"/>
+                                  </p:stCondLst>
+                                  <p:childTnLst>
+                                    <p:set>
+                                      <p:cBhvr>
+                                        <p:cTn id="6" dur="1" fill="hold">
+                                          <p:stCondLst>
+                                            <p:cond delay="0"/>
+                                          </p:stCondLst>
+                                        </p:cTn>
+                                        <p:tgtEl>
+                                          <p:spTgt spid="2"/>
+                                        </p:tgtEl>
+                                        <p:attrNameLst>
+                                          <p:attrName>style.visibility</p:attrName>
+                                        </p:attrNameLst>
+                                      </p:cBhvr>
+                                      <p:to>
+                                        <p:strVal val="visible"/>
+                                      </p:to>
+                                    </p:set>
+                                    <p:anim calcmode="lin" valueType="num">
+                                      <p:cBhvr additive="base">
+                                        <p:cTn id="7" dur="500" fill="hold"/>
+                                        <p:tgtEl>
+                                          <p:spTgt spid="2"/>
+                                        </p:tgtEl>
+                                        <p:attrNameLst>
+                                          <p:attrName>ppt_x</p:attrName>
+                                        </p:attrNameLst>
+                                      </p:cBhvr>
+                                      <p:tavLst>
+                                        <p:tav tm="0">
+                                          <p:val>
+                                            <p:strVal val="#ppt_x"/>
+                                          </p:val>
+                                        </p:tav>
+                                        <p:tav tm="100000">
+                                          <p:val>
+                                            <p:strVal val="#ppt_x"/>
+                                          </p:val>
+                                        </p:tav>
+                                      </p:tavLst>
+                                    </p:anim>
+                                    <p:anim calcmode="lin" valueType="num">
+                                      <p:cBhvr additive="base">
+                                        <p:cTn id="8" dur="500" fill="hold"/>
+                                        <p:tgtEl>
+                                          <p:spTgt spid="2"/>
+                                        </p:tgtEl>
+                                        <p:attrNameLst>
+                                          <p:attrName>ppt_y</p:attrName>
+                                        </p:attrNameLst>
+                                      </p:cBhvr>
+                                      <p:tavLst>
+                                        <p:tav tm="0">
+                                          <p:val>
+                                            <p:strVal val="1+#ppt_h/2"/>
+                                          </p:val>
+                                        </p:tav>
+                                        <p:tav tm="100000">
+                                          <p:val>
+                                            <p:strVal val="#ppt_y"/>
+                                          </p:val>
+                                        </p:tav>
+                                      </p:tavLst>
+                                    </p:anim>
+                                  </p:childTnLst>
+                                </p:cTn>
+                              </p:par>
+                            </p:childTnLst>
+                          </p:cTn>
+                        </p:par>
+                      </p:childTnLst>
+                    </p:cTn>
+                  </p:par>
+                  <p:par>
+                    <p:cTn id="9" fill="hold">
+                      <p:stCondLst>
+                        <p:cond delay="indefinite"/>
+                      </p:stCondLst>
+                      <p:childTnLst>
+                        <p:par>
+                          <p:cTn id="10" fill="hold">
+                            <p:stCondLst>
+                              <p:cond delay="0"/>
+                            </p:stCondLst>
+                            <p:childTnLst>
+                              <p:par>
+                                <p:cTn id="11" presetID="16" presetClass="entr" presetSubtype="21" fill="hold" grpId="0" nodeType="clickEffect">
+                                  <p:stCondLst>
+                                    <p:cond delay="0"/>
+                                  </p:stCondLst>
+                                  <p:childTnLst>
+                                    <p:set>
+                                      <p:cBhvr>
+                                        <p:cTn id="12" dur="1" fill="hold">
+                                          <p:stCondLst>
+                                            <p:cond delay="0"/>
+                                          </p:stCondLst>
+                                        </p:cTn>
+                                        <p:tgtEl>
+                                          <p:spTgt spid="3">
+                                            <p:txEl>
+                                              <p:pRg st="0" end="0"/>
+                                            </p:txEl>
+                                          </p:spTgt>
+                                        </p:tgtEl>
+                                        <p:attrNameLst>
+                                          <p:attrName>style.visibility</p:attrName>
+                                        </p:attrNameLst>
+                                      </p:cBhvr>
+                                      <p:to>
+                                        <p:strVal val="visible"/>
+                                      </p:to>
+                                    </p:set>
+                                    <p:animEffect transition="in" filter="barn(inVertical)">
+                                      <p:cBhvr>
+                                        <p:cTn id="13" dur="500"/>
+                                        <p:tgtEl>
+                                          <p:spTgt spid="3">
+                                            <p:txEl>
+                                              <p:pRg st="0" end="0"/>
+                                            </p:txEl>
+                                          </p:spTgt>
+                                        </p:tgtEl>
+                                      </p:cBhvr>
+                                    </p:animEffect>
+                                  </p:childTnLst>
+                                </p:cTn>
+                              </p:par>
+                            </p:childTnLst>
+                          </p:cTn>
+                        </p:par>
+                      </p:childTnLst>
+                    </p:cTn>
+                  </p:par>
+                  <p:par>
+                    <p:cTn id="14" fill="hold">
+                      <p:stCondLst>
+                        <p:cond delay="indefinite"/>
+                      </p:stCondLst>
+                      <p:childTnLst>
+                        <p:par>
+                          <p:cTn id="15" fill="hold">
+                            <p:stCondLst>
+                              <p:cond delay="0"/>
+                            </p:stCondLst>
+                            <p:childTnLst>
+                              <p:par>
+                                <p:cTn id="16" presetID="2" presetClass="entr" presetSubtype="4" fill="hold" nodeType="clickEffect">
+                                  <p:stCondLst>
+                                    <p:cond delay="0"/>
+                                  </p:stCondLst>
+                                  <p:childTnLst>
+                                    <p:set>
+                                      <p:cBhvr>
+                                        <p:cTn id="17" dur="1" fill="hold">
+                                          <p:stCondLst>
+                                            <p:cond delay="0"/>
+                                          </p:stCondLst>
+                                        </p:cTn>
+                                        <p:tgtEl>
+                                          <p:spTgt spid="5"/>
+                                        </p:tgtEl>
+                                        <p:attrNameLst>
+                                          <p:attrName>style.visibility</p:attrName>
+                                        </p:attrNameLst>
+                                      </p:cBhvr>
+                                      <p:to>
+                                        <p:strVal val="visible"/>
+                                      </p:to>
+                                    </p:set>
+                                    <p:anim calcmode="lin" valueType="num">
+                                      <p:cBhvr additive="base">
+                                        <p:cTn id="18" dur="500" fill="hold"/>
+                                        <p:tgtEl>
+                                          <p:spTgt spid="5"/>
+                                        </p:tgtEl>
+                                        <p:attrNameLst>
+                                          <p:attrName>ppt_x</p:attrName>
+                                        </p:attrNameLst>
+                                      </p:cBhvr>
+                                      <p:tavLst>
+                                        <p:tav tm="0">
+                                          <p:val>
+                                            <p:strVal val="#ppt_x"/>
+                                          </p:val>
+                                        </p:tav>
+                                        <p:tav tm="100000">
+                                          <p:val>
+                                            <p:strVal val="#ppt_x"/>
+                                          </p:val>
+                                        </p:tav>
+                                      </p:tavLst>
+                                    </p:anim>
+                                    <p:anim calcmode="lin" valueType="num">
+                                      <p:cBhvr additive="base">
+                                        <p:cTn id="19" dur="500" fill="hold"/>
+                                        <p:tgtEl>
+                                          <p:spTgt spid="5"/>
+                                        </p:tgtEl>
+                                        <p:attrNameLst>
+                                          <p:attrName>ppt_y</p:attrName>
+                                        </p:attrNameLst>
+                                      </p:cBhvr>
+                                      <p:tavLst>
+                                        <p:tav tm="0">
+                                          <p:val>
+                                            <p:strVal val="1+#ppt_h/2"/>
+                                          </p:val>
+                                        </p:tav>
+                                        <p:tav tm="100000">
+                                          <p:val>
+                                            <p:strVal val="#ppt_y"/>
+                                          </p:val>
+                                        </p:tav>
+                                      </p:tavLst>
+                                    </p:anim>
+                                  </p:childTnLst>
+                                </p:cTn>
+                              </p:par>
+                            </p:childTnLst>
+                          </p:cTn>
+                        </p:par>
+                      </p:childTnLst>
+                    </p:cTn>
+                  </p:par>
+                </p:childTnLst>
+              </p:cTn>
+              <p:prevCondLst>
+                <p:cond evt="onPrev" delay="0">
+                  <p:tgtEl>
+                    <p:sldTgt/>
+                  </p:tgtEl>
+                </p:cond>
+              </p:prevCondLst>
+              <p:nextCondLst>
+                <p:cond evt="onNext" delay="0">
+                  <p:tgtEl>
+                    <p:sldTgt/>
+                  </p:tgtEl>
+                </p:cond>
+              </p:nextCondLst>
+            </p:seq>
+          </p:childTnLst>
+        </p:cTn>
+      </p:par>
+    </p:tnLst>
+    <p:bldLst>
+      <p:bldP spid="2" grpId="0"/>
+      <p:bldP spid="3" grpId="0" build="p"/>
+    </p:bldLst>
+  </p:timing>
 </p:sld>
 </file>
 
@@ -19985,7 +26331,7 @@
         </p:nvSpPr>
         <p:spPr>
           <a:xfrm>
-            <a:off x="836446" y="1948551"/>
+            <a:off x="1015555" y="866844"/>
             <a:ext cx="5259554" cy="881665"/>
           </a:xfrm>
         </p:spPr>
@@ -20088,6 +26434,345 @@
   <p:clrMapOvr>
     <a:masterClrMapping/>
   </p:clrMapOvr>
+  <p:timing>
+    <p:tnLst>
+      <p:par>
+        <p:cTn id="1" dur="indefinite" restart="never" nodeType="tmRoot">
+          <p:childTnLst>
+            <p:seq concurrent="1" nextAc="seek">
+              <p:cTn id="2" dur="indefinite" nodeType="mainSeq">
+                <p:childTnLst>
+                  <p:par>
+                    <p:cTn id="3" fill="hold">
+                      <p:stCondLst>
+                        <p:cond delay="indefinite"/>
+                      </p:stCondLst>
+                      <p:childTnLst>
+                        <p:par>
+                          <p:cTn id="4" fill="hold">
+                            <p:stCondLst>
+                              <p:cond delay="0"/>
+                            </p:stCondLst>
+                            <p:childTnLst>
+                              <p:par>
+                                <p:cTn id="5" presetID="2" presetClass="entr" presetSubtype="4" fill="hold" grpId="0" nodeType="clickEffect">
+                                  <p:stCondLst>
+                                    <p:cond delay="0"/>
+                                  </p:stCondLst>
+                                  <p:childTnLst>
+                                    <p:set>
+                                      <p:cBhvr>
+                                        <p:cTn id="6" dur="1" fill="hold">
+                                          <p:stCondLst>
+                                            <p:cond delay="0"/>
+                                          </p:stCondLst>
+                                        </p:cTn>
+                                        <p:tgtEl>
+                                          <p:spTgt spid="2"/>
+                                        </p:tgtEl>
+                                        <p:attrNameLst>
+                                          <p:attrName>style.visibility</p:attrName>
+                                        </p:attrNameLst>
+                                      </p:cBhvr>
+                                      <p:to>
+                                        <p:strVal val="visible"/>
+                                      </p:to>
+                                    </p:set>
+                                    <p:anim calcmode="lin" valueType="num">
+                                      <p:cBhvr additive="base">
+                                        <p:cTn id="7" dur="500" fill="hold"/>
+                                        <p:tgtEl>
+                                          <p:spTgt spid="2"/>
+                                        </p:tgtEl>
+                                        <p:attrNameLst>
+                                          <p:attrName>ppt_x</p:attrName>
+                                        </p:attrNameLst>
+                                      </p:cBhvr>
+                                      <p:tavLst>
+                                        <p:tav tm="0">
+                                          <p:val>
+                                            <p:strVal val="#ppt_x"/>
+                                          </p:val>
+                                        </p:tav>
+                                        <p:tav tm="100000">
+                                          <p:val>
+                                            <p:strVal val="#ppt_x"/>
+                                          </p:val>
+                                        </p:tav>
+                                      </p:tavLst>
+                                    </p:anim>
+                                    <p:anim calcmode="lin" valueType="num">
+                                      <p:cBhvr additive="base">
+                                        <p:cTn id="8" dur="500" fill="hold"/>
+                                        <p:tgtEl>
+                                          <p:spTgt spid="2"/>
+                                        </p:tgtEl>
+                                        <p:attrNameLst>
+                                          <p:attrName>ppt_y</p:attrName>
+                                        </p:attrNameLst>
+                                      </p:cBhvr>
+                                      <p:tavLst>
+                                        <p:tav tm="0">
+                                          <p:val>
+                                            <p:strVal val="1+#ppt_h/2"/>
+                                          </p:val>
+                                        </p:tav>
+                                        <p:tav tm="100000">
+                                          <p:val>
+                                            <p:strVal val="#ppt_y"/>
+                                          </p:val>
+                                        </p:tav>
+                                      </p:tavLst>
+                                    </p:anim>
+                                  </p:childTnLst>
+                                </p:cTn>
+                              </p:par>
+                            </p:childTnLst>
+                          </p:cTn>
+                        </p:par>
+                      </p:childTnLst>
+                    </p:cTn>
+                  </p:par>
+                  <p:par>
+                    <p:cTn id="9" fill="hold">
+                      <p:stCondLst>
+                        <p:cond delay="indefinite"/>
+                      </p:stCondLst>
+                      <p:childTnLst>
+                        <p:par>
+                          <p:cTn id="10" fill="hold">
+                            <p:stCondLst>
+                              <p:cond delay="0"/>
+                            </p:stCondLst>
+                            <p:childTnLst>
+                              <p:par>
+                                <p:cTn id="11" presetID="42" presetClass="entr" presetSubtype="0" fill="hold" grpId="0" nodeType="clickEffect">
+                                  <p:stCondLst>
+                                    <p:cond delay="0"/>
+                                  </p:stCondLst>
+                                  <p:childTnLst>
+                                    <p:set>
+                                      <p:cBhvr>
+                                        <p:cTn id="12" dur="1" fill="hold">
+                                          <p:stCondLst>
+                                            <p:cond delay="0"/>
+                                          </p:stCondLst>
+                                        </p:cTn>
+                                        <p:tgtEl>
+                                          <p:spTgt spid="3">
+                                            <p:txEl>
+                                              <p:pRg st="0" end="0"/>
+                                            </p:txEl>
+                                          </p:spTgt>
+                                        </p:tgtEl>
+                                        <p:attrNameLst>
+                                          <p:attrName>style.visibility</p:attrName>
+                                        </p:attrNameLst>
+                                      </p:cBhvr>
+                                      <p:to>
+                                        <p:strVal val="visible"/>
+                                      </p:to>
+                                    </p:set>
+                                    <p:animEffect transition="in" filter="fade">
+                                      <p:cBhvr>
+                                        <p:cTn id="13" dur="1000"/>
+                                        <p:tgtEl>
+                                          <p:spTgt spid="3">
+                                            <p:txEl>
+                                              <p:pRg st="0" end="0"/>
+                                            </p:txEl>
+                                          </p:spTgt>
+                                        </p:tgtEl>
+                                      </p:cBhvr>
+                                    </p:animEffect>
+                                    <p:anim calcmode="lin" valueType="num">
+                                      <p:cBhvr>
+                                        <p:cTn id="14" dur="1000" fill="hold"/>
+                                        <p:tgtEl>
+                                          <p:spTgt spid="3">
+                                            <p:txEl>
+                                              <p:pRg st="0" end="0"/>
+                                            </p:txEl>
+                                          </p:spTgt>
+                                        </p:tgtEl>
+                                        <p:attrNameLst>
+                                          <p:attrName>ppt_x</p:attrName>
+                                        </p:attrNameLst>
+                                      </p:cBhvr>
+                                      <p:tavLst>
+                                        <p:tav tm="0">
+                                          <p:val>
+                                            <p:strVal val="#ppt_x"/>
+                                          </p:val>
+                                        </p:tav>
+                                        <p:tav tm="100000">
+                                          <p:val>
+                                            <p:strVal val="#ppt_x"/>
+                                          </p:val>
+                                        </p:tav>
+                                      </p:tavLst>
+                                    </p:anim>
+                                    <p:anim calcmode="lin" valueType="num">
+                                      <p:cBhvr>
+                                        <p:cTn id="15" dur="1000" fill="hold"/>
+                                        <p:tgtEl>
+                                          <p:spTgt spid="3">
+                                            <p:txEl>
+                                              <p:pRg st="0" end="0"/>
+                                            </p:txEl>
+                                          </p:spTgt>
+                                        </p:tgtEl>
+                                        <p:attrNameLst>
+                                          <p:attrName>ppt_y</p:attrName>
+                                        </p:attrNameLst>
+                                      </p:cBhvr>
+                                      <p:tavLst>
+                                        <p:tav tm="0">
+                                          <p:val>
+                                            <p:strVal val="#ppt_y+.1"/>
+                                          </p:val>
+                                        </p:tav>
+                                        <p:tav tm="100000">
+                                          <p:val>
+                                            <p:strVal val="#ppt_y"/>
+                                          </p:val>
+                                        </p:tav>
+                                      </p:tavLst>
+                                    </p:anim>
+                                  </p:childTnLst>
+                                </p:cTn>
+                              </p:par>
+                            </p:childTnLst>
+                          </p:cTn>
+                        </p:par>
+                      </p:childTnLst>
+                    </p:cTn>
+                  </p:par>
+                  <p:par>
+                    <p:cTn id="16" fill="hold">
+                      <p:stCondLst>
+                        <p:cond delay="indefinite"/>
+                      </p:stCondLst>
+                      <p:childTnLst>
+                        <p:par>
+                          <p:cTn id="17" fill="hold">
+                            <p:stCondLst>
+                              <p:cond delay="0"/>
+                            </p:stCondLst>
+                            <p:childTnLst>
+                              <p:par>
+                                <p:cTn id="18" presetID="42" presetClass="entr" presetSubtype="0" fill="hold" nodeType="clickEffect">
+                                  <p:stCondLst>
+                                    <p:cond delay="0"/>
+                                  </p:stCondLst>
+                                  <p:childTnLst>
+                                    <p:set>
+                                      <p:cBhvr>
+                                        <p:cTn id="19" dur="1" fill="hold">
+                                          <p:stCondLst>
+                                            <p:cond delay="0"/>
+                                          </p:stCondLst>
+                                        </p:cTn>
+                                        <p:tgtEl>
+                                          <p:spTgt spid="10"/>
+                                        </p:tgtEl>
+                                        <p:attrNameLst>
+                                          <p:attrName>style.visibility</p:attrName>
+                                        </p:attrNameLst>
+                                      </p:cBhvr>
+                                      <p:to>
+                                        <p:strVal val="visible"/>
+                                      </p:to>
+                                    </p:set>
+                                    <p:animEffect transition="in" filter="fade">
+                                      <p:cBhvr>
+                                        <p:cTn id="20" dur="1000"/>
+                                        <p:tgtEl>
+                                          <p:spTgt spid="10"/>
+                                        </p:tgtEl>
+                                      </p:cBhvr>
+                                    </p:animEffect>
+                                    <p:anim calcmode="lin" valueType="num">
+                                      <p:cBhvr>
+                                        <p:cTn id="21" dur="1000" fill="hold"/>
+                                        <p:tgtEl>
+                                          <p:spTgt spid="10"/>
+                                        </p:tgtEl>
+                                        <p:attrNameLst>
+                                          <p:attrName>ppt_x</p:attrName>
+                                        </p:attrNameLst>
+                                      </p:cBhvr>
+                                      <p:tavLst>
+                                        <p:tav tm="0">
+                                          <p:val>
+                                            <p:strVal val="#ppt_x"/>
+                                          </p:val>
+                                        </p:tav>
+                                        <p:tav tm="100000">
+                                          <p:val>
+                                            <p:strVal val="#ppt_x"/>
+                                          </p:val>
+                                        </p:tav>
+                                      </p:tavLst>
+                                    </p:anim>
+                                    <p:anim calcmode="lin" valueType="num">
+                                      <p:cBhvr>
+                                        <p:cTn id="22" dur="1000" fill="hold"/>
+                                        <p:tgtEl>
+                                          <p:spTgt spid="10"/>
+                                        </p:tgtEl>
+                                        <p:attrNameLst>
+                                          <p:attrName>ppt_y</p:attrName>
+                                        </p:attrNameLst>
+                                      </p:cBhvr>
+                                      <p:tavLst>
+                                        <p:tav tm="0">
+                                          <p:val>
+                                            <p:strVal val="#ppt_y+.1"/>
+                                          </p:val>
+                                        </p:tav>
+                                        <p:tav tm="100000">
+                                          <p:val>
+                                            <p:strVal val="#ppt_y"/>
+                                          </p:val>
+                                        </p:tav>
+                                      </p:tavLst>
+                                    </p:anim>
+                                  </p:childTnLst>
+                                </p:cTn>
+                              </p:par>
+                            </p:childTnLst>
+                          </p:cTn>
+                        </p:par>
+                      </p:childTnLst>
+                    </p:cTn>
+                  </p:par>
+                </p:childTnLst>
+              </p:cTn>
+              <p:prevCondLst>
+                <p:cond evt="onPrev" delay="0">
+                  <p:tgtEl>
+                    <p:sldTgt/>
+                  </p:tgtEl>
+                </p:cond>
+              </p:prevCondLst>
+              <p:nextCondLst>
+                <p:cond evt="onNext" delay="0">
+                  <p:tgtEl>
+                    <p:sldTgt/>
+                  </p:tgtEl>
+                </p:cond>
+              </p:nextCondLst>
+            </p:seq>
+          </p:childTnLst>
+        </p:cTn>
+      </p:par>
+    </p:tnLst>
+    <p:bldLst>
+      <p:bldP spid="2" grpId="0"/>
+      <p:bldP spid="3" grpId="0" build="p"/>
+    </p:bldLst>
+  </p:timing>
 </p:sld>
 </file>
 
@@ -20126,7 +26811,7 @@
         </p:nvSpPr>
         <p:spPr>
           <a:xfrm>
-            <a:off x="3460565" y="1057274"/>
+            <a:off x="3460565" y="249811"/>
             <a:ext cx="7965461" cy="994164"/>
           </a:xfrm>
         </p:spPr>
@@ -20167,65 +26852,47 @@
         </p:nvSpPr>
         <p:spPr>
           <a:xfrm>
-            <a:off x="3460565" y="2303029"/>
-            <a:ext cx="7965460" cy="3497698"/>
+            <a:off x="3366297" y="1756273"/>
+            <a:ext cx="7965460" cy="4305161"/>
           </a:xfrm>
         </p:spPr>
         <p:txBody>
-          <a:bodyPr/>
+          <a:bodyPr>
+            <a:normAutofit fontScale="92500" lnSpcReduction="20000"/>
+          </a:bodyPr>
           <a:lstStyle/>
           <a:p>
-            <a:pPr>
-              <a:buFont typeface="Courier New" panose="02070309020205020404" pitchFamily="49" charset="0"/>
-              <a:buChar char="o"/>
-            </a:pPr>
             <a:r>
-              <a:rPr lang="en-US" dirty="0"/>
+              <a:rPr lang="en-US" sz="2400" dirty="0"/>
               <a:t>The website functions a farmers and consumers aiming to combat food wastage while promoting sustainable consumption.</a:t>
             </a:r>
           </a:p>
           <a:p>
-            <a:pPr>
-              <a:buFont typeface="Courier New" panose="02070309020205020404" pitchFamily="49" charset="0"/>
-              <a:buChar char="o"/>
-            </a:pPr>
             <a:r>
-              <a:rPr lang="en-US" dirty="0"/>
+              <a:rPr lang="en-US" sz="2400" dirty="0"/>
               <a:t>Upon landing on the main page visitors are greeted with informative content dealing various methods to reduce food wastage </a:t>
             </a:r>
           </a:p>
           <a:p>
-            <a:pPr>
-              <a:buFont typeface="Courier New" panose="02070309020205020404" pitchFamily="49" charset="0"/>
-              <a:buChar char="o"/>
-            </a:pPr>
             <a:r>
-              <a:rPr lang="en-US" dirty="0"/>
+              <a:rPr lang="en-US" sz="2400" dirty="0"/>
               <a:t>Once user decides to engage further, they are prompted to login , where they can register as either Consumers or Farmers.</a:t>
             </a:r>
           </a:p>
           <a:p>
-            <a:pPr>
-              <a:buFont typeface="Courier New" panose="02070309020205020404" pitchFamily="49" charset="0"/>
-              <a:buChar char="o"/>
-            </a:pPr>
             <a:r>
-              <a:rPr lang="en-US" dirty="0"/>
+              <a:rPr lang="en-US" sz="2400" dirty="0"/>
               <a:t>Once registered (as consumers) they encounter a range of options categorized by product types such as vegetable , Fruits etc.</a:t>
             </a:r>
           </a:p>
           <a:p>
-            <a:pPr>
-              <a:buFont typeface="Courier New" panose="02070309020205020404" pitchFamily="49" charset="0"/>
-              <a:buChar char="o"/>
-            </a:pPr>
             <a:r>
-              <a:rPr lang="en-US" dirty="0"/>
+              <a:rPr lang="en-US" sz="2400" dirty="0"/>
               <a:t>Once registered (as farmers) they can upload options of product with their quantity and price , also they can add an image to it.</a:t>
             </a:r>
           </a:p>
           <a:p>
-            <a:endParaRPr lang="en-US" dirty="0"/>
+            <a:endParaRPr lang="en-US" sz="2400" dirty="0"/>
           </a:p>
         </p:txBody>
       </p:sp>
@@ -20274,6 +26941,706 @@
   <p:clrMapOvr>
     <a:masterClrMapping/>
   </p:clrMapOvr>
+  <p:timing>
+    <p:tnLst>
+      <p:par>
+        <p:cTn id="1" dur="indefinite" restart="never" nodeType="tmRoot">
+          <p:childTnLst>
+            <p:seq concurrent="1" nextAc="seek">
+              <p:cTn id="2" dur="indefinite" nodeType="mainSeq">
+                <p:childTnLst>
+                  <p:par>
+                    <p:cTn id="3" fill="hold">
+                      <p:stCondLst>
+                        <p:cond delay="indefinite"/>
+                      </p:stCondLst>
+                      <p:childTnLst>
+                        <p:par>
+                          <p:cTn id="4" fill="hold">
+                            <p:stCondLst>
+                              <p:cond delay="0"/>
+                            </p:stCondLst>
+                            <p:childTnLst>
+                              <p:par>
+                                <p:cTn id="5" presetID="2" presetClass="entr" presetSubtype="4" fill="hold" grpId="0" nodeType="clickEffect">
+                                  <p:stCondLst>
+                                    <p:cond delay="0"/>
+                                  </p:stCondLst>
+                                  <p:childTnLst>
+                                    <p:set>
+                                      <p:cBhvr>
+                                        <p:cTn id="6" dur="1" fill="hold">
+                                          <p:stCondLst>
+                                            <p:cond delay="0"/>
+                                          </p:stCondLst>
+                                        </p:cTn>
+                                        <p:tgtEl>
+                                          <p:spTgt spid="2"/>
+                                        </p:tgtEl>
+                                        <p:attrNameLst>
+                                          <p:attrName>style.visibility</p:attrName>
+                                        </p:attrNameLst>
+                                      </p:cBhvr>
+                                      <p:to>
+                                        <p:strVal val="visible"/>
+                                      </p:to>
+                                    </p:set>
+                                    <p:anim calcmode="lin" valueType="num">
+                                      <p:cBhvr additive="base">
+                                        <p:cTn id="7" dur="500" fill="hold"/>
+                                        <p:tgtEl>
+                                          <p:spTgt spid="2"/>
+                                        </p:tgtEl>
+                                        <p:attrNameLst>
+                                          <p:attrName>ppt_x</p:attrName>
+                                        </p:attrNameLst>
+                                      </p:cBhvr>
+                                      <p:tavLst>
+                                        <p:tav tm="0">
+                                          <p:val>
+                                            <p:strVal val="#ppt_x"/>
+                                          </p:val>
+                                        </p:tav>
+                                        <p:tav tm="100000">
+                                          <p:val>
+                                            <p:strVal val="#ppt_x"/>
+                                          </p:val>
+                                        </p:tav>
+                                      </p:tavLst>
+                                    </p:anim>
+                                    <p:anim calcmode="lin" valueType="num">
+                                      <p:cBhvr additive="base">
+                                        <p:cTn id="8" dur="500" fill="hold"/>
+                                        <p:tgtEl>
+                                          <p:spTgt spid="2"/>
+                                        </p:tgtEl>
+                                        <p:attrNameLst>
+                                          <p:attrName>ppt_y</p:attrName>
+                                        </p:attrNameLst>
+                                      </p:cBhvr>
+                                      <p:tavLst>
+                                        <p:tav tm="0">
+                                          <p:val>
+                                            <p:strVal val="1+#ppt_h/2"/>
+                                          </p:val>
+                                        </p:tav>
+                                        <p:tav tm="100000">
+                                          <p:val>
+                                            <p:strVal val="#ppt_y"/>
+                                          </p:val>
+                                        </p:tav>
+                                      </p:tavLst>
+                                    </p:anim>
+                                  </p:childTnLst>
+                                </p:cTn>
+                              </p:par>
+                            </p:childTnLst>
+                          </p:cTn>
+                        </p:par>
+                      </p:childTnLst>
+                    </p:cTn>
+                  </p:par>
+                  <p:par>
+                    <p:cTn id="9" fill="hold">
+                      <p:stCondLst>
+                        <p:cond delay="indefinite"/>
+                      </p:stCondLst>
+                      <p:childTnLst>
+                        <p:par>
+                          <p:cTn id="10" fill="hold">
+                            <p:stCondLst>
+                              <p:cond delay="0"/>
+                            </p:stCondLst>
+                            <p:childTnLst>
+                              <p:par>
+                                <p:cTn id="11" presetID="42" presetClass="entr" presetSubtype="0" fill="hold" grpId="0" nodeType="clickEffect">
+                                  <p:stCondLst>
+                                    <p:cond delay="0"/>
+                                  </p:stCondLst>
+                                  <p:childTnLst>
+                                    <p:set>
+                                      <p:cBhvr>
+                                        <p:cTn id="12" dur="1" fill="hold">
+                                          <p:stCondLst>
+                                            <p:cond delay="0"/>
+                                          </p:stCondLst>
+                                        </p:cTn>
+                                        <p:tgtEl>
+                                          <p:spTgt spid="3">
+                                            <p:txEl>
+                                              <p:pRg st="0" end="0"/>
+                                            </p:txEl>
+                                          </p:spTgt>
+                                        </p:tgtEl>
+                                        <p:attrNameLst>
+                                          <p:attrName>style.visibility</p:attrName>
+                                        </p:attrNameLst>
+                                      </p:cBhvr>
+                                      <p:to>
+                                        <p:strVal val="visible"/>
+                                      </p:to>
+                                    </p:set>
+                                    <p:animEffect transition="in" filter="fade">
+                                      <p:cBhvr>
+                                        <p:cTn id="13" dur="1000"/>
+                                        <p:tgtEl>
+                                          <p:spTgt spid="3">
+                                            <p:txEl>
+                                              <p:pRg st="0" end="0"/>
+                                            </p:txEl>
+                                          </p:spTgt>
+                                        </p:tgtEl>
+                                      </p:cBhvr>
+                                    </p:animEffect>
+                                    <p:anim calcmode="lin" valueType="num">
+                                      <p:cBhvr>
+                                        <p:cTn id="14" dur="1000" fill="hold"/>
+                                        <p:tgtEl>
+                                          <p:spTgt spid="3">
+                                            <p:txEl>
+                                              <p:pRg st="0" end="0"/>
+                                            </p:txEl>
+                                          </p:spTgt>
+                                        </p:tgtEl>
+                                        <p:attrNameLst>
+                                          <p:attrName>ppt_x</p:attrName>
+                                        </p:attrNameLst>
+                                      </p:cBhvr>
+                                      <p:tavLst>
+                                        <p:tav tm="0">
+                                          <p:val>
+                                            <p:strVal val="#ppt_x"/>
+                                          </p:val>
+                                        </p:tav>
+                                        <p:tav tm="100000">
+                                          <p:val>
+                                            <p:strVal val="#ppt_x"/>
+                                          </p:val>
+                                        </p:tav>
+                                      </p:tavLst>
+                                    </p:anim>
+                                    <p:anim calcmode="lin" valueType="num">
+                                      <p:cBhvr>
+                                        <p:cTn id="15" dur="1000" fill="hold"/>
+                                        <p:tgtEl>
+                                          <p:spTgt spid="3">
+                                            <p:txEl>
+                                              <p:pRg st="0" end="0"/>
+                                            </p:txEl>
+                                          </p:spTgt>
+                                        </p:tgtEl>
+                                        <p:attrNameLst>
+                                          <p:attrName>ppt_y</p:attrName>
+                                        </p:attrNameLst>
+                                      </p:cBhvr>
+                                      <p:tavLst>
+                                        <p:tav tm="0">
+                                          <p:val>
+                                            <p:strVal val="#ppt_y+.1"/>
+                                          </p:val>
+                                        </p:tav>
+                                        <p:tav tm="100000">
+                                          <p:val>
+                                            <p:strVal val="#ppt_y"/>
+                                          </p:val>
+                                        </p:tav>
+                                      </p:tavLst>
+                                    </p:anim>
+                                  </p:childTnLst>
+                                </p:cTn>
+                              </p:par>
+                            </p:childTnLst>
+                          </p:cTn>
+                        </p:par>
+                      </p:childTnLst>
+                    </p:cTn>
+                  </p:par>
+                  <p:par>
+                    <p:cTn id="16" fill="hold">
+                      <p:stCondLst>
+                        <p:cond delay="indefinite"/>
+                      </p:stCondLst>
+                      <p:childTnLst>
+                        <p:par>
+                          <p:cTn id="17" fill="hold">
+                            <p:stCondLst>
+                              <p:cond delay="0"/>
+                            </p:stCondLst>
+                            <p:childTnLst>
+                              <p:par>
+                                <p:cTn id="18" presetID="42" presetClass="entr" presetSubtype="0" fill="hold" grpId="0" nodeType="clickEffect">
+                                  <p:stCondLst>
+                                    <p:cond delay="0"/>
+                                  </p:stCondLst>
+                                  <p:childTnLst>
+                                    <p:set>
+                                      <p:cBhvr>
+                                        <p:cTn id="19" dur="1" fill="hold">
+                                          <p:stCondLst>
+                                            <p:cond delay="0"/>
+                                          </p:stCondLst>
+                                        </p:cTn>
+                                        <p:tgtEl>
+                                          <p:spTgt spid="3">
+                                            <p:txEl>
+                                              <p:pRg st="1" end="1"/>
+                                            </p:txEl>
+                                          </p:spTgt>
+                                        </p:tgtEl>
+                                        <p:attrNameLst>
+                                          <p:attrName>style.visibility</p:attrName>
+                                        </p:attrNameLst>
+                                      </p:cBhvr>
+                                      <p:to>
+                                        <p:strVal val="visible"/>
+                                      </p:to>
+                                    </p:set>
+                                    <p:animEffect transition="in" filter="fade">
+                                      <p:cBhvr>
+                                        <p:cTn id="20" dur="1000"/>
+                                        <p:tgtEl>
+                                          <p:spTgt spid="3">
+                                            <p:txEl>
+                                              <p:pRg st="1" end="1"/>
+                                            </p:txEl>
+                                          </p:spTgt>
+                                        </p:tgtEl>
+                                      </p:cBhvr>
+                                    </p:animEffect>
+                                    <p:anim calcmode="lin" valueType="num">
+                                      <p:cBhvr>
+                                        <p:cTn id="21" dur="1000" fill="hold"/>
+                                        <p:tgtEl>
+                                          <p:spTgt spid="3">
+                                            <p:txEl>
+                                              <p:pRg st="1" end="1"/>
+                                            </p:txEl>
+                                          </p:spTgt>
+                                        </p:tgtEl>
+                                        <p:attrNameLst>
+                                          <p:attrName>ppt_x</p:attrName>
+                                        </p:attrNameLst>
+                                      </p:cBhvr>
+                                      <p:tavLst>
+                                        <p:tav tm="0">
+                                          <p:val>
+                                            <p:strVal val="#ppt_x"/>
+                                          </p:val>
+                                        </p:tav>
+                                        <p:tav tm="100000">
+                                          <p:val>
+                                            <p:strVal val="#ppt_x"/>
+                                          </p:val>
+                                        </p:tav>
+                                      </p:tavLst>
+                                    </p:anim>
+                                    <p:anim calcmode="lin" valueType="num">
+                                      <p:cBhvr>
+                                        <p:cTn id="22" dur="1000" fill="hold"/>
+                                        <p:tgtEl>
+                                          <p:spTgt spid="3">
+                                            <p:txEl>
+                                              <p:pRg st="1" end="1"/>
+                                            </p:txEl>
+                                          </p:spTgt>
+                                        </p:tgtEl>
+                                        <p:attrNameLst>
+                                          <p:attrName>ppt_y</p:attrName>
+                                        </p:attrNameLst>
+                                      </p:cBhvr>
+                                      <p:tavLst>
+                                        <p:tav tm="0">
+                                          <p:val>
+                                            <p:strVal val="#ppt_y+.1"/>
+                                          </p:val>
+                                        </p:tav>
+                                        <p:tav tm="100000">
+                                          <p:val>
+                                            <p:strVal val="#ppt_y"/>
+                                          </p:val>
+                                        </p:tav>
+                                      </p:tavLst>
+                                    </p:anim>
+                                  </p:childTnLst>
+                                </p:cTn>
+                              </p:par>
+                            </p:childTnLst>
+                          </p:cTn>
+                        </p:par>
+                      </p:childTnLst>
+                    </p:cTn>
+                  </p:par>
+                  <p:par>
+                    <p:cTn id="23" fill="hold">
+                      <p:stCondLst>
+                        <p:cond delay="indefinite"/>
+                      </p:stCondLst>
+                      <p:childTnLst>
+                        <p:par>
+                          <p:cTn id="24" fill="hold">
+                            <p:stCondLst>
+                              <p:cond delay="0"/>
+                            </p:stCondLst>
+                            <p:childTnLst>
+                              <p:par>
+                                <p:cTn id="25" presetID="42" presetClass="entr" presetSubtype="0" fill="hold" grpId="0" nodeType="clickEffect">
+                                  <p:stCondLst>
+                                    <p:cond delay="0"/>
+                                  </p:stCondLst>
+                                  <p:childTnLst>
+                                    <p:set>
+                                      <p:cBhvr>
+                                        <p:cTn id="26" dur="1" fill="hold">
+                                          <p:stCondLst>
+                                            <p:cond delay="0"/>
+                                          </p:stCondLst>
+                                        </p:cTn>
+                                        <p:tgtEl>
+                                          <p:spTgt spid="3">
+                                            <p:txEl>
+                                              <p:pRg st="2" end="2"/>
+                                            </p:txEl>
+                                          </p:spTgt>
+                                        </p:tgtEl>
+                                        <p:attrNameLst>
+                                          <p:attrName>style.visibility</p:attrName>
+                                        </p:attrNameLst>
+                                      </p:cBhvr>
+                                      <p:to>
+                                        <p:strVal val="visible"/>
+                                      </p:to>
+                                    </p:set>
+                                    <p:animEffect transition="in" filter="fade">
+                                      <p:cBhvr>
+                                        <p:cTn id="27" dur="1000"/>
+                                        <p:tgtEl>
+                                          <p:spTgt spid="3">
+                                            <p:txEl>
+                                              <p:pRg st="2" end="2"/>
+                                            </p:txEl>
+                                          </p:spTgt>
+                                        </p:tgtEl>
+                                      </p:cBhvr>
+                                    </p:animEffect>
+                                    <p:anim calcmode="lin" valueType="num">
+                                      <p:cBhvr>
+                                        <p:cTn id="28" dur="1000" fill="hold"/>
+                                        <p:tgtEl>
+                                          <p:spTgt spid="3">
+                                            <p:txEl>
+                                              <p:pRg st="2" end="2"/>
+                                            </p:txEl>
+                                          </p:spTgt>
+                                        </p:tgtEl>
+                                        <p:attrNameLst>
+                                          <p:attrName>ppt_x</p:attrName>
+                                        </p:attrNameLst>
+                                      </p:cBhvr>
+                                      <p:tavLst>
+                                        <p:tav tm="0">
+                                          <p:val>
+                                            <p:strVal val="#ppt_x"/>
+                                          </p:val>
+                                        </p:tav>
+                                        <p:tav tm="100000">
+                                          <p:val>
+                                            <p:strVal val="#ppt_x"/>
+                                          </p:val>
+                                        </p:tav>
+                                      </p:tavLst>
+                                    </p:anim>
+                                    <p:anim calcmode="lin" valueType="num">
+                                      <p:cBhvr>
+                                        <p:cTn id="29" dur="1000" fill="hold"/>
+                                        <p:tgtEl>
+                                          <p:spTgt spid="3">
+                                            <p:txEl>
+                                              <p:pRg st="2" end="2"/>
+                                            </p:txEl>
+                                          </p:spTgt>
+                                        </p:tgtEl>
+                                        <p:attrNameLst>
+                                          <p:attrName>ppt_y</p:attrName>
+                                        </p:attrNameLst>
+                                      </p:cBhvr>
+                                      <p:tavLst>
+                                        <p:tav tm="0">
+                                          <p:val>
+                                            <p:strVal val="#ppt_y+.1"/>
+                                          </p:val>
+                                        </p:tav>
+                                        <p:tav tm="100000">
+                                          <p:val>
+                                            <p:strVal val="#ppt_y"/>
+                                          </p:val>
+                                        </p:tav>
+                                      </p:tavLst>
+                                    </p:anim>
+                                  </p:childTnLst>
+                                </p:cTn>
+                              </p:par>
+                            </p:childTnLst>
+                          </p:cTn>
+                        </p:par>
+                      </p:childTnLst>
+                    </p:cTn>
+                  </p:par>
+                  <p:par>
+                    <p:cTn id="30" fill="hold">
+                      <p:stCondLst>
+                        <p:cond delay="indefinite"/>
+                      </p:stCondLst>
+                      <p:childTnLst>
+                        <p:par>
+                          <p:cTn id="31" fill="hold">
+                            <p:stCondLst>
+                              <p:cond delay="0"/>
+                            </p:stCondLst>
+                            <p:childTnLst>
+                              <p:par>
+                                <p:cTn id="32" presetID="42" presetClass="entr" presetSubtype="0" fill="hold" grpId="0" nodeType="clickEffect">
+                                  <p:stCondLst>
+                                    <p:cond delay="0"/>
+                                  </p:stCondLst>
+                                  <p:childTnLst>
+                                    <p:set>
+                                      <p:cBhvr>
+                                        <p:cTn id="33" dur="1" fill="hold">
+                                          <p:stCondLst>
+                                            <p:cond delay="0"/>
+                                          </p:stCondLst>
+                                        </p:cTn>
+                                        <p:tgtEl>
+                                          <p:spTgt spid="3">
+                                            <p:txEl>
+                                              <p:pRg st="3" end="3"/>
+                                            </p:txEl>
+                                          </p:spTgt>
+                                        </p:tgtEl>
+                                        <p:attrNameLst>
+                                          <p:attrName>style.visibility</p:attrName>
+                                        </p:attrNameLst>
+                                      </p:cBhvr>
+                                      <p:to>
+                                        <p:strVal val="visible"/>
+                                      </p:to>
+                                    </p:set>
+                                    <p:animEffect transition="in" filter="fade">
+                                      <p:cBhvr>
+                                        <p:cTn id="34" dur="1000"/>
+                                        <p:tgtEl>
+                                          <p:spTgt spid="3">
+                                            <p:txEl>
+                                              <p:pRg st="3" end="3"/>
+                                            </p:txEl>
+                                          </p:spTgt>
+                                        </p:tgtEl>
+                                      </p:cBhvr>
+                                    </p:animEffect>
+                                    <p:anim calcmode="lin" valueType="num">
+                                      <p:cBhvr>
+                                        <p:cTn id="35" dur="1000" fill="hold"/>
+                                        <p:tgtEl>
+                                          <p:spTgt spid="3">
+                                            <p:txEl>
+                                              <p:pRg st="3" end="3"/>
+                                            </p:txEl>
+                                          </p:spTgt>
+                                        </p:tgtEl>
+                                        <p:attrNameLst>
+                                          <p:attrName>ppt_x</p:attrName>
+                                        </p:attrNameLst>
+                                      </p:cBhvr>
+                                      <p:tavLst>
+                                        <p:tav tm="0">
+                                          <p:val>
+                                            <p:strVal val="#ppt_x"/>
+                                          </p:val>
+                                        </p:tav>
+                                        <p:tav tm="100000">
+                                          <p:val>
+                                            <p:strVal val="#ppt_x"/>
+                                          </p:val>
+                                        </p:tav>
+                                      </p:tavLst>
+                                    </p:anim>
+                                    <p:anim calcmode="lin" valueType="num">
+                                      <p:cBhvr>
+                                        <p:cTn id="36" dur="1000" fill="hold"/>
+                                        <p:tgtEl>
+                                          <p:spTgt spid="3">
+                                            <p:txEl>
+                                              <p:pRg st="3" end="3"/>
+                                            </p:txEl>
+                                          </p:spTgt>
+                                        </p:tgtEl>
+                                        <p:attrNameLst>
+                                          <p:attrName>ppt_y</p:attrName>
+                                        </p:attrNameLst>
+                                      </p:cBhvr>
+                                      <p:tavLst>
+                                        <p:tav tm="0">
+                                          <p:val>
+                                            <p:strVal val="#ppt_y+.1"/>
+                                          </p:val>
+                                        </p:tav>
+                                        <p:tav tm="100000">
+                                          <p:val>
+                                            <p:strVal val="#ppt_y"/>
+                                          </p:val>
+                                        </p:tav>
+                                      </p:tavLst>
+                                    </p:anim>
+                                  </p:childTnLst>
+                                </p:cTn>
+                              </p:par>
+                            </p:childTnLst>
+                          </p:cTn>
+                        </p:par>
+                      </p:childTnLst>
+                    </p:cTn>
+                  </p:par>
+                  <p:par>
+                    <p:cTn id="37" fill="hold">
+                      <p:stCondLst>
+                        <p:cond delay="indefinite"/>
+                      </p:stCondLst>
+                      <p:childTnLst>
+                        <p:par>
+                          <p:cTn id="38" fill="hold">
+                            <p:stCondLst>
+                              <p:cond delay="0"/>
+                            </p:stCondLst>
+                            <p:childTnLst>
+                              <p:par>
+                                <p:cTn id="39" presetID="42" presetClass="entr" presetSubtype="0" fill="hold" grpId="0" nodeType="clickEffect">
+                                  <p:stCondLst>
+                                    <p:cond delay="0"/>
+                                  </p:stCondLst>
+                                  <p:childTnLst>
+                                    <p:set>
+                                      <p:cBhvr>
+                                        <p:cTn id="40" dur="1" fill="hold">
+                                          <p:stCondLst>
+                                            <p:cond delay="0"/>
+                                          </p:stCondLst>
+                                        </p:cTn>
+                                        <p:tgtEl>
+                                          <p:spTgt spid="3">
+                                            <p:txEl>
+                                              <p:pRg st="4" end="4"/>
+                                            </p:txEl>
+                                          </p:spTgt>
+                                        </p:tgtEl>
+                                        <p:attrNameLst>
+                                          <p:attrName>style.visibility</p:attrName>
+                                        </p:attrNameLst>
+                                      </p:cBhvr>
+                                      <p:to>
+                                        <p:strVal val="visible"/>
+                                      </p:to>
+                                    </p:set>
+                                    <p:animEffect transition="in" filter="fade">
+                                      <p:cBhvr>
+                                        <p:cTn id="41" dur="1000"/>
+                                        <p:tgtEl>
+                                          <p:spTgt spid="3">
+                                            <p:txEl>
+                                              <p:pRg st="4" end="4"/>
+                                            </p:txEl>
+                                          </p:spTgt>
+                                        </p:tgtEl>
+                                      </p:cBhvr>
+                                    </p:animEffect>
+                                    <p:anim calcmode="lin" valueType="num">
+                                      <p:cBhvr>
+                                        <p:cTn id="42" dur="1000" fill="hold"/>
+                                        <p:tgtEl>
+                                          <p:spTgt spid="3">
+                                            <p:txEl>
+                                              <p:pRg st="4" end="4"/>
+                                            </p:txEl>
+                                          </p:spTgt>
+                                        </p:tgtEl>
+                                        <p:attrNameLst>
+                                          <p:attrName>ppt_x</p:attrName>
+                                        </p:attrNameLst>
+                                      </p:cBhvr>
+                                      <p:tavLst>
+                                        <p:tav tm="0">
+                                          <p:val>
+                                            <p:strVal val="#ppt_x"/>
+                                          </p:val>
+                                        </p:tav>
+                                        <p:tav tm="100000">
+                                          <p:val>
+                                            <p:strVal val="#ppt_x"/>
+                                          </p:val>
+                                        </p:tav>
+                                      </p:tavLst>
+                                    </p:anim>
+                                    <p:anim calcmode="lin" valueType="num">
+                                      <p:cBhvr>
+                                        <p:cTn id="43" dur="1000" fill="hold"/>
+                                        <p:tgtEl>
+                                          <p:spTgt spid="3">
+                                            <p:txEl>
+                                              <p:pRg st="4" end="4"/>
+                                            </p:txEl>
+                                          </p:spTgt>
+                                        </p:tgtEl>
+                                        <p:attrNameLst>
+                                          <p:attrName>ppt_y</p:attrName>
+                                        </p:attrNameLst>
+                                      </p:cBhvr>
+                                      <p:tavLst>
+                                        <p:tav tm="0">
+                                          <p:val>
+                                            <p:strVal val="#ppt_y+.1"/>
+                                          </p:val>
+                                        </p:tav>
+                                        <p:tav tm="100000">
+                                          <p:val>
+                                            <p:strVal val="#ppt_y"/>
+                                          </p:val>
+                                        </p:tav>
+                                      </p:tavLst>
+                                    </p:anim>
+                                  </p:childTnLst>
+                                </p:cTn>
+                              </p:par>
+                            </p:childTnLst>
+                          </p:cTn>
+                        </p:par>
+                      </p:childTnLst>
+                    </p:cTn>
+                  </p:par>
+                </p:childTnLst>
+              </p:cTn>
+              <p:prevCondLst>
+                <p:cond evt="onPrev" delay="0">
+                  <p:tgtEl>
+                    <p:sldTgt/>
+                  </p:tgtEl>
+                </p:cond>
+              </p:prevCondLst>
+              <p:nextCondLst>
+                <p:cond evt="onNext" delay="0">
+                  <p:tgtEl>
+                    <p:sldTgt/>
+                  </p:tgtEl>
+                </p:cond>
+              </p:nextCondLst>
+            </p:seq>
+          </p:childTnLst>
+        </p:cTn>
+      </p:par>
+    </p:tnLst>
+    <p:bldLst>
+      <p:bldP spid="2" grpId="0"/>
+      <p:bldP spid="3" grpId="0" build="p"/>
+    </p:bldLst>
+  </p:timing>
 </p:sld>
 </file>
 
@@ -20312,8 +27679,8 @@
         </p:nvSpPr>
         <p:spPr>
           <a:xfrm>
-            <a:off x="6288630" y="2632159"/>
-            <a:ext cx="4328323" cy="1140827"/>
+            <a:off x="6096000" y="2133824"/>
+            <a:ext cx="5008005" cy="2590352"/>
           </a:xfrm>
         </p:spPr>
         <p:txBody>
@@ -20330,7 +27697,7 @@
                   </a:outerShdw>
                 </a:effectLst>
               </a:rPr>
-              <a:t>Creating a Website: Step-by-Step</a:t>
+              <a:t>Creating a Website : Step-by-Step</a:t>
             </a:r>
           </a:p>
         </p:txBody>
@@ -20375,6 +27742,229 @@
   <p:clrMapOvr>
     <a:masterClrMapping/>
   </p:clrMapOvr>
+  <p:timing>
+    <p:tnLst>
+      <p:par>
+        <p:cTn id="1" dur="indefinite" restart="never" nodeType="tmRoot">
+          <p:childTnLst>
+            <p:seq concurrent="1" nextAc="seek">
+              <p:cTn id="2" dur="indefinite" nodeType="mainSeq">
+                <p:childTnLst>
+                  <p:par>
+                    <p:cTn id="3" fill="hold">
+                      <p:stCondLst>
+                        <p:cond delay="indefinite"/>
+                      </p:stCondLst>
+                      <p:childTnLst>
+                        <p:par>
+                          <p:cTn id="4" fill="hold">
+                            <p:stCondLst>
+                              <p:cond delay="0"/>
+                            </p:stCondLst>
+                            <p:childTnLst>
+                              <p:par>
+                                <p:cTn id="5" presetID="2" presetClass="entr" presetSubtype="4" fill="hold" grpId="0" nodeType="clickEffect">
+                                  <p:stCondLst>
+                                    <p:cond delay="0"/>
+                                  </p:stCondLst>
+                                  <p:childTnLst>
+                                    <p:set>
+                                      <p:cBhvr>
+                                        <p:cTn id="6" dur="1" fill="hold">
+                                          <p:stCondLst>
+                                            <p:cond delay="0"/>
+                                          </p:stCondLst>
+                                        </p:cTn>
+                                        <p:tgtEl>
+                                          <p:spTgt spid="2"/>
+                                        </p:tgtEl>
+                                        <p:attrNameLst>
+                                          <p:attrName>style.visibility</p:attrName>
+                                        </p:attrNameLst>
+                                      </p:cBhvr>
+                                      <p:to>
+                                        <p:strVal val="visible"/>
+                                      </p:to>
+                                    </p:set>
+                                    <p:anim calcmode="lin" valueType="num">
+                                      <p:cBhvr additive="base">
+                                        <p:cTn id="7" dur="500" fill="hold"/>
+                                        <p:tgtEl>
+                                          <p:spTgt spid="2"/>
+                                        </p:tgtEl>
+                                        <p:attrNameLst>
+                                          <p:attrName>ppt_x</p:attrName>
+                                        </p:attrNameLst>
+                                      </p:cBhvr>
+                                      <p:tavLst>
+                                        <p:tav tm="0">
+                                          <p:val>
+                                            <p:strVal val="#ppt_x"/>
+                                          </p:val>
+                                        </p:tav>
+                                        <p:tav tm="100000">
+                                          <p:val>
+                                            <p:strVal val="#ppt_x"/>
+                                          </p:val>
+                                        </p:tav>
+                                      </p:tavLst>
+                                    </p:anim>
+                                    <p:anim calcmode="lin" valueType="num">
+                                      <p:cBhvr additive="base">
+                                        <p:cTn id="8" dur="500" fill="hold"/>
+                                        <p:tgtEl>
+                                          <p:spTgt spid="2"/>
+                                        </p:tgtEl>
+                                        <p:attrNameLst>
+                                          <p:attrName>ppt_y</p:attrName>
+                                        </p:attrNameLst>
+                                      </p:cBhvr>
+                                      <p:tavLst>
+                                        <p:tav tm="0">
+                                          <p:val>
+                                            <p:strVal val="1+#ppt_h/2"/>
+                                          </p:val>
+                                        </p:tav>
+                                        <p:tav tm="100000">
+                                          <p:val>
+                                            <p:strVal val="#ppt_y"/>
+                                          </p:val>
+                                        </p:tav>
+                                      </p:tavLst>
+                                    </p:anim>
+                                  </p:childTnLst>
+                                </p:cTn>
+                              </p:par>
+                            </p:childTnLst>
+                          </p:cTn>
+                        </p:par>
+                      </p:childTnLst>
+                    </p:cTn>
+                  </p:par>
+                  <p:par>
+                    <p:cTn id="9" fill="hold">
+                      <p:stCondLst>
+                        <p:cond delay="indefinite"/>
+                      </p:stCondLst>
+                      <p:childTnLst>
+                        <p:par>
+                          <p:cTn id="10" fill="hold">
+                            <p:stCondLst>
+                              <p:cond delay="0"/>
+                            </p:stCondLst>
+                            <p:childTnLst>
+                              <p:par>
+                                <p:cTn id="11" presetID="42" presetClass="entr" presetSubtype="0" fill="hold" nodeType="clickEffect">
+                                  <p:stCondLst>
+                                    <p:cond delay="0"/>
+                                  </p:stCondLst>
+                                  <p:childTnLst>
+                                    <p:set>
+                                      <p:cBhvr>
+                                        <p:cTn id="12" dur="1" fill="hold">
+                                          <p:stCondLst>
+                                            <p:cond delay="0"/>
+                                          </p:stCondLst>
+                                        </p:cTn>
+                                        <p:tgtEl>
+                                          <p:spTgt spid="4"/>
+                                        </p:tgtEl>
+                                        <p:attrNameLst>
+                                          <p:attrName>style.visibility</p:attrName>
+                                        </p:attrNameLst>
+                                      </p:cBhvr>
+                                      <p:to>
+                                        <p:strVal val="visible"/>
+                                      </p:to>
+                                    </p:set>
+                                    <p:animEffect transition="in" filter="fade">
+                                      <p:cBhvr>
+                                        <p:cTn id="13" dur="1000"/>
+                                        <p:tgtEl>
+                                          <p:spTgt spid="4"/>
+                                        </p:tgtEl>
+                                      </p:cBhvr>
+                                    </p:animEffect>
+                                    <p:anim calcmode="lin" valueType="num">
+                                      <p:cBhvr>
+                                        <p:cTn id="14" dur="1000" fill="hold"/>
+                                        <p:tgtEl>
+                                          <p:spTgt spid="4"/>
+                                        </p:tgtEl>
+                                        <p:attrNameLst>
+                                          <p:attrName>ppt_x</p:attrName>
+                                        </p:attrNameLst>
+                                      </p:cBhvr>
+                                      <p:tavLst>
+                                        <p:tav tm="0">
+                                          <p:val>
+                                            <p:strVal val="#ppt_x"/>
+                                          </p:val>
+                                        </p:tav>
+                                        <p:tav tm="100000">
+                                          <p:val>
+                                            <p:strVal val="#ppt_x"/>
+                                          </p:val>
+                                        </p:tav>
+                                      </p:tavLst>
+                                    </p:anim>
+                                    <p:anim calcmode="lin" valueType="num">
+                                      <p:cBhvr>
+                                        <p:cTn id="15" dur="1000" fill="hold"/>
+                                        <p:tgtEl>
+                                          <p:spTgt spid="4"/>
+                                        </p:tgtEl>
+                                        <p:attrNameLst>
+                                          <p:attrName>ppt_y</p:attrName>
+                                        </p:attrNameLst>
+                                      </p:cBhvr>
+                                      <p:tavLst>
+                                        <p:tav tm="0">
+                                          <p:val>
+                                            <p:strVal val="#ppt_y+.1"/>
+                                          </p:val>
+                                        </p:tav>
+                                        <p:tav tm="100000">
+                                          <p:val>
+                                            <p:strVal val="#ppt_y"/>
+                                          </p:val>
+                                        </p:tav>
+                                      </p:tavLst>
+                                    </p:anim>
+                                  </p:childTnLst>
+                                </p:cTn>
+                              </p:par>
+                            </p:childTnLst>
+                          </p:cTn>
+                        </p:par>
+                      </p:childTnLst>
+                    </p:cTn>
+                  </p:par>
+                </p:childTnLst>
+              </p:cTn>
+              <p:prevCondLst>
+                <p:cond evt="onPrev" delay="0">
+                  <p:tgtEl>
+                    <p:sldTgt/>
+                  </p:tgtEl>
+                </p:cond>
+              </p:prevCondLst>
+              <p:nextCondLst>
+                <p:cond evt="onNext" delay="0">
+                  <p:tgtEl>
+                    <p:sldTgt/>
+                  </p:tgtEl>
+                </p:cond>
+              </p:nextCondLst>
+            </p:seq>
+          </p:childTnLst>
+        </p:cTn>
+      </p:par>
+    </p:tnLst>
+    <p:bldLst>
+      <p:bldP spid="2" grpId="0"/>
+    </p:bldLst>
+  </p:timing>
 </p:sld>
 </file>
 
@@ -20573,6 +28163,567 @@
   <p:clrMapOvr>
     <a:masterClrMapping/>
   </p:clrMapOvr>
+  <p:timing>
+    <p:tnLst>
+      <p:par>
+        <p:cTn id="1" dur="indefinite" restart="never" nodeType="tmRoot">
+          <p:childTnLst>
+            <p:seq concurrent="1" nextAc="seek">
+              <p:cTn id="2" dur="indefinite" nodeType="mainSeq">
+                <p:childTnLst>
+                  <p:par>
+                    <p:cTn id="3" fill="hold">
+                      <p:stCondLst>
+                        <p:cond delay="indefinite"/>
+                      </p:stCondLst>
+                      <p:childTnLst>
+                        <p:par>
+                          <p:cTn id="4" fill="hold">
+                            <p:stCondLst>
+                              <p:cond delay="0"/>
+                            </p:stCondLst>
+                            <p:childTnLst>
+                              <p:par>
+                                <p:cTn id="5" presetID="2" presetClass="entr" presetSubtype="4" fill="hold" grpId="0" nodeType="clickEffect">
+                                  <p:stCondLst>
+                                    <p:cond delay="0"/>
+                                  </p:stCondLst>
+                                  <p:childTnLst>
+                                    <p:set>
+                                      <p:cBhvr>
+                                        <p:cTn id="6" dur="1" fill="hold">
+                                          <p:stCondLst>
+                                            <p:cond delay="0"/>
+                                          </p:stCondLst>
+                                        </p:cTn>
+                                        <p:tgtEl>
+                                          <p:spTgt spid="2"/>
+                                        </p:tgtEl>
+                                        <p:attrNameLst>
+                                          <p:attrName>style.visibility</p:attrName>
+                                        </p:attrNameLst>
+                                      </p:cBhvr>
+                                      <p:to>
+                                        <p:strVal val="visible"/>
+                                      </p:to>
+                                    </p:set>
+                                    <p:anim calcmode="lin" valueType="num">
+                                      <p:cBhvr additive="base">
+                                        <p:cTn id="7" dur="500" fill="hold"/>
+                                        <p:tgtEl>
+                                          <p:spTgt spid="2"/>
+                                        </p:tgtEl>
+                                        <p:attrNameLst>
+                                          <p:attrName>ppt_x</p:attrName>
+                                        </p:attrNameLst>
+                                      </p:cBhvr>
+                                      <p:tavLst>
+                                        <p:tav tm="0">
+                                          <p:val>
+                                            <p:strVal val="#ppt_x"/>
+                                          </p:val>
+                                        </p:tav>
+                                        <p:tav tm="100000">
+                                          <p:val>
+                                            <p:strVal val="#ppt_x"/>
+                                          </p:val>
+                                        </p:tav>
+                                      </p:tavLst>
+                                    </p:anim>
+                                    <p:anim calcmode="lin" valueType="num">
+                                      <p:cBhvr additive="base">
+                                        <p:cTn id="8" dur="500" fill="hold"/>
+                                        <p:tgtEl>
+                                          <p:spTgt spid="2"/>
+                                        </p:tgtEl>
+                                        <p:attrNameLst>
+                                          <p:attrName>ppt_y</p:attrName>
+                                        </p:attrNameLst>
+                                      </p:cBhvr>
+                                      <p:tavLst>
+                                        <p:tav tm="0">
+                                          <p:val>
+                                            <p:strVal val="1+#ppt_h/2"/>
+                                          </p:val>
+                                        </p:tav>
+                                        <p:tav tm="100000">
+                                          <p:val>
+                                            <p:strVal val="#ppt_y"/>
+                                          </p:val>
+                                        </p:tav>
+                                      </p:tavLst>
+                                    </p:anim>
+                                  </p:childTnLst>
+                                </p:cTn>
+                              </p:par>
+                            </p:childTnLst>
+                          </p:cTn>
+                        </p:par>
+                      </p:childTnLst>
+                    </p:cTn>
+                  </p:par>
+                  <p:par>
+                    <p:cTn id="9" fill="hold">
+                      <p:stCondLst>
+                        <p:cond delay="indefinite"/>
+                      </p:stCondLst>
+                      <p:childTnLst>
+                        <p:par>
+                          <p:cTn id="10" fill="hold">
+                            <p:stCondLst>
+                              <p:cond delay="0"/>
+                            </p:stCondLst>
+                            <p:childTnLst>
+                              <p:par>
+                                <p:cTn id="11" presetID="2" presetClass="entr" presetSubtype="4" fill="hold" nodeType="clickEffect">
+                                  <p:stCondLst>
+                                    <p:cond delay="0"/>
+                                  </p:stCondLst>
+                                  <p:childTnLst>
+                                    <p:set>
+                                      <p:cBhvr>
+                                        <p:cTn id="12" dur="1" fill="hold">
+                                          <p:stCondLst>
+                                            <p:cond delay="0"/>
+                                          </p:stCondLst>
+                                        </p:cTn>
+                                        <p:tgtEl>
+                                          <p:spTgt spid="11"/>
+                                        </p:tgtEl>
+                                        <p:attrNameLst>
+                                          <p:attrName>style.visibility</p:attrName>
+                                        </p:attrNameLst>
+                                      </p:cBhvr>
+                                      <p:to>
+                                        <p:strVal val="visible"/>
+                                      </p:to>
+                                    </p:set>
+                                    <p:anim calcmode="lin" valueType="num">
+                                      <p:cBhvr additive="base">
+                                        <p:cTn id="13" dur="500" fill="hold"/>
+                                        <p:tgtEl>
+                                          <p:spTgt spid="11"/>
+                                        </p:tgtEl>
+                                        <p:attrNameLst>
+                                          <p:attrName>ppt_x</p:attrName>
+                                        </p:attrNameLst>
+                                      </p:cBhvr>
+                                      <p:tavLst>
+                                        <p:tav tm="0">
+                                          <p:val>
+                                            <p:strVal val="#ppt_x"/>
+                                          </p:val>
+                                        </p:tav>
+                                        <p:tav tm="100000">
+                                          <p:val>
+                                            <p:strVal val="#ppt_x"/>
+                                          </p:val>
+                                        </p:tav>
+                                      </p:tavLst>
+                                    </p:anim>
+                                    <p:anim calcmode="lin" valueType="num">
+                                      <p:cBhvr additive="base">
+                                        <p:cTn id="14" dur="500" fill="hold"/>
+                                        <p:tgtEl>
+                                          <p:spTgt spid="11"/>
+                                        </p:tgtEl>
+                                        <p:attrNameLst>
+                                          <p:attrName>ppt_y</p:attrName>
+                                        </p:attrNameLst>
+                                      </p:cBhvr>
+                                      <p:tavLst>
+                                        <p:tav tm="0">
+                                          <p:val>
+                                            <p:strVal val="1+#ppt_h/2"/>
+                                          </p:val>
+                                        </p:tav>
+                                        <p:tav tm="100000">
+                                          <p:val>
+                                            <p:strVal val="#ppt_y"/>
+                                          </p:val>
+                                        </p:tav>
+                                      </p:tavLst>
+                                    </p:anim>
+                                  </p:childTnLst>
+                                </p:cTn>
+                              </p:par>
+                            </p:childTnLst>
+                          </p:cTn>
+                        </p:par>
+                      </p:childTnLst>
+                    </p:cTn>
+                  </p:par>
+                  <p:par>
+                    <p:cTn id="15" fill="hold">
+                      <p:stCondLst>
+                        <p:cond delay="indefinite"/>
+                      </p:stCondLst>
+                      <p:childTnLst>
+                        <p:par>
+                          <p:cTn id="16" fill="hold">
+                            <p:stCondLst>
+                              <p:cond delay="0"/>
+                            </p:stCondLst>
+                            <p:childTnLst>
+                              <p:par>
+                                <p:cTn id="17" presetID="42" presetClass="entr" presetSubtype="0" fill="hold" grpId="0" nodeType="clickEffect">
+                                  <p:stCondLst>
+                                    <p:cond delay="0"/>
+                                  </p:stCondLst>
+                                  <p:childTnLst>
+                                    <p:set>
+                                      <p:cBhvr>
+                                        <p:cTn id="18" dur="1" fill="hold">
+                                          <p:stCondLst>
+                                            <p:cond delay="0"/>
+                                          </p:stCondLst>
+                                        </p:cTn>
+                                        <p:tgtEl>
+                                          <p:spTgt spid="3">
+                                            <p:txEl>
+                                              <p:pRg st="0" end="0"/>
+                                            </p:txEl>
+                                          </p:spTgt>
+                                        </p:tgtEl>
+                                        <p:attrNameLst>
+                                          <p:attrName>style.visibility</p:attrName>
+                                        </p:attrNameLst>
+                                      </p:cBhvr>
+                                      <p:to>
+                                        <p:strVal val="visible"/>
+                                      </p:to>
+                                    </p:set>
+                                    <p:animEffect transition="in" filter="fade">
+                                      <p:cBhvr>
+                                        <p:cTn id="19" dur="1000"/>
+                                        <p:tgtEl>
+                                          <p:spTgt spid="3">
+                                            <p:txEl>
+                                              <p:pRg st="0" end="0"/>
+                                            </p:txEl>
+                                          </p:spTgt>
+                                        </p:tgtEl>
+                                      </p:cBhvr>
+                                    </p:animEffect>
+                                    <p:anim calcmode="lin" valueType="num">
+                                      <p:cBhvr>
+                                        <p:cTn id="20" dur="1000" fill="hold"/>
+                                        <p:tgtEl>
+                                          <p:spTgt spid="3">
+                                            <p:txEl>
+                                              <p:pRg st="0" end="0"/>
+                                            </p:txEl>
+                                          </p:spTgt>
+                                        </p:tgtEl>
+                                        <p:attrNameLst>
+                                          <p:attrName>ppt_x</p:attrName>
+                                        </p:attrNameLst>
+                                      </p:cBhvr>
+                                      <p:tavLst>
+                                        <p:tav tm="0">
+                                          <p:val>
+                                            <p:strVal val="#ppt_x"/>
+                                          </p:val>
+                                        </p:tav>
+                                        <p:tav tm="100000">
+                                          <p:val>
+                                            <p:strVal val="#ppt_x"/>
+                                          </p:val>
+                                        </p:tav>
+                                      </p:tavLst>
+                                    </p:anim>
+                                    <p:anim calcmode="lin" valueType="num">
+                                      <p:cBhvr>
+                                        <p:cTn id="21" dur="1000" fill="hold"/>
+                                        <p:tgtEl>
+                                          <p:spTgt spid="3">
+                                            <p:txEl>
+                                              <p:pRg st="0" end="0"/>
+                                            </p:txEl>
+                                          </p:spTgt>
+                                        </p:tgtEl>
+                                        <p:attrNameLst>
+                                          <p:attrName>ppt_y</p:attrName>
+                                        </p:attrNameLst>
+                                      </p:cBhvr>
+                                      <p:tavLst>
+                                        <p:tav tm="0">
+                                          <p:val>
+                                            <p:strVal val="#ppt_y+.1"/>
+                                          </p:val>
+                                        </p:tav>
+                                        <p:tav tm="100000">
+                                          <p:val>
+                                            <p:strVal val="#ppt_y"/>
+                                          </p:val>
+                                        </p:tav>
+                                      </p:tavLst>
+                                    </p:anim>
+                                  </p:childTnLst>
+                                </p:cTn>
+                              </p:par>
+                            </p:childTnLst>
+                          </p:cTn>
+                        </p:par>
+                      </p:childTnLst>
+                    </p:cTn>
+                  </p:par>
+                  <p:par>
+                    <p:cTn id="22" fill="hold">
+                      <p:stCondLst>
+                        <p:cond delay="indefinite"/>
+                      </p:stCondLst>
+                      <p:childTnLst>
+                        <p:par>
+                          <p:cTn id="23" fill="hold">
+                            <p:stCondLst>
+                              <p:cond delay="0"/>
+                            </p:stCondLst>
+                            <p:childTnLst>
+                              <p:par>
+                                <p:cTn id="24" presetID="42" presetClass="entr" presetSubtype="0" fill="hold" grpId="0" nodeType="clickEffect">
+                                  <p:stCondLst>
+                                    <p:cond delay="0"/>
+                                  </p:stCondLst>
+                                  <p:childTnLst>
+                                    <p:set>
+                                      <p:cBhvr>
+                                        <p:cTn id="25" dur="1" fill="hold">
+                                          <p:stCondLst>
+                                            <p:cond delay="0"/>
+                                          </p:stCondLst>
+                                        </p:cTn>
+                                        <p:tgtEl>
+                                          <p:spTgt spid="3">
+                                            <p:txEl>
+                                              <p:pRg st="1" end="1"/>
+                                            </p:txEl>
+                                          </p:spTgt>
+                                        </p:tgtEl>
+                                        <p:attrNameLst>
+                                          <p:attrName>style.visibility</p:attrName>
+                                        </p:attrNameLst>
+                                      </p:cBhvr>
+                                      <p:to>
+                                        <p:strVal val="visible"/>
+                                      </p:to>
+                                    </p:set>
+                                    <p:animEffect transition="in" filter="fade">
+                                      <p:cBhvr>
+                                        <p:cTn id="26" dur="1000"/>
+                                        <p:tgtEl>
+                                          <p:spTgt spid="3">
+                                            <p:txEl>
+                                              <p:pRg st="1" end="1"/>
+                                            </p:txEl>
+                                          </p:spTgt>
+                                        </p:tgtEl>
+                                      </p:cBhvr>
+                                    </p:animEffect>
+                                    <p:anim calcmode="lin" valueType="num">
+                                      <p:cBhvr>
+                                        <p:cTn id="27" dur="1000" fill="hold"/>
+                                        <p:tgtEl>
+                                          <p:spTgt spid="3">
+                                            <p:txEl>
+                                              <p:pRg st="1" end="1"/>
+                                            </p:txEl>
+                                          </p:spTgt>
+                                        </p:tgtEl>
+                                        <p:attrNameLst>
+                                          <p:attrName>ppt_x</p:attrName>
+                                        </p:attrNameLst>
+                                      </p:cBhvr>
+                                      <p:tavLst>
+                                        <p:tav tm="0">
+                                          <p:val>
+                                            <p:strVal val="#ppt_x"/>
+                                          </p:val>
+                                        </p:tav>
+                                        <p:tav tm="100000">
+                                          <p:val>
+                                            <p:strVal val="#ppt_x"/>
+                                          </p:val>
+                                        </p:tav>
+                                      </p:tavLst>
+                                    </p:anim>
+                                    <p:anim calcmode="lin" valueType="num">
+                                      <p:cBhvr>
+                                        <p:cTn id="28" dur="1000" fill="hold"/>
+                                        <p:tgtEl>
+                                          <p:spTgt spid="3">
+                                            <p:txEl>
+                                              <p:pRg st="1" end="1"/>
+                                            </p:txEl>
+                                          </p:spTgt>
+                                        </p:tgtEl>
+                                        <p:attrNameLst>
+                                          <p:attrName>ppt_y</p:attrName>
+                                        </p:attrNameLst>
+                                      </p:cBhvr>
+                                      <p:tavLst>
+                                        <p:tav tm="0">
+                                          <p:val>
+                                            <p:strVal val="#ppt_y+.1"/>
+                                          </p:val>
+                                        </p:tav>
+                                        <p:tav tm="100000">
+                                          <p:val>
+                                            <p:strVal val="#ppt_y"/>
+                                          </p:val>
+                                        </p:tav>
+                                      </p:tavLst>
+                                    </p:anim>
+                                  </p:childTnLst>
+                                </p:cTn>
+                              </p:par>
+                            </p:childTnLst>
+                          </p:cTn>
+                        </p:par>
+                      </p:childTnLst>
+                    </p:cTn>
+                  </p:par>
+                  <p:par>
+                    <p:cTn id="29" fill="hold">
+                      <p:stCondLst>
+                        <p:cond delay="indefinite"/>
+                      </p:stCondLst>
+                      <p:childTnLst>
+                        <p:par>
+                          <p:cTn id="30" fill="hold">
+                            <p:stCondLst>
+                              <p:cond delay="0"/>
+                            </p:stCondLst>
+                            <p:childTnLst>
+                              <p:par>
+                                <p:cTn id="31" presetID="42" presetClass="entr" presetSubtype="0" fill="hold" grpId="0" nodeType="clickEffect">
+                                  <p:stCondLst>
+                                    <p:cond delay="0"/>
+                                  </p:stCondLst>
+                                  <p:childTnLst>
+                                    <p:set>
+                                      <p:cBhvr>
+                                        <p:cTn id="32" dur="1" fill="hold">
+                                          <p:stCondLst>
+                                            <p:cond delay="0"/>
+                                          </p:stCondLst>
+                                        </p:cTn>
+                                        <p:tgtEl>
+                                          <p:spTgt spid="3">
+                                            <p:txEl>
+                                              <p:pRg st="2" end="2"/>
+                                            </p:txEl>
+                                          </p:spTgt>
+                                        </p:tgtEl>
+                                        <p:attrNameLst>
+                                          <p:attrName>style.visibility</p:attrName>
+                                        </p:attrNameLst>
+                                      </p:cBhvr>
+                                      <p:to>
+                                        <p:strVal val="visible"/>
+                                      </p:to>
+                                    </p:set>
+                                    <p:animEffect transition="in" filter="fade">
+                                      <p:cBhvr>
+                                        <p:cTn id="33" dur="1000"/>
+                                        <p:tgtEl>
+                                          <p:spTgt spid="3">
+                                            <p:txEl>
+                                              <p:pRg st="2" end="2"/>
+                                            </p:txEl>
+                                          </p:spTgt>
+                                        </p:tgtEl>
+                                      </p:cBhvr>
+                                    </p:animEffect>
+                                    <p:anim calcmode="lin" valueType="num">
+                                      <p:cBhvr>
+                                        <p:cTn id="34" dur="1000" fill="hold"/>
+                                        <p:tgtEl>
+                                          <p:spTgt spid="3">
+                                            <p:txEl>
+                                              <p:pRg st="2" end="2"/>
+                                            </p:txEl>
+                                          </p:spTgt>
+                                        </p:tgtEl>
+                                        <p:attrNameLst>
+                                          <p:attrName>ppt_x</p:attrName>
+                                        </p:attrNameLst>
+                                      </p:cBhvr>
+                                      <p:tavLst>
+                                        <p:tav tm="0">
+                                          <p:val>
+                                            <p:strVal val="#ppt_x"/>
+                                          </p:val>
+                                        </p:tav>
+                                        <p:tav tm="100000">
+                                          <p:val>
+                                            <p:strVal val="#ppt_x"/>
+                                          </p:val>
+                                        </p:tav>
+                                      </p:tavLst>
+                                    </p:anim>
+                                    <p:anim calcmode="lin" valueType="num">
+                                      <p:cBhvr>
+                                        <p:cTn id="35" dur="1000" fill="hold"/>
+                                        <p:tgtEl>
+                                          <p:spTgt spid="3">
+                                            <p:txEl>
+                                              <p:pRg st="2" end="2"/>
+                                            </p:txEl>
+                                          </p:spTgt>
+                                        </p:tgtEl>
+                                        <p:attrNameLst>
+                                          <p:attrName>ppt_y</p:attrName>
+                                        </p:attrNameLst>
+                                      </p:cBhvr>
+                                      <p:tavLst>
+                                        <p:tav tm="0">
+                                          <p:val>
+                                            <p:strVal val="#ppt_y+.1"/>
+                                          </p:val>
+                                        </p:tav>
+                                        <p:tav tm="100000">
+                                          <p:val>
+                                            <p:strVal val="#ppt_y"/>
+                                          </p:val>
+                                        </p:tav>
+                                      </p:tavLst>
+                                    </p:anim>
+                                  </p:childTnLst>
+                                </p:cTn>
+                              </p:par>
+                            </p:childTnLst>
+                          </p:cTn>
+                        </p:par>
+                      </p:childTnLst>
+                    </p:cTn>
+                  </p:par>
+                </p:childTnLst>
+              </p:cTn>
+              <p:prevCondLst>
+                <p:cond evt="onPrev" delay="0">
+                  <p:tgtEl>
+                    <p:sldTgt/>
+                  </p:tgtEl>
+                </p:cond>
+              </p:prevCondLst>
+              <p:nextCondLst>
+                <p:cond evt="onNext" delay="0">
+                  <p:tgtEl>
+                    <p:sldTgt/>
+                  </p:tgtEl>
+                </p:cond>
+              </p:nextCondLst>
+            </p:seq>
+          </p:childTnLst>
+        </p:cTn>
+      </p:par>
+    </p:tnLst>
+    <p:bldLst>
+      <p:bldP spid="2" grpId="0"/>
+      <p:bldP spid="3" grpId="0" build="p"/>
+    </p:bldLst>
+  </p:timing>
 </p:sld>
 </file>
 
@@ -20809,6 +28960,527 @@
   <p:clrMapOvr>
     <a:masterClrMapping/>
   </p:clrMapOvr>
+  <p:timing>
+    <p:tnLst>
+      <p:par>
+        <p:cTn id="1" dur="indefinite" restart="never" nodeType="tmRoot">
+          <p:childTnLst>
+            <p:seq concurrent="1" nextAc="seek">
+              <p:cTn id="2" dur="indefinite" nodeType="mainSeq">
+                <p:childTnLst>
+                  <p:par>
+                    <p:cTn id="3" fill="hold">
+                      <p:stCondLst>
+                        <p:cond delay="indefinite"/>
+                      </p:stCondLst>
+                      <p:childTnLst>
+                        <p:par>
+                          <p:cTn id="4" fill="hold">
+                            <p:stCondLst>
+                              <p:cond delay="0"/>
+                            </p:stCondLst>
+                            <p:childTnLst>
+                              <p:par>
+                                <p:cTn id="5" presetID="2" presetClass="entr" presetSubtype="4" fill="hold" grpId="0" nodeType="clickEffect">
+                                  <p:stCondLst>
+                                    <p:cond delay="0"/>
+                                  </p:stCondLst>
+                                  <p:childTnLst>
+                                    <p:set>
+                                      <p:cBhvr>
+                                        <p:cTn id="6" dur="1" fill="hold">
+                                          <p:stCondLst>
+                                            <p:cond delay="0"/>
+                                          </p:stCondLst>
+                                        </p:cTn>
+                                        <p:tgtEl>
+                                          <p:spTgt spid="4"/>
+                                        </p:tgtEl>
+                                        <p:attrNameLst>
+                                          <p:attrName>style.visibility</p:attrName>
+                                        </p:attrNameLst>
+                                      </p:cBhvr>
+                                      <p:to>
+                                        <p:strVal val="visible"/>
+                                      </p:to>
+                                    </p:set>
+                                    <p:anim calcmode="lin" valueType="num">
+                                      <p:cBhvr additive="base">
+                                        <p:cTn id="7" dur="500" fill="hold"/>
+                                        <p:tgtEl>
+                                          <p:spTgt spid="4"/>
+                                        </p:tgtEl>
+                                        <p:attrNameLst>
+                                          <p:attrName>ppt_x</p:attrName>
+                                        </p:attrNameLst>
+                                      </p:cBhvr>
+                                      <p:tavLst>
+                                        <p:tav tm="0">
+                                          <p:val>
+                                            <p:strVal val="#ppt_x"/>
+                                          </p:val>
+                                        </p:tav>
+                                        <p:tav tm="100000">
+                                          <p:val>
+                                            <p:strVal val="#ppt_x"/>
+                                          </p:val>
+                                        </p:tav>
+                                      </p:tavLst>
+                                    </p:anim>
+                                    <p:anim calcmode="lin" valueType="num">
+                                      <p:cBhvr additive="base">
+                                        <p:cTn id="8" dur="500" fill="hold"/>
+                                        <p:tgtEl>
+                                          <p:spTgt spid="4"/>
+                                        </p:tgtEl>
+                                        <p:attrNameLst>
+                                          <p:attrName>ppt_y</p:attrName>
+                                        </p:attrNameLst>
+                                      </p:cBhvr>
+                                      <p:tavLst>
+                                        <p:tav tm="0">
+                                          <p:val>
+                                            <p:strVal val="1+#ppt_h/2"/>
+                                          </p:val>
+                                        </p:tav>
+                                        <p:tav tm="100000">
+                                          <p:val>
+                                            <p:strVal val="#ppt_y"/>
+                                          </p:val>
+                                        </p:tav>
+                                      </p:tavLst>
+                                    </p:anim>
+                                  </p:childTnLst>
+                                </p:cTn>
+                              </p:par>
+                            </p:childTnLst>
+                          </p:cTn>
+                        </p:par>
+                      </p:childTnLst>
+                    </p:cTn>
+                  </p:par>
+                  <p:par>
+                    <p:cTn id="9" fill="hold">
+                      <p:stCondLst>
+                        <p:cond delay="indefinite"/>
+                      </p:stCondLst>
+                      <p:childTnLst>
+                        <p:par>
+                          <p:cTn id="10" fill="hold">
+                            <p:stCondLst>
+                              <p:cond delay="0"/>
+                            </p:stCondLst>
+                            <p:childTnLst>
+                              <p:par>
+                                <p:cTn id="11" presetID="1" presetClass="entr" presetSubtype="0" fill="hold" grpId="0" nodeType="clickEffect">
+                                  <p:stCondLst>
+                                    <p:cond delay="0"/>
+                                  </p:stCondLst>
+                                  <p:childTnLst>
+                                    <p:set>
+                                      <p:cBhvr>
+                                        <p:cTn id="12" dur="1" fill="hold">
+                                          <p:stCondLst>
+                                            <p:cond delay="0"/>
+                                          </p:stCondLst>
+                                        </p:cTn>
+                                        <p:tgtEl>
+                                          <p:spTgt spid="5">
+                                            <p:txEl>
+                                              <p:pRg st="0" end="0"/>
+                                            </p:txEl>
+                                          </p:spTgt>
+                                        </p:tgtEl>
+                                        <p:attrNameLst>
+                                          <p:attrName>style.visibility</p:attrName>
+                                        </p:attrNameLst>
+                                      </p:cBhvr>
+                                      <p:to>
+                                        <p:strVal val="visible"/>
+                                      </p:to>
+                                    </p:set>
+                                  </p:childTnLst>
+                                </p:cTn>
+                              </p:par>
+                            </p:childTnLst>
+                          </p:cTn>
+                        </p:par>
+                      </p:childTnLst>
+                    </p:cTn>
+                  </p:par>
+                  <p:par>
+                    <p:cTn id="13" fill="hold">
+                      <p:stCondLst>
+                        <p:cond delay="indefinite"/>
+                      </p:stCondLst>
+                      <p:childTnLst>
+                        <p:par>
+                          <p:cTn id="14" fill="hold">
+                            <p:stCondLst>
+                              <p:cond delay="0"/>
+                            </p:stCondLst>
+                            <p:childTnLst>
+                              <p:par>
+                                <p:cTn id="15" presetID="1" presetClass="entr" presetSubtype="0" fill="hold" grpId="0" nodeType="clickEffect">
+                                  <p:stCondLst>
+                                    <p:cond delay="0"/>
+                                  </p:stCondLst>
+                                  <p:childTnLst>
+                                    <p:set>
+                                      <p:cBhvr>
+                                        <p:cTn id="16" dur="1" fill="hold">
+                                          <p:stCondLst>
+                                            <p:cond delay="0"/>
+                                          </p:stCondLst>
+                                        </p:cTn>
+                                        <p:tgtEl>
+                                          <p:spTgt spid="5">
+                                            <p:txEl>
+                                              <p:pRg st="1" end="1"/>
+                                            </p:txEl>
+                                          </p:spTgt>
+                                        </p:tgtEl>
+                                        <p:attrNameLst>
+                                          <p:attrName>style.visibility</p:attrName>
+                                        </p:attrNameLst>
+                                      </p:cBhvr>
+                                      <p:to>
+                                        <p:strVal val="visible"/>
+                                      </p:to>
+                                    </p:set>
+                                  </p:childTnLst>
+                                </p:cTn>
+                              </p:par>
+                            </p:childTnLst>
+                          </p:cTn>
+                        </p:par>
+                      </p:childTnLst>
+                    </p:cTn>
+                  </p:par>
+                  <p:par>
+                    <p:cTn id="17" fill="hold">
+                      <p:stCondLst>
+                        <p:cond delay="indefinite"/>
+                      </p:stCondLst>
+                      <p:childTnLst>
+                        <p:par>
+                          <p:cTn id="18" fill="hold">
+                            <p:stCondLst>
+                              <p:cond delay="0"/>
+                            </p:stCondLst>
+                            <p:childTnLst>
+                              <p:par>
+                                <p:cTn id="19" presetID="1" presetClass="entr" presetSubtype="0" fill="hold" grpId="0" nodeType="clickEffect">
+                                  <p:stCondLst>
+                                    <p:cond delay="0"/>
+                                  </p:stCondLst>
+                                  <p:childTnLst>
+                                    <p:set>
+                                      <p:cBhvr>
+                                        <p:cTn id="20" dur="1" fill="hold">
+                                          <p:stCondLst>
+                                            <p:cond delay="0"/>
+                                          </p:stCondLst>
+                                        </p:cTn>
+                                        <p:tgtEl>
+                                          <p:spTgt spid="5">
+                                            <p:txEl>
+                                              <p:pRg st="2" end="2"/>
+                                            </p:txEl>
+                                          </p:spTgt>
+                                        </p:tgtEl>
+                                        <p:attrNameLst>
+                                          <p:attrName>style.visibility</p:attrName>
+                                        </p:attrNameLst>
+                                      </p:cBhvr>
+                                      <p:to>
+                                        <p:strVal val="visible"/>
+                                      </p:to>
+                                    </p:set>
+                                  </p:childTnLst>
+                                </p:cTn>
+                              </p:par>
+                            </p:childTnLst>
+                          </p:cTn>
+                        </p:par>
+                      </p:childTnLst>
+                    </p:cTn>
+                  </p:par>
+                  <p:par>
+                    <p:cTn id="21" fill="hold">
+                      <p:stCondLst>
+                        <p:cond delay="indefinite"/>
+                      </p:stCondLst>
+                      <p:childTnLst>
+                        <p:par>
+                          <p:cTn id="22" fill="hold">
+                            <p:stCondLst>
+                              <p:cond delay="0"/>
+                            </p:stCondLst>
+                            <p:childTnLst>
+                              <p:par>
+                                <p:cTn id="23" presetID="1" presetClass="entr" presetSubtype="0" fill="hold" grpId="0" nodeType="clickEffect">
+                                  <p:stCondLst>
+                                    <p:cond delay="0"/>
+                                  </p:stCondLst>
+                                  <p:childTnLst>
+                                    <p:set>
+                                      <p:cBhvr>
+                                        <p:cTn id="24" dur="1" fill="hold">
+                                          <p:stCondLst>
+                                            <p:cond delay="0"/>
+                                          </p:stCondLst>
+                                        </p:cTn>
+                                        <p:tgtEl>
+                                          <p:spTgt spid="5">
+                                            <p:txEl>
+                                              <p:pRg st="3" end="3"/>
+                                            </p:txEl>
+                                          </p:spTgt>
+                                        </p:tgtEl>
+                                        <p:attrNameLst>
+                                          <p:attrName>style.visibility</p:attrName>
+                                        </p:attrNameLst>
+                                      </p:cBhvr>
+                                      <p:to>
+                                        <p:strVal val="visible"/>
+                                      </p:to>
+                                    </p:set>
+                                  </p:childTnLst>
+                                </p:cTn>
+                              </p:par>
+                            </p:childTnLst>
+                          </p:cTn>
+                        </p:par>
+                      </p:childTnLst>
+                    </p:cTn>
+                  </p:par>
+                  <p:par>
+                    <p:cTn id="25" fill="hold">
+                      <p:stCondLst>
+                        <p:cond delay="indefinite"/>
+                      </p:stCondLst>
+                      <p:childTnLst>
+                        <p:par>
+                          <p:cTn id="26" fill="hold">
+                            <p:stCondLst>
+                              <p:cond delay="0"/>
+                            </p:stCondLst>
+                            <p:childTnLst>
+                              <p:par>
+                                <p:cTn id="27" presetID="1" presetClass="entr" presetSubtype="0" fill="hold" grpId="0" nodeType="clickEffect">
+                                  <p:stCondLst>
+                                    <p:cond delay="0"/>
+                                  </p:stCondLst>
+                                  <p:childTnLst>
+                                    <p:set>
+                                      <p:cBhvr>
+                                        <p:cTn id="28" dur="1" fill="hold">
+                                          <p:stCondLst>
+                                            <p:cond delay="0"/>
+                                          </p:stCondLst>
+                                        </p:cTn>
+                                        <p:tgtEl>
+                                          <p:spTgt spid="5">
+                                            <p:txEl>
+                                              <p:pRg st="4" end="4"/>
+                                            </p:txEl>
+                                          </p:spTgt>
+                                        </p:tgtEl>
+                                        <p:attrNameLst>
+                                          <p:attrName>style.visibility</p:attrName>
+                                        </p:attrNameLst>
+                                      </p:cBhvr>
+                                      <p:to>
+                                        <p:strVal val="visible"/>
+                                      </p:to>
+                                    </p:set>
+                                  </p:childTnLst>
+                                </p:cTn>
+                              </p:par>
+                            </p:childTnLst>
+                          </p:cTn>
+                        </p:par>
+                      </p:childTnLst>
+                    </p:cTn>
+                  </p:par>
+                  <p:par>
+                    <p:cTn id="29" fill="hold">
+                      <p:stCondLst>
+                        <p:cond delay="indefinite"/>
+                      </p:stCondLst>
+                      <p:childTnLst>
+                        <p:par>
+                          <p:cTn id="30" fill="hold">
+                            <p:stCondLst>
+                              <p:cond delay="0"/>
+                            </p:stCondLst>
+                            <p:childTnLst>
+                              <p:par>
+                                <p:cTn id="31" presetID="1" presetClass="entr" presetSubtype="0" fill="hold" grpId="0" nodeType="clickEffect">
+                                  <p:stCondLst>
+                                    <p:cond delay="0"/>
+                                  </p:stCondLst>
+                                  <p:childTnLst>
+                                    <p:set>
+                                      <p:cBhvr>
+                                        <p:cTn id="32" dur="1" fill="hold">
+                                          <p:stCondLst>
+                                            <p:cond delay="0"/>
+                                          </p:stCondLst>
+                                        </p:cTn>
+                                        <p:tgtEl>
+                                          <p:spTgt spid="5">
+                                            <p:txEl>
+                                              <p:pRg st="5" end="5"/>
+                                            </p:txEl>
+                                          </p:spTgt>
+                                        </p:tgtEl>
+                                        <p:attrNameLst>
+                                          <p:attrName>style.visibility</p:attrName>
+                                        </p:attrNameLst>
+                                      </p:cBhvr>
+                                      <p:to>
+                                        <p:strVal val="visible"/>
+                                      </p:to>
+                                    </p:set>
+                                  </p:childTnLst>
+                                </p:cTn>
+                              </p:par>
+                            </p:childTnLst>
+                          </p:cTn>
+                        </p:par>
+                      </p:childTnLst>
+                    </p:cTn>
+                  </p:par>
+                  <p:par>
+                    <p:cTn id="33" fill="hold">
+                      <p:stCondLst>
+                        <p:cond delay="indefinite"/>
+                      </p:stCondLst>
+                      <p:childTnLst>
+                        <p:par>
+                          <p:cTn id="34" fill="hold">
+                            <p:stCondLst>
+                              <p:cond delay="0"/>
+                            </p:stCondLst>
+                            <p:childTnLst>
+                              <p:par>
+                                <p:cTn id="35" presetID="1" presetClass="entr" presetSubtype="0" fill="hold" grpId="0" nodeType="clickEffect">
+                                  <p:stCondLst>
+                                    <p:cond delay="0"/>
+                                  </p:stCondLst>
+                                  <p:childTnLst>
+                                    <p:set>
+                                      <p:cBhvr>
+                                        <p:cTn id="36" dur="1" fill="hold">
+                                          <p:stCondLst>
+                                            <p:cond delay="0"/>
+                                          </p:stCondLst>
+                                        </p:cTn>
+                                        <p:tgtEl>
+                                          <p:spTgt spid="5">
+                                            <p:txEl>
+                                              <p:pRg st="6" end="6"/>
+                                            </p:txEl>
+                                          </p:spTgt>
+                                        </p:tgtEl>
+                                        <p:attrNameLst>
+                                          <p:attrName>style.visibility</p:attrName>
+                                        </p:attrNameLst>
+                                      </p:cBhvr>
+                                      <p:to>
+                                        <p:strVal val="visible"/>
+                                      </p:to>
+                                    </p:set>
+                                  </p:childTnLst>
+                                </p:cTn>
+                              </p:par>
+                            </p:childTnLst>
+                          </p:cTn>
+                        </p:par>
+                      </p:childTnLst>
+                    </p:cTn>
+                  </p:par>
+                  <p:par>
+                    <p:cTn id="37" fill="hold">
+                      <p:stCondLst>
+                        <p:cond delay="indefinite"/>
+                      </p:stCondLst>
+                      <p:childTnLst>
+                        <p:par>
+                          <p:cTn id="38" fill="hold">
+                            <p:stCondLst>
+                              <p:cond delay="0"/>
+                            </p:stCondLst>
+                            <p:childTnLst>
+                              <p:par>
+                                <p:cTn id="39" presetID="10" presetClass="entr" presetSubtype="0" fill="hold" nodeType="clickEffect">
+                                  <p:stCondLst>
+                                    <p:cond delay="0"/>
+                                  </p:stCondLst>
+                                  <p:childTnLst>
+                                    <p:set>
+                                      <p:cBhvr>
+                                        <p:cTn id="40" dur="1" fill="hold">
+                                          <p:stCondLst>
+                                            <p:cond delay="0"/>
+                                          </p:stCondLst>
+                                        </p:cTn>
+                                        <p:tgtEl>
+                                          <p:spTgt spid="11"/>
+                                        </p:tgtEl>
+                                        <p:attrNameLst>
+                                          <p:attrName>style.visibility</p:attrName>
+                                        </p:attrNameLst>
+                                      </p:cBhvr>
+                                      <p:to>
+                                        <p:strVal val="visible"/>
+                                      </p:to>
+                                    </p:set>
+                                    <p:animEffect transition="in" filter="fade">
+                                      <p:cBhvr>
+                                        <p:cTn id="41" dur="500"/>
+                                        <p:tgtEl>
+                                          <p:spTgt spid="11"/>
+                                        </p:tgtEl>
+                                      </p:cBhvr>
+                                    </p:animEffect>
+                                  </p:childTnLst>
+                                </p:cTn>
+                              </p:par>
+                            </p:childTnLst>
+                          </p:cTn>
+                        </p:par>
+                      </p:childTnLst>
+                    </p:cTn>
+                  </p:par>
+                </p:childTnLst>
+              </p:cTn>
+              <p:prevCondLst>
+                <p:cond evt="onPrev" delay="0">
+                  <p:tgtEl>
+                    <p:sldTgt/>
+                  </p:tgtEl>
+                </p:cond>
+              </p:prevCondLst>
+              <p:nextCondLst>
+                <p:cond evt="onNext" delay="0">
+                  <p:tgtEl>
+                    <p:sldTgt/>
+                  </p:tgtEl>
+                </p:cond>
+              </p:nextCondLst>
+            </p:seq>
+          </p:childTnLst>
+        </p:cTn>
+      </p:par>
+    </p:tnLst>
+    <p:bldLst>
+      <p:bldP spid="4" grpId="0"/>
+      <p:bldP spid="5" grpId="0" build="p"/>
+    </p:bldLst>
+  </p:timing>
 </p:sld>
 </file>
 
@@ -21604,15 +30276,6 @@
 </file>
 
 <file path=customXml/item1.xml><?xml version="1.0" encoding="utf-8"?>
-<?mso-contentType ?>
-<FormTemplates xmlns="http://schemas.microsoft.com/sharepoint/v3/contenttype/forms">
-  <Display>DocumentLibraryForm</Display>
-  <Edit>DocumentLibraryForm</Edit>
-  <New>DocumentLibraryForm</New>
-</FormTemplates>
-</file>
-
-<file path=customXml/item2.xml><?xml version="1.0" encoding="utf-8"?>
 <p:properties xmlns:p="http://schemas.microsoft.com/office/2006/metadata/properties" xmlns:xsi="http://www.w3.org/2001/XMLSchema-instance" xmlns:pc="http://schemas.microsoft.com/office/infopath/2007/PartnerControls">
   <documentManagement>
     <_ip_UnifiedCompliancePolicyUIAction xmlns="http://schemas.microsoft.com/sharepoint/v3" xsi:nil="true"/>
@@ -21630,6 +30293,15 @@
     <MediaServiceKeyPoints xmlns="71af3243-3dd4-4a8d-8c0d-dd76da1f02a5" xsi:nil="true"/>
   </documentManagement>
 </p:properties>
+</file>
+
+<file path=customXml/item2.xml><?xml version="1.0" encoding="utf-8"?>
+<?mso-contentType ?>
+<FormTemplates xmlns="http://schemas.microsoft.com/sharepoint/v3/contenttype/forms">
+  <Display>DocumentLibraryForm</Display>
+  <Edit>DocumentLibraryForm</Edit>
+  <New>DocumentLibraryForm</New>
+</FormTemplates>
 </file>
 
 <file path=customXml/item3.xml><?xml version="1.0" encoding="utf-8"?>
@@ -21945,14 +30617,6 @@
 </file>
 
 <file path=customXml/itemProps1.xml><?xml version="1.0" encoding="utf-8"?>
-<ds:datastoreItem xmlns:ds="http://schemas.openxmlformats.org/officeDocument/2006/customXml" ds:itemID="{16DBB56F-4362-4386-A1A1-3DF898896616}">
-  <ds:schemaRefs>
-    <ds:schemaRef ds:uri="http://schemas.microsoft.com/sharepoint/v3/contenttype/forms"/>
-  </ds:schemaRefs>
-</ds:datastoreItem>
-</file>
-
-<file path=customXml/itemProps2.xml><?xml version="1.0" encoding="utf-8"?>
 <ds:datastoreItem xmlns:ds="http://schemas.openxmlformats.org/officeDocument/2006/customXml" ds:itemID="{BA719FA4-954C-4FA8-82CB-206659C3B826}">
   <ds:schemaRefs>
     <ds:schemaRef ds:uri="http://schemas.microsoft.com/office/2006/metadata/properties"/>
@@ -21960,6 +30624,14 @@
     <ds:schemaRef ds:uri="http://schemas.microsoft.com/sharepoint/v3"/>
     <ds:schemaRef ds:uri="71af3243-3dd4-4a8d-8c0d-dd76da1f02a5"/>
     <ds:schemaRef ds:uri="230e9df3-be65-4c73-a93b-d1236ebd677e"/>
+  </ds:schemaRefs>
+</ds:datastoreItem>
+</file>
+
+<file path=customXml/itemProps2.xml><?xml version="1.0" encoding="utf-8"?>
+<ds:datastoreItem xmlns:ds="http://schemas.openxmlformats.org/officeDocument/2006/customXml" ds:itemID="{16DBB56F-4362-4386-A1A1-3DF898896616}">
+  <ds:schemaRefs>
+    <ds:schemaRef ds:uri="http://schemas.microsoft.com/sharepoint/v3/contenttype/forms"/>
   </ds:schemaRefs>
 </ds:datastoreItem>
 </file>
